--- a/Alexa.pptx
+++ b/Alexa.pptx
@@ -4,6 +4,9 @@
   <p:sldMasterIdLst>
     <p:sldMasterId id="2147483696" r:id="rId1"/>
   </p:sldMasterIdLst>
+  <p:notesMasterIdLst>
+    <p:notesMasterId r:id="rId15"/>
+  </p:notesMasterIdLst>
   <p:sldIdLst>
     <p:sldId id="256" r:id="rId2"/>
     <p:sldId id="257" r:id="rId3"/>
@@ -116,6 +119,22 @@
       </a:defRPr>
     </a:lvl9pPr>
   </p:defaultTextStyle>
+  <p:extLst>
+    <p:ext uri="{EFAFB233-063F-42B5-8137-9DF3F51BA10A}">
+      <p15:sldGuideLst xmlns:p15="http://schemas.microsoft.com/office/powerpoint/2012/main">
+        <p15:guide id="1" orient="horz" pos="1620">
+          <p15:clr>
+            <a:srgbClr val="A4A3A4"/>
+          </p15:clr>
+        </p15:guide>
+        <p15:guide id="2" pos="2880">
+          <p15:clr>
+            <a:srgbClr val="A4A3A4"/>
+          </p15:clr>
+        </p15:guide>
+      </p15:sldGuideLst>
+    </p:ext>
+  </p:extLst>
 </p:presentation>
 </file>
 
@@ -888,10 +907,9 @@
         <a:lstStyle/>
         <a:p>
           <a:r>
-            <a:rPr lang="en-US" b="1" dirty="0" smtClean="0"/>
+            <a:rPr lang="en-US" b="1" dirty="0"/>
             <a:t>Data Science</a:t>
           </a:r>
-          <a:endParaRPr lang="en-US" b="1" dirty="0"/>
         </a:p>
       </dgm:t>
     </dgm:pt>
@@ -925,10 +943,9 @@
         <a:lstStyle/>
         <a:p>
           <a:r>
-            <a:rPr lang="en-US" sz="700" b="1" dirty="0" smtClean="0"/>
+            <a:rPr lang="en-US" sz="700" b="1" dirty="0"/>
             <a:t>Mathematics</a:t>
           </a:r>
-          <a:endParaRPr lang="en-US" sz="700" b="1" dirty="0"/>
         </a:p>
       </dgm:t>
     </dgm:pt>
@@ -962,10 +979,9 @@
         <a:lstStyle/>
         <a:p>
           <a:r>
-            <a:rPr lang="en-US" b="1" dirty="0" smtClean="0"/>
+            <a:rPr lang="en-US" b="1" dirty="0"/>
             <a:t>Machine Learning or Deep Learning</a:t>
           </a:r>
-          <a:endParaRPr lang="en-US" b="1" dirty="0"/>
         </a:p>
       </dgm:t>
     </dgm:pt>
@@ -999,10 +1015,9 @@
         <a:lstStyle/>
         <a:p>
           <a:r>
-            <a:rPr lang="en-US" b="1" dirty="0" smtClean="0"/>
+            <a:rPr lang="en-US" b="1" dirty="0"/>
             <a:t>Database</a:t>
           </a:r>
-          <a:endParaRPr lang="en-US" b="1" dirty="0"/>
         </a:p>
       </dgm:t>
     </dgm:pt>
@@ -1036,10 +1051,9 @@
         <a:lstStyle/>
         <a:p>
           <a:r>
-            <a:rPr lang="en-US" b="1" dirty="0" smtClean="0"/>
+            <a:rPr lang="en-US" b="1" dirty="0"/>
             <a:t>Analytical Knowledge</a:t>
           </a:r>
-          <a:endParaRPr lang="en-US" b="1" dirty="0"/>
         </a:p>
       </dgm:t>
     </dgm:pt>
@@ -1073,10 +1087,9 @@
         <a:lstStyle/>
         <a:p>
           <a:r>
-            <a:rPr lang="en-US" b="1" dirty="0" smtClean="0"/>
+            <a:rPr lang="en-US" b="1" dirty="0"/>
             <a:t>Statistics</a:t>
           </a:r>
-          <a:endParaRPr lang="en-US" b="1" dirty="0"/>
         </a:p>
       </dgm:t>
     </dgm:pt>
@@ -1110,10 +1123,9 @@
         <a:lstStyle/>
         <a:p>
           <a:r>
-            <a:rPr lang="en-US" b="1" dirty="0" smtClean="0"/>
+            <a:rPr lang="en-US" b="1" dirty="0"/>
             <a:t>Computer Programming</a:t>
           </a:r>
-          <a:endParaRPr lang="en-US" b="1" dirty="0"/>
         </a:p>
       </dgm:t>
     </dgm:pt>
@@ -1147,10 +1159,9 @@
         <a:lstStyle/>
         <a:p>
           <a:r>
-            <a:rPr lang="en-US" b="1" dirty="0" smtClean="0"/>
+            <a:rPr lang="en-US" b="1" dirty="0"/>
             <a:t>Artificial Intelligence</a:t>
           </a:r>
-          <a:endParaRPr lang="en-US" b="1" dirty="0"/>
         </a:p>
       </dgm:t>
     </dgm:pt>
@@ -1186,46 +1197,18 @@
         </dgm:presLayoutVars>
       </dgm:prSet>
       <dgm:spPr/>
-      <dgm:t>
-        <a:bodyPr/>
-        <a:lstStyle/>
-        <a:p>
-          <a:endParaRPr lang="en-US"/>
-        </a:p>
-      </dgm:t>
     </dgm:pt>
     <dgm:pt modelId="{3BA58972-1862-4FA4-853E-8E4BD3E39BB5}" type="pres">
       <dgm:prSet presAssocID="{508C9AD2-8A8F-4EA5-8DC3-2D1032B7F9E5}" presName="centerShape" presStyleLbl="node0" presStyleIdx="0" presStyleCnt="1"/>
       <dgm:spPr/>
-      <dgm:t>
-        <a:bodyPr/>
-        <a:lstStyle/>
-        <a:p>
-          <a:endParaRPr lang="en-US"/>
-        </a:p>
-      </dgm:t>
     </dgm:pt>
     <dgm:pt modelId="{FBE26981-8A4A-46DA-8024-1E4E26112FE3}" type="pres">
       <dgm:prSet presAssocID="{FE96DF6B-C096-4CED-A6B5-FEBC2B139384}" presName="parTrans" presStyleLbl="sibTrans2D1" presStyleIdx="0" presStyleCnt="7"/>
       <dgm:spPr/>
-      <dgm:t>
-        <a:bodyPr/>
-        <a:lstStyle/>
-        <a:p>
-          <a:endParaRPr lang="en-US"/>
-        </a:p>
-      </dgm:t>
     </dgm:pt>
     <dgm:pt modelId="{670B612A-6E73-4C10-B5A8-8685167463B1}" type="pres">
       <dgm:prSet presAssocID="{FE96DF6B-C096-4CED-A6B5-FEBC2B139384}" presName="connectorText" presStyleLbl="sibTrans2D1" presStyleIdx="0" presStyleCnt="7"/>
       <dgm:spPr/>
-      <dgm:t>
-        <a:bodyPr/>
-        <a:lstStyle/>
-        <a:p>
-          <a:endParaRPr lang="en-US"/>
-        </a:p>
-      </dgm:t>
     </dgm:pt>
     <dgm:pt modelId="{02125F70-E2D0-4122-B8BD-26B795C90DD2}" type="pres">
       <dgm:prSet presAssocID="{040FEE6C-F09C-4A85-A5F5-046C6ABDFB15}" presName="node" presStyleLbl="node1" presStyleIdx="0" presStyleCnt="7">
@@ -1234,35 +1217,14 @@
         </dgm:presLayoutVars>
       </dgm:prSet>
       <dgm:spPr/>
-      <dgm:t>
-        <a:bodyPr/>
-        <a:lstStyle/>
-        <a:p>
-          <a:endParaRPr lang="en-US"/>
-        </a:p>
-      </dgm:t>
     </dgm:pt>
     <dgm:pt modelId="{85A9FCE1-D4BD-4889-9AC9-8B4DAF1FFA24}" type="pres">
       <dgm:prSet presAssocID="{B9431CB7-2F28-4F97-A2EE-1C54CBFD61CA}" presName="parTrans" presStyleLbl="sibTrans2D1" presStyleIdx="1" presStyleCnt="7"/>
       <dgm:spPr/>
-      <dgm:t>
-        <a:bodyPr/>
-        <a:lstStyle/>
-        <a:p>
-          <a:endParaRPr lang="en-US"/>
-        </a:p>
-      </dgm:t>
     </dgm:pt>
     <dgm:pt modelId="{1856AC43-0514-4139-9398-8626D7F753A6}" type="pres">
       <dgm:prSet presAssocID="{B9431CB7-2F28-4F97-A2EE-1C54CBFD61CA}" presName="connectorText" presStyleLbl="sibTrans2D1" presStyleIdx="1" presStyleCnt="7"/>
       <dgm:spPr/>
-      <dgm:t>
-        <a:bodyPr/>
-        <a:lstStyle/>
-        <a:p>
-          <a:endParaRPr lang="en-US"/>
-        </a:p>
-      </dgm:t>
     </dgm:pt>
     <dgm:pt modelId="{820DD19B-2DE1-4AF9-8206-A595BF5E6231}" type="pres">
       <dgm:prSet presAssocID="{EE162C6B-3441-49A6-82A6-A57CFB4FACF0}" presName="node" presStyleLbl="node1" presStyleIdx="1" presStyleCnt="7">
@@ -1271,35 +1233,14 @@
         </dgm:presLayoutVars>
       </dgm:prSet>
       <dgm:spPr/>
-      <dgm:t>
-        <a:bodyPr/>
-        <a:lstStyle/>
-        <a:p>
-          <a:endParaRPr lang="en-US"/>
-        </a:p>
-      </dgm:t>
     </dgm:pt>
     <dgm:pt modelId="{FC0C3E2B-125A-40CE-AF4D-AB2052CD6C42}" type="pres">
       <dgm:prSet presAssocID="{48D48A5F-44E9-4AA1-9703-B1CD6931D1FC}" presName="parTrans" presStyleLbl="sibTrans2D1" presStyleIdx="2" presStyleCnt="7"/>
       <dgm:spPr/>
-      <dgm:t>
-        <a:bodyPr/>
-        <a:lstStyle/>
-        <a:p>
-          <a:endParaRPr lang="en-US"/>
-        </a:p>
-      </dgm:t>
     </dgm:pt>
     <dgm:pt modelId="{7491F41F-2242-4AEB-8AA7-B964D3E67DF2}" type="pres">
       <dgm:prSet presAssocID="{48D48A5F-44E9-4AA1-9703-B1CD6931D1FC}" presName="connectorText" presStyleLbl="sibTrans2D1" presStyleIdx="2" presStyleCnt="7"/>
       <dgm:spPr/>
-      <dgm:t>
-        <a:bodyPr/>
-        <a:lstStyle/>
-        <a:p>
-          <a:endParaRPr lang="en-US"/>
-        </a:p>
-      </dgm:t>
     </dgm:pt>
     <dgm:pt modelId="{93DBC43F-0339-4296-A812-B4B74D082911}" type="pres">
       <dgm:prSet presAssocID="{F663684B-6D92-49FF-AF03-8F0D17CD2FA0}" presName="node" presStyleLbl="node1" presStyleIdx="2" presStyleCnt="7">
@@ -1308,35 +1249,14 @@
         </dgm:presLayoutVars>
       </dgm:prSet>
       <dgm:spPr/>
-      <dgm:t>
-        <a:bodyPr/>
-        <a:lstStyle/>
-        <a:p>
-          <a:endParaRPr lang="en-US"/>
-        </a:p>
-      </dgm:t>
     </dgm:pt>
     <dgm:pt modelId="{4B950A2D-408B-4963-A258-22DB4B420A04}" type="pres">
       <dgm:prSet presAssocID="{4B6C0C8C-1A33-405F-9AC1-304F76F103D1}" presName="parTrans" presStyleLbl="sibTrans2D1" presStyleIdx="3" presStyleCnt="7"/>
       <dgm:spPr/>
-      <dgm:t>
-        <a:bodyPr/>
-        <a:lstStyle/>
-        <a:p>
-          <a:endParaRPr lang="en-US"/>
-        </a:p>
-      </dgm:t>
     </dgm:pt>
     <dgm:pt modelId="{35797AAB-EA11-45A7-BC3E-9CB84EA7B4EC}" type="pres">
       <dgm:prSet presAssocID="{4B6C0C8C-1A33-405F-9AC1-304F76F103D1}" presName="connectorText" presStyleLbl="sibTrans2D1" presStyleIdx="3" presStyleCnt="7"/>
       <dgm:spPr/>
-      <dgm:t>
-        <a:bodyPr/>
-        <a:lstStyle/>
-        <a:p>
-          <a:endParaRPr lang="en-US"/>
-        </a:p>
-      </dgm:t>
     </dgm:pt>
     <dgm:pt modelId="{AD4E627D-927F-446B-A336-E5D50B71C564}" type="pres">
       <dgm:prSet presAssocID="{970BCA02-49FE-47C0-8567-D6F15B0B417D}" presName="node" presStyleLbl="node1" presStyleIdx="3" presStyleCnt="7">
@@ -1345,35 +1265,14 @@
         </dgm:presLayoutVars>
       </dgm:prSet>
       <dgm:spPr/>
-      <dgm:t>
-        <a:bodyPr/>
-        <a:lstStyle/>
-        <a:p>
-          <a:endParaRPr lang="en-US"/>
-        </a:p>
-      </dgm:t>
     </dgm:pt>
     <dgm:pt modelId="{D34B8BC4-9BE2-4EA9-BDD3-3DC8C2F19E3A}" type="pres">
       <dgm:prSet presAssocID="{8C628259-9CD7-4E36-A943-94535379C037}" presName="parTrans" presStyleLbl="sibTrans2D1" presStyleIdx="4" presStyleCnt="7"/>
       <dgm:spPr/>
-      <dgm:t>
-        <a:bodyPr/>
-        <a:lstStyle/>
-        <a:p>
-          <a:endParaRPr lang="en-US"/>
-        </a:p>
-      </dgm:t>
     </dgm:pt>
     <dgm:pt modelId="{66076236-6CBC-4659-BDC3-EFF932F0B9EF}" type="pres">
       <dgm:prSet presAssocID="{8C628259-9CD7-4E36-A943-94535379C037}" presName="connectorText" presStyleLbl="sibTrans2D1" presStyleIdx="4" presStyleCnt="7"/>
       <dgm:spPr/>
-      <dgm:t>
-        <a:bodyPr/>
-        <a:lstStyle/>
-        <a:p>
-          <a:endParaRPr lang="en-US"/>
-        </a:p>
-      </dgm:t>
     </dgm:pt>
     <dgm:pt modelId="{E3E493E2-8880-429E-92AD-806F0047E464}" type="pres">
       <dgm:prSet presAssocID="{5A05D45E-A39A-4B9D-8E8F-31C4D4CC53D7}" presName="node" presStyleLbl="node1" presStyleIdx="4" presStyleCnt="7">
@@ -1382,35 +1281,14 @@
         </dgm:presLayoutVars>
       </dgm:prSet>
       <dgm:spPr/>
-      <dgm:t>
-        <a:bodyPr/>
-        <a:lstStyle/>
-        <a:p>
-          <a:endParaRPr lang="en-US"/>
-        </a:p>
-      </dgm:t>
     </dgm:pt>
     <dgm:pt modelId="{599142CC-738D-4178-82C9-082B827AE91F}" type="pres">
       <dgm:prSet presAssocID="{31DC527D-6116-435D-9242-3F837BAE20F3}" presName="parTrans" presStyleLbl="sibTrans2D1" presStyleIdx="5" presStyleCnt="7"/>
       <dgm:spPr/>
-      <dgm:t>
-        <a:bodyPr/>
-        <a:lstStyle/>
-        <a:p>
-          <a:endParaRPr lang="en-US"/>
-        </a:p>
-      </dgm:t>
     </dgm:pt>
     <dgm:pt modelId="{D4BFBCAF-1552-4D4A-8AC8-564D69DBA257}" type="pres">
       <dgm:prSet presAssocID="{31DC527D-6116-435D-9242-3F837BAE20F3}" presName="connectorText" presStyleLbl="sibTrans2D1" presStyleIdx="5" presStyleCnt="7"/>
       <dgm:spPr/>
-      <dgm:t>
-        <a:bodyPr/>
-        <a:lstStyle/>
-        <a:p>
-          <a:endParaRPr lang="en-US"/>
-        </a:p>
-      </dgm:t>
     </dgm:pt>
     <dgm:pt modelId="{32F2813E-492F-41FF-9F9D-AADB3746368E}" type="pres">
       <dgm:prSet presAssocID="{0DCF8327-E396-4F84-B063-8363C975879D}" presName="node" presStyleLbl="node1" presStyleIdx="5" presStyleCnt="7">
@@ -1419,35 +1297,14 @@
         </dgm:presLayoutVars>
       </dgm:prSet>
       <dgm:spPr/>
-      <dgm:t>
-        <a:bodyPr/>
-        <a:lstStyle/>
-        <a:p>
-          <a:endParaRPr lang="en-US"/>
-        </a:p>
-      </dgm:t>
     </dgm:pt>
     <dgm:pt modelId="{5D66CAB7-FEDC-4B8B-94CA-3C36B7EA9DCF}" type="pres">
       <dgm:prSet presAssocID="{A6574C7F-7847-47B7-9FD6-66EC86B1EF1B}" presName="parTrans" presStyleLbl="sibTrans2D1" presStyleIdx="6" presStyleCnt="7"/>
       <dgm:spPr/>
-      <dgm:t>
-        <a:bodyPr/>
-        <a:lstStyle/>
-        <a:p>
-          <a:endParaRPr lang="en-US"/>
-        </a:p>
-      </dgm:t>
     </dgm:pt>
     <dgm:pt modelId="{04279EDF-69AC-498A-BC21-C71BF3459B1C}" type="pres">
       <dgm:prSet presAssocID="{A6574C7F-7847-47B7-9FD6-66EC86B1EF1B}" presName="connectorText" presStyleLbl="sibTrans2D1" presStyleIdx="6" presStyleCnt="7"/>
       <dgm:spPr/>
-      <dgm:t>
-        <a:bodyPr/>
-        <a:lstStyle/>
-        <a:p>
-          <a:endParaRPr lang="en-US"/>
-        </a:p>
-      </dgm:t>
     </dgm:pt>
     <dgm:pt modelId="{7C51C6C7-B746-48C5-9E8B-64AEE0645CD5}" type="pres">
       <dgm:prSet presAssocID="{63DC2543-EF99-4FA3-A56E-AFCC3FC3AEF3}" presName="node" presStyleLbl="node1" presStyleIdx="6" presStyleCnt="7">
@@ -1456,47 +1313,40 @@
         </dgm:presLayoutVars>
       </dgm:prSet>
       <dgm:spPr/>
-      <dgm:t>
-        <a:bodyPr/>
-        <a:lstStyle/>
-        <a:p>
-          <a:endParaRPr lang="en-US"/>
-        </a:p>
-      </dgm:t>
     </dgm:pt>
   </dgm:ptLst>
   <dgm:cxnLst>
+    <dgm:cxn modelId="{25071903-2CCE-45F8-89A3-66580990FFCF}" type="presOf" srcId="{A6574C7F-7847-47B7-9FD6-66EC86B1EF1B}" destId="{5D66CAB7-FEDC-4B8B-94CA-3C36B7EA9DCF}" srcOrd="0" destOrd="0" presId="urn:microsoft.com/office/officeart/2005/8/layout/radial5"/>
+    <dgm:cxn modelId="{0EBC2312-8866-41A4-BA92-694EDE0C20A3}" type="presOf" srcId="{0DCF8327-E396-4F84-B063-8363C975879D}" destId="{32F2813E-492F-41FF-9F9D-AADB3746368E}" srcOrd="0" destOrd="0" presId="urn:microsoft.com/office/officeart/2005/8/layout/radial5"/>
+    <dgm:cxn modelId="{25D0C019-E7BA-4F56-9BD9-7D1FF089D814}" type="presOf" srcId="{4B6C0C8C-1A33-405F-9AC1-304F76F103D1}" destId="{35797AAB-EA11-45A7-BC3E-9CB84EA7B4EC}" srcOrd="1" destOrd="0" presId="urn:microsoft.com/office/officeart/2005/8/layout/radial5"/>
+    <dgm:cxn modelId="{6611DF1C-A58D-432C-AD69-9BF0B7A423CD}" type="presOf" srcId="{4B6C0C8C-1A33-405F-9AC1-304F76F103D1}" destId="{4B950A2D-408B-4963-A258-22DB4B420A04}" srcOrd="0" destOrd="0" presId="urn:microsoft.com/office/officeart/2005/8/layout/radial5"/>
+    <dgm:cxn modelId="{E5F80829-E05B-419D-953D-5A39B5B32C32}" type="presOf" srcId="{508C9AD2-8A8F-4EA5-8DC3-2D1032B7F9E5}" destId="{3BA58972-1862-4FA4-853E-8E4BD3E39BB5}" srcOrd="0" destOrd="0" presId="urn:microsoft.com/office/officeart/2005/8/layout/radial5"/>
+    <dgm:cxn modelId="{E4BD4230-63AB-418D-979E-B70AF6C6C427}" type="presOf" srcId="{B9431CB7-2F28-4F97-A2EE-1C54CBFD61CA}" destId="{1856AC43-0514-4139-9398-8626D7F753A6}" srcOrd="1" destOrd="0" presId="urn:microsoft.com/office/officeart/2005/8/layout/radial5"/>
+    <dgm:cxn modelId="{051E1834-BCDC-49E5-B3B2-B3C14E0B1718}" srcId="{508C9AD2-8A8F-4EA5-8DC3-2D1032B7F9E5}" destId="{5A05D45E-A39A-4B9D-8E8F-31C4D4CC53D7}" srcOrd="4" destOrd="0" parTransId="{8C628259-9CD7-4E36-A943-94535379C037}" sibTransId="{DEFA6865-D8F6-43BE-857D-23DC7666E82A}"/>
+    <dgm:cxn modelId="{38995840-64E8-4A7E-9160-1783EFF9C87A}" type="presOf" srcId="{040FEE6C-F09C-4A85-A5F5-046C6ABDFB15}" destId="{02125F70-E2D0-4122-B8BD-26B795C90DD2}" srcOrd="0" destOrd="0" presId="urn:microsoft.com/office/officeart/2005/8/layout/radial5"/>
+    <dgm:cxn modelId="{256A0A49-4904-4574-8D27-AA5FA659A637}" type="presOf" srcId="{EE162C6B-3441-49A6-82A6-A57CFB4FACF0}" destId="{820DD19B-2DE1-4AF9-8206-A595BF5E6231}" srcOrd="0" destOrd="0" presId="urn:microsoft.com/office/officeart/2005/8/layout/radial5"/>
+    <dgm:cxn modelId="{40AB224A-513D-43E8-B6D3-9CEE28D3CCE9}" srcId="{05B4E9F2-CEFF-4AC5-98C2-63AFCE82A378}" destId="{508C9AD2-8A8F-4EA5-8DC3-2D1032B7F9E5}" srcOrd="0" destOrd="0" parTransId="{434D8189-7128-433F-B40D-4134A60067A7}" sibTransId="{2C3B777D-3192-495B-87E1-FEFE86A3757F}"/>
+    <dgm:cxn modelId="{C33BBE6A-AAF9-478B-B9B9-E2081FABD35A}" srcId="{508C9AD2-8A8F-4EA5-8DC3-2D1032B7F9E5}" destId="{63DC2543-EF99-4FA3-A56E-AFCC3FC3AEF3}" srcOrd="6" destOrd="0" parTransId="{A6574C7F-7847-47B7-9FD6-66EC86B1EF1B}" sibTransId="{760BD768-7CB5-4CC7-BBC9-C1616B56BA8F}"/>
+    <dgm:cxn modelId="{C067D953-A1A6-49EE-801C-6F650AA4E68F}" type="presOf" srcId="{48D48A5F-44E9-4AA1-9703-B1CD6931D1FC}" destId="{7491F41F-2242-4AEB-8AA7-B964D3E67DF2}" srcOrd="1" destOrd="0" presId="urn:microsoft.com/office/officeart/2005/8/layout/radial5"/>
+    <dgm:cxn modelId="{E5A98759-BEE3-42B0-9A95-A31B367F4433}" srcId="{508C9AD2-8A8F-4EA5-8DC3-2D1032B7F9E5}" destId="{970BCA02-49FE-47C0-8567-D6F15B0B417D}" srcOrd="3" destOrd="0" parTransId="{4B6C0C8C-1A33-405F-9AC1-304F76F103D1}" sibTransId="{8AF3DC52-34BD-4468-932C-6402E75DD94A}"/>
+    <dgm:cxn modelId="{729E735A-A375-42E8-8E3E-13EC2FAB6CA9}" type="presOf" srcId="{FE96DF6B-C096-4CED-A6B5-FEBC2B139384}" destId="{FBE26981-8A4A-46DA-8024-1E4E26112FE3}" srcOrd="0" destOrd="0" presId="urn:microsoft.com/office/officeart/2005/8/layout/radial5"/>
+    <dgm:cxn modelId="{8BA40280-A1CE-42F0-9292-32AE537CDCA3}" type="presOf" srcId="{B9431CB7-2F28-4F97-A2EE-1C54CBFD61CA}" destId="{85A9FCE1-D4BD-4889-9AC9-8B4DAF1FFA24}" srcOrd="0" destOrd="0" presId="urn:microsoft.com/office/officeart/2005/8/layout/radial5"/>
+    <dgm:cxn modelId="{E84064AE-0C5D-4FD9-83D0-E52B53DBA8AC}" type="presOf" srcId="{FE96DF6B-C096-4CED-A6B5-FEBC2B139384}" destId="{670B612A-6E73-4C10-B5A8-8685167463B1}" srcOrd="1" destOrd="0" presId="urn:microsoft.com/office/officeart/2005/8/layout/radial5"/>
+    <dgm:cxn modelId="{03C3CCB5-D62F-492C-90C6-871503E5D50A}" type="presOf" srcId="{5A05D45E-A39A-4B9D-8E8F-31C4D4CC53D7}" destId="{E3E493E2-8880-429E-92AD-806F0047E464}" srcOrd="0" destOrd="0" presId="urn:microsoft.com/office/officeart/2005/8/layout/radial5"/>
+    <dgm:cxn modelId="{ED106FCD-54D4-46A8-A128-D5BD45D652EE}" type="presOf" srcId="{F663684B-6D92-49FF-AF03-8F0D17CD2FA0}" destId="{93DBC43F-0339-4296-A812-B4B74D082911}" srcOrd="0" destOrd="0" presId="urn:microsoft.com/office/officeart/2005/8/layout/radial5"/>
+    <dgm:cxn modelId="{BF1147CF-0A3D-4433-9BA6-7A05ACBD619B}" srcId="{508C9AD2-8A8F-4EA5-8DC3-2D1032B7F9E5}" destId="{040FEE6C-F09C-4A85-A5F5-046C6ABDFB15}" srcOrd="0" destOrd="0" parTransId="{FE96DF6B-C096-4CED-A6B5-FEBC2B139384}" sibTransId="{3E90AED8-9153-40EF-B8EF-C7C7F1E10A94}"/>
+    <dgm:cxn modelId="{806C5FD5-A67E-4666-91F2-0E970253D2B5}" type="presOf" srcId="{48D48A5F-44E9-4AA1-9703-B1CD6931D1FC}" destId="{FC0C3E2B-125A-40CE-AF4D-AB2052CD6C42}" srcOrd="0" destOrd="0" presId="urn:microsoft.com/office/officeart/2005/8/layout/radial5"/>
+    <dgm:cxn modelId="{DAD8B5D8-12FC-421F-8BF1-A0D9A5411134}" type="presOf" srcId="{A6574C7F-7847-47B7-9FD6-66EC86B1EF1B}" destId="{04279EDF-69AC-498A-BC21-C71BF3459B1C}" srcOrd="1" destOrd="0" presId="urn:microsoft.com/office/officeart/2005/8/layout/radial5"/>
+    <dgm:cxn modelId="{4962EADA-8790-4586-B4D5-ADFC4443C8C6}" srcId="{508C9AD2-8A8F-4EA5-8DC3-2D1032B7F9E5}" destId="{F663684B-6D92-49FF-AF03-8F0D17CD2FA0}" srcOrd="2" destOrd="0" parTransId="{48D48A5F-44E9-4AA1-9703-B1CD6931D1FC}" sibTransId="{ADAACA07-A2DA-46F8-99AC-8725A4B46F25}"/>
     <dgm:cxn modelId="{396DC4DF-958A-4598-915C-7F4D69BFB165}" type="presOf" srcId="{31DC527D-6116-435D-9242-3F837BAE20F3}" destId="{D4BFBCAF-1552-4D4A-8AC8-564D69DBA257}" srcOrd="1" destOrd="0" presId="urn:microsoft.com/office/officeart/2005/8/layout/radial5"/>
+    <dgm:cxn modelId="{D015A6E9-252F-414B-9E42-71D26109B2A6}" srcId="{508C9AD2-8A8F-4EA5-8DC3-2D1032B7F9E5}" destId="{EE162C6B-3441-49A6-82A6-A57CFB4FACF0}" srcOrd="1" destOrd="0" parTransId="{B9431CB7-2F28-4F97-A2EE-1C54CBFD61CA}" sibTransId="{49D0159E-D070-48D8-BD62-1A45E49705F1}"/>
+    <dgm:cxn modelId="{3CCA72EC-FC68-4986-BAF2-7FDFFA65D919}" srcId="{508C9AD2-8A8F-4EA5-8DC3-2D1032B7F9E5}" destId="{0DCF8327-E396-4F84-B063-8363C975879D}" srcOrd="5" destOrd="0" parTransId="{31DC527D-6116-435D-9242-3F837BAE20F3}" sibTransId="{28003A20-FF1B-454C-BBF1-730D133BE21B}"/>
     <dgm:cxn modelId="{5DBF5EF0-225F-4BC6-AB21-87171955E5B5}" type="presOf" srcId="{8C628259-9CD7-4E36-A943-94535379C037}" destId="{D34B8BC4-9BE2-4EA9-BDD3-3DC8C2F19E3A}" srcOrd="0" destOrd="0" presId="urn:microsoft.com/office/officeart/2005/8/layout/radial5"/>
-    <dgm:cxn modelId="{03C3CCB5-D62F-492C-90C6-871503E5D50A}" type="presOf" srcId="{5A05D45E-A39A-4B9D-8E8F-31C4D4CC53D7}" destId="{E3E493E2-8880-429E-92AD-806F0047E464}" srcOrd="0" destOrd="0" presId="urn:microsoft.com/office/officeart/2005/8/layout/radial5"/>
-    <dgm:cxn modelId="{0EBC2312-8866-41A4-BA92-694EDE0C20A3}" type="presOf" srcId="{0DCF8327-E396-4F84-B063-8363C975879D}" destId="{32F2813E-492F-41FF-9F9D-AADB3746368E}" srcOrd="0" destOrd="0" presId="urn:microsoft.com/office/officeart/2005/8/layout/radial5"/>
-    <dgm:cxn modelId="{40AB224A-513D-43E8-B6D3-9CEE28D3CCE9}" srcId="{05B4E9F2-CEFF-4AC5-98C2-63AFCE82A378}" destId="{508C9AD2-8A8F-4EA5-8DC3-2D1032B7F9E5}" srcOrd="0" destOrd="0" parTransId="{434D8189-7128-433F-B40D-4134A60067A7}" sibTransId="{2C3B777D-3192-495B-87E1-FEFE86A3757F}"/>
     <dgm:cxn modelId="{144800F1-3CCB-4141-801C-69084455A10A}" type="presOf" srcId="{63DC2543-EF99-4FA3-A56E-AFCC3FC3AEF3}" destId="{7C51C6C7-B746-48C5-9E8B-64AEE0645CD5}" srcOrd="0" destOrd="0" presId="urn:microsoft.com/office/officeart/2005/8/layout/radial5"/>
-    <dgm:cxn modelId="{BF1147CF-0A3D-4433-9BA6-7A05ACBD619B}" srcId="{508C9AD2-8A8F-4EA5-8DC3-2D1032B7F9E5}" destId="{040FEE6C-F09C-4A85-A5F5-046C6ABDFB15}" srcOrd="0" destOrd="0" parTransId="{FE96DF6B-C096-4CED-A6B5-FEBC2B139384}" sibTransId="{3E90AED8-9153-40EF-B8EF-C7C7F1E10A94}"/>
-    <dgm:cxn modelId="{C067D953-A1A6-49EE-801C-6F650AA4E68F}" type="presOf" srcId="{48D48A5F-44E9-4AA1-9703-B1CD6931D1FC}" destId="{7491F41F-2242-4AEB-8AA7-B964D3E67DF2}" srcOrd="1" destOrd="0" presId="urn:microsoft.com/office/officeart/2005/8/layout/radial5"/>
-    <dgm:cxn modelId="{8BA40280-A1CE-42F0-9292-32AE537CDCA3}" type="presOf" srcId="{B9431CB7-2F28-4F97-A2EE-1C54CBFD61CA}" destId="{85A9FCE1-D4BD-4889-9AC9-8B4DAF1FFA24}" srcOrd="0" destOrd="0" presId="urn:microsoft.com/office/officeart/2005/8/layout/radial5"/>
-    <dgm:cxn modelId="{ED106FCD-54D4-46A8-A128-D5BD45D652EE}" type="presOf" srcId="{F663684B-6D92-49FF-AF03-8F0D17CD2FA0}" destId="{93DBC43F-0339-4296-A812-B4B74D082911}" srcOrd="0" destOrd="0" presId="urn:microsoft.com/office/officeart/2005/8/layout/radial5"/>
-    <dgm:cxn modelId="{256A0A49-4904-4574-8D27-AA5FA659A637}" type="presOf" srcId="{EE162C6B-3441-49A6-82A6-A57CFB4FACF0}" destId="{820DD19B-2DE1-4AF9-8206-A595BF5E6231}" srcOrd="0" destOrd="0" presId="urn:microsoft.com/office/officeart/2005/8/layout/radial5"/>
-    <dgm:cxn modelId="{729E735A-A375-42E8-8E3E-13EC2FAB6CA9}" type="presOf" srcId="{FE96DF6B-C096-4CED-A6B5-FEBC2B139384}" destId="{FBE26981-8A4A-46DA-8024-1E4E26112FE3}" srcOrd="0" destOrd="0" presId="urn:microsoft.com/office/officeart/2005/8/layout/radial5"/>
+    <dgm:cxn modelId="{0F792DF4-0F79-4902-B282-4BA67F350B8C}" type="presOf" srcId="{05B4E9F2-CEFF-4AC5-98C2-63AFCE82A378}" destId="{17A9ECF5-4B31-4447-AD5F-221ED7B7EEC5}" srcOrd="0" destOrd="0" presId="urn:microsoft.com/office/officeart/2005/8/layout/radial5"/>
+    <dgm:cxn modelId="{F474C1F7-2E9D-4C0A-A74E-FCB37279784A}" type="presOf" srcId="{31DC527D-6116-435D-9242-3F837BAE20F3}" destId="{599142CC-738D-4178-82C9-082B827AE91F}" srcOrd="0" destOrd="0" presId="urn:microsoft.com/office/officeart/2005/8/layout/radial5"/>
+    <dgm:cxn modelId="{6044D9FC-C931-4239-BC63-724B3B7C0D8A}" type="presOf" srcId="{8C628259-9CD7-4E36-A943-94535379C037}" destId="{66076236-6CBC-4659-BDC3-EFF932F0B9EF}" srcOrd="1" destOrd="0" presId="urn:microsoft.com/office/officeart/2005/8/layout/radial5"/>
     <dgm:cxn modelId="{71BD02FD-9DEE-4481-B25C-5415EF761D56}" type="presOf" srcId="{970BCA02-49FE-47C0-8567-D6F15B0B417D}" destId="{AD4E627D-927F-446B-A336-E5D50B71C564}" srcOrd="0" destOrd="0" presId="urn:microsoft.com/office/officeart/2005/8/layout/radial5"/>
-    <dgm:cxn modelId="{051E1834-BCDC-49E5-B3B2-B3C14E0B1718}" srcId="{508C9AD2-8A8F-4EA5-8DC3-2D1032B7F9E5}" destId="{5A05D45E-A39A-4B9D-8E8F-31C4D4CC53D7}" srcOrd="4" destOrd="0" parTransId="{8C628259-9CD7-4E36-A943-94535379C037}" sibTransId="{DEFA6865-D8F6-43BE-857D-23DC7666E82A}"/>
-    <dgm:cxn modelId="{E84064AE-0C5D-4FD9-83D0-E52B53DBA8AC}" type="presOf" srcId="{FE96DF6B-C096-4CED-A6B5-FEBC2B139384}" destId="{670B612A-6E73-4C10-B5A8-8685167463B1}" srcOrd="1" destOrd="0" presId="urn:microsoft.com/office/officeart/2005/8/layout/radial5"/>
-    <dgm:cxn modelId="{38995840-64E8-4A7E-9160-1783EFF9C87A}" type="presOf" srcId="{040FEE6C-F09C-4A85-A5F5-046C6ABDFB15}" destId="{02125F70-E2D0-4122-B8BD-26B795C90DD2}" srcOrd="0" destOrd="0" presId="urn:microsoft.com/office/officeart/2005/8/layout/radial5"/>
-    <dgm:cxn modelId="{E5F80829-E05B-419D-953D-5A39B5B32C32}" type="presOf" srcId="{508C9AD2-8A8F-4EA5-8DC3-2D1032B7F9E5}" destId="{3BA58972-1862-4FA4-853E-8E4BD3E39BB5}" srcOrd="0" destOrd="0" presId="urn:microsoft.com/office/officeart/2005/8/layout/radial5"/>
-    <dgm:cxn modelId="{25D0C019-E7BA-4F56-9BD9-7D1FF089D814}" type="presOf" srcId="{4B6C0C8C-1A33-405F-9AC1-304F76F103D1}" destId="{35797AAB-EA11-45A7-BC3E-9CB84EA7B4EC}" srcOrd="1" destOrd="0" presId="urn:microsoft.com/office/officeart/2005/8/layout/radial5"/>
-    <dgm:cxn modelId="{0F792DF4-0F79-4902-B282-4BA67F350B8C}" type="presOf" srcId="{05B4E9F2-CEFF-4AC5-98C2-63AFCE82A378}" destId="{17A9ECF5-4B31-4447-AD5F-221ED7B7EEC5}" srcOrd="0" destOrd="0" presId="urn:microsoft.com/office/officeart/2005/8/layout/radial5"/>
-    <dgm:cxn modelId="{3CCA72EC-FC68-4986-BAF2-7FDFFA65D919}" srcId="{508C9AD2-8A8F-4EA5-8DC3-2D1032B7F9E5}" destId="{0DCF8327-E396-4F84-B063-8363C975879D}" srcOrd="5" destOrd="0" parTransId="{31DC527D-6116-435D-9242-3F837BAE20F3}" sibTransId="{28003A20-FF1B-454C-BBF1-730D133BE21B}"/>
-    <dgm:cxn modelId="{4962EADA-8790-4586-B4D5-ADFC4443C8C6}" srcId="{508C9AD2-8A8F-4EA5-8DC3-2D1032B7F9E5}" destId="{F663684B-6D92-49FF-AF03-8F0D17CD2FA0}" srcOrd="2" destOrd="0" parTransId="{48D48A5F-44E9-4AA1-9703-B1CD6931D1FC}" sibTransId="{ADAACA07-A2DA-46F8-99AC-8725A4B46F25}"/>
-    <dgm:cxn modelId="{DAD8B5D8-12FC-421F-8BF1-A0D9A5411134}" type="presOf" srcId="{A6574C7F-7847-47B7-9FD6-66EC86B1EF1B}" destId="{04279EDF-69AC-498A-BC21-C71BF3459B1C}" srcOrd="1" destOrd="0" presId="urn:microsoft.com/office/officeart/2005/8/layout/radial5"/>
-    <dgm:cxn modelId="{E4BD4230-63AB-418D-979E-B70AF6C6C427}" type="presOf" srcId="{B9431CB7-2F28-4F97-A2EE-1C54CBFD61CA}" destId="{1856AC43-0514-4139-9398-8626D7F753A6}" srcOrd="1" destOrd="0" presId="urn:microsoft.com/office/officeart/2005/8/layout/radial5"/>
-    <dgm:cxn modelId="{6044D9FC-C931-4239-BC63-724B3B7C0D8A}" type="presOf" srcId="{8C628259-9CD7-4E36-A943-94535379C037}" destId="{66076236-6CBC-4659-BDC3-EFF932F0B9EF}" srcOrd="1" destOrd="0" presId="urn:microsoft.com/office/officeart/2005/8/layout/radial5"/>
-    <dgm:cxn modelId="{F474C1F7-2E9D-4C0A-A74E-FCB37279784A}" type="presOf" srcId="{31DC527D-6116-435D-9242-3F837BAE20F3}" destId="{599142CC-738D-4178-82C9-082B827AE91F}" srcOrd="0" destOrd="0" presId="urn:microsoft.com/office/officeart/2005/8/layout/radial5"/>
-    <dgm:cxn modelId="{6611DF1C-A58D-432C-AD69-9BF0B7A423CD}" type="presOf" srcId="{4B6C0C8C-1A33-405F-9AC1-304F76F103D1}" destId="{4B950A2D-408B-4963-A258-22DB4B420A04}" srcOrd="0" destOrd="0" presId="urn:microsoft.com/office/officeart/2005/8/layout/radial5"/>
-    <dgm:cxn modelId="{E5A98759-BEE3-42B0-9A95-A31B367F4433}" srcId="{508C9AD2-8A8F-4EA5-8DC3-2D1032B7F9E5}" destId="{970BCA02-49FE-47C0-8567-D6F15B0B417D}" srcOrd="3" destOrd="0" parTransId="{4B6C0C8C-1A33-405F-9AC1-304F76F103D1}" sibTransId="{8AF3DC52-34BD-4468-932C-6402E75DD94A}"/>
-    <dgm:cxn modelId="{C33BBE6A-AAF9-478B-B9B9-E2081FABD35A}" srcId="{508C9AD2-8A8F-4EA5-8DC3-2D1032B7F9E5}" destId="{63DC2543-EF99-4FA3-A56E-AFCC3FC3AEF3}" srcOrd="6" destOrd="0" parTransId="{A6574C7F-7847-47B7-9FD6-66EC86B1EF1B}" sibTransId="{760BD768-7CB5-4CC7-BBC9-C1616B56BA8F}"/>
-    <dgm:cxn modelId="{25071903-2CCE-45F8-89A3-66580990FFCF}" type="presOf" srcId="{A6574C7F-7847-47B7-9FD6-66EC86B1EF1B}" destId="{5D66CAB7-FEDC-4B8B-94CA-3C36B7EA9DCF}" srcOrd="0" destOrd="0" presId="urn:microsoft.com/office/officeart/2005/8/layout/radial5"/>
-    <dgm:cxn modelId="{806C5FD5-A67E-4666-91F2-0E970253D2B5}" type="presOf" srcId="{48D48A5F-44E9-4AA1-9703-B1CD6931D1FC}" destId="{FC0C3E2B-125A-40CE-AF4D-AB2052CD6C42}" srcOrd="0" destOrd="0" presId="urn:microsoft.com/office/officeart/2005/8/layout/radial5"/>
-    <dgm:cxn modelId="{D015A6E9-252F-414B-9E42-71D26109B2A6}" srcId="{508C9AD2-8A8F-4EA5-8DC3-2D1032B7F9E5}" destId="{EE162C6B-3441-49A6-82A6-A57CFB4FACF0}" srcOrd="1" destOrd="0" parTransId="{B9431CB7-2F28-4F97-A2EE-1C54CBFD61CA}" sibTransId="{49D0159E-D070-48D8-BD62-1A45E49705F1}"/>
     <dgm:cxn modelId="{E2FEE541-FEBE-4F1B-ACE0-FAF9C4CBAB31}" type="presParOf" srcId="{17A9ECF5-4B31-4447-AD5F-221ED7B7EEC5}" destId="{3BA58972-1862-4FA4-853E-8E4BD3E39BB5}" srcOrd="0" destOrd="0" presId="urn:microsoft.com/office/officeart/2005/8/layout/radial5"/>
     <dgm:cxn modelId="{6436FCF0-1FFB-4AFB-9FCE-378D39C6AA96}" type="presParOf" srcId="{17A9ECF5-4B31-4447-AD5F-221ED7B7EEC5}" destId="{FBE26981-8A4A-46DA-8024-1E4E26112FE3}" srcOrd="1" destOrd="0" presId="urn:microsoft.com/office/officeart/2005/8/layout/radial5"/>
     <dgm:cxn modelId="{D0DE68CB-2907-4E7B-AA34-D05F5123E4A7}" type="presParOf" srcId="{FBE26981-8A4A-46DA-8024-1E4E26112FE3}" destId="{670B612A-6E73-4C10-B5A8-8685167463B1}" srcOrd="0" destOrd="0" presId="urn:microsoft.com/office/officeart/2005/8/layout/radial5"/>
@@ -1522,7 +1372,1130 @@
   </dgm:cxnLst>
   <dgm:bg/>
   <dgm:whole/>
+  <dgm:extLst>
+    <a:ext uri="http://schemas.microsoft.com/office/drawing/2008/diagram">
+      <dsp:dataModelExt xmlns:dsp="http://schemas.microsoft.com/office/drawing/2008/diagram" relId="rId6" minVer="http://schemas.openxmlformats.org/drawingml/2006/diagram"/>
+    </a:ext>
+  </dgm:extLst>
 </dgm:dataModel>
+</file>
+
+<file path=ppt/diagrams/drawing1.xml><?xml version="1.0" encoding="utf-8"?>
+<dsp:drawing xmlns:dgm="http://schemas.openxmlformats.org/drawingml/2006/diagram" xmlns:dsp="http://schemas.microsoft.com/office/drawing/2008/diagram" xmlns:a="http://schemas.openxmlformats.org/drawingml/2006/main">
+  <dsp:spTree>
+    <dsp:nvGrpSpPr>
+      <dsp:cNvPr id="0" name=""/>
+      <dsp:cNvGrpSpPr/>
+    </dsp:nvGrpSpPr>
+    <dsp:grpSpPr/>
+    <dsp:sp modelId="{3BA58972-1862-4FA4-853E-8E4BD3E39BB5}">
+      <dsp:nvSpPr>
+        <dsp:cNvPr id="0" name=""/>
+        <dsp:cNvSpPr/>
+      </dsp:nvSpPr>
+      <dsp:spPr>
+        <a:xfrm>
+          <a:off x="2329593" y="1270482"/>
+          <a:ext cx="674812" cy="674812"/>
+        </a:xfrm>
+        <a:prstGeom prst="ellipse">
+          <a:avLst/>
+        </a:prstGeom>
+        <a:solidFill>
+          <a:schemeClr val="accent1">
+            <a:hueOff val="0"/>
+            <a:satOff val="0"/>
+            <a:lumOff val="0"/>
+            <a:alphaOff val="0"/>
+          </a:schemeClr>
+        </a:solidFill>
+        <a:ln w="19050" cap="flat" cmpd="sng" algn="ctr">
+          <a:solidFill>
+            <a:schemeClr val="lt1">
+              <a:hueOff val="0"/>
+              <a:satOff val="0"/>
+              <a:lumOff val="0"/>
+              <a:alphaOff val="0"/>
+            </a:schemeClr>
+          </a:solidFill>
+          <a:prstDash val="solid"/>
+        </a:ln>
+        <a:effectLst/>
+      </dsp:spPr>
+      <dsp:style>
+        <a:lnRef idx="2">
+          <a:scrgbClr r="0" g="0" b="0"/>
+        </a:lnRef>
+        <a:fillRef idx="1">
+          <a:scrgbClr r="0" g="0" b="0"/>
+        </a:fillRef>
+        <a:effectRef idx="0">
+          <a:scrgbClr r="0" g="0" b="0"/>
+        </a:effectRef>
+        <a:fontRef idx="minor">
+          <a:schemeClr val="lt1"/>
+        </a:fontRef>
+      </dsp:style>
+      <dsp:txBody>
+        <a:bodyPr spcFirstLastPara="0" vert="horz" wrap="square" lIns="13970" tIns="13970" rIns="13970" bIns="13970" numCol="1" spcCol="1270" anchor="ctr" anchorCtr="0">
+          <a:noAutofit/>
+        </a:bodyPr>
+        <a:lstStyle/>
+        <a:p>
+          <a:pPr marL="0" lvl="0" indent="0" algn="ctr" defTabSz="488950">
+            <a:lnSpc>
+              <a:spcPct val="90000"/>
+            </a:lnSpc>
+            <a:spcBef>
+              <a:spcPct val="0"/>
+            </a:spcBef>
+            <a:spcAft>
+              <a:spcPct val="35000"/>
+            </a:spcAft>
+            <a:buNone/>
+          </a:pPr>
+          <a:r>
+            <a:rPr lang="en-US" sz="1100" b="1" kern="1200" dirty="0"/>
+            <a:t>Data Science</a:t>
+          </a:r>
+        </a:p>
+      </dsp:txBody>
+      <dsp:txXfrm>
+        <a:off x="2428417" y="1369306"/>
+        <a:ext cx="477164" cy="477164"/>
+      </dsp:txXfrm>
+    </dsp:sp>
+    <dsp:sp modelId="{FBE26981-8A4A-46DA-8024-1E4E26112FE3}">
+      <dsp:nvSpPr>
+        <dsp:cNvPr id="0" name=""/>
+        <dsp:cNvSpPr/>
+      </dsp:nvSpPr>
+      <dsp:spPr>
+        <a:xfrm rot="16200000">
+          <a:off x="2555153" y="954316"/>
+          <a:ext cx="223693" cy="222931"/>
+        </a:xfrm>
+        <a:prstGeom prst="rightArrow">
+          <a:avLst>
+            <a:gd name="adj1" fmla="val 60000"/>
+            <a:gd name="adj2" fmla="val 50000"/>
+          </a:avLst>
+        </a:prstGeom>
+        <a:solidFill>
+          <a:schemeClr val="accent1">
+            <a:tint val="60000"/>
+            <a:hueOff val="0"/>
+            <a:satOff val="0"/>
+            <a:lumOff val="0"/>
+            <a:alphaOff val="0"/>
+          </a:schemeClr>
+        </a:solidFill>
+        <a:ln>
+          <a:noFill/>
+        </a:ln>
+        <a:effectLst/>
+      </dsp:spPr>
+      <dsp:style>
+        <a:lnRef idx="0">
+          <a:scrgbClr r="0" g="0" b="0"/>
+        </a:lnRef>
+        <a:fillRef idx="1">
+          <a:scrgbClr r="0" g="0" b="0"/>
+        </a:fillRef>
+        <a:effectRef idx="0">
+          <a:scrgbClr r="0" g="0" b="0"/>
+        </a:effectRef>
+        <a:fontRef idx="minor">
+          <a:schemeClr val="lt1"/>
+        </a:fontRef>
+      </dsp:style>
+      <dsp:txBody>
+        <a:bodyPr spcFirstLastPara="0" vert="horz" wrap="square" lIns="0" tIns="0" rIns="0" bIns="0" numCol="1" spcCol="1270" anchor="ctr" anchorCtr="0">
+          <a:noAutofit/>
+        </a:bodyPr>
+        <a:lstStyle/>
+        <a:p>
+          <a:pPr marL="0" lvl="0" indent="0" algn="ctr" defTabSz="355600">
+            <a:lnSpc>
+              <a:spcPct val="90000"/>
+            </a:lnSpc>
+            <a:spcBef>
+              <a:spcPct val="0"/>
+            </a:spcBef>
+            <a:spcAft>
+              <a:spcPct val="35000"/>
+            </a:spcAft>
+            <a:buNone/>
+          </a:pPr>
+          <a:endParaRPr lang="en-US" sz="800" kern="1200"/>
+        </a:p>
+      </dsp:txBody>
+      <dsp:txXfrm>
+        <a:off x="2588593" y="1032342"/>
+        <a:ext cx="156814" cy="133759"/>
+      </dsp:txXfrm>
+    </dsp:sp>
+    <dsp:sp modelId="{02125F70-E2D0-4122-B8BD-26B795C90DD2}">
+      <dsp:nvSpPr>
+        <dsp:cNvPr id="0" name=""/>
+        <dsp:cNvSpPr/>
+      </dsp:nvSpPr>
+      <dsp:spPr>
+        <a:xfrm>
+          <a:off x="2245242" y="4904"/>
+          <a:ext cx="843515" cy="843515"/>
+        </a:xfrm>
+        <a:prstGeom prst="ellipse">
+          <a:avLst/>
+        </a:prstGeom>
+        <a:solidFill>
+          <a:schemeClr val="accent1">
+            <a:hueOff val="0"/>
+            <a:satOff val="0"/>
+            <a:lumOff val="0"/>
+            <a:alphaOff val="0"/>
+          </a:schemeClr>
+        </a:solidFill>
+        <a:ln w="19050" cap="flat" cmpd="sng" algn="ctr">
+          <a:solidFill>
+            <a:schemeClr val="lt1">
+              <a:hueOff val="0"/>
+              <a:satOff val="0"/>
+              <a:lumOff val="0"/>
+              <a:alphaOff val="0"/>
+            </a:schemeClr>
+          </a:solidFill>
+          <a:prstDash val="solid"/>
+        </a:ln>
+        <a:effectLst/>
+      </dsp:spPr>
+      <dsp:style>
+        <a:lnRef idx="2">
+          <a:scrgbClr r="0" g="0" b="0"/>
+        </a:lnRef>
+        <a:fillRef idx="1">
+          <a:scrgbClr r="0" g="0" b="0"/>
+        </a:fillRef>
+        <a:effectRef idx="0">
+          <a:scrgbClr r="0" g="0" b="0"/>
+        </a:effectRef>
+        <a:fontRef idx="minor">
+          <a:schemeClr val="lt1"/>
+        </a:fontRef>
+      </dsp:style>
+      <dsp:txBody>
+        <a:bodyPr spcFirstLastPara="0" vert="horz" wrap="square" lIns="8890" tIns="8890" rIns="8890" bIns="8890" numCol="1" spcCol="1270" anchor="ctr" anchorCtr="0">
+          <a:noAutofit/>
+        </a:bodyPr>
+        <a:lstStyle/>
+        <a:p>
+          <a:pPr marL="0" lvl="0" indent="0" algn="ctr" defTabSz="311150">
+            <a:lnSpc>
+              <a:spcPct val="90000"/>
+            </a:lnSpc>
+            <a:spcBef>
+              <a:spcPct val="0"/>
+            </a:spcBef>
+            <a:spcAft>
+              <a:spcPct val="35000"/>
+            </a:spcAft>
+            <a:buNone/>
+          </a:pPr>
+          <a:r>
+            <a:rPr lang="en-US" sz="700" b="1" kern="1200" dirty="0"/>
+            <a:t>Mathematics</a:t>
+          </a:r>
+        </a:p>
+      </dsp:txBody>
+      <dsp:txXfrm>
+        <a:off x="2368772" y="128434"/>
+        <a:ext cx="596455" cy="596455"/>
+      </dsp:txXfrm>
+    </dsp:sp>
+    <dsp:sp modelId="{85A9FCE1-D4BD-4889-9AC9-8B4DAF1FFA24}">
+      <dsp:nvSpPr>
+        <dsp:cNvPr id="0" name=""/>
+        <dsp:cNvSpPr/>
+      </dsp:nvSpPr>
+      <dsp:spPr>
+        <a:xfrm rot="19285714">
+          <a:off x="2978989" y="1158425"/>
+          <a:ext cx="223693" cy="222931"/>
+        </a:xfrm>
+        <a:prstGeom prst="rightArrow">
+          <a:avLst>
+            <a:gd name="adj1" fmla="val 60000"/>
+            <a:gd name="adj2" fmla="val 50000"/>
+          </a:avLst>
+        </a:prstGeom>
+        <a:solidFill>
+          <a:schemeClr val="accent1">
+            <a:tint val="60000"/>
+            <a:hueOff val="0"/>
+            <a:satOff val="0"/>
+            <a:lumOff val="0"/>
+            <a:alphaOff val="0"/>
+          </a:schemeClr>
+        </a:solidFill>
+        <a:ln>
+          <a:noFill/>
+        </a:ln>
+        <a:effectLst/>
+      </dsp:spPr>
+      <dsp:style>
+        <a:lnRef idx="0">
+          <a:scrgbClr r="0" g="0" b="0"/>
+        </a:lnRef>
+        <a:fillRef idx="1">
+          <a:scrgbClr r="0" g="0" b="0"/>
+        </a:fillRef>
+        <a:effectRef idx="0">
+          <a:scrgbClr r="0" g="0" b="0"/>
+        </a:effectRef>
+        <a:fontRef idx="minor">
+          <a:schemeClr val="lt1"/>
+        </a:fontRef>
+      </dsp:style>
+      <dsp:txBody>
+        <a:bodyPr spcFirstLastPara="0" vert="horz" wrap="square" lIns="0" tIns="0" rIns="0" bIns="0" numCol="1" spcCol="1270" anchor="ctr" anchorCtr="0">
+          <a:noAutofit/>
+        </a:bodyPr>
+        <a:lstStyle/>
+        <a:p>
+          <a:pPr marL="0" lvl="0" indent="0" algn="ctr" defTabSz="355600">
+            <a:lnSpc>
+              <a:spcPct val="90000"/>
+            </a:lnSpc>
+            <a:spcBef>
+              <a:spcPct val="0"/>
+            </a:spcBef>
+            <a:spcAft>
+              <a:spcPct val="35000"/>
+            </a:spcAft>
+            <a:buNone/>
+          </a:pPr>
+          <a:endParaRPr lang="en-US" sz="800" kern="1200"/>
+        </a:p>
+      </dsp:txBody>
+      <dsp:txXfrm>
+        <a:off x="2986284" y="1223860"/>
+        <a:ext cx="156814" cy="133759"/>
+      </dsp:txXfrm>
+    </dsp:sp>
+    <dsp:sp modelId="{820DD19B-2DE1-4AF9-8206-A595BF5E6231}">
+      <dsp:nvSpPr>
+        <dsp:cNvPr id="0" name=""/>
+        <dsp:cNvSpPr/>
+      </dsp:nvSpPr>
+      <dsp:spPr>
+        <a:xfrm>
+          <a:off x="3168762" y="449648"/>
+          <a:ext cx="843515" cy="843515"/>
+        </a:xfrm>
+        <a:prstGeom prst="ellipse">
+          <a:avLst/>
+        </a:prstGeom>
+        <a:solidFill>
+          <a:schemeClr val="accent1">
+            <a:hueOff val="0"/>
+            <a:satOff val="0"/>
+            <a:lumOff val="0"/>
+            <a:alphaOff val="0"/>
+          </a:schemeClr>
+        </a:solidFill>
+        <a:ln w="19050" cap="flat" cmpd="sng" algn="ctr">
+          <a:solidFill>
+            <a:schemeClr val="lt1">
+              <a:hueOff val="0"/>
+              <a:satOff val="0"/>
+              <a:lumOff val="0"/>
+              <a:alphaOff val="0"/>
+            </a:schemeClr>
+          </a:solidFill>
+          <a:prstDash val="solid"/>
+        </a:ln>
+        <a:effectLst/>
+      </dsp:spPr>
+      <dsp:style>
+        <a:lnRef idx="2">
+          <a:scrgbClr r="0" g="0" b="0"/>
+        </a:lnRef>
+        <a:fillRef idx="1">
+          <a:scrgbClr r="0" g="0" b="0"/>
+        </a:fillRef>
+        <a:effectRef idx="0">
+          <a:scrgbClr r="0" g="0" b="0"/>
+        </a:effectRef>
+        <a:fontRef idx="minor">
+          <a:schemeClr val="lt1"/>
+        </a:fontRef>
+      </dsp:style>
+      <dsp:txBody>
+        <a:bodyPr spcFirstLastPara="0" vert="horz" wrap="square" lIns="10160" tIns="10160" rIns="10160" bIns="10160" numCol="1" spcCol="1270" anchor="ctr" anchorCtr="0">
+          <a:noAutofit/>
+        </a:bodyPr>
+        <a:lstStyle/>
+        <a:p>
+          <a:pPr marL="0" lvl="0" indent="0" algn="ctr" defTabSz="355600">
+            <a:lnSpc>
+              <a:spcPct val="90000"/>
+            </a:lnSpc>
+            <a:spcBef>
+              <a:spcPct val="0"/>
+            </a:spcBef>
+            <a:spcAft>
+              <a:spcPct val="35000"/>
+            </a:spcAft>
+            <a:buNone/>
+          </a:pPr>
+          <a:r>
+            <a:rPr lang="en-US" sz="800" b="1" kern="1200" dirty="0"/>
+            <a:t>Statistics</a:t>
+          </a:r>
+        </a:p>
+      </dsp:txBody>
+      <dsp:txXfrm>
+        <a:off x="3292292" y="573178"/>
+        <a:ext cx="596455" cy="596455"/>
+      </dsp:txXfrm>
+    </dsp:sp>
+    <dsp:sp modelId="{FC0C3E2B-125A-40CE-AF4D-AB2052CD6C42}">
+      <dsp:nvSpPr>
+        <dsp:cNvPr id="0" name=""/>
+        <dsp:cNvSpPr/>
+      </dsp:nvSpPr>
+      <dsp:spPr>
+        <a:xfrm rot="771429">
+          <a:off x="3083668" y="1617053"/>
+          <a:ext cx="223693" cy="222931"/>
+        </a:xfrm>
+        <a:prstGeom prst="rightArrow">
+          <a:avLst>
+            <a:gd name="adj1" fmla="val 60000"/>
+            <a:gd name="adj2" fmla="val 50000"/>
+          </a:avLst>
+        </a:prstGeom>
+        <a:solidFill>
+          <a:schemeClr val="accent1">
+            <a:tint val="60000"/>
+            <a:hueOff val="0"/>
+            <a:satOff val="0"/>
+            <a:lumOff val="0"/>
+            <a:alphaOff val="0"/>
+          </a:schemeClr>
+        </a:solidFill>
+        <a:ln>
+          <a:noFill/>
+        </a:ln>
+        <a:effectLst/>
+      </dsp:spPr>
+      <dsp:style>
+        <a:lnRef idx="0">
+          <a:scrgbClr r="0" g="0" b="0"/>
+        </a:lnRef>
+        <a:fillRef idx="1">
+          <a:scrgbClr r="0" g="0" b="0"/>
+        </a:fillRef>
+        <a:effectRef idx="0">
+          <a:scrgbClr r="0" g="0" b="0"/>
+        </a:effectRef>
+        <a:fontRef idx="minor">
+          <a:schemeClr val="lt1"/>
+        </a:fontRef>
+      </dsp:style>
+      <dsp:txBody>
+        <a:bodyPr spcFirstLastPara="0" vert="horz" wrap="square" lIns="0" tIns="0" rIns="0" bIns="0" numCol="1" spcCol="1270" anchor="ctr" anchorCtr="0">
+          <a:noAutofit/>
+        </a:bodyPr>
+        <a:lstStyle/>
+        <a:p>
+          <a:pPr marL="0" lvl="0" indent="0" algn="ctr" defTabSz="355600">
+            <a:lnSpc>
+              <a:spcPct val="90000"/>
+            </a:lnSpc>
+            <a:spcBef>
+              <a:spcPct val="0"/>
+            </a:spcBef>
+            <a:spcAft>
+              <a:spcPct val="35000"/>
+            </a:spcAft>
+            <a:buNone/>
+          </a:pPr>
+          <a:endParaRPr lang="en-US" sz="800" kern="1200"/>
+        </a:p>
+      </dsp:txBody>
+      <dsp:txXfrm>
+        <a:off x="3084506" y="1654198"/>
+        <a:ext cx="156814" cy="133759"/>
+      </dsp:txXfrm>
+    </dsp:sp>
+    <dsp:sp modelId="{93DBC43F-0339-4296-A812-B4B74D082911}">
+      <dsp:nvSpPr>
+        <dsp:cNvPr id="0" name=""/>
+        <dsp:cNvSpPr/>
+      </dsp:nvSpPr>
+      <dsp:spPr>
+        <a:xfrm>
+          <a:off x="3396853" y="1448979"/>
+          <a:ext cx="843515" cy="843515"/>
+        </a:xfrm>
+        <a:prstGeom prst="ellipse">
+          <a:avLst/>
+        </a:prstGeom>
+        <a:solidFill>
+          <a:schemeClr val="accent1">
+            <a:hueOff val="0"/>
+            <a:satOff val="0"/>
+            <a:lumOff val="0"/>
+            <a:alphaOff val="0"/>
+          </a:schemeClr>
+        </a:solidFill>
+        <a:ln w="19050" cap="flat" cmpd="sng" algn="ctr">
+          <a:solidFill>
+            <a:schemeClr val="lt1">
+              <a:hueOff val="0"/>
+              <a:satOff val="0"/>
+              <a:lumOff val="0"/>
+              <a:alphaOff val="0"/>
+            </a:schemeClr>
+          </a:solidFill>
+          <a:prstDash val="solid"/>
+        </a:ln>
+        <a:effectLst/>
+      </dsp:spPr>
+      <dsp:style>
+        <a:lnRef idx="2">
+          <a:scrgbClr r="0" g="0" b="0"/>
+        </a:lnRef>
+        <a:fillRef idx="1">
+          <a:scrgbClr r="0" g="0" b="0"/>
+        </a:fillRef>
+        <a:effectRef idx="0">
+          <a:scrgbClr r="0" g="0" b="0"/>
+        </a:effectRef>
+        <a:fontRef idx="minor">
+          <a:schemeClr val="lt1"/>
+        </a:fontRef>
+      </dsp:style>
+      <dsp:txBody>
+        <a:bodyPr spcFirstLastPara="0" vert="horz" wrap="square" lIns="10160" tIns="10160" rIns="10160" bIns="10160" numCol="1" spcCol="1270" anchor="ctr" anchorCtr="0">
+          <a:noAutofit/>
+        </a:bodyPr>
+        <a:lstStyle/>
+        <a:p>
+          <a:pPr marL="0" lvl="0" indent="0" algn="ctr" defTabSz="355600">
+            <a:lnSpc>
+              <a:spcPct val="90000"/>
+            </a:lnSpc>
+            <a:spcBef>
+              <a:spcPct val="0"/>
+            </a:spcBef>
+            <a:spcAft>
+              <a:spcPct val="35000"/>
+            </a:spcAft>
+            <a:buNone/>
+          </a:pPr>
+          <a:r>
+            <a:rPr lang="en-US" sz="800" b="1" kern="1200" dirty="0"/>
+            <a:t>Computer Programming</a:t>
+          </a:r>
+        </a:p>
+      </dsp:txBody>
+      <dsp:txXfrm>
+        <a:off x="3520383" y="1572509"/>
+        <a:ext cx="596455" cy="596455"/>
+      </dsp:txXfrm>
+    </dsp:sp>
+    <dsp:sp modelId="{4B950A2D-408B-4963-A258-22DB4B420A04}">
+      <dsp:nvSpPr>
+        <dsp:cNvPr id="0" name=""/>
+        <dsp:cNvSpPr/>
+      </dsp:nvSpPr>
+      <dsp:spPr>
+        <a:xfrm rot="3857143">
+          <a:off x="2790364" y="1984844"/>
+          <a:ext cx="223693" cy="222931"/>
+        </a:xfrm>
+        <a:prstGeom prst="rightArrow">
+          <a:avLst>
+            <a:gd name="adj1" fmla="val 60000"/>
+            <a:gd name="adj2" fmla="val 50000"/>
+          </a:avLst>
+        </a:prstGeom>
+        <a:solidFill>
+          <a:schemeClr val="accent1">
+            <a:tint val="60000"/>
+            <a:hueOff val="0"/>
+            <a:satOff val="0"/>
+            <a:lumOff val="0"/>
+            <a:alphaOff val="0"/>
+          </a:schemeClr>
+        </a:solidFill>
+        <a:ln>
+          <a:noFill/>
+        </a:ln>
+        <a:effectLst/>
+      </dsp:spPr>
+      <dsp:style>
+        <a:lnRef idx="0">
+          <a:scrgbClr r="0" g="0" b="0"/>
+        </a:lnRef>
+        <a:fillRef idx="1">
+          <a:scrgbClr r="0" g="0" b="0"/>
+        </a:fillRef>
+        <a:effectRef idx="0">
+          <a:scrgbClr r="0" g="0" b="0"/>
+        </a:effectRef>
+        <a:fontRef idx="minor">
+          <a:schemeClr val="lt1"/>
+        </a:fontRef>
+      </dsp:style>
+      <dsp:txBody>
+        <a:bodyPr spcFirstLastPara="0" vert="horz" wrap="square" lIns="0" tIns="0" rIns="0" bIns="0" numCol="1" spcCol="1270" anchor="ctr" anchorCtr="0">
+          <a:noAutofit/>
+        </a:bodyPr>
+        <a:lstStyle/>
+        <a:p>
+          <a:pPr marL="0" lvl="0" indent="0" algn="ctr" defTabSz="355600">
+            <a:lnSpc>
+              <a:spcPct val="90000"/>
+            </a:lnSpc>
+            <a:spcBef>
+              <a:spcPct val="0"/>
+            </a:spcBef>
+            <a:spcAft>
+              <a:spcPct val="35000"/>
+            </a:spcAft>
+            <a:buNone/>
+          </a:pPr>
+          <a:endParaRPr lang="en-US" sz="800" kern="1200"/>
+        </a:p>
+      </dsp:txBody>
+      <dsp:txXfrm>
+        <a:off x="2809295" y="1999302"/>
+        <a:ext cx="156814" cy="133759"/>
+      </dsp:txXfrm>
+    </dsp:sp>
+    <dsp:sp modelId="{AD4E627D-927F-446B-A336-E5D50B71C564}">
+      <dsp:nvSpPr>
+        <dsp:cNvPr id="0" name=""/>
+        <dsp:cNvSpPr/>
+      </dsp:nvSpPr>
+      <dsp:spPr>
+        <a:xfrm>
+          <a:off x="2757757" y="2250380"/>
+          <a:ext cx="843515" cy="843515"/>
+        </a:xfrm>
+        <a:prstGeom prst="ellipse">
+          <a:avLst/>
+        </a:prstGeom>
+        <a:solidFill>
+          <a:schemeClr val="accent1">
+            <a:hueOff val="0"/>
+            <a:satOff val="0"/>
+            <a:lumOff val="0"/>
+            <a:alphaOff val="0"/>
+          </a:schemeClr>
+        </a:solidFill>
+        <a:ln w="19050" cap="flat" cmpd="sng" algn="ctr">
+          <a:solidFill>
+            <a:schemeClr val="lt1">
+              <a:hueOff val="0"/>
+              <a:satOff val="0"/>
+              <a:lumOff val="0"/>
+              <a:alphaOff val="0"/>
+            </a:schemeClr>
+          </a:solidFill>
+          <a:prstDash val="solid"/>
+        </a:ln>
+        <a:effectLst/>
+      </dsp:spPr>
+      <dsp:style>
+        <a:lnRef idx="2">
+          <a:scrgbClr r="0" g="0" b="0"/>
+        </a:lnRef>
+        <a:fillRef idx="1">
+          <a:scrgbClr r="0" g="0" b="0"/>
+        </a:fillRef>
+        <a:effectRef idx="0">
+          <a:scrgbClr r="0" g="0" b="0"/>
+        </a:effectRef>
+        <a:fontRef idx="minor">
+          <a:schemeClr val="lt1"/>
+        </a:fontRef>
+      </dsp:style>
+      <dsp:txBody>
+        <a:bodyPr spcFirstLastPara="0" vert="horz" wrap="square" lIns="10160" tIns="10160" rIns="10160" bIns="10160" numCol="1" spcCol="1270" anchor="ctr" anchorCtr="0">
+          <a:noAutofit/>
+        </a:bodyPr>
+        <a:lstStyle/>
+        <a:p>
+          <a:pPr marL="0" lvl="0" indent="0" algn="ctr" defTabSz="355600">
+            <a:lnSpc>
+              <a:spcPct val="90000"/>
+            </a:lnSpc>
+            <a:spcBef>
+              <a:spcPct val="0"/>
+            </a:spcBef>
+            <a:spcAft>
+              <a:spcPct val="35000"/>
+            </a:spcAft>
+            <a:buNone/>
+          </a:pPr>
+          <a:r>
+            <a:rPr lang="en-US" sz="800" b="1" kern="1200" dirty="0"/>
+            <a:t>Artificial Intelligence</a:t>
+          </a:r>
+        </a:p>
+      </dsp:txBody>
+      <dsp:txXfrm>
+        <a:off x="2881287" y="2373910"/>
+        <a:ext cx="596455" cy="596455"/>
+      </dsp:txXfrm>
+    </dsp:sp>
+    <dsp:sp modelId="{D34B8BC4-9BE2-4EA9-BDD3-3DC8C2F19E3A}">
+      <dsp:nvSpPr>
+        <dsp:cNvPr id="0" name=""/>
+        <dsp:cNvSpPr/>
+      </dsp:nvSpPr>
+      <dsp:spPr>
+        <a:xfrm rot="6942857">
+          <a:off x="2319942" y="1984844"/>
+          <a:ext cx="223693" cy="222931"/>
+        </a:xfrm>
+        <a:prstGeom prst="rightArrow">
+          <a:avLst>
+            <a:gd name="adj1" fmla="val 60000"/>
+            <a:gd name="adj2" fmla="val 50000"/>
+          </a:avLst>
+        </a:prstGeom>
+        <a:solidFill>
+          <a:schemeClr val="accent1">
+            <a:tint val="60000"/>
+            <a:hueOff val="0"/>
+            <a:satOff val="0"/>
+            <a:lumOff val="0"/>
+            <a:alphaOff val="0"/>
+          </a:schemeClr>
+        </a:solidFill>
+        <a:ln>
+          <a:noFill/>
+        </a:ln>
+        <a:effectLst/>
+      </dsp:spPr>
+      <dsp:style>
+        <a:lnRef idx="0">
+          <a:scrgbClr r="0" g="0" b="0"/>
+        </a:lnRef>
+        <a:fillRef idx="1">
+          <a:scrgbClr r="0" g="0" b="0"/>
+        </a:fillRef>
+        <a:effectRef idx="0">
+          <a:scrgbClr r="0" g="0" b="0"/>
+        </a:effectRef>
+        <a:fontRef idx="minor">
+          <a:schemeClr val="lt1"/>
+        </a:fontRef>
+      </dsp:style>
+      <dsp:txBody>
+        <a:bodyPr spcFirstLastPara="0" vert="horz" wrap="square" lIns="0" tIns="0" rIns="0" bIns="0" numCol="1" spcCol="1270" anchor="ctr" anchorCtr="0">
+          <a:noAutofit/>
+        </a:bodyPr>
+        <a:lstStyle/>
+        <a:p>
+          <a:pPr marL="0" lvl="0" indent="0" algn="ctr" defTabSz="355600">
+            <a:lnSpc>
+              <a:spcPct val="90000"/>
+            </a:lnSpc>
+            <a:spcBef>
+              <a:spcPct val="0"/>
+            </a:spcBef>
+            <a:spcAft>
+              <a:spcPct val="35000"/>
+            </a:spcAft>
+            <a:buNone/>
+          </a:pPr>
+          <a:endParaRPr lang="en-US" sz="800" kern="1200"/>
+        </a:p>
+      </dsp:txBody>
+      <dsp:txXfrm rot="10800000">
+        <a:off x="2367890" y="1999302"/>
+        <a:ext cx="156814" cy="133759"/>
+      </dsp:txXfrm>
+    </dsp:sp>
+    <dsp:sp modelId="{E3E493E2-8880-429E-92AD-806F0047E464}">
+      <dsp:nvSpPr>
+        <dsp:cNvPr id="0" name=""/>
+        <dsp:cNvSpPr/>
+      </dsp:nvSpPr>
+      <dsp:spPr>
+        <a:xfrm>
+          <a:off x="1732727" y="2250380"/>
+          <a:ext cx="843515" cy="843515"/>
+        </a:xfrm>
+        <a:prstGeom prst="ellipse">
+          <a:avLst/>
+        </a:prstGeom>
+        <a:solidFill>
+          <a:schemeClr val="accent1">
+            <a:hueOff val="0"/>
+            <a:satOff val="0"/>
+            <a:lumOff val="0"/>
+            <a:alphaOff val="0"/>
+          </a:schemeClr>
+        </a:solidFill>
+        <a:ln w="19050" cap="flat" cmpd="sng" algn="ctr">
+          <a:solidFill>
+            <a:schemeClr val="lt1">
+              <a:hueOff val="0"/>
+              <a:satOff val="0"/>
+              <a:lumOff val="0"/>
+              <a:alphaOff val="0"/>
+            </a:schemeClr>
+          </a:solidFill>
+          <a:prstDash val="solid"/>
+        </a:ln>
+        <a:effectLst/>
+      </dsp:spPr>
+      <dsp:style>
+        <a:lnRef idx="2">
+          <a:scrgbClr r="0" g="0" b="0"/>
+        </a:lnRef>
+        <a:fillRef idx="1">
+          <a:scrgbClr r="0" g="0" b="0"/>
+        </a:fillRef>
+        <a:effectRef idx="0">
+          <a:scrgbClr r="0" g="0" b="0"/>
+        </a:effectRef>
+        <a:fontRef idx="minor">
+          <a:schemeClr val="lt1"/>
+        </a:fontRef>
+      </dsp:style>
+      <dsp:txBody>
+        <a:bodyPr spcFirstLastPara="0" vert="horz" wrap="square" lIns="10160" tIns="10160" rIns="10160" bIns="10160" numCol="1" spcCol="1270" anchor="ctr" anchorCtr="0">
+          <a:noAutofit/>
+        </a:bodyPr>
+        <a:lstStyle/>
+        <a:p>
+          <a:pPr marL="0" lvl="0" indent="0" algn="ctr" defTabSz="355600">
+            <a:lnSpc>
+              <a:spcPct val="90000"/>
+            </a:lnSpc>
+            <a:spcBef>
+              <a:spcPct val="0"/>
+            </a:spcBef>
+            <a:spcAft>
+              <a:spcPct val="35000"/>
+            </a:spcAft>
+            <a:buNone/>
+          </a:pPr>
+          <a:r>
+            <a:rPr lang="en-US" sz="800" b="1" kern="1200" dirty="0"/>
+            <a:t>Machine Learning or Deep Learning</a:t>
+          </a:r>
+        </a:p>
+      </dsp:txBody>
+      <dsp:txXfrm>
+        <a:off x="1856257" y="2373910"/>
+        <a:ext cx="596455" cy="596455"/>
+      </dsp:txXfrm>
+    </dsp:sp>
+    <dsp:sp modelId="{599142CC-738D-4178-82C9-082B827AE91F}">
+      <dsp:nvSpPr>
+        <dsp:cNvPr id="0" name=""/>
+        <dsp:cNvSpPr/>
+      </dsp:nvSpPr>
+      <dsp:spPr>
+        <a:xfrm rot="10028571">
+          <a:off x="2026638" y="1617053"/>
+          <a:ext cx="223693" cy="222931"/>
+        </a:xfrm>
+        <a:prstGeom prst="rightArrow">
+          <a:avLst>
+            <a:gd name="adj1" fmla="val 60000"/>
+            <a:gd name="adj2" fmla="val 50000"/>
+          </a:avLst>
+        </a:prstGeom>
+        <a:solidFill>
+          <a:schemeClr val="accent1">
+            <a:tint val="60000"/>
+            <a:hueOff val="0"/>
+            <a:satOff val="0"/>
+            <a:lumOff val="0"/>
+            <a:alphaOff val="0"/>
+          </a:schemeClr>
+        </a:solidFill>
+        <a:ln>
+          <a:noFill/>
+        </a:ln>
+        <a:effectLst/>
+      </dsp:spPr>
+      <dsp:style>
+        <a:lnRef idx="0">
+          <a:scrgbClr r="0" g="0" b="0"/>
+        </a:lnRef>
+        <a:fillRef idx="1">
+          <a:scrgbClr r="0" g="0" b="0"/>
+        </a:fillRef>
+        <a:effectRef idx="0">
+          <a:scrgbClr r="0" g="0" b="0"/>
+        </a:effectRef>
+        <a:fontRef idx="minor">
+          <a:schemeClr val="lt1"/>
+        </a:fontRef>
+      </dsp:style>
+      <dsp:txBody>
+        <a:bodyPr spcFirstLastPara="0" vert="horz" wrap="square" lIns="0" tIns="0" rIns="0" bIns="0" numCol="1" spcCol="1270" anchor="ctr" anchorCtr="0">
+          <a:noAutofit/>
+        </a:bodyPr>
+        <a:lstStyle/>
+        <a:p>
+          <a:pPr marL="0" lvl="0" indent="0" algn="ctr" defTabSz="355600">
+            <a:lnSpc>
+              <a:spcPct val="90000"/>
+            </a:lnSpc>
+            <a:spcBef>
+              <a:spcPct val="0"/>
+            </a:spcBef>
+            <a:spcAft>
+              <a:spcPct val="35000"/>
+            </a:spcAft>
+            <a:buNone/>
+          </a:pPr>
+          <a:endParaRPr lang="en-US" sz="800" kern="1200"/>
+        </a:p>
+      </dsp:txBody>
+      <dsp:txXfrm rot="10800000">
+        <a:off x="2092679" y="1654198"/>
+        <a:ext cx="156814" cy="133759"/>
+      </dsp:txXfrm>
+    </dsp:sp>
+    <dsp:sp modelId="{32F2813E-492F-41FF-9F9D-AADB3746368E}">
+      <dsp:nvSpPr>
+        <dsp:cNvPr id="0" name=""/>
+        <dsp:cNvSpPr/>
+      </dsp:nvSpPr>
+      <dsp:spPr>
+        <a:xfrm>
+          <a:off x="1093631" y="1448979"/>
+          <a:ext cx="843515" cy="843515"/>
+        </a:xfrm>
+        <a:prstGeom prst="ellipse">
+          <a:avLst/>
+        </a:prstGeom>
+        <a:solidFill>
+          <a:schemeClr val="accent1">
+            <a:hueOff val="0"/>
+            <a:satOff val="0"/>
+            <a:lumOff val="0"/>
+            <a:alphaOff val="0"/>
+          </a:schemeClr>
+        </a:solidFill>
+        <a:ln w="19050" cap="flat" cmpd="sng" algn="ctr">
+          <a:solidFill>
+            <a:schemeClr val="lt1">
+              <a:hueOff val="0"/>
+              <a:satOff val="0"/>
+              <a:lumOff val="0"/>
+              <a:alphaOff val="0"/>
+            </a:schemeClr>
+          </a:solidFill>
+          <a:prstDash val="solid"/>
+        </a:ln>
+        <a:effectLst/>
+      </dsp:spPr>
+      <dsp:style>
+        <a:lnRef idx="2">
+          <a:scrgbClr r="0" g="0" b="0"/>
+        </a:lnRef>
+        <a:fillRef idx="1">
+          <a:scrgbClr r="0" g="0" b="0"/>
+        </a:fillRef>
+        <a:effectRef idx="0">
+          <a:scrgbClr r="0" g="0" b="0"/>
+        </a:effectRef>
+        <a:fontRef idx="minor">
+          <a:schemeClr val="lt1"/>
+        </a:fontRef>
+      </dsp:style>
+      <dsp:txBody>
+        <a:bodyPr spcFirstLastPara="0" vert="horz" wrap="square" lIns="10160" tIns="10160" rIns="10160" bIns="10160" numCol="1" spcCol="1270" anchor="ctr" anchorCtr="0">
+          <a:noAutofit/>
+        </a:bodyPr>
+        <a:lstStyle/>
+        <a:p>
+          <a:pPr marL="0" lvl="0" indent="0" algn="ctr" defTabSz="355600">
+            <a:lnSpc>
+              <a:spcPct val="90000"/>
+            </a:lnSpc>
+            <a:spcBef>
+              <a:spcPct val="0"/>
+            </a:spcBef>
+            <a:spcAft>
+              <a:spcPct val="35000"/>
+            </a:spcAft>
+            <a:buNone/>
+          </a:pPr>
+          <a:r>
+            <a:rPr lang="en-US" sz="800" b="1" kern="1200" dirty="0"/>
+            <a:t>Database</a:t>
+          </a:r>
+        </a:p>
+      </dsp:txBody>
+      <dsp:txXfrm>
+        <a:off x="1217161" y="1572509"/>
+        <a:ext cx="596455" cy="596455"/>
+      </dsp:txXfrm>
+    </dsp:sp>
+    <dsp:sp modelId="{5D66CAB7-FEDC-4B8B-94CA-3C36B7EA9DCF}">
+      <dsp:nvSpPr>
+        <dsp:cNvPr id="0" name=""/>
+        <dsp:cNvSpPr/>
+      </dsp:nvSpPr>
+      <dsp:spPr>
+        <a:xfrm rot="13114286">
+          <a:off x="2131317" y="1158425"/>
+          <a:ext cx="223693" cy="222931"/>
+        </a:xfrm>
+        <a:prstGeom prst="rightArrow">
+          <a:avLst>
+            <a:gd name="adj1" fmla="val 60000"/>
+            <a:gd name="adj2" fmla="val 50000"/>
+          </a:avLst>
+        </a:prstGeom>
+        <a:solidFill>
+          <a:schemeClr val="accent1">
+            <a:tint val="60000"/>
+            <a:hueOff val="0"/>
+            <a:satOff val="0"/>
+            <a:lumOff val="0"/>
+            <a:alphaOff val="0"/>
+          </a:schemeClr>
+        </a:solidFill>
+        <a:ln>
+          <a:noFill/>
+        </a:ln>
+        <a:effectLst/>
+      </dsp:spPr>
+      <dsp:style>
+        <a:lnRef idx="0">
+          <a:scrgbClr r="0" g="0" b="0"/>
+        </a:lnRef>
+        <a:fillRef idx="1">
+          <a:scrgbClr r="0" g="0" b="0"/>
+        </a:fillRef>
+        <a:effectRef idx="0">
+          <a:scrgbClr r="0" g="0" b="0"/>
+        </a:effectRef>
+        <a:fontRef idx="minor">
+          <a:schemeClr val="lt1"/>
+        </a:fontRef>
+      </dsp:style>
+      <dsp:txBody>
+        <a:bodyPr spcFirstLastPara="0" vert="horz" wrap="square" lIns="0" tIns="0" rIns="0" bIns="0" numCol="1" spcCol="1270" anchor="ctr" anchorCtr="0">
+          <a:noAutofit/>
+        </a:bodyPr>
+        <a:lstStyle/>
+        <a:p>
+          <a:pPr marL="0" lvl="0" indent="0" algn="ctr" defTabSz="355600">
+            <a:lnSpc>
+              <a:spcPct val="90000"/>
+            </a:lnSpc>
+            <a:spcBef>
+              <a:spcPct val="0"/>
+            </a:spcBef>
+            <a:spcAft>
+              <a:spcPct val="35000"/>
+            </a:spcAft>
+            <a:buNone/>
+          </a:pPr>
+          <a:endParaRPr lang="en-US" sz="800" kern="1200"/>
+        </a:p>
+      </dsp:txBody>
+      <dsp:txXfrm rot="10800000">
+        <a:off x="2190901" y="1223860"/>
+        <a:ext cx="156814" cy="133759"/>
+      </dsp:txXfrm>
+    </dsp:sp>
+    <dsp:sp modelId="{7C51C6C7-B746-48C5-9E8B-64AEE0645CD5}">
+      <dsp:nvSpPr>
+        <dsp:cNvPr id="0" name=""/>
+        <dsp:cNvSpPr/>
+      </dsp:nvSpPr>
+      <dsp:spPr>
+        <a:xfrm>
+          <a:off x="1321721" y="449648"/>
+          <a:ext cx="843515" cy="843515"/>
+        </a:xfrm>
+        <a:prstGeom prst="ellipse">
+          <a:avLst/>
+        </a:prstGeom>
+        <a:solidFill>
+          <a:schemeClr val="accent1">
+            <a:hueOff val="0"/>
+            <a:satOff val="0"/>
+            <a:lumOff val="0"/>
+            <a:alphaOff val="0"/>
+          </a:schemeClr>
+        </a:solidFill>
+        <a:ln w="19050" cap="flat" cmpd="sng" algn="ctr">
+          <a:solidFill>
+            <a:schemeClr val="lt1">
+              <a:hueOff val="0"/>
+              <a:satOff val="0"/>
+              <a:lumOff val="0"/>
+              <a:alphaOff val="0"/>
+            </a:schemeClr>
+          </a:solidFill>
+          <a:prstDash val="solid"/>
+        </a:ln>
+        <a:effectLst/>
+      </dsp:spPr>
+      <dsp:style>
+        <a:lnRef idx="2">
+          <a:scrgbClr r="0" g="0" b="0"/>
+        </a:lnRef>
+        <a:fillRef idx="1">
+          <a:scrgbClr r="0" g="0" b="0"/>
+        </a:fillRef>
+        <a:effectRef idx="0">
+          <a:scrgbClr r="0" g="0" b="0"/>
+        </a:effectRef>
+        <a:fontRef idx="minor">
+          <a:schemeClr val="lt1"/>
+        </a:fontRef>
+      </dsp:style>
+      <dsp:txBody>
+        <a:bodyPr spcFirstLastPara="0" vert="horz" wrap="square" lIns="10160" tIns="10160" rIns="10160" bIns="10160" numCol="1" spcCol="1270" anchor="ctr" anchorCtr="0">
+          <a:noAutofit/>
+        </a:bodyPr>
+        <a:lstStyle/>
+        <a:p>
+          <a:pPr marL="0" lvl="0" indent="0" algn="ctr" defTabSz="355600">
+            <a:lnSpc>
+              <a:spcPct val="90000"/>
+            </a:lnSpc>
+            <a:spcBef>
+              <a:spcPct val="0"/>
+            </a:spcBef>
+            <a:spcAft>
+              <a:spcPct val="35000"/>
+            </a:spcAft>
+            <a:buNone/>
+          </a:pPr>
+          <a:r>
+            <a:rPr lang="en-US" sz="800" b="1" kern="1200" dirty="0"/>
+            <a:t>Analytical Knowledge</a:t>
+          </a:r>
+        </a:p>
+      </dsp:txBody>
+      <dsp:txXfrm>
+        <a:off x="1445251" y="573178"/>
+        <a:ext cx="596455" cy="596455"/>
+      </dsp:txXfrm>
+    </dsp:sp>
+  </dsp:spTree>
+</dsp:drawing>
 </file>
 
 <file path=ppt/diagrams/layout1.xml><?xml version="1.0" encoding="utf-8"?>
@@ -2798,6 +3771,439 @@
 </dgm:styleDef>
 </file>
 
+<file path=ppt/notesMasters/notesMaster1.xml><?xml version="1.0" encoding="utf-8"?>
+<p:notesMaster xmlns:a="http://schemas.openxmlformats.org/drawingml/2006/main" xmlns:r="http://schemas.openxmlformats.org/officeDocument/2006/relationships" xmlns:p="http://schemas.openxmlformats.org/presentationml/2006/main">
+  <p:cSld>
+    <p:bg>
+      <p:bgRef idx="1001">
+        <a:schemeClr val="bg1"/>
+      </p:bgRef>
+    </p:bg>
+    <p:spTree>
+      <p:nvGrpSpPr>
+        <p:cNvPr id="1" name=""/>
+        <p:cNvGrpSpPr/>
+        <p:nvPr/>
+      </p:nvGrpSpPr>
+      <p:grpSpPr>
+        <a:xfrm>
+          <a:off x="0" y="0"/>
+          <a:ext cx="0" cy="0"/>
+          <a:chOff x="0" y="0"/>
+          <a:chExt cx="0" cy="0"/>
+        </a:xfrm>
+      </p:grpSpPr>
+      <p:sp>
+        <p:nvSpPr>
+          <p:cNvPr id="2" name="Header Placeholder 1"/>
+          <p:cNvSpPr>
+            <a:spLocks noGrp="1"/>
+          </p:cNvSpPr>
+          <p:nvPr>
+            <p:ph type="hdr" sz="quarter"/>
+          </p:nvPr>
+        </p:nvSpPr>
+        <p:spPr>
+          <a:xfrm>
+            <a:off x="0" y="0"/>
+            <a:ext cx="2971800" cy="458788"/>
+          </a:xfrm>
+          <a:prstGeom prst="rect">
+            <a:avLst/>
+          </a:prstGeom>
+        </p:spPr>
+        <p:txBody>
+          <a:bodyPr vert="horz" lIns="91440" tIns="45720" rIns="91440" bIns="45720" rtlCol="0"/>
+          <a:lstStyle>
+            <a:lvl1pPr algn="l">
+              <a:defRPr sz="1200"/>
+            </a:lvl1pPr>
+          </a:lstStyle>
+          <a:p>
+            <a:endParaRPr lang="en-US"/>
+          </a:p>
+        </p:txBody>
+      </p:sp>
+      <p:sp>
+        <p:nvSpPr>
+          <p:cNvPr id="3" name="Date Placeholder 2"/>
+          <p:cNvSpPr>
+            <a:spLocks noGrp="1"/>
+          </p:cNvSpPr>
+          <p:nvPr>
+            <p:ph type="dt" idx="1"/>
+          </p:nvPr>
+        </p:nvSpPr>
+        <p:spPr>
+          <a:xfrm>
+            <a:off x="3884613" y="0"/>
+            <a:ext cx="2971800" cy="458788"/>
+          </a:xfrm>
+          <a:prstGeom prst="rect">
+            <a:avLst/>
+          </a:prstGeom>
+        </p:spPr>
+        <p:txBody>
+          <a:bodyPr vert="horz" lIns="91440" tIns="45720" rIns="91440" bIns="45720" rtlCol="0"/>
+          <a:lstStyle>
+            <a:lvl1pPr algn="r">
+              <a:defRPr sz="1200"/>
+            </a:lvl1pPr>
+          </a:lstStyle>
+          <a:p>
+            <a:fld id="{20F0B5AB-B8B2-4037-8291-C106D3283E64}" type="datetimeFigureOut">
+              <a:rPr lang="en-US" smtClean="0"/>
+              <a:t>11/23/2021</a:t>
+            </a:fld>
+            <a:endParaRPr lang="en-US"/>
+          </a:p>
+        </p:txBody>
+      </p:sp>
+      <p:sp>
+        <p:nvSpPr>
+          <p:cNvPr id="4" name="Slide Image Placeholder 3"/>
+          <p:cNvSpPr>
+            <a:spLocks noGrp="1" noRot="1" noChangeAspect="1"/>
+          </p:cNvSpPr>
+          <p:nvPr>
+            <p:ph type="sldImg" idx="2"/>
+          </p:nvPr>
+        </p:nvSpPr>
+        <p:spPr>
+          <a:xfrm>
+            <a:off x="685800" y="1143000"/>
+            <a:ext cx="5486400" cy="3086100"/>
+          </a:xfrm>
+          <a:prstGeom prst="rect">
+            <a:avLst/>
+          </a:prstGeom>
+          <a:noFill/>
+          <a:ln w="12700">
+            <a:solidFill>
+              <a:prstClr val="black"/>
+            </a:solidFill>
+          </a:ln>
+        </p:spPr>
+        <p:txBody>
+          <a:bodyPr vert="horz" lIns="91440" tIns="45720" rIns="91440" bIns="45720" rtlCol="0" anchor="ctr"/>
+          <a:lstStyle/>
+          <a:p>
+            <a:endParaRPr lang="en-US"/>
+          </a:p>
+        </p:txBody>
+      </p:sp>
+      <p:sp>
+        <p:nvSpPr>
+          <p:cNvPr id="5" name="Notes Placeholder 4"/>
+          <p:cNvSpPr>
+            <a:spLocks noGrp="1"/>
+          </p:cNvSpPr>
+          <p:nvPr>
+            <p:ph type="body" sz="quarter" idx="3"/>
+          </p:nvPr>
+        </p:nvSpPr>
+        <p:spPr>
+          <a:xfrm>
+            <a:off x="685800" y="4400550"/>
+            <a:ext cx="5486400" cy="3600450"/>
+          </a:xfrm>
+          <a:prstGeom prst="rect">
+            <a:avLst/>
+          </a:prstGeom>
+        </p:spPr>
+        <p:txBody>
+          <a:bodyPr vert="horz" lIns="91440" tIns="45720" rIns="91440" bIns="45720" rtlCol="0"/>
+          <a:lstStyle/>
+          <a:p>
+            <a:pPr lvl="0"/>
+            <a:r>
+              <a:rPr lang="en-US"/>
+              <a:t>Click to edit Master text styles</a:t>
+            </a:r>
+          </a:p>
+          <a:p>
+            <a:pPr lvl="1"/>
+            <a:r>
+              <a:rPr lang="en-US"/>
+              <a:t>Second level</a:t>
+            </a:r>
+          </a:p>
+          <a:p>
+            <a:pPr lvl="2"/>
+            <a:r>
+              <a:rPr lang="en-US"/>
+              <a:t>Third level</a:t>
+            </a:r>
+          </a:p>
+          <a:p>
+            <a:pPr lvl="3"/>
+            <a:r>
+              <a:rPr lang="en-US"/>
+              <a:t>Fourth level</a:t>
+            </a:r>
+          </a:p>
+          <a:p>
+            <a:pPr lvl="4"/>
+            <a:r>
+              <a:rPr lang="en-US"/>
+              <a:t>Fifth level</a:t>
+            </a:r>
+          </a:p>
+        </p:txBody>
+      </p:sp>
+      <p:sp>
+        <p:nvSpPr>
+          <p:cNvPr id="6" name="Footer Placeholder 5"/>
+          <p:cNvSpPr>
+            <a:spLocks noGrp="1"/>
+          </p:cNvSpPr>
+          <p:nvPr>
+            <p:ph type="ftr" sz="quarter" idx="4"/>
+          </p:nvPr>
+        </p:nvSpPr>
+        <p:spPr>
+          <a:xfrm>
+            <a:off x="0" y="8685213"/>
+            <a:ext cx="2971800" cy="458787"/>
+          </a:xfrm>
+          <a:prstGeom prst="rect">
+            <a:avLst/>
+          </a:prstGeom>
+        </p:spPr>
+        <p:txBody>
+          <a:bodyPr vert="horz" lIns="91440" tIns="45720" rIns="91440" bIns="45720" rtlCol="0" anchor="b"/>
+          <a:lstStyle>
+            <a:lvl1pPr algn="l">
+              <a:defRPr sz="1200"/>
+            </a:lvl1pPr>
+          </a:lstStyle>
+          <a:p>
+            <a:endParaRPr lang="en-US"/>
+          </a:p>
+        </p:txBody>
+      </p:sp>
+      <p:sp>
+        <p:nvSpPr>
+          <p:cNvPr id="7" name="Slide Number Placeholder 6"/>
+          <p:cNvSpPr>
+            <a:spLocks noGrp="1"/>
+          </p:cNvSpPr>
+          <p:nvPr>
+            <p:ph type="sldNum" sz="quarter" idx="5"/>
+          </p:nvPr>
+        </p:nvSpPr>
+        <p:spPr>
+          <a:xfrm>
+            <a:off x="3884613" y="8685213"/>
+            <a:ext cx="2971800" cy="458787"/>
+          </a:xfrm>
+          <a:prstGeom prst="rect">
+            <a:avLst/>
+          </a:prstGeom>
+        </p:spPr>
+        <p:txBody>
+          <a:bodyPr vert="horz" lIns="91440" tIns="45720" rIns="91440" bIns="45720" rtlCol="0" anchor="b"/>
+          <a:lstStyle>
+            <a:lvl1pPr algn="r">
+              <a:defRPr sz="1200"/>
+            </a:lvl1pPr>
+          </a:lstStyle>
+          <a:p>
+            <a:fld id="{DE781C75-54E2-4253-8445-B9761A01B45D}" type="slidenum">
+              <a:rPr lang="en-US" smtClean="0"/>
+              <a:t>‹#›</a:t>
+            </a:fld>
+            <a:endParaRPr lang="en-US"/>
+          </a:p>
+        </p:txBody>
+      </p:sp>
+    </p:spTree>
+    <p:extLst>
+      <p:ext uri="{BB962C8B-B14F-4D97-AF65-F5344CB8AC3E}">
+        <p14:creationId xmlns:p14="http://schemas.microsoft.com/office/powerpoint/2010/main" val="2742511969"/>
+      </p:ext>
+    </p:extLst>
+  </p:cSld>
+  <p:clrMap bg1="lt1" tx1="dk1" bg2="lt2" tx2="dk2" accent1="accent1" accent2="accent2" accent3="accent3" accent4="accent4" accent5="accent5" accent6="accent6" hlink="hlink" folHlink="folHlink"/>
+  <p:notesStyle>
+    <a:lvl1pPr marL="0" algn="l" defTabSz="914400" rtl="0" eaLnBrk="1" latinLnBrk="0" hangingPunct="1">
+      <a:defRPr sz="1200" kern="1200">
+        <a:solidFill>
+          <a:schemeClr val="tx1"/>
+        </a:solidFill>
+        <a:latin typeface="+mn-lt"/>
+        <a:ea typeface="+mn-ea"/>
+        <a:cs typeface="+mn-cs"/>
+      </a:defRPr>
+    </a:lvl1pPr>
+    <a:lvl2pPr marL="457200" algn="l" defTabSz="914400" rtl="0" eaLnBrk="1" latinLnBrk="0" hangingPunct="1">
+      <a:defRPr sz="1200" kern="1200">
+        <a:solidFill>
+          <a:schemeClr val="tx1"/>
+        </a:solidFill>
+        <a:latin typeface="+mn-lt"/>
+        <a:ea typeface="+mn-ea"/>
+        <a:cs typeface="+mn-cs"/>
+      </a:defRPr>
+    </a:lvl2pPr>
+    <a:lvl3pPr marL="914400" algn="l" defTabSz="914400" rtl="0" eaLnBrk="1" latinLnBrk="0" hangingPunct="1">
+      <a:defRPr sz="1200" kern="1200">
+        <a:solidFill>
+          <a:schemeClr val="tx1"/>
+        </a:solidFill>
+        <a:latin typeface="+mn-lt"/>
+        <a:ea typeface="+mn-ea"/>
+        <a:cs typeface="+mn-cs"/>
+      </a:defRPr>
+    </a:lvl3pPr>
+    <a:lvl4pPr marL="1371600" algn="l" defTabSz="914400" rtl="0" eaLnBrk="1" latinLnBrk="0" hangingPunct="1">
+      <a:defRPr sz="1200" kern="1200">
+        <a:solidFill>
+          <a:schemeClr val="tx1"/>
+        </a:solidFill>
+        <a:latin typeface="+mn-lt"/>
+        <a:ea typeface="+mn-ea"/>
+        <a:cs typeface="+mn-cs"/>
+      </a:defRPr>
+    </a:lvl4pPr>
+    <a:lvl5pPr marL="1828800" algn="l" defTabSz="914400" rtl="0" eaLnBrk="1" latinLnBrk="0" hangingPunct="1">
+      <a:defRPr sz="1200" kern="1200">
+        <a:solidFill>
+          <a:schemeClr val="tx1"/>
+        </a:solidFill>
+        <a:latin typeface="+mn-lt"/>
+        <a:ea typeface="+mn-ea"/>
+        <a:cs typeface="+mn-cs"/>
+      </a:defRPr>
+    </a:lvl5pPr>
+    <a:lvl6pPr marL="2286000" algn="l" defTabSz="914400" rtl="0" eaLnBrk="1" latinLnBrk="0" hangingPunct="1">
+      <a:defRPr sz="1200" kern="1200">
+        <a:solidFill>
+          <a:schemeClr val="tx1"/>
+        </a:solidFill>
+        <a:latin typeface="+mn-lt"/>
+        <a:ea typeface="+mn-ea"/>
+        <a:cs typeface="+mn-cs"/>
+      </a:defRPr>
+    </a:lvl6pPr>
+    <a:lvl7pPr marL="2743200" algn="l" defTabSz="914400" rtl="0" eaLnBrk="1" latinLnBrk="0" hangingPunct="1">
+      <a:defRPr sz="1200" kern="1200">
+        <a:solidFill>
+          <a:schemeClr val="tx1"/>
+        </a:solidFill>
+        <a:latin typeface="+mn-lt"/>
+        <a:ea typeface="+mn-ea"/>
+        <a:cs typeface="+mn-cs"/>
+      </a:defRPr>
+    </a:lvl7pPr>
+    <a:lvl8pPr marL="3200400" algn="l" defTabSz="914400" rtl="0" eaLnBrk="1" latinLnBrk="0" hangingPunct="1">
+      <a:defRPr sz="1200" kern="1200">
+        <a:solidFill>
+          <a:schemeClr val="tx1"/>
+        </a:solidFill>
+        <a:latin typeface="+mn-lt"/>
+        <a:ea typeface="+mn-ea"/>
+        <a:cs typeface="+mn-cs"/>
+      </a:defRPr>
+    </a:lvl8pPr>
+    <a:lvl9pPr marL="3657600" algn="l" defTabSz="914400" rtl="0" eaLnBrk="1" latinLnBrk="0" hangingPunct="1">
+      <a:defRPr sz="1200" kern="1200">
+        <a:solidFill>
+          <a:schemeClr val="tx1"/>
+        </a:solidFill>
+        <a:latin typeface="+mn-lt"/>
+        <a:ea typeface="+mn-ea"/>
+        <a:cs typeface="+mn-cs"/>
+      </a:defRPr>
+    </a:lvl9pPr>
+  </p:notesStyle>
+</p:notesMaster>
+</file>
+
+<file path=ppt/notesSlides/notesSlide1.xml><?xml version="1.0" encoding="utf-8"?>
+<p:notes xmlns:a="http://schemas.openxmlformats.org/drawingml/2006/main" xmlns:r="http://schemas.openxmlformats.org/officeDocument/2006/relationships" xmlns:p="http://schemas.openxmlformats.org/presentationml/2006/main">
+  <p:cSld>
+    <p:spTree>
+      <p:nvGrpSpPr>
+        <p:cNvPr id="1" name=""/>
+        <p:cNvGrpSpPr/>
+        <p:nvPr/>
+      </p:nvGrpSpPr>
+      <p:grpSpPr>
+        <a:xfrm>
+          <a:off x="0" y="0"/>
+          <a:ext cx="0" cy="0"/>
+          <a:chOff x="0" y="0"/>
+          <a:chExt cx="0" cy="0"/>
+        </a:xfrm>
+      </p:grpSpPr>
+      <p:sp>
+        <p:nvSpPr>
+          <p:cNvPr id="2" name="Slide Image Placeholder 1"/>
+          <p:cNvSpPr>
+            <a:spLocks noGrp="1" noRot="1" noChangeAspect="1"/>
+          </p:cNvSpPr>
+          <p:nvPr>
+            <p:ph type="sldImg"/>
+          </p:nvPr>
+        </p:nvSpPr>
+        <p:spPr/>
+      </p:sp>
+      <p:sp>
+        <p:nvSpPr>
+          <p:cNvPr id="3" name="Notes Placeholder 2"/>
+          <p:cNvSpPr>
+            <a:spLocks noGrp="1"/>
+          </p:cNvSpPr>
+          <p:nvPr>
+            <p:ph type="body" idx="1"/>
+          </p:nvPr>
+        </p:nvSpPr>
+        <p:spPr/>
+        <p:txBody>
+          <a:bodyPr/>
+          <a:lstStyle/>
+          <a:p>
+            <a:endParaRPr lang="en-US" dirty="0"/>
+          </a:p>
+        </p:txBody>
+      </p:sp>
+      <p:sp>
+        <p:nvSpPr>
+          <p:cNvPr id="4" name="Slide Number Placeholder 3"/>
+          <p:cNvSpPr>
+            <a:spLocks noGrp="1"/>
+          </p:cNvSpPr>
+          <p:nvPr>
+            <p:ph type="sldNum" sz="quarter" idx="5"/>
+          </p:nvPr>
+        </p:nvSpPr>
+        <p:spPr/>
+        <p:txBody>
+          <a:bodyPr/>
+          <a:lstStyle/>
+          <a:p>
+            <a:fld id="{DE781C75-54E2-4253-8445-B9761A01B45D}" type="slidenum">
+              <a:rPr lang="en-US" smtClean="0"/>
+              <a:t>6</a:t>
+            </a:fld>
+            <a:endParaRPr lang="en-US"/>
+          </a:p>
+        </p:txBody>
+      </p:sp>
+    </p:spTree>
+    <p:extLst>
+      <p:ext uri="{BB962C8B-B14F-4D97-AF65-F5344CB8AC3E}">
+        <p14:creationId xmlns:p14="http://schemas.microsoft.com/office/powerpoint/2010/main" val="2635701566"/>
+      </p:ext>
+    </p:extLst>
+  </p:cSld>
+  <p:clrMapOvr>
+    <a:masterClrMapping/>
+  </p:clrMapOvr>
+</p:notes>
+</file>
+
 <file path=ppt/slideLayouts/slideLayout1.xml><?xml version="1.0" encoding="utf-8"?>
 <p:sldLayout xmlns:a="http://schemas.openxmlformats.org/drawingml/2006/main" xmlns:r="http://schemas.openxmlformats.org/officeDocument/2006/relationships" xmlns:p="http://schemas.openxmlformats.org/presentationml/2006/main" showMasterSp="0" type="title" preserve="1">
   <p:cSld name="Title Slide">
@@ -2987,10 +4393,9 @@
           </a:lstStyle>
           <a:p>
             <a:r>
-              <a:rPr kumimoji="0" lang="en-US" smtClean="0"/>
+              <a:rPr kumimoji="0" lang="en-US"/>
               <a:t>Click to edit Master title style</a:t>
             </a:r>
-            <a:endParaRPr kumimoji="0" lang="en-US"/>
           </a:p>
         </p:txBody>
       </p:sp>
@@ -3050,10 +4455,9 @@
           </a:lstStyle>
           <a:p>
             <a:r>
-              <a:rPr kumimoji="0" lang="en-US" smtClean="0"/>
+              <a:rPr kumimoji="0" lang="en-US"/>
               <a:t>Click to edit Master subtitle style</a:t>
             </a:r>
-            <a:endParaRPr kumimoji="0" lang="en-US"/>
           </a:p>
         </p:txBody>
       </p:sp>
@@ -3090,7 +4494,7 @@
             <a:fld id="{1D8BD707-D9CF-40AE-B4C6-C98DA3205C09}" type="datetimeFigureOut">
               <a:rPr lang="en-US" smtClean="0"/>
               <a:pPr/>
-              <a:t>11/22/2021</a:t>
+              <a:t>11/23/2021</a:t>
             </a:fld>
             <a:endParaRPr lang="en-US"/>
           </a:p>
@@ -3173,13 +4577,6 @@
   <p:transition>
     <p:fade thruBlk="1"/>
   </p:transition>
-  <p:timing>
-    <p:tnLst>
-      <p:par>
-        <p:cTn id="1" dur="indefinite" restart="never" nodeType="tmRoot"/>
-      </p:par>
-    </p:tnLst>
-  </p:timing>
 </p:sldLayout>
 </file>
 
@@ -3216,10 +4613,9 @@
           <a:lstStyle/>
           <a:p>
             <a:r>
-              <a:rPr kumimoji="0" lang="en-US" smtClean="0"/>
+              <a:rPr kumimoji="0" lang="en-US"/>
               <a:t>Click to edit Master title style</a:t>
             </a:r>
-            <a:endParaRPr kumimoji="0" lang="en-US"/>
           </a:p>
         </p:txBody>
       </p:sp>
@@ -3240,35 +4636,35 @@
           <a:p>
             <a:pPr lvl="0" eaLnBrk="1" latinLnBrk="0" hangingPunct="1"/>
             <a:r>
-              <a:rPr lang="en-US" smtClean="0"/>
+              <a:rPr lang="en-US"/>
               <a:t>Click to edit Master text styles</a:t>
             </a:r>
           </a:p>
           <a:p>
             <a:pPr lvl="1" eaLnBrk="1" latinLnBrk="0" hangingPunct="1"/>
             <a:r>
-              <a:rPr lang="en-US" smtClean="0"/>
+              <a:rPr lang="en-US"/>
               <a:t>Second level</a:t>
             </a:r>
           </a:p>
           <a:p>
             <a:pPr lvl="2" eaLnBrk="1" latinLnBrk="0" hangingPunct="1"/>
             <a:r>
-              <a:rPr lang="en-US" smtClean="0"/>
+              <a:rPr lang="en-US"/>
               <a:t>Third level</a:t>
             </a:r>
           </a:p>
           <a:p>
             <a:pPr lvl="3" eaLnBrk="1" latinLnBrk="0" hangingPunct="1"/>
             <a:r>
-              <a:rPr lang="en-US" smtClean="0"/>
+              <a:rPr lang="en-US"/>
               <a:t>Fourth level</a:t>
             </a:r>
           </a:p>
           <a:p>
             <a:pPr lvl="4" eaLnBrk="1" latinLnBrk="0" hangingPunct="1"/>
             <a:r>
-              <a:rPr lang="en-US" smtClean="0"/>
+              <a:rPr lang="en-US"/>
               <a:t>Fifth level</a:t>
             </a:r>
             <a:endParaRPr kumimoji="0" lang="en-US"/>
@@ -3293,7 +4689,7 @@
             <a:fld id="{1D8BD707-D9CF-40AE-B4C6-C98DA3205C09}" type="datetimeFigureOut">
               <a:rPr lang="en-US" smtClean="0"/>
               <a:pPr/>
-              <a:t>11/22/2021</a:t>
+              <a:t>11/23/2021</a:t>
             </a:fld>
             <a:endParaRPr lang="en-US"/>
           </a:p>
@@ -3350,13 +4746,6 @@
   <p:transition>
     <p:fade thruBlk="1"/>
   </p:transition>
-  <p:timing>
-    <p:tnLst>
-      <p:par>
-        <p:cTn id="1" dur="indefinite" restart="never" nodeType="tmRoot"/>
-      </p:par>
-    </p:tnLst>
-  </p:timing>
 </p:sldLayout>
 </file>
 
@@ -3403,10 +4792,9 @@
           <a:lstStyle/>
           <a:p>
             <a:r>
-              <a:rPr kumimoji="0" lang="en-US" smtClean="0"/>
+              <a:rPr kumimoji="0" lang="en-US"/>
               <a:t>Click to edit Master title style</a:t>
             </a:r>
-            <a:endParaRPr kumimoji="0" lang="en-US"/>
           </a:p>
         </p:txBody>
       </p:sp>
@@ -3432,35 +4820,35 @@
           <a:p>
             <a:pPr lvl="0" eaLnBrk="1" latinLnBrk="0" hangingPunct="1"/>
             <a:r>
-              <a:rPr lang="en-US" smtClean="0"/>
+              <a:rPr lang="en-US"/>
               <a:t>Click to edit Master text styles</a:t>
             </a:r>
           </a:p>
           <a:p>
             <a:pPr lvl="1" eaLnBrk="1" latinLnBrk="0" hangingPunct="1"/>
             <a:r>
-              <a:rPr lang="en-US" smtClean="0"/>
+              <a:rPr lang="en-US"/>
               <a:t>Second level</a:t>
             </a:r>
           </a:p>
           <a:p>
             <a:pPr lvl="2" eaLnBrk="1" latinLnBrk="0" hangingPunct="1"/>
             <a:r>
-              <a:rPr lang="en-US" smtClean="0"/>
+              <a:rPr lang="en-US"/>
               <a:t>Third level</a:t>
             </a:r>
           </a:p>
           <a:p>
             <a:pPr lvl="3" eaLnBrk="1" latinLnBrk="0" hangingPunct="1"/>
             <a:r>
-              <a:rPr lang="en-US" smtClean="0"/>
+              <a:rPr lang="en-US"/>
               <a:t>Fourth level</a:t>
             </a:r>
           </a:p>
           <a:p>
             <a:pPr lvl="4" eaLnBrk="1" latinLnBrk="0" hangingPunct="1"/>
             <a:r>
-              <a:rPr lang="en-US" smtClean="0"/>
+              <a:rPr lang="en-US"/>
               <a:t>Fifth level</a:t>
             </a:r>
             <a:endParaRPr kumimoji="0" lang="en-US"/>
@@ -3490,7 +4878,7 @@
             <a:fld id="{1D8BD707-D9CF-40AE-B4C6-C98DA3205C09}" type="datetimeFigureOut">
               <a:rPr lang="en-US" smtClean="0"/>
               <a:pPr/>
-              <a:t>11/22/2021</a:t>
+              <a:t>11/23/2021</a:t>
             </a:fld>
             <a:endParaRPr lang="en-US"/>
           </a:p>
@@ -3692,13 +5080,6 @@
   <p:transition>
     <p:fade thruBlk="1"/>
   </p:transition>
-  <p:timing>
-    <p:tnLst>
-      <p:par>
-        <p:cTn id="1" dur="indefinite" restart="never" nodeType="tmRoot"/>
-      </p:par>
-    </p:tnLst>
-  </p:timing>
 </p:sldLayout>
 </file>
 
@@ -3740,10 +5121,9 @@
           <a:lstStyle/>
           <a:p>
             <a:r>
-              <a:rPr kumimoji="0" lang="en-US" smtClean="0"/>
+              <a:rPr kumimoji="0" lang="en-US"/>
               <a:t>Click to edit Master title style</a:t>
             </a:r>
-            <a:endParaRPr kumimoji="0" lang="en-US"/>
           </a:p>
         </p:txBody>
       </p:sp>
@@ -3765,7 +5145,7 @@
             <a:fld id="{1D8BD707-D9CF-40AE-B4C6-C98DA3205C09}" type="datetimeFigureOut">
               <a:rPr lang="en-US" smtClean="0"/>
               <a:pPr/>
-              <a:t>11/22/2021</a:t>
+              <a:t>11/23/2021</a:t>
             </a:fld>
             <a:endParaRPr lang="en-US"/>
           </a:p>
@@ -3844,35 +5224,35 @@
           <a:p>
             <a:pPr lvl="0" eaLnBrk="1" latinLnBrk="0" hangingPunct="1"/>
             <a:r>
-              <a:rPr lang="en-US" smtClean="0"/>
+              <a:rPr lang="en-US"/>
               <a:t>Click to edit Master text styles</a:t>
             </a:r>
           </a:p>
           <a:p>
             <a:pPr lvl="1" eaLnBrk="1" latinLnBrk="0" hangingPunct="1"/>
             <a:r>
-              <a:rPr lang="en-US" smtClean="0"/>
+              <a:rPr lang="en-US"/>
               <a:t>Second level</a:t>
             </a:r>
           </a:p>
           <a:p>
             <a:pPr lvl="2" eaLnBrk="1" latinLnBrk="0" hangingPunct="1"/>
             <a:r>
-              <a:rPr lang="en-US" smtClean="0"/>
+              <a:rPr lang="en-US"/>
               <a:t>Third level</a:t>
             </a:r>
           </a:p>
           <a:p>
             <a:pPr lvl="3" eaLnBrk="1" latinLnBrk="0" hangingPunct="1"/>
             <a:r>
-              <a:rPr lang="en-US" smtClean="0"/>
+              <a:rPr lang="en-US"/>
               <a:t>Fourth level</a:t>
             </a:r>
           </a:p>
           <a:p>
             <a:pPr lvl="4" eaLnBrk="1" latinLnBrk="0" hangingPunct="1"/>
             <a:r>
-              <a:rPr lang="en-US" smtClean="0"/>
+              <a:rPr lang="en-US"/>
               <a:t>Fifth level</a:t>
             </a:r>
             <a:endParaRPr kumimoji="0" lang="en-US"/>
@@ -3887,13 +5267,6 @@
   <p:transition>
     <p:fade thruBlk="1"/>
   </p:transition>
-  <p:timing>
-    <p:tnLst>
-      <p:par>
-        <p:cTn id="1" dur="indefinite" restart="never" nodeType="tmRoot"/>
-      </p:par>
-    </p:tnLst>
-  </p:timing>
 </p:sldLayout>
 </file>
 
@@ -3990,7 +5363,7 @@
           <a:p>
             <a:pPr lvl="0" eaLnBrk="1" latinLnBrk="0" hangingPunct="1"/>
             <a:r>
-              <a:rPr kumimoji="0" lang="en-US" smtClean="0"/>
+              <a:rPr kumimoji="0" lang="en-US"/>
               <a:t>Click to edit Master text styles</a:t>
             </a:r>
           </a:p>
@@ -4168,10 +5541,9 @@
           </a:lstStyle>
           <a:p>
             <a:r>
-              <a:rPr kumimoji="0" lang="en-US" smtClean="0"/>
+              <a:rPr kumimoji="0" lang="en-US"/>
               <a:t>Click to edit Master title style</a:t>
             </a:r>
-            <a:endParaRPr kumimoji="0" lang="en-US"/>
           </a:p>
         </p:txBody>
       </p:sp>
@@ -4193,7 +5565,7 @@
             <a:fld id="{1D8BD707-D9CF-40AE-B4C6-C98DA3205C09}" type="datetimeFigureOut">
               <a:rPr lang="en-US" smtClean="0"/>
               <a:pPr/>
-              <a:t>11/22/2021</a:t>
+              <a:t>11/23/2021</a:t>
             </a:fld>
             <a:endParaRPr lang="en-US"/>
           </a:p>
@@ -4265,13 +5637,6 @@
   <p:transition>
     <p:fade thruBlk="1"/>
   </p:transition>
-  <p:timing>
-    <p:tnLst>
-      <p:par>
-        <p:cTn id="1" dur="indefinite" restart="never" nodeType="tmRoot"/>
-      </p:par>
-    </p:tnLst>
-  </p:timing>
 </p:sldLayout>
 </file>
 
@@ -4308,10 +5673,9 @@
           <a:lstStyle/>
           <a:p>
             <a:r>
-              <a:rPr kumimoji="0" lang="en-US" smtClean="0"/>
+              <a:rPr kumimoji="0" lang="en-US"/>
               <a:t>Click to edit Master title style</a:t>
             </a:r>
-            <a:endParaRPr kumimoji="0" lang="en-US"/>
           </a:p>
         </p:txBody>
       </p:sp>
@@ -4337,35 +5701,35 @@
           <a:p>
             <a:pPr lvl="0" eaLnBrk="1" latinLnBrk="0" hangingPunct="1"/>
             <a:r>
-              <a:rPr lang="en-US" smtClean="0"/>
+              <a:rPr lang="en-US"/>
               <a:t>Click to edit Master text styles</a:t>
             </a:r>
           </a:p>
           <a:p>
             <a:pPr lvl="1" eaLnBrk="1" latinLnBrk="0" hangingPunct="1"/>
             <a:r>
-              <a:rPr lang="en-US" smtClean="0"/>
+              <a:rPr lang="en-US"/>
               <a:t>Second level</a:t>
             </a:r>
           </a:p>
           <a:p>
             <a:pPr lvl="2" eaLnBrk="1" latinLnBrk="0" hangingPunct="1"/>
             <a:r>
-              <a:rPr lang="en-US" smtClean="0"/>
+              <a:rPr lang="en-US"/>
               <a:t>Third level</a:t>
             </a:r>
           </a:p>
           <a:p>
             <a:pPr lvl="3" eaLnBrk="1" latinLnBrk="0" hangingPunct="1"/>
             <a:r>
-              <a:rPr lang="en-US" smtClean="0"/>
+              <a:rPr lang="en-US"/>
               <a:t>Fourth level</a:t>
             </a:r>
           </a:p>
           <a:p>
             <a:pPr lvl="4" eaLnBrk="1" latinLnBrk="0" hangingPunct="1"/>
             <a:r>
-              <a:rPr lang="en-US" smtClean="0"/>
+              <a:rPr lang="en-US"/>
               <a:t>Fifth level</a:t>
             </a:r>
             <a:endParaRPr kumimoji="0" lang="en-US"/>
@@ -4394,35 +5758,35 @@
           <a:p>
             <a:pPr lvl="0" eaLnBrk="1" latinLnBrk="0" hangingPunct="1"/>
             <a:r>
-              <a:rPr lang="en-US" smtClean="0"/>
+              <a:rPr lang="en-US"/>
               <a:t>Click to edit Master text styles</a:t>
             </a:r>
           </a:p>
           <a:p>
             <a:pPr lvl="1" eaLnBrk="1" latinLnBrk="0" hangingPunct="1"/>
             <a:r>
-              <a:rPr lang="en-US" smtClean="0"/>
+              <a:rPr lang="en-US"/>
               <a:t>Second level</a:t>
             </a:r>
           </a:p>
           <a:p>
             <a:pPr lvl="2" eaLnBrk="1" latinLnBrk="0" hangingPunct="1"/>
             <a:r>
-              <a:rPr lang="en-US" smtClean="0"/>
+              <a:rPr lang="en-US"/>
               <a:t>Third level</a:t>
             </a:r>
           </a:p>
           <a:p>
             <a:pPr lvl="3" eaLnBrk="1" latinLnBrk="0" hangingPunct="1"/>
             <a:r>
-              <a:rPr lang="en-US" smtClean="0"/>
+              <a:rPr lang="en-US"/>
               <a:t>Fourth level</a:t>
             </a:r>
           </a:p>
           <a:p>
             <a:pPr lvl="4" eaLnBrk="1" latinLnBrk="0" hangingPunct="1"/>
             <a:r>
-              <a:rPr lang="en-US" smtClean="0"/>
+              <a:rPr lang="en-US"/>
               <a:t>Fifth level</a:t>
             </a:r>
             <a:endParaRPr kumimoji="0" lang="en-US"/>
@@ -4447,7 +5811,7 @@
             <a:fld id="{1D8BD707-D9CF-40AE-B4C6-C98DA3205C09}" type="datetimeFigureOut">
               <a:rPr lang="en-US" smtClean="0"/>
               <a:pPr/>
-              <a:t>11/22/2021</a:t>
+              <a:t>11/23/2021</a:t>
             </a:fld>
             <a:endParaRPr lang="en-US"/>
           </a:p>
@@ -4504,13 +5868,6 @@
   <p:transition>
     <p:fade thruBlk="1"/>
   </p:transition>
-  <p:timing>
-    <p:tnLst>
-      <p:par>
-        <p:cTn id="1" dur="indefinite" restart="never" nodeType="tmRoot"/>
-      </p:par>
-    </p:tnLst>
-  </p:timing>
 </p:sldLayout>
 </file>
 
@@ -4556,10 +5913,9 @@
           </a:lstStyle>
           <a:p>
             <a:r>
-              <a:rPr kumimoji="0" lang="en-US" smtClean="0"/>
+              <a:rPr kumimoji="0" lang="en-US"/>
               <a:t>Click to edit Master title style</a:t>
             </a:r>
-            <a:endParaRPr kumimoji="0" lang="en-US"/>
           </a:p>
         </p:txBody>
       </p:sp>
@@ -4585,35 +5941,35 @@
           <a:p>
             <a:pPr lvl="0" eaLnBrk="1" latinLnBrk="0" hangingPunct="1"/>
             <a:r>
-              <a:rPr lang="en-US" smtClean="0"/>
+              <a:rPr lang="en-US"/>
               <a:t>Click to edit Master text styles</a:t>
             </a:r>
           </a:p>
           <a:p>
             <a:pPr lvl="1" eaLnBrk="1" latinLnBrk="0" hangingPunct="1"/>
             <a:r>
-              <a:rPr lang="en-US" smtClean="0"/>
+              <a:rPr lang="en-US"/>
               <a:t>Second level</a:t>
             </a:r>
           </a:p>
           <a:p>
             <a:pPr lvl="2" eaLnBrk="1" latinLnBrk="0" hangingPunct="1"/>
             <a:r>
-              <a:rPr lang="en-US" smtClean="0"/>
+              <a:rPr lang="en-US"/>
               <a:t>Third level</a:t>
             </a:r>
           </a:p>
           <a:p>
             <a:pPr lvl="3" eaLnBrk="1" latinLnBrk="0" hangingPunct="1"/>
             <a:r>
-              <a:rPr lang="en-US" smtClean="0"/>
+              <a:rPr lang="en-US"/>
               <a:t>Fourth level</a:t>
             </a:r>
           </a:p>
           <a:p>
             <a:pPr lvl="4" eaLnBrk="1" latinLnBrk="0" hangingPunct="1"/>
             <a:r>
-              <a:rPr lang="en-US" smtClean="0"/>
+              <a:rPr lang="en-US"/>
               <a:t>Fifth level</a:t>
             </a:r>
             <a:endParaRPr kumimoji="0" lang="en-US"/>
@@ -4642,35 +5998,35 @@
           <a:p>
             <a:pPr lvl="0" eaLnBrk="1" latinLnBrk="0" hangingPunct="1"/>
             <a:r>
-              <a:rPr lang="en-US" smtClean="0"/>
+              <a:rPr lang="en-US"/>
               <a:t>Click to edit Master text styles</a:t>
             </a:r>
           </a:p>
           <a:p>
             <a:pPr lvl="1" eaLnBrk="1" latinLnBrk="0" hangingPunct="1"/>
             <a:r>
-              <a:rPr lang="en-US" smtClean="0"/>
+              <a:rPr lang="en-US"/>
               <a:t>Second level</a:t>
             </a:r>
           </a:p>
           <a:p>
             <a:pPr lvl="2" eaLnBrk="1" latinLnBrk="0" hangingPunct="1"/>
             <a:r>
-              <a:rPr lang="en-US" smtClean="0"/>
+              <a:rPr lang="en-US"/>
               <a:t>Third level</a:t>
             </a:r>
           </a:p>
           <a:p>
             <a:pPr lvl="3" eaLnBrk="1" latinLnBrk="0" hangingPunct="1"/>
             <a:r>
-              <a:rPr lang="en-US" smtClean="0"/>
+              <a:rPr lang="en-US"/>
               <a:t>Fourth level</a:t>
             </a:r>
           </a:p>
           <a:p>
             <a:pPr lvl="4" eaLnBrk="1" latinLnBrk="0" hangingPunct="1"/>
             <a:r>
-              <a:rPr lang="en-US" smtClean="0"/>
+              <a:rPr lang="en-US"/>
               <a:t>Fifth level</a:t>
             </a:r>
             <a:endParaRPr kumimoji="0" lang="en-US"/>
@@ -4695,7 +6051,7 @@
             <a:fld id="{1D8BD707-D9CF-40AE-B4C6-C98DA3205C09}" type="datetimeFigureOut">
               <a:rPr lang="en-US" smtClean="0"/>
               <a:pPr/>
-              <a:t>11/22/2021</a:t>
+              <a:t>11/23/2021</a:t>
             </a:fld>
             <a:endParaRPr lang="en-US"/>
           </a:p>
@@ -4779,7 +6135,7 @@
           <a:p>
             <a:pPr lvl="0" eaLnBrk="1" latinLnBrk="0" hangingPunct="1"/>
             <a:r>
-              <a:rPr kumimoji="0" lang="en-US" smtClean="0"/>
+              <a:rPr kumimoji="0" lang="en-US"/>
               <a:t>Click to edit Master text styles</a:t>
             </a:r>
           </a:p>
@@ -4820,7 +6176,7 @@
           <a:p>
             <a:pPr lvl="0" eaLnBrk="1" latinLnBrk="0" hangingPunct="1"/>
             <a:r>
-              <a:rPr kumimoji="0" lang="en-US" smtClean="0"/>
+              <a:rPr kumimoji="0" lang="en-US"/>
               <a:t>Click to edit Master text styles</a:t>
             </a:r>
           </a:p>
@@ -4834,13 +6190,6 @@
   <p:transition>
     <p:fade thruBlk="1"/>
   </p:transition>
-  <p:timing>
-    <p:tnLst>
-      <p:par>
-        <p:cTn id="1" dur="indefinite" restart="never" nodeType="tmRoot"/>
-      </p:par>
-    </p:tnLst>
-  </p:timing>
 </p:sldLayout>
 </file>
 
@@ -4877,10 +6226,9 @@
           <a:lstStyle/>
           <a:p>
             <a:r>
-              <a:rPr kumimoji="0" lang="en-US" smtClean="0"/>
+              <a:rPr kumimoji="0" lang="en-US"/>
               <a:t>Click to edit Master title style</a:t>
             </a:r>
-            <a:endParaRPr kumimoji="0" lang="en-US"/>
           </a:p>
         </p:txBody>
       </p:sp>
@@ -4902,7 +6250,7 @@
             <a:fld id="{1D8BD707-D9CF-40AE-B4C6-C98DA3205C09}" type="datetimeFigureOut">
               <a:rPr lang="en-US" smtClean="0"/>
               <a:pPr/>
-              <a:t>11/22/2021</a:t>
+              <a:t>11/23/2021</a:t>
             </a:fld>
             <a:endParaRPr lang="en-US"/>
           </a:p>
@@ -4967,13 +6315,6 @@
   <p:transition>
     <p:fade thruBlk="1"/>
   </p:transition>
-  <p:timing>
-    <p:tnLst>
-      <p:par>
-        <p:cTn id="1" dur="indefinite" restart="never" nodeType="tmRoot"/>
-      </p:par>
-    </p:tnLst>
-  </p:timing>
 </p:sldLayout>
 </file>
 
@@ -5012,7 +6353,7 @@
             <a:fld id="{1D8BD707-D9CF-40AE-B4C6-C98DA3205C09}" type="datetimeFigureOut">
               <a:rPr lang="en-US" smtClean="0"/>
               <a:pPr/>
-              <a:t>11/22/2021</a:t>
+              <a:t>11/23/2021</a:t>
             </a:fld>
             <a:endParaRPr lang="en-US"/>
           </a:p>
@@ -5082,13 +6423,6 @@
   <p:transition>
     <p:fade thruBlk="1"/>
   </p:transition>
-  <p:timing>
-    <p:tnLst>
-      <p:par>
-        <p:cTn id="1" dur="indefinite" restart="never" nodeType="tmRoot"/>
-      </p:par>
-    </p:tnLst>
-  </p:timing>
 </p:sldLayout>
 </file>
 
@@ -5135,10 +6469,9 @@
           </a:lstStyle>
           <a:p>
             <a:r>
-              <a:rPr kumimoji="0" lang="en-US" smtClean="0"/>
+              <a:rPr kumimoji="0" lang="en-US"/>
               <a:t>Click to edit Master title style</a:t>
             </a:r>
-            <a:endParaRPr kumimoji="0" lang="en-US"/>
           </a:p>
         </p:txBody>
       </p:sp>
@@ -5160,7 +6493,7 @@
             <a:fld id="{1D8BD707-D9CF-40AE-B4C6-C98DA3205C09}" type="datetimeFigureOut">
               <a:rPr lang="en-US" smtClean="0"/>
               <a:pPr/>
-              <a:t>11/22/2021</a:t>
+              <a:t>11/23/2021</a:t>
             </a:fld>
             <a:endParaRPr lang="en-US"/>
           </a:p>
@@ -5285,7 +6618,7 @@
           <a:p>
             <a:pPr lvl="0" eaLnBrk="1" latinLnBrk="0" hangingPunct="1"/>
             <a:r>
-              <a:rPr kumimoji="0" lang="en-US" smtClean="0"/>
+              <a:rPr kumimoji="0" lang="en-US"/>
               <a:t>Click to edit Master text styles</a:t>
             </a:r>
           </a:p>
@@ -5313,35 +6646,35 @@
           <a:p>
             <a:pPr lvl="0" eaLnBrk="1" latinLnBrk="0" hangingPunct="1"/>
             <a:r>
-              <a:rPr lang="en-US" smtClean="0"/>
+              <a:rPr lang="en-US"/>
               <a:t>Click to edit Master text styles</a:t>
             </a:r>
           </a:p>
           <a:p>
             <a:pPr lvl="1" eaLnBrk="1" latinLnBrk="0" hangingPunct="1"/>
             <a:r>
-              <a:rPr lang="en-US" smtClean="0"/>
+              <a:rPr lang="en-US"/>
               <a:t>Second level</a:t>
             </a:r>
           </a:p>
           <a:p>
             <a:pPr lvl="2" eaLnBrk="1" latinLnBrk="0" hangingPunct="1"/>
             <a:r>
-              <a:rPr lang="en-US" smtClean="0"/>
+              <a:rPr lang="en-US"/>
               <a:t>Third level</a:t>
             </a:r>
           </a:p>
           <a:p>
             <a:pPr lvl="3" eaLnBrk="1" latinLnBrk="0" hangingPunct="1"/>
             <a:r>
-              <a:rPr lang="en-US" smtClean="0"/>
+              <a:rPr lang="en-US"/>
               <a:t>Fourth level</a:t>
             </a:r>
           </a:p>
           <a:p>
             <a:pPr lvl="4" eaLnBrk="1" latinLnBrk="0" hangingPunct="1"/>
             <a:r>
-              <a:rPr lang="en-US" smtClean="0"/>
+              <a:rPr lang="en-US"/>
               <a:t>Fifth level</a:t>
             </a:r>
             <a:endParaRPr kumimoji="0" lang="en-US"/>
@@ -5356,13 +6689,6 @@
   <p:transition>
     <p:fade thruBlk="1"/>
   </p:transition>
-  <p:timing>
-    <p:tnLst>
-      <p:par>
-        <p:cTn id="1" dur="indefinite" restart="never" nodeType="tmRoot"/>
-      </p:par>
-    </p:tnLst>
-  </p:timing>
 </p:sldLayout>
 </file>
 
@@ -5436,7 +6762,7 @@
           <a:p>
             <a:pPr lvl="0" eaLnBrk="1" latinLnBrk="0" hangingPunct="1"/>
             <a:r>
-              <a:rPr kumimoji="0" lang="en-US" smtClean="0"/>
+              <a:rPr kumimoji="0" lang="en-US"/>
               <a:t>Click to edit Master text styles</a:t>
             </a:r>
           </a:p>
@@ -5614,10 +6940,9 @@
           </a:lstStyle>
           <a:p>
             <a:r>
-              <a:rPr kumimoji="0" lang="en-US" smtClean="0"/>
+              <a:rPr kumimoji="0" lang="en-US"/>
               <a:t>Click to edit Master title style</a:t>
             </a:r>
-            <a:endParaRPr kumimoji="0" lang="en-US"/>
           </a:p>
         </p:txBody>
       </p:sp>
@@ -5690,7 +7015,7 @@
             <a:fld id="{1D8BD707-D9CF-40AE-B4C6-C98DA3205C09}" type="datetimeFigureOut">
               <a:rPr lang="en-US" smtClean="0"/>
               <a:pPr/>
-              <a:t>11/22/2021</a:t>
+              <a:t>11/23/2021</a:t>
             </a:fld>
             <a:endParaRPr lang="en-US"/>
           </a:p>
@@ -5787,7 +7112,7 @@
           </a:lstStyle>
           <a:p>
             <a:r>
-              <a:rPr kumimoji="0" lang="en-US" smtClean="0"/>
+              <a:rPr kumimoji="0" lang="en-US"/>
               <a:t>Click icon to add picture</a:t>
             </a:r>
             <a:endParaRPr kumimoji="0" lang="en-US" dirty="0"/>
@@ -5802,13 +7127,6 @@
   <p:transition>
     <p:fade thruBlk="1"/>
   </p:transition>
-  <p:timing>
-    <p:tnLst>
-      <p:par>
-        <p:cTn id="1" dur="indefinite" restart="never" nodeType="tmRoot"/>
-      </p:par>
-    </p:tnLst>
-  </p:timing>
 </p:sldLayout>
 </file>
 
@@ -5860,10 +7178,9 @@
           <a:lstStyle/>
           <a:p>
             <a:r>
-              <a:rPr kumimoji="0" lang="en-US" smtClean="0"/>
+              <a:rPr kumimoji="0" lang="en-US"/>
               <a:t>Click to edit Master title style</a:t>
             </a:r>
-            <a:endParaRPr kumimoji="0" lang="en-US"/>
           </a:p>
         </p:txBody>
       </p:sp>
@@ -5894,38 +7211,37 @@
           <a:p>
             <a:pPr lvl="0" eaLnBrk="1" latinLnBrk="0" hangingPunct="1"/>
             <a:r>
-              <a:rPr kumimoji="0" lang="en-US" smtClean="0"/>
+              <a:rPr kumimoji="0" lang="en-US"/>
               <a:t>Click to edit Master text styles</a:t>
             </a:r>
           </a:p>
           <a:p>
             <a:pPr lvl="1" eaLnBrk="1" latinLnBrk="0" hangingPunct="1"/>
             <a:r>
-              <a:rPr kumimoji="0" lang="en-US" smtClean="0"/>
+              <a:rPr kumimoji="0" lang="en-US"/>
               <a:t>Second level</a:t>
             </a:r>
           </a:p>
           <a:p>
             <a:pPr lvl="2" eaLnBrk="1" latinLnBrk="0" hangingPunct="1"/>
             <a:r>
-              <a:rPr kumimoji="0" lang="en-US" smtClean="0"/>
+              <a:rPr kumimoji="0" lang="en-US"/>
               <a:t>Third level</a:t>
             </a:r>
           </a:p>
           <a:p>
             <a:pPr lvl="3" eaLnBrk="1" latinLnBrk="0" hangingPunct="1"/>
             <a:r>
-              <a:rPr kumimoji="0" lang="en-US" smtClean="0"/>
+              <a:rPr kumimoji="0" lang="en-US"/>
               <a:t>Fourth level</a:t>
             </a:r>
           </a:p>
           <a:p>
             <a:pPr lvl="4" eaLnBrk="1" latinLnBrk="0" hangingPunct="1"/>
             <a:r>
-              <a:rPr kumimoji="0" lang="en-US" smtClean="0"/>
+              <a:rPr kumimoji="0" lang="en-US"/>
               <a:t>Fifth level</a:t>
             </a:r>
-            <a:endParaRPr kumimoji="0" lang="en-US"/>
           </a:p>
         </p:txBody>
       </p:sp>
@@ -5963,7 +7279,7 @@
             <a:fld id="{1D8BD707-D9CF-40AE-B4C6-C98DA3205C09}" type="datetimeFigureOut">
               <a:rPr lang="en-US" smtClean="0"/>
               <a:pPr/>
-              <a:t>11/22/2021</a:t>
+              <a:t>11/23/2021</a:t>
             </a:fld>
             <a:endParaRPr lang="en-US"/>
           </a:p>
@@ -6207,13 +7523,6 @@
   <p:transition>
     <p:fade thruBlk="1"/>
   </p:transition>
-  <p:timing>
-    <p:tnLst>
-      <p:par>
-        <p:cTn id="1" dur="indefinite" restart="never" nodeType="tmRoot"/>
-      </p:par>
-    </p:tnLst>
-  </p:timing>
   <p:txStyles>
     <p:titleStyle>
       <a:lvl1pPr algn="l" rtl="0" eaLnBrk="1" latinLnBrk="0" hangingPunct="1">
@@ -6537,10 +7846,9 @@
           <a:p>
             <a:pPr algn="ctr"/>
             <a:r>
-              <a:rPr lang="en-US" sz="8800" b="1" dirty="0" smtClean="0"/>
+              <a:rPr lang="en-US" sz="8800" b="1" dirty="0"/>
               <a:t>Welcome</a:t>
             </a:r>
-            <a:endParaRPr lang="en-US" sz="8800" b="1" dirty="0"/>
           </a:p>
         </p:txBody>
       </p:sp>
@@ -6552,13 +7860,6 @@
   <p:transition>
     <p:fade thruBlk="1"/>
   </p:transition>
-  <p:timing>
-    <p:tnLst>
-      <p:par>
-        <p:cTn id="1" dur="indefinite" restart="never" nodeType="tmRoot"/>
-      </p:par>
-    </p:tnLst>
-  </p:timing>
 </p:sld>
 </file>
 
@@ -6602,18 +7903,13 @@
           <a:lstStyle/>
           <a:p>
             <a:r>
-              <a:rPr lang="en-US" dirty="0" smtClean="0">
+              <a:rPr lang="en-US" dirty="0">
                 <a:solidFill>
                   <a:schemeClr val="tx1"/>
                 </a:solidFill>
               </a:rPr>
               <a:t>Advantage of Data Science ?</a:t>
             </a:r>
-            <a:endParaRPr lang="en-US" dirty="0">
-              <a:solidFill>
-                <a:schemeClr val="tx1"/>
-              </a:solidFill>
-            </a:endParaRPr>
           </a:p>
         </p:txBody>
       </p:sp>
@@ -6647,7 +7943,7 @@
               <a:buAutoNum type="romanLcPeriod"/>
             </a:pPr>
             <a:r>
-              <a:rPr lang="en-US" dirty="0" smtClean="0"/>
+              <a:rPr lang="en-US" dirty="0"/>
               <a:t>It’s in Demand</a:t>
             </a:r>
           </a:p>
@@ -6660,7 +7956,7 @@
               <a:buAutoNum type="romanLcPeriod"/>
             </a:pPr>
             <a:r>
-              <a:rPr lang="en-US" dirty="0" smtClean="0"/>
+              <a:rPr lang="en-US" dirty="0"/>
               <a:t>A Highly Paid Career</a:t>
             </a:r>
           </a:p>
@@ -6673,7 +7969,7 @@
               <a:buAutoNum type="romanLcPeriod"/>
             </a:pPr>
             <a:r>
-              <a:rPr lang="en-US" dirty="0" smtClean="0"/>
+              <a:rPr lang="en-US" dirty="0"/>
               <a:t>Data Science is Versatile</a:t>
             </a:r>
           </a:p>
@@ -6686,7 +7982,7 @@
               <a:buAutoNum type="romanLcPeriod"/>
             </a:pPr>
             <a:r>
-              <a:rPr lang="en-US" dirty="0" smtClean="0"/>
+              <a:rPr lang="en-US" dirty="0"/>
               <a:t>Data Science Makes Data Better</a:t>
             </a:r>
           </a:p>
@@ -6699,10 +7995,9 @@
               <a:buAutoNum type="romanLcPeriod"/>
             </a:pPr>
             <a:r>
-              <a:rPr lang="en-US" dirty="0" smtClean="0"/>
+              <a:rPr lang="en-US" dirty="0"/>
               <a:t>Computer Science</a:t>
             </a:r>
-            <a:endParaRPr lang="en-US" dirty="0"/>
           </a:p>
         </p:txBody>
       </p:sp>
@@ -7362,18 +8657,13 @@
           <a:lstStyle/>
           <a:p>
             <a:r>
-              <a:rPr lang="en-US" dirty="0" smtClean="0">
+              <a:rPr lang="en-US" dirty="0">
                 <a:solidFill>
                   <a:schemeClr val="tx1"/>
                 </a:solidFill>
               </a:rPr>
               <a:t>Disadvantage of Data Science ?</a:t>
             </a:r>
-            <a:endParaRPr lang="en-US" dirty="0">
-              <a:solidFill>
-                <a:schemeClr val="tx1"/>
-              </a:solidFill>
-            </a:endParaRPr>
           </a:p>
         </p:txBody>
       </p:sp>
@@ -7407,7 +8697,7 @@
               <a:buAutoNum type="romanLcPeriod"/>
             </a:pPr>
             <a:r>
-              <a:rPr lang="en-US" dirty="0" smtClean="0"/>
+              <a:rPr lang="en-US" dirty="0"/>
               <a:t>Mastering Data Science is near to impossible</a:t>
             </a:r>
           </a:p>
@@ -7420,7 +8710,7 @@
               <a:buAutoNum type="romanLcPeriod"/>
             </a:pPr>
             <a:r>
-              <a:rPr lang="en-US" dirty="0" smtClean="0"/>
+              <a:rPr lang="en-US" dirty="0"/>
               <a:t>Large Amount of Domain Knowledge Required</a:t>
             </a:r>
           </a:p>
@@ -7433,7 +8723,7 @@
               <a:buAutoNum type="romanLcPeriod"/>
             </a:pPr>
             <a:r>
-              <a:rPr lang="en-US" dirty="0" smtClean="0"/>
+              <a:rPr lang="en-US" dirty="0"/>
               <a:t>Problem of Data Privacy</a:t>
             </a:r>
           </a:p>
@@ -7865,7 +9155,7 @@
           <a:lstStyle/>
           <a:p>
             <a:r>
-              <a:rPr lang="en-US" sz="4400" b="1" dirty="0" smtClean="0">
+              <a:rPr lang="en-US" sz="4400" b="1" dirty="0">
                 <a:effectLst>
                   <a:outerShdw blurRad="38100" dist="38100" dir="2700000" algn="tl">
                     <a:srgbClr val="000000">
@@ -7876,15 +9166,6 @@
               </a:rPr>
               <a:t>Have Any Question ?</a:t>
             </a:r>
-            <a:endParaRPr lang="en-US" sz="4400" b="1" dirty="0">
-              <a:effectLst>
-                <a:outerShdw blurRad="38100" dist="38100" dir="2700000" algn="tl">
-                  <a:srgbClr val="000000">
-                    <a:alpha val="43137"/>
-                  </a:srgbClr>
-                </a:outerShdw>
-              </a:effectLst>
-            </a:endParaRPr>
           </a:p>
         </p:txBody>
       </p:sp>
@@ -7896,13 +9177,6 @@
   <p:transition>
     <p:fade thruBlk="1"/>
   </p:transition>
-  <p:timing>
-    <p:tnLst>
-      <p:par>
-        <p:cTn id="1" dur="indefinite" restart="never" nodeType="tmRoot"/>
-      </p:par>
-    </p:tnLst>
-  </p:timing>
 </p:sld>
 </file>
 
@@ -7946,7 +9220,7 @@
           <a:lstStyle/>
           <a:p>
             <a:r>
-              <a:rPr lang="en-US" sz="4400" b="1" dirty="0" smtClean="0">
+              <a:rPr lang="en-US" sz="4400" b="1" dirty="0">
                 <a:effectLst>
                   <a:outerShdw blurRad="38100" dist="38100" dir="2700000" algn="tl">
                     <a:srgbClr val="000000">
@@ -7957,15 +9231,6 @@
               </a:rPr>
               <a:t>Thank You</a:t>
             </a:r>
-            <a:endParaRPr lang="en-US" sz="4400" b="1" dirty="0">
-              <a:effectLst>
-                <a:outerShdw blurRad="38100" dist="38100" dir="2700000" algn="tl">
-                  <a:srgbClr val="000000">
-                    <a:alpha val="43137"/>
-                  </a:srgbClr>
-                </a:outerShdw>
-              </a:effectLst>
-            </a:endParaRPr>
           </a:p>
         </p:txBody>
       </p:sp>
@@ -7977,13 +9242,6 @@
   <p:transition>
     <p:fade thruBlk="1"/>
   </p:transition>
-  <p:timing>
-    <p:tnLst>
-      <p:par>
-        <p:cTn id="1" dur="indefinite" restart="never" nodeType="tmRoot"/>
-      </p:par>
-    </p:tnLst>
-  </p:timing>
 </p:sld>
 </file>
 
@@ -8042,10 +9300,9 @@
           <a:p>
             <a:pPr algn="ctr"/>
             <a:r>
-              <a:rPr lang="en-US" b="1" dirty="0" smtClean="0"/>
+              <a:rPr lang="en-US" b="1" dirty="0"/>
               <a:t>Introduction</a:t>
             </a:r>
-            <a:endParaRPr lang="en-US" b="1" dirty="0"/>
           </a:p>
         </p:txBody>
       </p:sp>
@@ -8073,119 +9330,86 @@
           <a:p>
             <a:pPr algn="ctr"/>
             <a:r>
-              <a:rPr lang="en-US" b="1" dirty="0" smtClean="0"/>
-              <a:t>SHITOL </a:t>
-            </a:r>
-            <a:r>
-              <a:rPr lang="en-US" b="1" dirty="0" smtClean="0"/>
-              <a:t>CHANDRO </a:t>
-            </a:r>
-            <a:r>
-              <a:rPr lang="en-US" b="1" dirty="0" smtClean="0"/>
-              <a:t>SARKER</a:t>
+              <a:rPr lang="en-US" b="1" dirty="0"/>
+              <a:t>SHITOL CHANDRO SARKER</a:t>
             </a:r>
           </a:p>
           <a:p>
             <a:pPr algn="ctr"/>
-            <a:endParaRPr lang="en-US" b="1" dirty="0" smtClean="0"/>
+            <a:endParaRPr lang="en-US" b="1" dirty="0"/>
           </a:p>
           <a:p>
             <a:pPr algn="ctr"/>
             <a:r>
-              <a:rPr lang="en-US" sz="1400" dirty="0" smtClean="0"/>
+              <a:rPr lang="en-US" sz="1400" dirty="0"/>
               <a:t>Department of</a:t>
             </a:r>
             <a:r>
-              <a:rPr lang="en-US" sz="1600" dirty="0" smtClean="0"/>
+              <a:rPr lang="en-US" sz="1600" dirty="0"/>
               <a:t> </a:t>
             </a:r>
             <a:r>
-              <a:rPr lang="en-US" sz="1400" dirty="0" smtClean="0"/>
-              <a:t>Computer </a:t>
-            </a:r>
-            <a:r>
-              <a:rPr lang="en-US" sz="1400" dirty="0" smtClean="0"/>
-              <a:t>Science and </a:t>
-            </a:r>
-            <a:r>
-              <a:rPr lang="en-US" sz="1400" dirty="0" smtClean="0"/>
-              <a:t>Engineering</a:t>
+              <a:rPr lang="en-US" sz="1400" dirty="0"/>
+              <a:t>Computer Science and Engineering</a:t>
             </a:r>
           </a:p>
           <a:p>
             <a:pPr algn="ctr"/>
             <a:r>
-              <a:rPr lang="en-US" sz="1400" dirty="0" err="1" smtClean="0"/>
+              <a:rPr lang="en-US" sz="1400" dirty="0" err="1"/>
               <a:t>Rangpur</a:t>
             </a:r>
             <a:r>
-              <a:rPr lang="en-US" sz="1400" dirty="0" smtClean="0"/>
+              <a:rPr lang="en-US" sz="1400" dirty="0"/>
               <a:t> Engineering College, </a:t>
             </a:r>
             <a:r>
-              <a:rPr lang="en-US" sz="1400" dirty="0" err="1" smtClean="0"/>
+              <a:rPr lang="en-US" sz="1400" dirty="0" err="1"/>
               <a:t>Rangpur</a:t>
             </a:r>
             <a:r>
-              <a:rPr lang="en-US" sz="1400" dirty="0" smtClean="0"/>
+              <a:rPr lang="en-US" sz="1400" dirty="0"/>
               <a:t>. </a:t>
             </a:r>
           </a:p>
           <a:p>
             <a:pPr algn="ctr"/>
             <a:r>
-              <a:rPr lang="en-US" sz="1100" dirty="0" smtClean="0"/>
+              <a:rPr lang="en-US" sz="1100" dirty="0"/>
               <a:t>(Affiliated by University of </a:t>
             </a:r>
             <a:r>
-              <a:rPr lang="en-US" sz="1100" dirty="0" err="1" smtClean="0"/>
+              <a:rPr lang="en-US" sz="1100" dirty="0" err="1"/>
               <a:t>Rajshahi</a:t>
             </a:r>
             <a:r>
-              <a:rPr lang="en-US" sz="1100" dirty="0" smtClean="0"/>
+              <a:rPr lang="en-US" sz="1100" dirty="0"/>
               <a:t>)</a:t>
             </a:r>
           </a:p>
           <a:p>
             <a:pPr algn="ctr"/>
-            <a:endParaRPr lang="en-US" dirty="0" smtClean="0"/>
+            <a:endParaRPr lang="en-US" dirty="0"/>
           </a:p>
           <a:p>
             <a:pPr algn="ctr"/>
             <a:r>
-              <a:rPr lang="en-US" sz="1400" dirty="0" smtClean="0"/>
-              <a:t>Session </a:t>
-            </a:r>
-            <a:r>
-              <a:rPr lang="en-US" sz="1400" dirty="0" smtClean="0"/>
-              <a:t>:  </a:t>
-            </a:r>
-            <a:r>
-              <a:rPr lang="en-US" sz="1400" dirty="0" smtClean="0"/>
-              <a:t>2016-2017</a:t>
+              <a:rPr lang="en-US" sz="1400" dirty="0"/>
+              <a:t>Session :  2016-2017</a:t>
             </a:r>
           </a:p>
           <a:p>
             <a:pPr algn="ctr"/>
             <a:r>
-              <a:rPr lang="en-US" sz="1400" dirty="0" smtClean="0"/>
-              <a:t>Student ID	</a:t>
-            </a:r>
-            <a:r>
-              <a:rPr lang="en-US" sz="1400" dirty="0" smtClean="0"/>
-              <a:t> : 1737620122</a:t>
-            </a:r>
-            <a:endParaRPr lang="en-US" sz="1400" dirty="0" smtClean="0"/>
+              <a:rPr lang="en-US" sz="1400" dirty="0"/>
+              <a:t>Student ID	 : 1737620122</a:t>
+            </a:r>
           </a:p>
           <a:p>
             <a:pPr algn="ctr"/>
             <a:r>
-              <a:rPr lang="en-US" sz="1400" dirty="0" smtClean="0"/>
-              <a:t>Part- </a:t>
-            </a:r>
-            <a:r>
-              <a:rPr lang="en-US" sz="1400" dirty="0" smtClean="0"/>
-              <a:t>IV Odd Semester</a:t>
+              <a:rPr lang="en-US" sz="1400" dirty="0"/>
+              <a:t>Part- IV Odd Semester</a:t>
             </a:r>
           </a:p>
           <a:p>
@@ -8231,13 +9455,6 @@
   <p:transition>
     <p:fade thruBlk="1"/>
   </p:transition>
-  <p:timing>
-    <p:tnLst>
-      <p:par>
-        <p:cTn id="1" dur="indefinite" restart="never" nodeType="tmRoot"/>
-      </p:par>
-    </p:tnLst>
-  </p:timing>
 </p:sld>
 </file>
 
@@ -8318,7 +9535,7 @@
           <a:p>
             <a:pPr algn="ctr"/>
             <a:r>
-              <a:rPr lang="en-US" sz="4400" dirty="0" smtClean="0">
+              <a:rPr lang="en-US" sz="4400" dirty="0">
                 <a:solidFill>
                   <a:schemeClr val="tx1"/>
                 </a:solidFill>
@@ -8333,19 +9550,6 @@
               </a:rPr>
               <a:t> </a:t>
             </a:r>
-            <a:endParaRPr lang="en-US" sz="4400" dirty="0">
-              <a:solidFill>
-                <a:schemeClr val="tx1"/>
-              </a:solidFill>
-              <a:effectLst>
-                <a:outerShdw blurRad="38100" dist="38100" dir="2700000" algn="tl">
-                  <a:srgbClr val="000000">
-                    <a:alpha val="43137"/>
-                  </a:srgbClr>
-                </a:outerShdw>
-              </a:effectLst>
-              <a:latin typeface="+mj-lt"/>
-            </a:endParaRPr>
           </a:p>
         </p:txBody>
       </p:sp>
@@ -8404,13 +9608,6 @@
   <p:transition>
     <p:fade thruBlk="1"/>
   </p:transition>
-  <p:timing>
-    <p:tnLst>
-      <p:par>
-        <p:cTn id="1" dur="indefinite" restart="never" nodeType="tmRoot"/>
-      </p:par>
-    </p:tnLst>
-  </p:timing>
 </p:sld>
 </file>
 
@@ -8470,23 +9667,15 @@
           <a:lstStyle/>
           <a:p>
             <a:r>
-              <a:rPr lang="en-US" dirty="0" smtClean="0">
+              <a:rPr lang="en-US" dirty="0">
                 <a:solidFill>
                   <a:schemeClr val="tx1"/>
                 </a:solidFill>
               </a:rPr>
-              <a:t>  Meet </a:t>
-            </a:r>
-            <a:r>
-              <a:rPr lang="en-US" dirty="0" smtClean="0">
-                <a:solidFill>
-                  <a:schemeClr val="tx1"/>
-                </a:solidFill>
-              </a:rPr>
-              <a:t>Amazon </a:t>
-            </a:r>
-            <a:r>
-              <a:rPr lang="en-US" dirty="0" err="1" smtClean="0">
+              <a:t>  Meet Amazon </a:t>
+            </a:r>
+            <a:r>
+              <a:rPr lang="en-US" dirty="0" err="1">
                 <a:solidFill>
                   <a:schemeClr val="tx1"/>
                 </a:solidFill>
@@ -8529,15 +9718,15 @@
               </a:lnSpc>
             </a:pPr>
             <a:r>
-              <a:rPr lang="en-US" sz="1600" dirty="0" smtClean="0"/>
+              <a:rPr lang="en-US" sz="1600" dirty="0"/>
               <a:t>“Amazon </a:t>
             </a:r>
             <a:r>
-              <a:rPr lang="en-US" sz="1600" dirty="0" err="1" smtClean="0"/>
+              <a:rPr lang="en-US" sz="1600" dirty="0" err="1"/>
               <a:t>Alexa</a:t>
             </a:r>
             <a:r>
-              <a:rPr lang="en-US" sz="1600" dirty="0" smtClean="0"/>
+              <a:rPr lang="en-US" sz="1600" dirty="0"/>
               <a:t> is an intelligent personal assistant developed by Amazon,</a:t>
             </a:r>
           </a:p>
@@ -8548,26 +9737,25 @@
               </a:lnSpc>
             </a:pPr>
             <a:r>
-              <a:rPr lang="en-US" sz="1600" dirty="0" smtClean="0"/>
+              <a:rPr lang="en-US" sz="1600" dirty="0"/>
               <a:t>Which made popular by the </a:t>
             </a:r>
             <a:r>
-              <a:rPr lang="en-US" sz="1600" dirty="0" err="1" smtClean="0"/>
+              <a:rPr lang="en-US" sz="1600" dirty="0" err="1"/>
               <a:t>amazon</a:t>
             </a:r>
             <a:r>
-              <a:rPr lang="en-US" sz="1600" dirty="0" smtClean="0"/>
+              <a:rPr lang="en-US" sz="1600" dirty="0"/>
               <a:t> echo and echo dot devices developed by </a:t>
             </a:r>
             <a:r>
-              <a:rPr lang="en-US" sz="1600" dirty="0" err="1" smtClean="0"/>
+              <a:rPr lang="en-US" sz="1600" dirty="0" err="1"/>
               <a:t>amazon</a:t>
             </a:r>
             <a:r>
-              <a:rPr lang="en-US" sz="1600" dirty="0" smtClean="0"/>
+              <a:rPr lang="en-US" sz="1600" dirty="0"/>
               <a:t>”</a:t>
             </a:r>
-            <a:endParaRPr lang="en-US" sz="1600" dirty="0" smtClean="0"/>
           </a:p>
           <a:p>
             <a:pPr marL="400050" indent="-400050" algn="ctr">
@@ -8654,10 +9842,9 @@
           <a:lstStyle/>
           <a:p>
             <a:r>
-              <a:rPr lang="en-US" dirty="0" smtClean="0"/>
+              <a:rPr lang="en-US" dirty="0"/>
               <a:t>Amazon echo</a:t>
             </a:r>
-            <a:endParaRPr lang="en-US" dirty="0"/>
           </a:p>
         </p:txBody>
       </p:sp>
@@ -8684,10 +9871,9 @@
           <a:lstStyle/>
           <a:p>
             <a:r>
-              <a:rPr lang="en-US" dirty="0" smtClean="0"/>
+              <a:rPr lang="en-US" dirty="0"/>
               <a:t>Amazon echo dot</a:t>
             </a:r>
-            <a:endParaRPr lang="en-US" dirty="0"/>
           </a:p>
         </p:txBody>
       </p:sp>
@@ -8699,13 +9885,6 @@
   <p:transition>
     <p:fade thruBlk="1"/>
   </p:transition>
-  <p:timing>
-    <p:tnLst>
-      <p:par>
-        <p:cTn id="1" dur="indefinite" restart="never" nodeType="tmRoot"/>
-      </p:par>
-    </p:tnLst>
-  </p:timing>
 </p:sld>
 </file>
 
@@ -8749,18 +9928,13 @@
           <a:lstStyle/>
           <a:p>
             <a:r>
-              <a:rPr lang="en-US" dirty="0" smtClean="0">
+              <a:rPr lang="en-US" dirty="0">
                 <a:solidFill>
                   <a:schemeClr val="tx1"/>
                 </a:solidFill>
               </a:rPr>
               <a:t>Capable of -</a:t>
             </a:r>
-            <a:endParaRPr lang="en-US" dirty="0">
-              <a:solidFill>
-                <a:schemeClr val="tx1"/>
-              </a:solidFill>
-            </a:endParaRPr>
           </a:p>
         </p:txBody>
       </p:sp>
@@ -8791,7 +9965,7 @@
               <a:buChar char="q"/>
             </a:pPr>
             <a:r>
-              <a:rPr lang="en-US" dirty="0" smtClean="0"/>
+              <a:rPr lang="en-US" dirty="0"/>
               <a:t>  Voice interaction</a:t>
             </a:r>
           </a:p>
@@ -8801,12 +9975,8 @@
               <a:buChar char="q"/>
             </a:pPr>
             <a:r>
-              <a:rPr lang="en-US" dirty="0" smtClean="0"/>
-              <a:t> </a:t>
-            </a:r>
-            <a:r>
-              <a:rPr lang="en-US" dirty="0" smtClean="0"/>
-              <a:t> Music playback</a:t>
+              <a:rPr lang="en-US" dirty="0"/>
+              <a:t>  Music playback</a:t>
             </a:r>
           </a:p>
           <a:p>
@@ -8815,12 +9985,8 @@
               <a:buChar char="q"/>
             </a:pPr>
             <a:r>
-              <a:rPr lang="en-US" dirty="0" smtClean="0"/>
-              <a:t> </a:t>
-            </a:r>
-            <a:r>
-              <a:rPr lang="en-US" dirty="0" smtClean="0"/>
-              <a:t> Providing real time information</a:t>
+              <a:rPr lang="en-US" dirty="0"/>
+              <a:t>  Providing real time information</a:t>
             </a:r>
           </a:p>
           <a:p>
@@ -8829,14 +9995,9 @@
               <a:buChar char="q"/>
             </a:pPr>
             <a:r>
-              <a:rPr lang="en-US" dirty="0" smtClean="0"/>
-              <a:t> </a:t>
-            </a:r>
-            <a:r>
-              <a:rPr lang="en-US" dirty="0" smtClean="0"/>
-              <a:t> Controls several smart devices such as home automation system </a:t>
-            </a:r>
-            <a:endParaRPr lang="en-US" dirty="0"/>
+              <a:rPr lang="en-US" dirty="0"/>
+              <a:t>  Controls several smart devices such as home automation system </a:t>
+            </a:r>
           </a:p>
         </p:txBody>
       </p:sp>
@@ -8848,13 +10009,6 @@
   <p:transition>
     <p:fade thruBlk="1"/>
   </p:transition>
-  <p:timing>
-    <p:tnLst>
-      <p:par>
-        <p:cTn id="1" dur="indefinite" restart="never" nodeType="tmRoot"/>
-      </p:par>
-    </p:tnLst>
-  </p:timing>
 </p:sld>
 </file>
 
@@ -8898,7 +10052,7 @@
           <a:lstStyle/>
           <a:p>
             <a:r>
-              <a:rPr lang="en-US" dirty="0" smtClean="0">
+              <a:rPr lang="en-US" dirty="0">
                 <a:solidFill>
                   <a:schemeClr val="tx1"/>
                 </a:solidFill>
@@ -8906,7 +10060,7 @@
               <a:t>Command for </a:t>
             </a:r>
             <a:r>
-              <a:rPr lang="en-US" dirty="0" err="1" smtClean="0">
+              <a:rPr lang="en-US" dirty="0" err="1">
                 <a:solidFill>
                   <a:schemeClr val="tx1"/>
                 </a:solidFill>
@@ -8930,7 +10084,7 @@
           <p:nvPr/>
         </p:nvPicPr>
         <p:blipFill>
-          <a:blip r:embed="rId2" cstate="print"/>
+          <a:blip r:embed="rId3" cstate="print"/>
           <a:srcRect/>
           <a:stretch>
             <a:fillRect/>
@@ -8938,7 +10092,7 @@
         </p:blipFill>
         <p:spPr bwMode="auto">
           <a:xfrm>
-            <a:off x="3276600" y="1962150"/>
+            <a:off x="3371850" y="1962150"/>
             <a:ext cx="2190750" cy="2190750"/>
           </a:xfrm>
           <a:prstGeom prst="rect">
@@ -8959,7 +10113,10 @@
             <a:ext cx="2667000" cy="838200"/>
           </a:xfrm>
           <a:prstGeom prst="wedgeEllipseCallout">
-            <a:avLst/>
+            <a:avLst>
+              <a:gd name="adj1" fmla="val -36677"/>
+              <a:gd name="adj2" fmla="val 62500"/>
+            </a:avLst>
           </a:prstGeom>
         </p:spPr>
         <p:style>
@@ -8982,18 +10139,17 @@
           <a:p>
             <a:pPr algn="ctr"/>
             <a:r>
-              <a:rPr lang="en-US" sz="1400" dirty="0" smtClean="0"/>
+              <a:rPr lang="en-US" sz="1400" dirty="0"/>
               <a:t>“</a:t>
             </a:r>
             <a:r>
-              <a:rPr lang="en-US" sz="1400" dirty="0" err="1" smtClean="0"/>
+              <a:rPr lang="en-US" sz="1400" dirty="0" err="1"/>
               <a:t>Alexa</a:t>
             </a:r>
             <a:r>
-              <a:rPr lang="en-US" sz="1400" dirty="0" smtClean="0"/>
+              <a:rPr lang="en-US" sz="1400" dirty="0"/>
               <a:t>, What is my Credit card Balance”</a:t>
             </a:r>
-            <a:endParaRPr lang="en-US" sz="1400" dirty="0"/>
           </a:p>
         </p:txBody>
       </p:sp>
@@ -9005,11 +10161,14 @@
         </p:nvSpPr>
         <p:spPr>
           <a:xfrm flipH="1">
-            <a:off x="1066800" y="2647950"/>
+            <a:off x="1068532" y="2219325"/>
             <a:ext cx="2667000" cy="838200"/>
           </a:xfrm>
           <a:prstGeom prst="wedgeEllipseCallout">
-            <a:avLst/>
+            <a:avLst>
+              <a:gd name="adj1" fmla="val -49145"/>
+              <a:gd name="adj2" fmla="val 48450"/>
+            </a:avLst>
           </a:prstGeom>
         </p:spPr>
         <p:style>
@@ -9032,18 +10191,17 @@
           <a:p>
             <a:pPr algn="ctr"/>
             <a:r>
-              <a:rPr lang="en-US" sz="1400" dirty="0" smtClean="0"/>
+              <a:rPr lang="en-US" sz="1400" dirty="0"/>
               <a:t>“</a:t>
             </a:r>
             <a:r>
-              <a:rPr lang="en-US" sz="1400" dirty="0" err="1" smtClean="0"/>
+              <a:rPr lang="en-US" sz="1400" dirty="0" err="1"/>
               <a:t>Alexa</a:t>
             </a:r>
             <a:r>
-              <a:rPr lang="en-US" sz="1400" dirty="0" smtClean="0"/>
+              <a:rPr lang="en-US" sz="1400" dirty="0"/>
               <a:t>, Play a music”</a:t>
             </a:r>
-            <a:endParaRPr lang="en-US" sz="1400" dirty="0"/>
           </a:p>
         </p:txBody>
       </p:sp>
@@ -9055,11 +10213,14 @@
         </p:nvSpPr>
         <p:spPr>
           <a:xfrm>
-            <a:off x="4572000" y="1276350"/>
+            <a:off x="4724400" y="1276350"/>
             <a:ext cx="2286000" cy="838200"/>
           </a:xfrm>
           <a:prstGeom prst="wedgeEllipseCallout">
-            <a:avLst/>
+            <a:avLst>
+              <a:gd name="adj1" fmla="val -33863"/>
+              <a:gd name="adj2" fmla="val 70764"/>
+            </a:avLst>
           </a:prstGeom>
         </p:spPr>
         <p:style>
@@ -9082,18 +10243,17 @@
           <a:p>
             <a:pPr algn="ctr"/>
             <a:r>
-              <a:rPr lang="en-US" sz="1400" dirty="0" smtClean="0"/>
+              <a:rPr lang="en-US" sz="1400" dirty="0"/>
               <a:t>“</a:t>
             </a:r>
             <a:r>
-              <a:rPr lang="en-US" sz="1400" dirty="0" err="1" smtClean="0"/>
+              <a:rPr lang="en-US" sz="1400" dirty="0" err="1"/>
               <a:t>Alexa</a:t>
             </a:r>
             <a:r>
-              <a:rPr lang="en-US" sz="1400" dirty="0" smtClean="0"/>
+              <a:rPr lang="en-US" sz="1400" dirty="0"/>
               <a:t>, Turn Off Light”</a:t>
             </a:r>
-            <a:endParaRPr lang="en-US" sz="1400" dirty="0"/>
           </a:p>
         </p:txBody>
       </p:sp>
@@ -9105,11 +10265,14 @@
         </p:nvSpPr>
         <p:spPr>
           <a:xfrm>
-            <a:off x="5105400" y="2495550"/>
+            <a:off x="5105400" y="2234911"/>
             <a:ext cx="2286000" cy="838200"/>
           </a:xfrm>
           <a:prstGeom prst="wedgeEllipseCallout">
-            <a:avLst/>
+            <a:avLst>
+              <a:gd name="adj1" fmla="val -49924"/>
+              <a:gd name="adj2" fmla="val 58368"/>
+            </a:avLst>
           </a:prstGeom>
         </p:spPr>
         <p:style>
@@ -9132,18 +10295,127 @@
           <a:p>
             <a:pPr algn="ctr"/>
             <a:r>
-              <a:rPr lang="en-US" sz="1400" dirty="0" smtClean="0"/>
+              <a:rPr lang="en-US" sz="1400" dirty="0"/>
+              <a:t>“Alexa, call Alex”</a:t>
+            </a:r>
+          </a:p>
+        </p:txBody>
+      </p:sp>
+      <p:sp>
+        <p:nvSpPr>
+          <p:cNvPr id="11" name="Oval Callout 7">
+            <a:extLst>
+              <a:ext uri="{FF2B5EF4-FFF2-40B4-BE49-F238E27FC236}">
+                <a16:creationId xmlns:a16="http://schemas.microsoft.com/office/drawing/2014/main" id="{BF73BA47-221F-41C4-AEAB-D97AC88F020E}"/>
+              </a:ext>
+            </a:extLst>
+          </p:cNvPr>
+          <p:cNvSpPr/>
+          <p:nvPr/>
+        </p:nvSpPr>
+        <p:spPr>
+          <a:xfrm flipH="1">
+            <a:off x="1143000" y="3286125"/>
+            <a:ext cx="2592532" cy="838200"/>
+          </a:xfrm>
+          <a:prstGeom prst="wedgeEllipseCallout">
+            <a:avLst>
+              <a:gd name="adj1" fmla="val -52651"/>
+              <a:gd name="adj2" fmla="val -47417"/>
+            </a:avLst>
+          </a:prstGeom>
+        </p:spPr>
+        <p:style>
+          <a:lnRef idx="2">
+            <a:schemeClr val="dk1"/>
+          </a:lnRef>
+          <a:fillRef idx="1">
+            <a:schemeClr val="lt1"/>
+          </a:fillRef>
+          <a:effectRef idx="0">
+            <a:schemeClr val="dk1"/>
+          </a:effectRef>
+          <a:fontRef idx="minor">
+            <a:schemeClr val="dk1"/>
+          </a:fontRef>
+        </p:style>
+        <p:txBody>
+          <a:bodyPr rtlCol="0" anchor="ctr"/>
+          <a:lstStyle/>
+          <a:p>
+            <a:pPr algn="ctr"/>
+            <a:r>
+              <a:rPr lang="en-US" sz="1400" dirty="0">
+                <a:latin typeface="+mj-lt"/>
+              </a:rPr>
               <a:t>“</a:t>
             </a:r>
             <a:r>
-              <a:rPr lang="en-US" sz="1400" dirty="0" err="1" smtClean="0"/>
-              <a:t>Alexa</a:t>
-            </a:r>
-            <a:r>
-              <a:rPr lang="en-US" sz="1400" dirty="0" smtClean="0"/>
-              <a:t>, Turn Off Light”</a:t>
-            </a:r>
-            <a:endParaRPr lang="en-US" sz="1400" dirty="0"/>
+              <a:rPr lang="en-US" sz="1400" b="0" i="0" dirty="0">
+                <a:solidFill>
+                  <a:srgbClr val="000000"/>
+                </a:solidFill>
+                <a:effectLst/>
+                <a:latin typeface="+mj-lt"/>
+              </a:rPr>
+              <a:t>Alexa, what time is it</a:t>
+            </a:r>
+            <a:r>
+              <a:rPr lang="en-US" sz="1400" dirty="0">
+                <a:latin typeface="+mj-lt"/>
+              </a:rPr>
+              <a:t>”</a:t>
+            </a:r>
+          </a:p>
+        </p:txBody>
+      </p:sp>
+      <p:sp>
+        <p:nvSpPr>
+          <p:cNvPr id="12" name="Oval Callout 9">
+            <a:extLst>
+              <a:ext uri="{FF2B5EF4-FFF2-40B4-BE49-F238E27FC236}">
+                <a16:creationId xmlns:a16="http://schemas.microsoft.com/office/drawing/2014/main" id="{67AA0075-43D9-4F92-AEEC-E1A0BC589C93}"/>
+              </a:ext>
+            </a:extLst>
+          </p:cNvPr>
+          <p:cNvSpPr/>
+          <p:nvPr/>
+        </p:nvSpPr>
+        <p:spPr>
+          <a:xfrm>
+            <a:off x="5124450" y="3195204"/>
+            <a:ext cx="2190750" cy="838200"/>
+          </a:xfrm>
+          <a:prstGeom prst="wedgeEllipseCallout">
+            <a:avLst>
+              <a:gd name="adj1" fmla="val -52770"/>
+              <a:gd name="adj2" fmla="val -42458"/>
+            </a:avLst>
+          </a:prstGeom>
+        </p:spPr>
+        <p:style>
+          <a:lnRef idx="2">
+            <a:schemeClr val="dk1"/>
+          </a:lnRef>
+          <a:fillRef idx="1">
+            <a:schemeClr val="lt1"/>
+          </a:fillRef>
+          <a:effectRef idx="0">
+            <a:schemeClr val="dk1"/>
+          </a:effectRef>
+          <a:fontRef idx="minor">
+            <a:schemeClr val="dk1"/>
+          </a:fontRef>
+        </p:style>
+        <p:txBody>
+          <a:bodyPr rtlCol="0" anchor="ctr"/>
+          <a:lstStyle/>
+          <a:p>
+            <a:pPr algn="ctr"/>
+            <a:r>
+              <a:rPr lang="en-US" sz="1400" dirty="0"/>
+              <a:t>“Alexa,  What’s in the news”</a:t>
+            </a:r>
           </a:p>
         </p:txBody>
       </p:sp>
@@ -9155,13 +10427,6 @@
   <p:transition>
     <p:fade thruBlk="1"/>
   </p:transition>
-  <p:timing>
-    <p:tnLst>
-      <p:par>
-        <p:cTn id="1" dur="indefinite" restart="never" nodeType="tmRoot"/>
-      </p:par>
-    </p:tnLst>
-  </p:timing>
 </p:sld>
 </file>
 
@@ -9205,18 +10470,13 @@
           <a:lstStyle/>
           <a:p>
             <a:r>
-              <a:rPr lang="en-US" dirty="0" smtClean="0">
+              <a:rPr lang="en-US" dirty="0">
                 <a:solidFill>
                   <a:schemeClr val="tx1"/>
                 </a:solidFill>
               </a:rPr>
               <a:t>What is needed to learn Data Science ?</a:t>
             </a:r>
-            <a:endParaRPr lang="en-US" dirty="0">
-              <a:solidFill>
-                <a:schemeClr val="tx1"/>
-              </a:solidFill>
-            </a:endParaRPr>
           </a:p>
         </p:txBody>
       </p:sp>
@@ -9244,13 +10504,6 @@
   <p:transition>
     <p:fade thruBlk="1"/>
   </p:transition>
-  <p:timing>
-    <p:tnLst>
-      <p:par>
-        <p:cTn id="1" dur="indefinite" restart="never" nodeType="tmRoot"/>
-      </p:par>
-    </p:tnLst>
-  </p:timing>
 </p:sld>
 </file>
 
@@ -9294,18 +10547,13 @@
           <a:lstStyle/>
           <a:p>
             <a:r>
-              <a:rPr lang="en-US" dirty="0" smtClean="0">
+              <a:rPr lang="en-US" dirty="0">
                 <a:solidFill>
                   <a:schemeClr val="tx1"/>
                 </a:solidFill>
               </a:rPr>
               <a:t>Applications of Data Science ?</a:t>
             </a:r>
-            <a:endParaRPr lang="en-US" dirty="0">
-              <a:solidFill>
-                <a:schemeClr val="tx1"/>
-              </a:solidFill>
-            </a:endParaRPr>
           </a:p>
         </p:txBody>
       </p:sp>
@@ -9317,13 +10565,6 @@
   <p:transition>
     <p:fade thruBlk="1"/>
   </p:transition>
-  <p:timing>
-    <p:tnLst>
-      <p:par>
-        <p:cTn id="1" dur="indefinite" restart="never" nodeType="tmRoot"/>
-      </p:par>
-    </p:tnLst>
-  </p:timing>
 </p:sld>
 </file>
 
@@ -9367,18 +10608,13 @@
           <a:lstStyle/>
           <a:p>
             <a:r>
-              <a:rPr lang="en-US" dirty="0" smtClean="0">
+              <a:rPr lang="en-US" dirty="0">
                 <a:solidFill>
                   <a:schemeClr val="tx1"/>
                 </a:solidFill>
               </a:rPr>
               <a:t>Real World Example of Data Science..</a:t>
             </a:r>
-            <a:endParaRPr lang="en-US" dirty="0">
-              <a:solidFill>
-                <a:schemeClr val="tx1"/>
-              </a:solidFill>
-            </a:endParaRPr>
           </a:p>
         </p:txBody>
       </p:sp>
@@ -10028,4 +11264,299 @@
   <a:objectDefaults/>
   <a:extraClrSchemeLst/>
 </a:theme>
+</file>
+
+<file path=ppt/theme/theme2.xml><?xml version="1.0" encoding="utf-8"?>
+<a:theme xmlns:a="http://schemas.openxmlformats.org/drawingml/2006/main" name="Office Theme">
+  <a:themeElements>
+    <a:clrScheme name="Office">
+      <a:dk1>
+        <a:sysClr val="windowText" lastClr="000000"/>
+      </a:dk1>
+      <a:lt1>
+        <a:sysClr val="window" lastClr="FFFFFF"/>
+      </a:lt1>
+      <a:dk2>
+        <a:srgbClr val="44546A"/>
+      </a:dk2>
+      <a:lt2>
+        <a:srgbClr val="E7E6E6"/>
+      </a:lt2>
+      <a:accent1>
+        <a:srgbClr val="4472C4"/>
+      </a:accent1>
+      <a:accent2>
+        <a:srgbClr val="ED7D31"/>
+      </a:accent2>
+      <a:accent3>
+        <a:srgbClr val="A5A5A5"/>
+      </a:accent3>
+      <a:accent4>
+        <a:srgbClr val="FFC000"/>
+      </a:accent4>
+      <a:accent5>
+        <a:srgbClr val="5B9BD5"/>
+      </a:accent5>
+      <a:accent6>
+        <a:srgbClr val="70AD47"/>
+      </a:accent6>
+      <a:hlink>
+        <a:srgbClr val="0563C1"/>
+      </a:hlink>
+      <a:folHlink>
+        <a:srgbClr val="954F72"/>
+      </a:folHlink>
+    </a:clrScheme>
+    <a:fontScheme name="Office">
+      <a:majorFont>
+        <a:latin typeface="Calibri Light" panose="020F0302020204030204"/>
+        <a:ea typeface=""/>
+        <a:cs typeface=""/>
+        <a:font script="Jpan" typeface="游ゴシック Light"/>
+        <a:font script="Hang" typeface="맑은 고딕"/>
+        <a:font script="Hans" typeface="等线 Light"/>
+        <a:font script="Hant" typeface="新細明體"/>
+        <a:font script="Arab" typeface="Times New Roman"/>
+        <a:font script="Hebr" typeface="Times New Roman"/>
+        <a:font script="Thai" typeface="Angsana New"/>
+        <a:font script="Ethi" typeface="Nyala"/>
+        <a:font script="Beng" typeface="Vrinda"/>
+        <a:font script="Gujr" typeface="Shruti"/>
+        <a:font script="Khmr" typeface="MoolBoran"/>
+        <a:font script="Knda" typeface="Tunga"/>
+        <a:font script="Guru" typeface="Raavi"/>
+        <a:font script="Cans" typeface="Euphemia"/>
+        <a:font script="Cher" typeface="Plantagenet Cherokee"/>
+        <a:font script="Yiii" typeface="Microsoft Yi Baiti"/>
+        <a:font script="Tibt" typeface="Microsoft Himalaya"/>
+        <a:font script="Thaa" typeface="MV Boli"/>
+        <a:font script="Deva" typeface="Mangal"/>
+        <a:font script="Telu" typeface="Gautami"/>
+        <a:font script="Taml" typeface="Latha"/>
+        <a:font script="Syrc" typeface="Estrangelo Edessa"/>
+        <a:font script="Orya" typeface="Kalinga"/>
+        <a:font script="Mlym" typeface="Kartika"/>
+        <a:font script="Laoo" typeface="DokChampa"/>
+        <a:font script="Sinh" typeface="Iskoola Pota"/>
+        <a:font script="Mong" typeface="Mongolian Baiti"/>
+        <a:font script="Viet" typeface="Times New Roman"/>
+        <a:font script="Uigh" typeface="Microsoft Uighur"/>
+        <a:font script="Geor" typeface="Sylfaen"/>
+        <a:font script="Armn" typeface="Arial"/>
+        <a:font script="Bugi" typeface="Leelawadee UI"/>
+        <a:font script="Bopo" typeface="Microsoft JhengHei"/>
+        <a:font script="Java" typeface="Javanese Text"/>
+        <a:font script="Lisu" typeface="Segoe UI"/>
+        <a:font script="Mymr" typeface="Myanmar Text"/>
+        <a:font script="Nkoo" typeface="Ebrima"/>
+        <a:font script="Olck" typeface="Nirmala UI"/>
+        <a:font script="Osma" typeface="Ebrima"/>
+        <a:font script="Phag" typeface="Phagspa"/>
+        <a:font script="Syrn" typeface="Estrangelo Edessa"/>
+        <a:font script="Syrj" typeface="Estrangelo Edessa"/>
+        <a:font script="Syre" typeface="Estrangelo Edessa"/>
+        <a:font script="Sora" typeface="Nirmala UI"/>
+        <a:font script="Tale" typeface="Microsoft Tai Le"/>
+        <a:font script="Talu" typeface="Microsoft New Tai Lue"/>
+        <a:font script="Tfng" typeface="Ebrima"/>
+      </a:majorFont>
+      <a:minorFont>
+        <a:latin typeface="Calibri" panose="020F0502020204030204"/>
+        <a:ea typeface=""/>
+        <a:cs typeface=""/>
+        <a:font script="Jpan" typeface="游ゴシック"/>
+        <a:font script="Hang" typeface="맑은 고딕"/>
+        <a:font script="Hans" typeface="等线"/>
+        <a:font script="Hant" typeface="新細明體"/>
+        <a:font script="Arab" typeface="Arial"/>
+        <a:font script="Hebr" typeface="Arial"/>
+        <a:font script="Thai" typeface="Cordia New"/>
+        <a:font script="Ethi" typeface="Nyala"/>
+        <a:font script="Beng" typeface="Vrinda"/>
+        <a:font script="Gujr" typeface="Shruti"/>
+        <a:font script="Khmr" typeface="DaunPenh"/>
+        <a:font script="Knda" typeface="Tunga"/>
+        <a:font script="Guru" typeface="Raavi"/>
+        <a:font script="Cans" typeface="Euphemia"/>
+        <a:font script="Cher" typeface="Plantagenet Cherokee"/>
+        <a:font script="Yiii" typeface="Microsoft Yi Baiti"/>
+        <a:font script="Tibt" typeface="Microsoft Himalaya"/>
+        <a:font script="Thaa" typeface="MV Boli"/>
+        <a:font script="Deva" typeface="Mangal"/>
+        <a:font script="Telu" typeface="Gautami"/>
+        <a:font script="Taml" typeface="Latha"/>
+        <a:font script="Syrc" typeface="Estrangelo Edessa"/>
+        <a:font script="Orya" typeface="Kalinga"/>
+        <a:font script="Mlym" typeface="Kartika"/>
+        <a:font script="Laoo" typeface="DokChampa"/>
+        <a:font script="Sinh" typeface="Iskoola Pota"/>
+        <a:font script="Mong" typeface="Mongolian Baiti"/>
+        <a:font script="Viet" typeface="Arial"/>
+        <a:font script="Uigh" typeface="Microsoft Uighur"/>
+        <a:font script="Geor" typeface="Sylfaen"/>
+        <a:font script="Armn" typeface="Arial"/>
+        <a:font script="Bugi" typeface="Leelawadee UI"/>
+        <a:font script="Bopo" typeface="Microsoft JhengHei"/>
+        <a:font script="Java" typeface="Javanese Text"/>
+        <a:font script="Lisu" typeface="Segoe UI"/>
+        <a:font script="Mymr" typeface="Myanmar Text"/>
+        <a:font script="Nkoo" typeface="Ebrima"/>
+        <a:font script="Olck" typeface="Nirmala UI"/>
+        <a:font script="Osma" typeface="Ebrima"/>
+        <a:font script="Phag" typeface="Phagspa"/>
+        <a:font script="Syrn" typeface="Estrangelo Edessa"/>
+        <a:font script="Syrj" typeface="Estrangelo Edessa"/>
+        <a:font script="Syre" typeface="Estrangelo Edessa"/>
+        <a:font script="Sora" typeface="Nirmala UI"/>
+        <a:font script="Tale" typeface="Microsoft Tai Le"/>
+        <a:font script="Talu" typeface="Microsoft New Tai Lue"/>
+        <a:font script="Tfng" typeface="Ebrima"/>
+      </a:minorFont>
+    </a:fontScheme>
+    <a:fmtScheme name="Office">
+      <a:fillStyleLst>
+        <a:solidFill>
+          <a:schemeClr val="phClr"/>
+        </a:solidFill>
+        <a:gradFill rotWithShape="1">
+          <a:gsLst>
+            <a:gs pos="0">
+              <a:schemeClr val="phClr">
+                <a:lumMod val="110000"/>
+                <a:satMod val="105000"/>
+                <a:tint val="67000"/>
+              </a:schemeClr>
+            </a:gs>
+            <a:gs pos="50000">
+              <a:schemeClr val="phClr">
+                <a:lumMod val="105000"/>
+                <a:satMod val="103000"/>
+                <a:tint val="73000"/>
+              </a:schemeClr>
+            </a:gs>
+            <a:gs pos="100000">
+              <a:schemeClr val="phClr">
+                <a:lumMod val="105000"/>
+                <a:satMod val="109000"/>
+                <a:tint val="81000"/>
+              </a:schemeClr>
+            </a:gs>
+          </a:gsLst>
+          <a:lin ang="5400000" scaled="0"/>
+        </a:gradFill>
+        <a:gradFill rotWithShape="1">
+          <a:gsLst>
+            <a:gs pos="0">
+              <a:schemeClr val="phClr">
+                <a:satMod val="103000"/>
+                <a:lumMod val="102000"/>
+                <a:tint val="94000"/>
+              </a:schemeClr>
+            </a:gs>
+            <a:gs pos="50000">
+              <a:schemeClr val="phClr">
+                <a:satMod val="110000"/>
+                <a:lumMod val="100000"/>
+                <a:shade val="100000"/>
+              </a:schemeClr>
+            </a:gs>
+            <a:gs pos="100000">
+              <a:schemeClr val="phClr">
+                <a:lumMod val="99000"/>
+                <a:satMod val="120000"/>
+                <a:shade val="78000"/>
+              </a:schemeClr>
+            </a:gs>
+          </a:gsLst>
+          <a:lin ang="5400000" scaled="0"/>
+        </a:gradFill>
+      </a:fillStyleLst>
+      <a:lnStyleLst>
+        <a:ln w="6350" cap="flat" cmpd="sng" algn="ctr">
+          <a:solidFill>
+            <a:schemeClr val="phClr"/>
+          </a:solidFill>
+          <a:prstDash val="solid"/>
+          <a:miter lim="800000"/>
+        </a:ln>
+        <a:ln w="12700" cap="flat" cmpd="sng" algn="ctr">
+          <a:solidFill>
+            <a:schemeClr val="phClr"/>
+          </a:solidFill>
+          <a:prstDash val="solid"/>
+          <a:miter lim="800000"/>
+        </a:ln>
+        <a:ln w="19050" cap="flat" cmpd="sng" algn="ctr">
+          <a:solidFill>
+            <a:schemeClr val="phClr"/>
+          </a:solidFill>
+          <a:prstDash val="solid"/>
+          <a:miter lim="800000"/>
+        </a:ln>
+      </a:lnStyleLst>
+      <a:effectStyleLst>
+        <a:effectStyle>
+          <a:effectLst/>
+        </a:effectStyle>
+        <a:effectStyle>
+          <a:effectLst/>
+        </a:effectStyle>
+        <a:effectStyle>
+          <a:effectLst>
+            <a:outerShdw blurRad="57150" dist="19050" dir="5400000" algn="ctr" rotWithShape="0">
+              <a:srgbClr val="000000">
+                <a:alpha val="63000"/>
+              </a:srgbClr>
+            </a:outerShdw>
+          </a:effectLst>
+        </a:effectStyle>
+      </a:effectStyleLst>
+      <a:bgFillStyleLst>
+        <a:solidFill>
+          <a:schemeClr val="phClr"/>
+        </a:solidFill>
+        <a:solidFill>
+          <a:schemeClr val="phClr">
+            <a:tint val="95000"/>
+            <a:satMod val="170000"/>
+          </a:schemeClr>
+        </a:solidFill>
+        <a:gradFill rotWithShape="1">
+          <a:gsLst>
+            <a:gs pos="0">
+              <a:schemeClr val="phClr">
+                <a:tint val="93000"/>
+                <a:satMod val="150000"/>
+                <a:shade val="98000"/>
+                <a:lumMod val="102000"/>
+              </a:schemeClr>
+            </a:gs>
+            <a:gs pos="50000">
+              <a:schemeClr val="phClr">
+                <a:tint val="98000"/>
+                <a:satMod val="130000"/>
+                <a:shade val="90000"/>
+                <a:lumMod val="103000"/>
+              </a:schemeClr>
+            </a:gs>
+            <a:gs pos="100000">
+              <a:schemeClr val="phClr">
+                <a:shade val="63000"/>
+                <a:satMod val="120000"/>
+              </a:schemeClr>
+            </a:gs>
+          </a:gsLst>
+          <a:lin ang="5400000" scaled="0"/>
+        </a:gradFill>
+      </a:bgFillStyleLst>
+    </a:fmtScheme>
+  </a:themeElements>
+  <a:objectDefaults/>
+  <a:extraClrSchemeLst/>
+  <a:extLst>
+    <a:ext uri="{05A4C25C-085E-4340-85A3-A5531E510DB2}">
+      <thm15:themeFamily xmlns:thm15="http://schemas.microsoft.com/office/thememl/2012/main" name="Office Theme" id="{62F939B6-93AF-4DB8-9C6B-D6C7DFDC589F}" vid="{4A3C46E8-61CC-4603-A589-7422A47A8E4A}"/>
+    </a:ext>
+  </a:extLst>
+</a:theme>
 </file>
--- a/Alexa.pptx
+++ b/Alexa.pptx
@@ -5,22 +5,27 @@
     <p:sldMasterId id="2147483696" r:id="rId1"/>
   </p:sldMasterIdLst>
   <p:notesMasterIdLst>
-    <p:notesMasterId r:id="rId15"/>
+    <p:notesMasterId r:id="rId20"/>
   </p:notesMasterIdLst>
   <p:sldIdLst>
     <p:sldId id="256" r:id="rId2"/>
     <p:sldId id="257" r:id="rId3"/>
     <p:sldId id="258" r:id="rId4"/>
     <p:sldId id="271" r:id="rId5"/>
-    <p:sldId id="261" r:id="rId6"/>
-    <p:sldId id="262" r:id="rId7"/>
-    <p:sldId id="263" r:id="rId8"/>
-    <p:sldId id="264" r:id="rId9"/>
-    <p:sldId id="269" r:id="rId10"/>
-    <p:sldId id="268" r:id="rId11"/>
-    <p:sldId id="270" r:id="rId12"/>
-    <p:sldId id="266" r:id="rId13"/>
-    <p:sldId id="267" r:id="rId14"/>
+    <p:sldId id="264" r:id="rId6"/>
+    <p:sldId id="261" r:id="rId7"/>
+    <p:sldId id="262" r:id="rId8"/>
+    <p:sldId id="272" r:id="rId9"/>
+    <p:sldId id="273" r:id="rId10"/>
+    <p:sldId id="263" r:id="rId11"/>
+    <p:sldId id="269" r:id="rId12"/>
+    <p:sldId id="270" r:id="rId13"/>
+    <p:sldId id="274" r:id="rId14"/>
+    <p:sldId id="275" r:id="rId15"/>
+    <p:sldId id="268" r:id="rId16"/>
+    <p:sldId id="276" r:id="rId17"/>
+    <p:sldId id="277" r:id="rId18"/>
+    <p:sldId id="267" r:id="rId19"/>
   </p:sldIdLst>
   <p:sldSz cx="9144000" cy="5143500" type="screen16x9"/>
   <p:notesSz cx="6858000" cy="9144000"/>
@@ -121,7 +126,7 @@
   </p:defaultTextStyle>
   <p:extLst>
     <p:ext uri="{EFAFB233-063F-42B5-8137-9DF3F51BA10A}">
-      <p15:sldGuideLst xmlns:p15="http://schemas.microsoft.com/office/powerpoint/2012/main">
+      <p15:sldGuideLst xmlns="" xmlns:p15="http://schemas.microsoft.com/office/powerpoint/2012/main">
         <p15:guide id="1" orient="horz" pos="1620">
           <p15:clr>
             <a:srgbClr val="A4A3A4"/>
@@ -136,1248 +141,6 @@
     </p:ext>
   </p:extLst>
 </p:presentation>
-</file>
-
-<file path=ppt/diagrams/colors1.xml><?xml version="1.0" encoding="utf-8"?>
-<dgm:colorsDef xmlns:dgm="http://schemas.openxmlformats.org/drawingml/2006/diagram" xmlns:a="http://schemas.openxmlformats.org/drawingml/2006/main" uniqueId="urn:microsoft.com/office/officeart/2005/8/colors/accent1_2">
-  <dgm:title val=""/>
-  <dgm:desc val=""/>
-  <dgm:catLst>
-    <dgm:cat type="accent1" pri="11200"/>
-  </dgm:catLst>
-  <dgm:styleLbl name="node0">
-    <dgm:fillClrLst meth="repeat">
-      <a:schemeClr val="accent1"/>
-    </dgm:fillClrLst>
-    <dgm:linClrLst meth="repeat">
-      <a:schemeClr val="lt1"/>
-    </dgm:linClrLst>
-    <dgm:effectClrLst/>
-    <dgm:txLinClrLst/>
-    <dgm:txFillClrLst/>
-    <dgm:txEffectClrLst/>
-  </dgm:styleLbl>
-  <dgm:styleLbl name="alignNode1">
-    <dgm:fillClrLst meth="repeat">
-      <a:schemeClr val="accent1"/>
-    </dgm:fillClrLst>
-    <dgm:linClrLst meth="repeat">
-      <a:schemeClr val="accent1"/>
-    </dgm:linClrLst>
-    <dgm:effectClrLst/>
-    <dgm:txLinClrLst/>
-    <dgm:txFillClrLst/>
-    <dgm:txEffectClrLst/>
-  </dgm:styleLbl>
-  <dgm:styleLbl name="node1">
-    <dgm:fillClrLst meth="repeat">
-      <a:schemeClr val="accent1"/>
-    </dgm:fillClrLst>
-    <dgm:linClrLst meth="repeat">
-      <a:schemeClr val="lt1"/>
-    </dgm:linClrLst>
-    <dgm:effectClrLst/>
-    <dgm:txLinClrLst/>
-    <dgm:txFillClrLst/>
-    <dgm:txEffectClrLst/>
-  </dgm:styleLbl>
-  <dgm:styleLbl name="lnNode1">
-    <dgm:fillClrLst meth="repeat">
-      <a:schemeClr val="accent1"/>
-    </dgm:fillClrLst>
-    <dgm:linClrLst meth="repeat">
-      <a:schemeClr val="lt1"/>
-    </dgm:linClrLst>
-    <dgm:effectClrLst/>
-    <dgm:txLinClrLst/>
-    <dgm:txFillClrLst/>
-    <dgm:txEffectClrLst/>
-  </dgm:styleLbl>
-  <dgm:styleLbl name="vennNode1">
-    <dgm:fillClrLst meth="repeat">
-      <a:schemeClr val="accent1">
-        <a:alpha val="50000"/>
-      </a:schemeClr>
-    </dgm:fillClrLst>
-    <dgm:linClrLst meth="repeat">
-      <a:schemeClr val="lt1"/>
-    </dgm:linClrLst>
-    <dgm:effectClrLst/>
-    <dgm:txLinClrLst/>
-    <dgm:txFillClrLst/>
-    <dgm:txEffectClrLst/>
-  </dgm:styleLbl>
-  <dgm:styleLbl name="node2">
-    <dgm:fillClrLst meth="repeat">
-      <a:schemeClr val="accent1"/>
-    </dgm:fillClrLst>
-    <dgm:linClrLst meth="repeat">
-      <a:schemeClr val="lt1"/>
-    </dgm:linClrLst>
-    <dgm:effectClrLst/>
-    <dgm:txLinClrLst/>
-    <dgm:txFillClrLst/>
-    <dgm:txEffectClrLst/>
-  </dgm:styleLbl>
-  <dgm:styleLbl name="node3">
-    <dgm:fillClrLst meth="repeat">
-      <a:schemeClr val="accent1"/>
-    </dgm:fillClrLst>
-    <dgm:linClrLst meth="repeat">
-      <a:schemeClr val="lt1"/>
-    </dgm:linClrLst>
-    <dgm:effectClrLst/>
-    <dgm:txLinClrLst/>
-    <dgm:txFillClrLst/>
-    <dgm:txEffectClrLst/>
-  </dgm:styleLbl>
-  <dgm:styleLbl name="node4">
-    <dgm:fillClrLst meth="repeat">
-      <a:schemeClr val="accent1"/>
-    </dgm:fillClrLst>
-    <dgm:linClrLst meth="repeat">
-      <a:schemeClr val="lt1"/>
-    </dgm:linClrLst>
-    <dgm:effectClrLst/>
-    <dgm:txLinClrLst/>
-    <dgm:txFillClrLst/>
-    <dgm:txEffectClrLst/>
-  </dgm:styleLbl>
-  <dgm:styleLbl name="fgImgPlace1">
-    <dgm:fillClrLst meth="repeat">
-      <a:schemeClr val="accent1">
-        <a:tint val="50000"/>
-      </a:schemeClr>
-    </dgm:fillClrLst>
-    <dgm:linClrLst meth="repeat">
-      <a:schemeClr val="lt1"/>
-    </dgm:linClrLst>
-    <dgm:effectClrLst/>
-    <dgm:txLinClrLst/>
-    <dgm:txFillClrLst meth="repeat">
-      <a:schemeClr val="lt1"/>
-    </dgm:txFillClrLst>
-    <dgm:txEffectClrLst/>
-  </dgm:styleLbl>
-  <dgm:styleLbl name="alignImgPlace1">
-    <dgm:fillClrLst meth="repeat">
-      <a:schemeClr val="accent1">
-        <a:tint val="50000"/>
-      </a:schemeClr>
-    </dgm:fillClrLst>
-    <dgm:linClrLst meth="repeat">
-      <a:schemeClr val="lt1"/>
-    </dgm:linClrLst>
-    <dgm:effectClrLst/>
-    <dgm:txLinClrLst/>
-    <dgm:txFillClrLst meth="repeat">
-      <a:schemeClr val="lt1"/>
-    </dgm:txFillClrLst>
-    <dgm:txEffectClrLst/>
-  </dgm:styleLbl>
-  <dgm:styleLbl name="bgImgPlace1">
-    <dgm:fillClrLst meth="repeat">
-      <a:schemeClr val="accent1">
-        <a:tint val="50000"/>
-      </a:schemeClr>
-    </dgm:fillClrLst>
-    <dgm:linClrLst meth="repeat">
-      <a:schemeClr val="lt1"/>
-    </dgm:linClrLst>
-    <dgm:effectClrLst/>
-    <dgm:txLinClrLst/>
-    <dgm:txFillClrLst meth="repeat">
-      <a:schemeClr val="lt1"/>
-    </dgm:txFillClrLst>
-    <dgm:txEffectClrLst/>
-  </dgm:styleLbl>
-  <dgm:styleLbl name="sibTrans2D1">
-    <dgm:fillClrLst meth="repeat">
-      <a:schemeClr val="accent1">
-        <a:tint val="60000"/>
-      </a:schemeClr>
-    </dgm:fillClrLst>
-    <dgm:linClrLst meth="repeat">
-      <a:schemeClr val="accent1">
-        <a:tint val="60000"/>
-      </a:schemeClr>
-    </dgm:linClrLst>
-    <dgm:effectClrLst/>
-    <dgm:txLinClrLst/>
-    <dgm:txFillClrLst/>
-    <dgm:txEffectClrLst/>
-  </dgm:styleLbl>
-  <dgm:styleLbl name="fgSibTrans2D1">
-    <dgm:fillClrLst meth="repeat">
-      <a:schemeClr val="accent1">
-        <a:tint val="60000"/>
-      </a:schemeClr>
-    </dgm:fillClrLst>
-    <dgm:linClrLst meth="repeat">
-      <a:schemeClr val="accent1">
-        <a:tint val="60000"/>
-      </a:schemeClr>
-    </dgm:linClrLst>
-    <dgm:effectClrLst/>
-    <dgm:txLinClrLst/>
-    <dgm:txFillClrLst/>
-    <dgm:txEffectClrLst/>
-  </dgm:styleLbl>
-  <dgm:styleLbl name="bgSibTrans2D1">
-    <dgm:fillClrLst meth="repeat">
-      <a:schemeClr val="accent1">
-        <a:tint val="60000"/>
-      </a:schemeClr>
-    </dgm:fillClrLst>
-    <dgm:linClrLst meth="repeat">
-      <a:schemeClr val="accent1">
-        <a:tint val="60000"/>
-      </a:schemeClr>
-    </dgm:linClrLst>
-    <dgm:effectClrLst/>
-    <dgm:txLinClrLst/>
-    <dgm:txFillClrLst/>
-    <dgm:txEffectClrLst/>
-  </dgm:styleLbl>
-  <dgm:styleLbl name="sibTrans1D1">
-    <dgm:fillClrLst meth="repeat">
-      <a:schemeClr val="accent1"/>
-    </dgm:fillClrLst>
-    <dgm:linClrLst meth="repeat">
-      <a:schemeClr val="accent1"/>
-    </dgm:linClrLst>
-    <dgm:effectClrLst/>
-    <dgm:txLinClrLst/>
-    <dgm:txFillClrLst meth="repeat">
-      <a:schemeClr val="tx1"/>
-    </dgm:txFillClrLst>
-    <dgm:txEffectClrLst/>
-  </dgm:styleLbl>
-  <dgm:styleLbl name="callout">
-    <dgm:fillClrLst meth="repeat">
-      <a:schemeClr val="accent1"/>
-    </dgm:fillClrLst>
-    <dgm:linClrLst meth="repeat">
-      <a:schemeClr val="accent1">
-        <a:tint val="50000"/>
-      </a:schemeClr>
-    </dgm:linClrLst>
-    <dgm:effectClrLst/>
-    <dgm:txLinClrLst/>
-    <dgm:txFillClrLst meth="repeat">
-      <a:schemeClr val="tx1"/>
-    </dgm:txFillClrLst>
-    <dgm:txEffectClrLst/>
-  </dgm:styleLbl>
-  <dgm:styleLbl name="asst0">
-    <dgm:fillClrLst meth="repeat">
-      <a:schemeClr val="accent1"/>
-    </dgm:fillClrLst>
-    <dgm:linClrLst meth="repeat">
-      <a:schemeClr val="lt1"/>
-    </dgm:linClrLst>
-    <dgm:effectClrLst/>
-    <dgm:txLinClrLst/>
-    <dgm:txFillClrLst/>
-    <dgm:txEffectClrLst/>
-  </dgm:styleLbl>
-  <dgm:styleLbl name="asst1">
-    <dgm:fillClrLst meth="repeat">
-      <a:schemeClr val="accent1"/>
-    </dgm:fillClrLst>
-    <dgm:linClrLst meth="repeat">
-      <a:schemeClr val="lt1"/>
-    </dgm:linClrLst>
-    <dgm:effectClrLst/>
-    <dgm:txLinClrLst/>
-    <dgm:txFillClrLst/>
-    <dgm:txEffectClrLst/>
-  </dgm:styleLbl>
-  <dgm:styleLbl name="asst2">
-    <dgm:fillClrLst meth="repeat">
-      <a:schemeClr val="accent1"/>
-    </dgm:fillClrLst>
-    <dgm:linClrLst meth="repeat">
-      <a:schemeClr val="lt1"/>
-    </dgm:linClrLst>
-    <dgm:effectClrLst/>
-    <dgm:txLinClrLst/>
-    <dgm:txFillClrLst/>
-    <dgm:txEffectClrLst/>
-  </dgm:styleLbl>
-  <dgm:styleLbl name="asst3">
-    <dgm:fillClrLst meth="repeat">
-      <a:schemeClr val="accent1"/>
-    </dgm:fillClrLst>
-    <dgm:linClrLst meth="repeat">
-      <a:schemeClr val="lt1"/>
-    </dgm:linClrLst>
-    <dgm:effectClrLst/>
-    <dgm:txLinClrLst/>
-    <dgm:txFillClrLst/>
-    <dgm:txEffectClrLst/>
-  </dgm:styleLbl>
-  <dgm:styleLbl name="asst4">
-    <dgm:fillClrLst meth="repeat">
-      <a:schemeClr val="accent1"/>
-    </dgm:fillClrLst>
-    <dgm:linClrLst meth="repeat">
-      <a:schemeClr val="lt1"/>
-    </dgm:linClrLst>
-    <dgm:effectClrLst/>
-    <dgm:txLinClrLst/>
-    <dgm:txFillClrLst/>
-    <dgm:txEffectClrLst/>
-  </dgm:styleLbl>
-  <dgm:styleLbl name="parChTrans2D1">
-    <dgm:fillClrLst meth="repeat">
-      <a:schemeClr val="accent1">
-        <a:tint val="60000"/>
-      </a:schemeClr>
-    </dgm:fillClrLst>
-    <dgm:linClrLst meth="repeat">
-      <a:schemeClr val="accent1">
-        <a:tint val="60000"/>
-      </a:schemeClr>
-    </dgm:linClrLst>
-    <dgm:effectClrLst/>
-    <dgm:txLinClrLst/>
-    <dgm:txFillClrLst meth="repeat">
-      <a:schemeClr val="lt1"/>
-    </dgm:txFillClrLst>
-    <dgm:txEffectClrLst/>
-  </dgm:styleLbl>
-  <dgm:styleLbl name="parChTrans2D2">
-    <dgm:fillClrLst meth="repeat">
-      <a:schemeClr val="accent1"/>
-    </dgm:fillClrLst>
-    <dgm:linClrLst meth="repeat">
-      <a:schemeClr val="accent1"/>
-    </dgm:linClrLst>
-    <dgm:effectClrLst/>
-    <dgm:txLinClrLst/>
-    <dgm:txFillClrLst meth="repeat">
-      <a:schemeClr val="lt1"/>
-    </dgm:txFillClrLst>
-    <dgm:txEffectClrLst/>
-  </dgm:styleLbl>
-  <dgm:styleLbl name="parChTrans2D3">
-    <dgm:fillClrLst meth="repeat">
-      <a:schemeClr val="accent1"/>
-    </dgm:fillClrLst>
-    <dgm:linClrLst meth="repeat">
-      <a:schemeClr val="accent1"/>
-    </dgm:linClrLst>
-    <dgm:effectClrLst/>
-    <dgm:txLinClrLst/>
-    <dgm:txFillClrLst meth="repeat">
-      <a:schemeClr val="lt1"/>
-    </dgm:txFillClrLst>
-    <dgm:txEffectClrLst/>
-  </dgm:styleLbl>
-  <dgm:styleLbl name="parChTrans2D4">
-    <dgm:fillClrLst meth="repeat">
-      <a:schemeClr val="accent1"/>
-    </dgm:fillClrLst>
-    <dgm:linClrLst meth="repeat">
-      <a:schemeClr val="accent1"/>
-    </dgm:linClrLst>
-    <dgm:effectClrLst/>
-    <dgm:txLinClrLst/>
-    <dgm:txFillClrLst meth="repeat">
-      <a:schemeClr val="lt1"/>
-    </dgm:txFillClrLst>
-    <dgm:txEffectClrLst/>
-  </dgm:styleLbl>
-  <dgm:styleLbl name="parChTrans1D1">
-    <dgm:fillClrLst meth="repeat">
-      <a:schemeClr val="accent1"/>
-    </dgm:fillClrLst>
-    <dgm:linClrLst meth="repeat">
-      <a:schemeClr val="accent1">
-        <a:shade val="60000"/>
-      </a:schemeClr>
-    </dgm:linClrLst>
-    <dgm:effectClrLst/>
-    <dgm:txLinClrLst/>
-    <dgm:txFillClrLst meth="repeat">
-      <a:schemeClr val="tx1"/>
-    </dgm:txFillClrLst>
-    <dgm:txEffectClrLst/>
-  </dgm:styleLbl>
-  <dgm:styleLbl name="parChTrans1D2">
-    <dgm:fillClrLst meth="repeat">
-      <a:schemeClr val="accent1"/>
-    </dgm:fillClrLst>
-    <dgm:linClrLst meth="repeat">
-      <a:schemeClr val="accent1">
-        <a:shade val="60000"/>
-      </a:schemeClr>
-    </dgm:linClrLst>
-    <dgm:effectClrLst/>
-    <dgm:txLinClrLst/>
-    <dgm:txFillClrLst meth="repeat">
-      <a:schemeClr val="tx1"/>
-    </dgm:txFillClrLst>
-    <dgm:txEffectClrLst/>
-  </dgm:styleLbl>
-  <dgm:styleLbl name="parChTrans1D3">
-    <dgm:fillClrLst meth="repeat">
-      <a:schemeClr val="accent1"/>
-    </dgm:fillClrLst>
-    <dgm:linClrLst meth="repeat">
-      <a:schemeClr val="accent1">
-        <a:shade val="80000"/>
-      </a:schemeClr>
-    </dgm:linClrLst>
-    <dgm:effectClrLst/>
-    <dgm:txLinClrLst/>
-    <dgm:txFillClrLst meth="repeat">
-      <a:schemeClr val="tx1"/>
-    </dgm:txFillClrLst>
-    <dgm:txEffectClrLst/>
-  </dgm:styleLbl>
-  <dgm:styleLbl name="parChTrans1D4">
-    <dgm:fillClrLst meth="repeat">
-      <a:schemeClr val="accent1"/>
-    </dgm:fillClrLst>
-    <dgm:linClrLst meth="repeat">
-      <a:schemeClr val="accent1">
-        <a:shade val="80000"/>
-      </a:schemeClr>
-    </dgm:linClrLst>
-    <dgm:effectClrLst/>
-    <dgm:txLinClrLst/>
-    <dgm:txFillClrLst meth="repeat">
-      <a:schemeClr val="tx1"/>
-    </dgm:txFillClrLst>
-    <dgm:txEffectClrLst/>
-  </dgm:styleLbl>
-  <dgm:styleLbl name="fgAcc1">
-    <dgm:fillClrLst meth="repeat">
-      <a:schemeClr val="lt1">
-        <a:alpha val="90000"/>
-      </a:schemeClr>
-    </dgm:fillClrLst>
-    <dgm:linClrLst meth="repeat">
-      <a:schemeClr val="accent1"/>
-    </dgm:linClrLst>
-    <dgm:effectClrLst/>
-    <dgm:txLinClrLst/>
-    <dgm:txFillClrLst meth="repeat">
-      <a:schemeClr val="dk1"/>
-    </dgm:txFillClrLst>
-    <dgm:txEffectClrLst/>
-  </dgm:styleLbl>
-  <dgm:styleLbl name="conFgAcc1">
-    <dgm:fillClrLst meth="repeat">
-      <a:schemeClr val="lt1">
-        <a:alpha val="90000"/>
-      </a:schemeClr>
-    </dgm:fillClrLst>
-    <dgm:linClrLst meth="repeat">
-      <a:schemeClr val="accent1"/>
-    </dgm:linClrLst>
-    <dgm:effectClrLst/>
-    <dgm:txLinClrLst/>
-    <dgm:txFillClrLst meth="repeat">
-      <a:schemeClr val="dk1"/>
-    </dgm:txFillClrLst>
-    <dgm:txEffectClrLst/>
-  </dgm:styleLbl>
-  <dgm:styleLbl name="alignAcc1">
-    <dgm:fillClrLst meth="repeat">
-      <a:schemeClr val="lt1">
-        <a:alpha val="90000"/>
-      </a:schemeClr>
-    </dgm:fillClrLst>
-    <dgm:linClrLst meth="repeat">
-      <a:schemeClr val="accent1"/>
-    </dgm:linClrLst>
-    <dgm:effectClrLst/>
-    <dgm:txLinClrLst/>
-    <dgm:txFillClrLst meth="repeat">
-      <a:schemeClr val="dk1"/>
-    </dgm:txFillClrLst>
-    <dgm:txEffectClrLst/>
-  </dgm:styleLbl>
-  <dgm:styleLbl name="trAlignAcc1">
-    <dgm:fillClrLst meth="repeat">
-      <a:schemeClr val="lt1">
-        <a:alpha val="40000"/>
-      </a:schemeClr>
-    </dgm:fillClrLst>
-    <dgm:linClrLst meth="repeat">
-      <a:schemeClr val="accent1"/>
-    </dgm:linClrLst>
-    <dgm:effectClrLst/>
-    <dgm:txLinClrLst/>
-    <dgm:txFillClrLst meth="repeat">
-      <a:schemeClr val="dk1"/>
-    </dgm:txFillClrLst>
-    <dgm:txEffectClrLst/>
-  </dgm:styleLbl>
-  <dgm:styleLbl name="bgAcc1">
-    <dgm:fillClrLst meth="repeat">
-      <a:schemeClr val="lt1">
-        <a:alpha val="90000"/>
-      </a:schemeClr>
-    </dgm:fillClrLst>
-    <dgm:linClrLst meth="repeat">
-      <a:schemeClr val="accent1"/>
-    </dgm:linClrLst>
-    <dgm:effectClrLst/>
-    <dgm:txLinClrLst/>
-    <dgm:txFillClrLst meth="repeat">
-      <a:schemeClr val="dk1"/>
-    </dgm:txFillClrLst>
-    <dgm:txEffectClrLst/>
-  </dgm:styleLbl>
-  <dgm:styleLbl name="solidFgAcc1">
-    <dgm:fillClrLst meth="repeat">
-      <a:schemeClr val="lt1"/>
-    </dgm:fillClrLst>
-    <dgm:linClrLst meth="repeat">
-      <a:schemeClr val="accent1"/>
-    </dgm:linClrLst>
-    <dgm:effectClrLst/>
-    <dgm:txLinClrLst/>
-    <dgm:txFillClrLst meth="repeat">
-      <a:schemeClr val="dk1"/>
-    </dgm:txFillClrLst>
-    <dgm:txEffectClrLst/>
-  </dgm:styleLbl>
-  <dgm:styleLbl name="solidAlignAcc1">
-    <dgm:fillClrLst meth="repeat">
-      <a:schemeClr val="lt1"/>
-    </dgm:fillClrLst>
-    <dgm:linClrLst meth="repeat">
-      <a:schemeClr val="accent1"/>
-    </dgm:linClrLst>
-    <dgm:effectClrLst/>
-    <dgm:txLinClrLst/>
-    <dgm:txFillClrLst meth="repeat">
-      <a:schemeClr val="dk1"/>
-    </dgm:txFillClrLst>
-    <dgm:txEffectClrLst/>
-  </dgm:styleLbl>
-  <dgm:styleLbl name="solidBgAcc1">
-    <dgm:fillClrLst meth="repeat">
-      <a:schemeClr val="lt1"/>
-    </dgm:fillClrLst>
-    <dgm:linClrLst meth="repeat">
-      <a:schemeClr val="accent1"/>
-    </dgm:linClrLst>
-    <dgm:effectClrLst/>
-    <dgm:txLinClrLst/>
-    <dgm:txFillClrLst meth="repeat">
-      <a:schemeClr val="dk1"/>
-    </dgm:txFillClrLst>
-    <dgm:txEffectClrLst/>
-  </dgm:styleLbl>
-  <dgm:styleLbl name="fgAccFollowNode1">
-    <dgm:fillClrLst meth="repeat">
-      <a:schemeClr val="accent1">
-        <a:alpha val="90000"/>
-        <a:tint val="40000"/>
-      </a:schemeClr>
-    </dgm:fillClrLst>
-    <dgm:linClrLst meth="repeat">
-      <a:schemeClr val="accent1">
-        <a:alpha val="90000"/>
-        <a:tint val="40000"/>
-      </a:schemeClr>
-    </dgm:linClrLst>
-    <dgm:effectClrLst/>
-    <dgm:txLinClrLst/>
-    <dgm:txFillClrLst meth="repeat">
-      <a:schemeClr val="dk1"/>
-    </dgm:txFillClrLst>
-    <dgm:txEffectClrLst/>
-  </dgm:styleLbl>
-  <dgm:styleLbl name="alignAccFollowNode1">
-    <dgm:fillClrLst meth="repeat">
-      <a:schemeClr val="accent1">
-        <a:alpha val="90000"/>
-        <a:tint val="40000"/>
-      </a:schemeClr>
-    </dgm:fillClrLst>
-    <dgm:linClrLst meth="repeat">
-      <a:schemeClr val="accent1">
-        <a:alpha val="90000"/>
-        <a:tint val="40000"/>
-      </a:schemeClr>
-    </dgm:linClrLst>
-    <dgm:effectClrLst/>
-    <dgm:txLinClrLst/>
-    <dgm:txFillClrLst meth="repeat">
-      <a:schemeClr val="dk1"/>
-    </dgm:txFillClrLst>
-    <dgm:txEffectClrLst/>
-  </dgm:styleLbl>
-  <dgm:styleLbl name="bgAccFollowNode1">
-    <dgm:fillClrLst meth="repeat">
-      <a:schemeClr val="accent1">
-        <a:alpha val="90000"/>
-        <a:tint val="40000"/>
-      </a:schemeClr>
-    </dgm:fillClrLst>
-    <dgm:linClrLst meth="repeat">
-      <a:schemeClr val="accent1">
-        <a:alpha val="90000"/>
-        <a:tint val="40000"/>
-      </a:schemeClr>
-    </dgm:linClrLst>
-    <dgm:effectClrLst/>
-    <dgm:txLinClrLst/>
-    <dgm:txFillClrLst meth="repeat">
-      <a:schemeClr val="dk1"/>
-    </dgm:txFillClrLst>
-    <dgm:txEffectClrLst/>
-  </dgm:styleLbl>
-  <dgm:styleLbl name="fgAcc0">
-    <dgm:fillClrLst meth="repeat">
-      <a:schemeClr val="lt1">
-        <a:alpha val="90000"/>
-      </a:schemeClr>
-    </dgm:fillClrLst>
-    <dgm:linClrLst meth="repeat">
-      <a:schemeClr val="accent1"/>
-    </dgm:linClrLst>
-    <dgm:effectClrLst/>
-    <dgm:txLinClrLst/>
-    <dgm:txFillClrLst meth="repeat">
-      <a:schemeClr val="dk1"/>
-    </dgm:txFillClrLst>
-    <dgm:txEffectClrLst/>
-  </dgm:styleLbl>
-  <dgm:styleLbl name="fgAcc2">
-    <dgm:fillClrLst meth="repeat">
-      <a:schemeClr val="lt1">
-        <a:alpha val="90000"/>
-      </a:schemeClr>
-    </dgm:fillClrLst>
-    <dgm:linClrLst meth="repeat">
-      <a:schemeClr val="accent1"/>
-    </dgm:linClrLst>
-    <dgm:effectClrLst/>
-    <dgm:txLinClrLst/>
-    <dgm:txFillClrLst meth="repeat">
-      <a:schemeClr val="dk1"/>
-    </dgm:txFillClrLst>
-    <dgm:txEffectClrLst/>
-  </dgm:styleLbl>
-  <dgm:styleLbl name="fgAcc3">
-    <dgm:fillClrLst meth="repeat">
-      <a:schemeClr val="lt1">
-        <a:alpha val="90000"/>
-      </a:schemeClr>
-    </dgm:fillClrLst>
-    <dgm:linClrLst meth="repeat">
-      <a:schemeClr val="accent1"/>
-    </dgm:linClrLst>
-    <dgm:effectClrLst/>
-    <dgm:txLinClrLst/>
-    <dgm:txFillClrLst meth="repeat">
-      <a:schemeClr val="dk1"/>
-    </dgm:txFillClrLst>
-    <dgm:txEffectClrLst/>
-  </dgm:styleLbl>
-  <dgm:styleLbl name="fgAcc4">
-    <dgm:fillClrLst meth="repeat">
-      <a:schemeClr val="lt1">
-        <a:alpha val="90000"/>
-      </a:schemeClr>
-    </dgm:fillClrLst>
-    <dgm:linClrLst meth="repeat">
-      <a:schemeClr val="accent1"/>
-    </dgm:linClrLst>
-    <dgm:effectClrLst/>
-    <dgm:txLinClrLst/>
-    <dgm:txFillClrLst meth="repeat">
-      <a:schemeClr val="dk1"/>
-    </dgm:txFillClrLst>
-    <dgm:txEffectClrLst/>
-  </dgm:styleLbl>
-  <dgm:styleLbl name="bgShp">
-    <dgm:fillClrLst meth="repeat">
-      <a:schemeClr val="accent1">
-        <a:tint val="40000"/>
-      </a:schemeClr>
-    </dgm:fillClrLst>
-    <dgm:linClrLst meth="repeat">
-      <a:schemeClr val="accent1"/>
-    </dgm:linClrLst>
-    <dgm:effectClrLst/>
-    <dgm:txLinClrLst/>
-    <dgm:txFillClrLst meth="repeat">
-      <a:schemeClr val="dk1"/>
-    </dgm:txFillClrLst>
-    <dgm:txEffectClrLst/>
-  </dgm:styleLbl>
-  <dgm:styleLbl name="dkBgShp">
-    <dgm:fillClrLst meth="repeat">
-      <a:schemeClr val="accent1">
-        <a:shade val="80000"/>
-      </a:schemeClr>
-    </dgm:fillClrLst>
-    <dgm:linClrLst meth="repeat">
-      <a:schemeClr val="accent1"/>
-    </dgm:linClrLst>
-    <dgm:effectClrLst/>
-    <dgm:txLinClrLst/>
-    <dgm:txFillClrLst meth="repeat">
-      <a:schemeClr val="lt1"/>
-    </dgm:txFillClrLst>
-    <dgm:txEffectClrLst/>
-  </dgm:styleLbl>
-  <dgm:styleLbl name="trBgShp">
-    <dgm:fillClrLst meth="repeat">
-      <a:schemeClr val="accent1">
-        <a:tint val="50000"/>
-        <a:alpha val="40000"/>
-      </a:schemeClr>
-    </dgm:fillClrLst>
-    <dgm:linClrLst meth="repeat">
-      <a:schemeClr val="accent1"/>
-    </dgm:linClrLst>
-    <dgm:effectClrLst/>
-    <dgm:txLinClrLst/>
-    <dgm:txFillClrLst meth="repeat">
-      <a:schemeClr val="lt1"/>
-    </dgm:txFillClrLst>
-    <dgm:txEffectClrLst/>
-  </dgm:styleLbl>
-  <dgm:styleLbl name="fgShp">
-    <dgm:fillClrLst meth="repeat">
-      <a:schemeClr val="accent1">
-        <a:tint val="60000"/>
-      </a:schemeClr>
-    </dgm:fillClrLst>
-    <dgm:linClrLst meth="repeat">
-      <a:schemeClr val="lt1"/>
-    </dgm:linClrLst>
-    <dgm:effectClrLst/>
-    <dgm:txLinClrLst/>
-    <dgm:txFillClrLst meth="repeat">
-      <a:schemeClr val="dk1"/>
-    </dgm:txFillClrLst>
-    <dgm:txEffectClrLst/>
-  </dgm:styleLbl>
-  <dgm:styleLbl name="revTx">
-    <dgm:fillClrLst meth="repeat">
-      <a:schemeClr val="lt1">
-        <a:alpha val="0"/>
-      </a:schemeClr>
-    </dgm:fillClrLst>
-    <dgm:linClrLst meth="repeat">
-      <a:schemeClr val="dk1">
-        <a:alpha val="0"/>
-      </a:schemeClr>
-    </dgm:linClrLst>
-    <dgm:effectClrLst/>
-    <dgm:txLinClrLst/>
-    <dgm:txFillClrLst meth="repeat">
-      <a:schemeClr val="tx1"/>
-    </dgm:txFillClrLst>
-    <dgm:txEffectClrLst/>
-  </dgm:styleLbl>
-</dgm:colorsDef>
-</file>
-
-<file path=ppt/diagrams/data1.xml><?xml version="1.0" encoding="utf-8"?>
-<dgm:dataModel xmlns:dgm="http://schemas.openxmlformats.org/drawingml/2006/diagram" xmlns:a="http://schemas.openxmlformats.org/drawingml/2006/main">
-  <dgm:ptLst>
-    <dgm:pt modelId="{05B4E9F2-CEFF-4AC5-98C2-63AFCE82A378}" type="doc">
-      <dgm:prSet loTypeId="urn:microsoft.com/office/officeart/2005/8/layout/radial5" loCatId="cycle" qsTypeId="urn:microsoft.com/office/officeart/2005/8/quickstyle/simple1" qsCatId="simple" csTypeId="urn:microsoft.com/office/officeart/2005/8/colors/accent1_2" csCatId="accent1" phldr="1"/>
-      <dgm:spPr/>
-      <dgm:t>
-        <a:bodyPr/>
-        <a:lstStyle/>
-        <a:p>
-          <a:endParaRPr lang="en-US"/>
-        </a:p>
-      </dgm:t>
-    </dgm:pt>
-    <dgm:pt modelId="{508C9AD2-8A8F-4EA5-8DC3-2D1032B7F9E5}">
-      <dgm:prSet phldrT="[Text]"/>
-      <dgm:spPr/>
-      <dgm:t>
-        <a:bodyPr/>
-        <a:lstStyle/>
-        <a:p>
-          <a:r>
-            <a:rPr lang="en-US" b="1" dirty="0"/>
-            <a:t>Data Science</a:t>
-          </a:r>
-        </a:p>
-      </dgm:t>
-    </dgm:pt>
-    <dgm:pt modelId="{434D8189-7128-433F-B40D-4134A60067A7}" type="parTrans" cxnId="{40AB224A-513D-43E8-B6D3-9CEE28D3CCE9}">
-      <dgm:prSet/>
-      <dgm:spPr/>
-      <dgm:t>
-        <a:bodyPr/>
-        <a:lstStyle/>
-        <a:p>
-          <a:endParaRPr lang="en-US"/>
-        </a:p>
-      </dgm:t>
-    </dgm:pt>
-    <dgm:pt modelId="{2C3B777D-3192-495B-87E1-FEFE86A3757F}" type="sibTrans" cxnId="{40AB224A-513D-43E8-B6D3-9CEE28D3CCE9}">
-      <dgm:prSet/>
-      <dgm:spPr/>
-      <dgm:t>
-        <a:bodyPr/>
-        <a:lstStyle/>
-        <a:p>
-          <a:endParaRPr lang="en-US"/>
-        </a:p>
-      </dgm:t>
-    </dgm:pt>
-    <dgm:pt modelId="{040FEE6C-F09C-4A85-A5F5-046C6ABDFB15}">
-      <dgm:prSet phldrT="[Text]" custT="1"/>
-      <dgm:spPr/>
-      <dgm:t>
-        <a:bodyPr/>
-        <a:lstStyle/>
-        <a:p>
-          <a:r>
-            <a:rPr lang="en-US" sz="700" b="1" dirty="0"/>
-            <a:t>Mathematics</a:t>
-          </a:r>
-        </a:p>
-      </dgm:t>
-    </dgm:pt>
-    <dgm:pt modelId="{FE96DF6B-C096-4CED-A6B5-FEBC2B139384}" type="parTrans" cxnId="{BF1147CF-0A3D-4433-9BA6-7A05ACBD619B}">
-      <dgm:prSet/>
-      <dgm:spPr/>
-      <dgm:t>
-        <a:bodyPr/>
-        <a:lstStyle/>
-        <a:p>
-          <a:endParaRPr lang="en-US"/>
-        </a:p>
-      </dgm:t>
-    </dgm:pt>
-    <dgm:pt modelId="{3E90AED8-9153-40EF-B8EF-C7C7F1E10A94}" type="sibTrans" cxnId="{BF1147CF-0A3D-4433-9BA6-7A05ACBD619B}">
-      <dgm:prSet/>
-      <dgm:spPr/>
-      <dgm:t>
-        <a:bodyPr/>
-        <a:lstStyle/>
-        <a:p>
-          <a:endParaRPr lang="en-US"/>
-        </a:p>
-      </dgm:t>
-    </dgm:pt>
-    <dgm:pt modelId="{5A05D45E-A39A-4B9D-8E8F-31C4D4CC53D7}">
-      <dgm:prSet phldrT="[Text]"/>
-      <dgm:spPr/>
-      <dgm:t>
-        <a:bodyPr/>
-        <a:lstStyle/>
-        <a:p>
-          <a:r>
-            <a:rPr lang="en-US" b="1" dirty="0"/>
-            <a:t>Machine Learning or Deep Learning</a:t>
-          </a:r>
-        </a:p>
-      </dgm:t>
-    </dgm:pt>
-    <dgm:pt modelId="{8C628259-9CD7-4E36-A943-94535379C037}" type="parTrans" cxnId="{051E1834-BCDC-49E5-B3B2-B3C14E0B1718}">
-      <dgm:prSet/>
-      <dgm:spPr/>
-      <dgm:t>
-        <a:bodyPr/>
-        <a:lstStyle/>
-        <a:p>
-          <a:endParaRPr lang="en-US"/>
-        </a:p>
-      </dgm:t>
-    </dgm:pt>
-    <dgm:pt modelId="{DEFA6865-D8F6-43BE-857D-23DC7666E82A}" type="sibTrans" cxnId="{051E1834-BCDC-49E5-B3B2-B3C14E0B1718}">
-      <dgm:prSet/>
-      <dgm:spPr/>
-      <dgm:t>
-        <a:bodyPr/>
-        <a:lstStyle/>
-        <a:p>
-          <a:endParaRPr lang="en-US"/>
-        </a:p>
-      </dgm:t>
-    </dgm:pt>
-    <dgm:pt modelId="{0DCF8327-E396-4F84-B063-8363C975879D}">
-      <dgm:prSet phldrT="[Text]"/>
-      <dgm:spPr/>
-      <dgm:t>
-        <a:bodyPr/>
-        <a:lstStyle/>
-        <a:p>
-          <a:r>
-            <a:rPr lang="en-US" b="1" dirty="0"/>
-            <a:t>Database</a:t>
-          </a:r>
-        </a:p>
-      </dgm:t>
-    </dgm:pt>
-    <dgm:pt modelId="{31DC527D-6116-435D-9242-3F837BAE20F3}" type="parTrans" cxnId="{3CCA72EC-FC68-4986-BAF2-7FDFFA65D919}">
-      <dgm:prSet/>
-      <dgm:spPr/>
-      <dgm:t>
-        <a:bodyPr/>
-        <a:lstStyle/>
-        <a:p>
-          <a:endParaRPr lang="en-US"/>
-        </a:p>
-      </dgm:t>
-    </dgm:pt>
-    <dgm:pt modelId="{28003A20-FF1B-454C-BBF1-730D133BE21B}" type="sibTrans" cxnId="{3CCA72EC-FC68-4986-BAF2-7FDFFA65D919}">
-      <dgm:prSet/>
-      <dgm:spPr/>
-      <dgm:t>
-        <a:bodyPr/>
-        <a:lstStyle/>
-        <a:p>
-          <a:endParaRPr lang="en-US"/>
-        </a:p>
-      </dgm:t>
-    </dgm:pt>
-    <dgm:pt modelId="{63DC2543-EF99-4FA3-A56E-AFCC3FC3AEF3}">
-      <dgm:prSet phldrT="[Text]"/>
-      <dgm:spPr/>
-      <dgm:t>
-        <a:bodyPr/>
-        <a:lstStyle/>
-        <a:p>
-          <a:r>
-            <a:rPr lang="en-US" b="1" dirty="0"/>
-            <a:t>Analytical Knowledge</a:t>
-          </a:r>
-        </a:p>
-      </dgm:t>
-    </dgm:pt>
-    <dgm:pt modelId="{A6574C7F-7847-47B7-9FD6-66EC86B1EF1B}" type="parTrans" cxnId="{C33BBE6A-AAF9-478B-B9B9-E2081FABD35A}">
-      <dgm:prSet/>
-      <dgm:spPr/>
-      <dgm:t>
-        <a:bodyPr/>
-        <a:lstStyle/>
-        <a:p>
-          <a:endParaRPr lang="en-US"/>
-        </a:p>
-      </dgm:t>
-    </dgm:pt>
-    <dgm:pt modelId="{760BD768-7CB5-4CC7-BBC9-C1616B56BA8F}" type="sibTrans" cxnId="{C33BBE6A-AAF9-478B-B9B9-E2081FABD35A}">
-      <dgm:prSet/>
-      <dgm:spPr/>
-      <dgm:t>
-        <a:bodyPr/>
-        <a:lstStyle/>
-        <a:p>
-          <a:endParaRPr lang="en-US"/>
-        </a:p>
-      </dgm:t>
-    </dgm:pt>
-    <dgm:pt modelId="{EE162C6B-3441-49A6-82A6-A57CFB4FACF0}">
-      <dgm:prSet phldrT="[Text]"/>
-      <dgm:spPr/>
-      <dgm:t>
-        <a:bodyPr/>
-        <a:lstStyle/>
-        <a:p>
-          <a:r>
-            <a:rPr lang="en-US" b="1" dirty="0"/>
-            <a:t>Statistics</a:t>
-          </a:r>
-        </a:p>
-      </dgm:t>
-    </dgm:pt>
-    <dgm:pt modelId="{B9431CB7-2F28-4F97-A2EE-1C54CBFD61CA}" type="parTrans" cxnId="{D015A6E9-252F-414B-9E42-71D26109B2A6}">
-      <dgm:prSet/>
-      <dgm:spPr/>
-      <dgm:t>
-        <a:bodyPr/>
-        <a:lstStyle/>
-        <a:p>
-          <a:endParaRPr lang="en-US"/>
-        </a:p>
-      </dgm:t>
-    </dgm:pt>
-    <dgm:pt modelId="{49D0159E-D070-48D8-BD62-1A45E49705F1}" type="sibTrans" cxnId="{D015A6E9-252F-414B-9E42-71D26109B2A6}">
-      <dgm:prSet/>
-      <dgm:spPr/>
-      <dgm:t>
-        <a:bodyPr/>
-        <a:lstStyle/>
-        <a:p>
-          <a:endParaRPr lang="en-US"/>
-        </a:p>
-      </dgm:t>
-    </dgm:pt>
-    <dgm:pt modelId="{F663684B-6D92-49FF-AF03-8F0D17CD2FA0}">
-      <dgm:prSet phldrT="[Text]"/>
-      <dgm:spPr/>
-      <dgm:t>
-        <a:bodyPr/>
-        <a:lstStyle/>
-        <a:p>
-          <a:r>
-            <a:rPr lang="en-US" b="1" dirty="0"/>
-            <a:t>Computer Programming</a:t>
-          </a:r>
-        </a:p>
-      </dgm:t>
-    </dgm:pt>
-    <dgm:pt modelId="{48D48A5F-44E9-4AA1-9703-B1CD6931D1FC}" type="parTrans" cxnId="{4962EADA-8790-4586-B4D5-ADFC4443C8C6}">
-      <dgm:prSet/>
-      <dgm:spPr/>
-      <dgm:t>
-        <a:bodyPr/>
-        <a:lstStyle/>
-        <a:p>
-          <a:endParaRPr lang="en-US"/>
-        </a:p>
-      </dgm:t>
-    </dgm:pt>
-    <dgm:pt modelId="{ADAACA07-A2DA-46F8-99AC-8725A4B46F25}" type="sibTrans" cxnId="{4962EADA-8790-4586-B4D5-ADFC4443C8C6}">
-      <dgm:prSet/>
-      <dgm:spPr/>
-      <dgm:t>
-        <a:bodyPr/>
-        <a:lstStyle/>
-        <a:p>
-          <a:endParaRPr lang="en-US"/>
-        </a:p>
-      </dgm:t>
-    </dgm:pt>
-    <dgm:pt modelId="{970BCA02-49FE-47C0-8567-D6F15B0B417D}">
-      <dgm:prSet phldrT="[Text]"/>
-      <dgm:spPr/>
-      <dgm:t>
-        <a:bodyPr/>
-        <a:lstStyle/>
-        <a:p>
-          <a:r>
-            <a:rPr lang="en-US" b="1" dirty="0"/>
-            <a:t>Artificial Intelligence</a:t>
-          </a:r>
-        </a:p>
-      </dgm:t>
-    </dgm:pt>
-    <dgm:pt modelId="{4B6C0C8C-1A33-405F-9AC1-304F76F103D1}" type="parTrans" cxnId="{E5A98759-BEE3-42B0-9A95-A31B367F4433}">
-      <dgm:prSet/>
-      <dgm:spPr/>
-      <dgm:t>
-        <a:bodyPr/>
-        <a:lstStyle/>
-        <a:p>
-          <a:endParaRPr lang="en-US"/>
-        </a:p>
-      </dgm:t>
-    </dgm:pt>
-    <dgm:pt modelId="{8AF3DC52-34BD-4468-932C-6402E75DD94A}" type="sibTrans" cxnId="{E5A98759-BEE3-42B0-9A95-A31B367F4433}">
-      <dgm:prSet/>
-      <dgm:spPr/>
-      <dgm:t>
-        <a:bodyPr/>
-        <a:lstStyle/>
-        <a:p>
-          <a:endParaRPr lang="en-US"/>
-        </a:p>
-      </dgm:t>
-    </dgm:pt>
-    <dgm:pt modelId="{17A9ECF5-4B31-4447-AD5F-221ED7B7EEC5}" type="pres">
-      <dgm:prSet presAssocID="{05B4E9F2-CEFF-4AC5-98C2-63AFCE82A378}" presName="Name0" presStyleCnt="0">
-        <dgm:presLayoutVars>
-          <dgm:chMax val="1"/>
-          <dgm:dir/>
-          <dgm:animLvl val="ctr"/>
-          <dgm:resizeHandles val="exact"/>
-        </dgm:presLayoutVars>
-      </dgm:prSet>
-      <dgm:spPr/>
-    </dgm:pt>
-    <dgm:pt modelId="{3BA58972-1862-4FA4-853E-8E4BD3E39BB5}" type="pres">
-      <dgm:prSet presAssocID="{508C9AD2-8A8F-4EA5-8DC3-2D1032B7F9E5}" presName="centerShape" presStyleLbl="node0" presStyleIdx="0" presStyleCnt="1"/>
-      <dgm:spPr/>
-    </dgm:pt>
-    <dgm:pt modelId="{FBE26981-8A4A-46DA-8024-1E4E26112FE3}" type="pres">
-      <dgm:prSet presAssocID="{FE96DF6B-C096-4CED-A6B5-FEBC2B139384}" presName="parTrans" presStyleLbl="sibTrans2D1" presStyleIdx="0" presStyleCnt="7"/>
-      <dgm:spPr/>
-    </dgm:pt>
-    <dgm:pt modelId="{670B612A-6E73-4C10-B5A8-8685167463B1}" type="pres">
-      <dgm:prSet presAssocID="{FE96DF6B-C096-4CED-A6B5-FEBC2B139384}" presName="connectorText" presStyleLbl="sibTrans2D1" presStyleIdx="0" presStyleCnt="7"/>
-      <dgm:spPr/>
-    </dgm:pt>
-    <dgm:pt modelId="{02125F70-E2D0-4122-B8BD-26B795C90DD2}" type="pres">
-      <dgm:prSet presAssocID="{040FEE6C-F09C-4A85-A5F5-046C6ABDFB15}" presName="node" presStyleLbl="node1" presStyleIdx="0" presStyleCnt="7">
-        <dgm:presLayoutVars>
-          <dgm:bulletEnabled val="1"/>
-        </dgm:presLayoutVars>
-      </dgm:prSet>
-      <dgm:spPr/>
-    </dgm:pt>
-    <dgm:pt modelId="{85A9FCE1-D4BD-4889-9AC9-8B4DAF1FFA24}" type="pres">
-      <dgm:prSet presAssocID="{B9431CB7-2F28-4F97-A2EE-1C54CBFD61CA}" presName="parTrans" presStyleLbl="sibTrans2D1" presStyleIdx="1" presStyleCnt="7"/>
-      <dgm:spPr/>
-    </dgm:pt>
-    <dgm:pt modelId="{1856AC43-0514-4139-9398-8626D7F753A6}" type="pres">
-      <dgm:prSet presAssocID="{B9431CB7-2F28-4F97-A2EE-1C54CBFD61CA}" presName="connectorText" presStyleLbl="sibTrans2D1" presStyleIdx="1" presStyleCnt="7"/>
-      <dgm:spPr/>
-    </dgm:pt>
-    <dgm:pt modelId="{820DD19B-2DE1-4AF9-8206-A595BF5E6231}" type="pres">
-      <dgm:prSet presAssocID="{EE162C6B-3441-49A6-82A6-A57CFB4FACF0}" presName="node" presStyleLbl="node1" presStyleIdx="1" presStyleCnt="7">
-        <dgm:presLayoutVars>
-          <dgm:bulletEnabled val="1"/>
-        </dgm:presLayoutVars>
-      </dgm:prSet>
-      <dgm:spPr/>
-    </dgm:pt>
-    <dgm:pt modelId="{FC0C3E2B-125A-40CE-AF4D-AB2052CD6C42}" type="pres">
-      <dgm:prSet presAssocID="{48D48A5F-44E9-4AA1-9703-B1CD6931D1FC}" presName="parTrans" presStyleLbl="sibTrans2D1" presStyleIdx="2" presStyleCnt="7"/>
-      <dgm:spPr/>
-    </dgm:pt>
-    <dgm:pt modelId="{7491F41F-2242-4AEB-8AA7-B964D3E67DF2}" type="pres">
-      <dgm:prSet presAssocID="{48D48A5F-44E9-4AA1-9703-B1CD6931D1FC}" presName="connectorText" presStyleLbl="sibTrans2D1" presStyleIdx="2" presStyleCnt="7"/>
-      <dgm:spPr/>
-    </dgm:pt>
-    <dgm:pt modelId="{93DBC43F-0339-4296-A812-B4B74D082911}" type="pres">
-      <dgm:prSet presAssocID="{F663684B-6D92-49FF-AF03-8F0D17CD2FA0}" presName="node" presStyleLbl="node1" presStyleIdx="2" presStyleCnt="7">
-        <dgm:presLayoutVars>
-          <dgm:bulletEnabled val="1"/>
-        </dgm:presLayoutVars>
-      </dgm:prSet>
-      <dgm:spPr/>
-    </dgm:pt>
-    <dgm:pt modelId="{4B950A2D-408B-4963-A258-22DB4B420A04}" type="pres">
-      <dgm:prSet presAssocID="{4B6C0C8C-1A33-405F-9AC1-304F76F103D1}" presName="parTrans" presStyleLbl="sibTrans2D1" presStyleIdx="3" presStyleCnt="7"/>
-      <dgm:spPr/>
-    </dgm:pt>
-    <dgm:pt modelId="{35797AAB-EA11-45A7-BC3E-9CB84EA7B4EC}" type="pres">
-      <dgm:prSet presAssocID="{4B6C0C8C-1A33-405F-9AC1-304F76F103D1}" presName="connectorText" presStyleLbl="sibTrans2D1" presStyleIdx="3" presStyleCnt="7"/>
-      <dgm:spPr/>
-    </dgm:pt>
-    <dgm:pt modelId="{AD4E627D-927F-446B-A336-E5D50B71C564}" type="pres">
-      <dgm:prSet presAssocID="{970BCA02-49FE-47C0-8567-D6F15B0B417D}" presName="node" presStyleLbl="node1" presStyleIdx="3" presStyleCnt="7">
-        <dgm:presLayoutVars>
-          <dgm:bulletEnabled val="1"/>
-        </dgm:presLayoutVars>
-      </dgm:prSet>
-      <dgm:spPr/>
-    </dgm:pt>
-    <dgm:pt modelId="{D34B8BC4-9BE2-4EA9-BDD3-3DC8C2F19E3A}" type="pres">
-      <dgm:prSet presAssocID="{8C628259-9CD7-4E36-A943-94535379C037}" presName="parTrans" presStyleLbl="sibTrans2D1" presStyleIdx="4" presStyleCnt="7"/>
-      <dgm:spPr/>
-    </dgm:pt>
-    <dgm:pt modelId="{66076236-6CBC-4659-BDC3-EFF932F0B9EF}" type="pres">
-      <dgm:prSet presAssocID="{8C628259-9CD7-4E36-A943-94535379C037}" presName="connectorText" presStyleLbl="sibTrans2D1" presStyleIdx="4" presStyleCnt="7"/>
-      <dgm:spPr/>
-    </dgm:pt>
-    <dgm:pt modelId="{E3E493E2-8880-429E-92AD-806F0047E464}" type="pres">
-      <dgm:prSet presAssocID="{5A05D45E-A39A-4B9D-8E8F-31C4D4CC53D7}" presName="node" presStyleLbl="node1" presStyleIdx="4" presStyleCnt="7">
-        <dgm:presLayoutVars>
-          <dgm:bulletEnabled val="1"/>
-        </dgm:presLayoutVars>
-      </dgm:prSet>
-      <dgm:spPr/>
-    </dgm:pt>
-    <dgm:pt modelId="{599142CC-738D-4178-82C9-082B827AE91F}" type="pres">
-      <dgm:prSet presAssocID="{31DC527D-6116-435D-9242-3F837BAE20F3}" presName="parTrans" presStyleLbl="sibTrans2D1" presStyleIdx="5" presStyleCnt="7"/>
-      <dgm:spPr/>
-    </dgm:pt>
-    <dgm:pt modelId="{D4BFBCAF-1552-4D4A-8AC8-564D69DBA257}" type="pres">
-      <dgm:prSet presAssocID="{31DC527D-6116-435D-9242-3F837BAE20F3}" presName="connectorText" presStyleLbl="sibTrans2D1" presStyleIdx="5" presStyleCnt="7"/>
-      <dgm:spPr/>
-    </dgm:pt>
-    <dgm:pt modelId="{32F2813E-492F-41FF-9F9D-AADB3746368E}" type="pres">
-      <dgm:prSet presAssocID="{0DCF8327-E396-4F84-B063-8363C975879D}" presName="node" presStyleLbl="node1" presStyleIdx="5" presStyleCnt="7">
-        <dgm:presLayoutVars>
-          <dgm:bulletEnabled val="1"/>
-        </dgm:presLayoutVars>
-      </dgm:prSet>
-      <dgm:spPr/>
-    </dgm:pt>
-    <dgm:pt modelId="{5D66CAB7-FEDC-4B8B-94CA-3C36B7EA9DCF}" type="pres">
-      <dgm:prSet presAssocID="{A6574C7F-7847-47B7-9FD6-66EC86B1EF1B}" presName="parTrans" presStyleLbl="sibTrans2D1" presStyleIdx="6" presStyleCnt="7"/>
-      <dgm:spPr/>
-    </dgm:pt>
-    <dgm:pt modelId="{04279EDF-69AC-498A-BC21-C71BF3459B1C}" type="pres">
-      <dgm:prSet presAssocID="{A6574C7F-7847-47B7-9FD6-66EC86B1EF1B}" presName="connectorText" presStyleLbl="sibTrans2D1" presStyleIdx="6" presStyleCnt="7"/>
-      <dgm:spPr/>
-    </dgm:pt>
-    <dgm:pt modelId="{7C51C6C7-B746-48C5-9E8B-64AEE0645CD5}" type="pres">
-      <dgm:prSet presAssocID="{63DC2543-EF99-4FA3-A56E-AFCC3FC3AEF3}" presName="node" presStyleLbl="node1" presStyleIdx="6" presStyleCnt="7">
-        <dgm:presLayoutVars>
-          <dgm:bulletEnabled val="1"/>
-        </dgm:presLayoutVars>
-      </dgm:prSet>
-      <dgm:spPr/>
-    </dgm:pt>
-  </dgm:ptLst>
-  <dgm:cxnLst>
-    <dgm:cxn modelId="{25071903-2CCE-45F8-89A3-66580990FFCF}" type="presOf" srcId="{A6574C7F-7847-47B7-9FD6-66EC86B1EF1B}" destId="{5D66CAB7-FEDC-4B8B-94CA-3C36B7EA9DCF}" srcOrd="0" destOrd="0" presId="urn:microsoft.com/office/officeart/2005/8/layout/radial5"/>
-    <dgm:cxn modelId="{0EBC2312-8866-41A4-BA92-694EDE0C20A3}" type="presOf" srcId="{0DCF8327-E396-4F84-B063-8363C975879D}" destId="{32F2813E-492F-41FF-9F9D-AADB3746368E}" srcOrd="0" destOrd="0" presId="urn:microsoft.com/office/officeart/2005/8/layout/radial5"/>
-    <dgm:cxn modelId="{25D0C019-E7BA-4F56-9BD9-7D1FF089D814}" type="presOf" srcId="{4B6C0C8C-1A33-405F-9AC1-304F76F103D1}" destId="{35797AAB-EA11-45A7-BC3E-9CB84EA7B4EC}" srcOrd="1" destOrd="0" presId="urn:microsoft.com/office/officeart/2005/8/layout/radial5"/>
-    <dgm:cxn modelId="{6611DF1C-A58D-432C-AD69-9BF0B7A423CD}" type="presOf" srcId="{4B6C0C8C-1A33-405F-9AC1-304F76F103D1}" destId="{4B950A2D-408B-4963-A258-22DB4B420A04}" srcOrd="0" destOrd="0" presId="urn:microsoft.com/office/officeart/2005/8/layout/radial5"/>
-    <dgm:cxn modelId="{E5F80829-E05B-419D-953D-5A39B5B32C32}" type="presOf" srcId="{508C9AD2-8A8F-4EA5-8DC3-2D1032B7F9E5}" destId="{3BA58972-1862-4FA4-853E-8E4BD3E39BB5}" srcOrd="0" destOrd="0" presId="urn:microsoft.com/office/officeart/2005/8/layout/radial5"/>
-    <dgm:cxn modelId="{E4BD4230-63AB-418D-979E-B70AF6C6C427}" type="presOf" srcId="{B9431CB7-2F28-4F97-A2EE-1C54CBFD61CA}" destId="{1856AC43-0514-4139-9398-8626D7F753A6}" srcOrd="1" destOrd="0" presId="urn:microsoft.com/office/officeart/2005/8/layout/radial5"/>
-    <dgm:cxn modelId="{051E1834-BCDC-49E5-B3B2-B3C14E0B1718}" srcId="{508C9AD2-8A8F-4EA5-8DC3-2D1032B7F9E5}" destId="{5A05D45E-A39A-4B9D-8E8F-31C4D4CC53D7}" srcOrd="4" destOrd="0" parTransId="{8C628259-9CD7-4E36-A943-94535379C037}" sibTransId="{DEFA6865-D8F6-43BE-857D-23DC7666E82A}"/>
-    <dgm:cxn modelId="{38995840-64E8-4A7E-9160-1783EFF9C87A}" type="presOf" srcId="{040FEE6C-F09C-4A85-A5F5-046C6ABDFB15}" destId="{02125F70-E2D0-4122-B8BD-26B795C90DD2}" srcOrd="0" destOrd="0" presId="urn:microsoft.com/office/officeart/2005/8/layout/radial5"/>
-    <dgm:cxn modelId="{256A0A49-4904-4574-8D27-AA5FA659A637}" type="presOf" srcId="{EE162C6B-3441-49A6-82A6-A57CFB4FACF0}" destId="{820DD19B-2DE1-4AF9-8206-A595BF5E6231}" srcOrd="0" destOrd="0" presId="urn:microsoft.com/office/officeart/2005/8/layout/radial5"/>
-    <dgm:cxn modelId="{40AB224A-513D-43E8-B6D3-9CEE28D3CCE9}" srcId="{05B4E9F2-CEFF-4AC5-98C2-63AFCE82A378}" destId="{508C9AD2-8A8F-4EA5-8DC3-2D1032B7F9E5}" srcOrd="0" destOrd="0" parTransId="{434D8189-7128-433F-B40D-4134A60067A7}" sibTransId="{2C3B777D-3192-495B-87E1-FEFE86A3757F}"/>
-    <dgm:cxn modelId="{C33BBE6A-AAF9-478B-B9B9-E2081FABD35A}" srcId="{508C9AD2-8A8F-4EA5-8DC3-2D1032B7F9E5}" destId="{63DC2543-EF99-4FA3-A56E-AFCC3FC3AEF3}" srcOrd="6" destOrd="0" parTransId="{A6574C7F-7847-47B7-9FD6-66EC86B1EF1B}" sibTransId="{760BD768-7CB5-4CC7-BBC9-C1616B56BA8F}"/>
-    <dgm:cxn modelId="{C067D953-A1A6-49EE-801C-6F650AA4E68F}" type="presOf" srcId="{48D48A5F-44E9-4AA1-9703-B1CD6931D1FC}" destId="{7491F41F-2242-4AEB-8AA7-B964D3E67DF2}" srcOrd="1" destOrd="0" presId="urn:microsoft.com/office/officeart/2005/8/layout/radial5"/>
-    <dgm:cxn modelId="{E5A98759-BEE3-42B0-9A95-A31B367F4433}" srcId="{508C9AD2-8A8F-4EA5-8DC3-2D1032B7F9E5}" destId="{970BCA02-49FE-47C0-8567-D6F15B0B417D}" srcOrd="3" destOrd="0" parTransId="{4B6C0C8C-1A33-405F-9AC1-304F76F103D1}" sibTransId="{8AF3DC52-34BD-4468-932C-6402E75DD94A}"/>
-    <dgm:cxn modelId="{729E735A-A375-42E8-8E3E-13EC2FAB6CA9}" type="presOf" srcId="{FE96DF6B-C096-4CED-A6B5-FEBC2B139384}" destId="{FBE26981-8A4A-46DA-8024-1E4E26112FE3}" srcOrd="0" destOrd="0" presId="urn:microsoft.com/office/officeart/2005/8/layout/radial5"/>
-    <dgm:cxn modelId="{8BA40280-A1CE-42F0-9292-32AE537CDCA3}" type="presOf" srcId="{B9431CB7-2F28-4F97-A2EE-1C54CBFD61CA}" destId="{85A9FCE1-D4BD-4889-9AC9-8B4DAF1FFA24}" srcOrd="0" destOrd="0" presId="urn:microsoft.com/office/officeart/2005/8/layout/radial5"/>
-    <dgm:cxn modelId="{E84064AE-0C5D-4FD9-83D0-E52B53DBA8AC}" type="presOf" srcId="{FE96DF6B-C096-4CED-A6B5-FEBC2B139384}" destId="{670B612A-6E73-4C10-B5A8-8685167463B1}" srcOrd="1" destOrd="0" presId="urn:microsoft.com/office/officeart/2005/8/layout/radial5"/>
-    <dgm:cxn modelId="{03C3CCB5-D62F-492C-90C6-871503E5D50A}" type="presOf" srcId="{5A05D45E-A39A-4B9D-8E8F-31C4D4CC53D7}" destId="{E3E493E2-8880-429E-92AD-806F0047E464}" srcOrd="0" destOrd="0" presId="urn:microsoft.com/office/officeart/2005/8/layout/radial5"/>
-    <dgm:cxn modelId="{ED106FCD-54D4-46A8-A128-D5BD45D652EE}" type="presOf" srcId="{F663684B-6D92-49FF-AF03-8F0D17CD2FA0}" destId="{93DBC43F-0339-4296-A812-B4B74D082911}" srcOrd="0" destOrd="0" presId="urn:microsoft.com/office/officeart/2005/8/layout/radial5"/>
-    <dgm:cxn modelId="{BF1147CF-0A3D-4433-9BA6-7A05ACBD619B}" srcId="{508C9AD2-8A8F-4EA5-8DC3-2D1032B7F9E5}" destId="{040FEE6C-F09C-4A85-A5F5-046C6ABDFB15}" srcOrd="0" destOrd="0" parTransId="{FE96DF6B-C096-4CED-A6B5-FEBC2B139384}" sibTransId="{3E90AED8-9153-40EF-B8EF-C7C7F1E10A94}"/>
-    <dgm:cxn modelId="{806C5FD5-A67E-4666-91F2-0E970253D2B5}" type="presOf" srcId="{48D48A5F-44E9-4AA1-9703-B1CD6931D1FC}" destId="{FC0C3E2B-125A-40CE-AF4D-AB2052CD6C42}" srcOrd="0" destOrd="0" presId="urn:microsoft.com/office/officeart/2005/8/layout/radial5"/>
-    <dgm:cxn modelId="{DAD8B5D8-12FC-421F-8BF1-A0D9A5411134}" type="presOf" srcId="{A6574C7F-7847-47B7-9FD6-66EC86B1EF1B}" destId="{04279EDF-69AC-498A-BC21-C71BF3459B1C}" srcOrd="1" destOrd="0" presId="urn:microsoft.com/office/officeart/2005/8/layout/radial5"/>
-    <dgm:cxn modelId="{4962EADA-8790-4586-B4D5-ADFC4443C8C6}" srcId="{508C9AD2-8A8F-4EA5-8DC3-2D1032B7F9E5}" destId="{F663684B-6D92-49FF-AF03-8F0D17CD2FA0}" srcOrd="2" destOrd="0" parTransId="{48D48A5F-44E9-4AA1-9703-B1CD6931D1FC}" sibTransId="{ADAACA07-A2DA-46F8-99AC-8725A4B46F25}"/>
-    <dgm:cxn modelId="{396DC4DF-958A-4598-915C-7F4D69BFB165}" type="presOf" srcId="{31DC527D-6116-435D-9242-3F837BAE20F3}" destId="{D4BFBCAF-1552-4D4A-8AC8-564D69DBA257}" srcOrd="1" destOrd="0" presId="urn:microsoft.com/office/officeart/2005/8/layout/radial5"/>
-    <dgm:cxn modelId="{D015A6E9-252F-414B-9E42-71D26109B2A6}" srcId="{508C9AD2-8A8F-4EA5-8DC3-2D1032B7F9E5}" destId="{EE162C6B-3441-49A6-82A6-A57CFB4FACF0}" srcOrd="1" destOrd="0" parTransId="{B9431CB7-2F28-4F97-A2EE-1C54CBFD61CA}" sibTransId="{49D0159E-D070-48D8-BD62-1A45E49705F1}"/>
-    <dgm:cxn modelId="{3CCA72EC-FC68-4986-BAF2-7FDFFA65D919}" srcId="{508C9AD2-8A8F-4EA5-8DC3-2D1032B7F9E5}" destId="{0DCF8327-E396-4F84-B063-8363C975879D}" srcOrd="5" destOrd="0" parTransId="{31DC527D-6116-435D-9242-3F837BAE20F3}" sibTransId="{28003A20-FF1B-454C-BBF1-730D133BE21B}"/>
-    <dgm:cxn modelId="{5DBF5EF0-225F-4BC6-AB21-87171955E5B5}" type="presOf" srcId="{8C628259-9CD7-4E36-A943-94535379C037}" destId="{D34B8BC4-9BE2-4EA9-BDD3-3DC8C2F19E3A}" srcOrd="0" destOrd="0" presId="urn:microsoft.com/office/officeart/2005/8/layout/radial5"/>
-    <dgm:cxn modelId="{144800F1-3CCB-4141-801C-69084455A10A}" type="presOf" srcId="{63DC2543-EF99-4FA3-A56E-AFCC3FC3AEF3}" destId="{7C51C6C7-B746-48C5-9E8B-64AEE0645CD5}" srcOrd="0" destOrd="0" presId="urn:microsoft.com/office/officeart/2005/8/layout/radial5"/>
-    <dgm:cxn modelId="{0F792DF4-0F79-4902-B282-4BA67F350B8C}" type="presOf" srcId="{05B4E9F2-CEFF-4AC5-98C2-63AFCE82A378}" destId="{17A9ECF5-4B31-4447-AD5F-221ED7B7EEC5}" srcOrd="0" destOrd="0" presId="urn:microsoft.com/office/officeart/2005/8/layout/radial5"/>
-    <dgm:cxn modelId="{F474C1F7-2E9D-4C0A-A74E-FCB37279784A}" type="presOf" srcId="{31DC527D-6116-435D-9242-3F837BAE20F3}" destId="{599142CC-738D-4178-82C9-082B827AE91F}" srcOrd="0" destOrd="0" presId="urn:microsoft.com/office/officeart/2005/8/layout/radial5"/>
-    <dgm:cxn modelId="{6044D9FC-C931-4239-BC63-724B3B7C0D8A}" type="presOf" srcId="{8C628259-9CD7-4E36-A943-94535379C037}" destId="{66076236-6CBC-4659-BDC3-EFF932F0B9EF}" srcOrd="1" destOrd="0" presId="urn:microsoft.com/office/officeart/2005/8/layout/radial5"/>
-    <dgm:cxn modelId="{71BD02FD-9DEE-4481-B25C-5415EF761D56}" type="presOf" srcId="{970BCA02-49FE-47C0-8567-D6F15B0B417D}" destId="{AD4E627D-927F-446B-A336-E5D50B71C564}" srcOrd="0" destOrd="0" presId="urn:microsoft.com/office/officeart/2005/8/layout/radial5"/>
-    <dgm:cxn modelId="{E2FEE541-FEBE-4F1B-ACE0-FAF9C4CBAB31}" type="presParOf" srcId="{17A9ECF5-4B31-4447-AD5F-221ED7B7EEC5}" destId="{3BA58972-1862-4FA4-853E-8E4BD3E39BB5}" srcOrd="0" destOrd="0" presId="urn:microsoft.com/office/officeart/2005/8/layout/radial5"/>
-    <dgm:cxn modelId="{6436FCF0-1FFB-4AFB-9FCE-378D39C6AA96}" type="presParOf" srcId="{17A9ECF5-4B31-4447-AD5F-221ED7B7EEC5}" destId="{FBE26981-8A4A-46DA-8024-1E4E26112FE3}" srcOrd="1" destOrd="0" presId="urn:microsoft.com/office/officeart/2005/8/layout/radial5"/>
-    <dgm:cxn modelId="{D0DE68CB-2907-4E7B-AA34-D05F5123E4A7}" type="presParOf" srcId="{FBE26981-8A4A-46DA-8024-1E4E26112FE3}" destId="{670B612A-6E73-4C10-B5A8-8685167463B1}" srcOrd="0" destOrd="0" presId="urn:microsoft.com/office/officeart/2005/8/layout/radial5"/>
-    <dgm:cxn modelId="{25990782-BFCB-410D-A22C-502D947025D0}" type="presParOf" srcId="{17A9ECF5-4B31-4447-AD5F-221ED7B7EEC5}" destId="{02125F70-E2D0-4122-B8BD-26B795C90DD2}" srcOrd="2" destOrd="0" presId="urn:microsoft.com/office/officeart/2005/8/layout/radial5"/>
-    <dgm:cxn modelId="{18552728-C24D-4361-9A3F-1B5D5F5B6D67}" type="presParOf" srcId="{17A9ECF5-4B31-4447-AD5F-221ED7B7EEC5}" destId="{85A9FCE1-D4BD-4889-9AC9-8B4DAF1FFA24}" srcOrd="3" destOrd="0" presId="urn:microsoft.com/office/officeart/2005/8/layout/radial5"/>
-    <dgm:cxn modelId="{B089DB24-0437-4577-BED0-C2E8BF636989}" type="presParOf" srcId="{85A9FCE1-D4BD-4889-9AC9-8B4DAF1FFA24}" destId="{1856AC43-0514-4139-9398-8626D7F753A6}" srcOrd="0" destOrd="0" presId="urn:microsoft.com/office/officeart/2005/8/layout/radial5"/>
-    <dgm:cxn modelId="{B9313A97-E9C4-49A7-9F02-7D598E075714}" type="presParOf" srcId="{17A9ECF5-4B31-4447-AD5F-221ED7B7EEC5}" destId="{820DD19B-2DE1-4AF9-8206-A595BF5E6231}" srcOrd="4" destOrd="0" presId="urn:microsoft.com/office/officeart/2005/8/layout/radial5"/>
-    <dgm:cxn modelId="{7C1E4CA8-9E36-470C-B212-A20F363BE59F}" type="presParOf" srcId="{17A9ECF5-4B31-4447-AD5F-221ED7B7EEC5}" destId="{FC0C3E2B-125A-40CE-AF4D-AB2052CD6C42}" srcOrd="5" destOrd="0" presId="urn:microsoft.com/office/officeart/2005/8/layout/radial5"/>
-    <dgm:cxn modelId="{D1C6DB92-5DD4-4F87-94FA-8FDD4DDCE719}" type="presParOf" srcId="{FC0C3E2B-125A-40CE-AF4D-AB2052CD6C42}" destId="{7491F41F-2242-4AEB-8AA7-B964D3E67DF2}" srcOrd="0" destOrd="0" presId="urn:microsoft.com/office/officeart/2005/8/layout/radial5"/>
-    <dgm:cxn modelId="{924AAEED-5F7F-41C4-B134-264C76E26B6F}" type="presParOf" srcId="{17A9ECF5-4B31-4447-AD5F-221ED7B7EEC5}" destId="{93DBC43F-0339-4296-A812-B4B74D082911}" srcOrd="6" destOrd="0" presId="urn:microsoft.com/office/officeart/2005/8/layout/radial5"/>
-    <dgm:cxn modelId="{C71E92AC-631A-46F3-90EC-FCF99D8C7DEA}" type="presParOf" srcId="{17A9ECF5-4B31-4447-AD5F-221ED7B7EEC5}" destId="{4B950A2D-408B-4963-A258-22DB4B420A04}" srcOrd="7" destOrd="0" presId="urn:microsoft.com/office/officeart/2005/8/layout/radial5"/>
-    <dgm:cxn modelId="{C3E9796A-A94A-4EF8-A183-4818D6E8AFF0}" type="presParOf" srcId="{4B950A2D-408B-4963-A258-22DB4B420A04}" destId="{35797AAB-EA11-45A7-BC3E-9CB84EA7B4EC}" srcOrd="0" destOrd="0" presId="urn:microsoft.com/office/officeart/2005/8/layout/radial5"/>
-    <dgm:cxn modelId="{4AA988CD-81A4-450E-B2A5-4FB43DAFA5A6}" type="presParOf" srcId="{17A9ECF5-4B31-4447-AD5F-221ED7B7EEC5}" destId="{AD4E627D-927F-446B-A336-E5D50B71C564}" srcOrd="8" destOrd="0" presId="urn:microsoft.com/office/officeart/2005/8/layout/radial5"/>
-    <dgm:cxn modelId="{8FFA57B0-B816-4B3E-A495-C75D7335124B}" type="presParOf" srcId="{17A9ECF5-4B31-4447-AD5F-221ED7B7EEC5}" destId="{D34B8BC4-9BE2-4EA9-BDD3-3DC8C2F19E3A}" srcOrd="9" destOrd="0" presId="urn:microsoft.com/office/officeart/2005/8/layout/radial5"/>
-    <dgm:cxn modelId="{66EE8D74-B4AD-4C46-8596-3D3A944B620B}" type="presParOf" srcId="{D34B8BC4-9BE2-4EA9-BDD3-3DC8C2F19E3A}" destId="{66076236-6CBC-4659-BDC3-EFF932F0B9EF}" srcOrd="0" destOrd="0" presId="urn:microsoft.com/office/officeart/2005/8/layout/radial5"/>
-    <dgm:cxn modelId="{3CB84E37-7E6E-4DC8-B4E8-3F9A1F0CC1D2}" type="presParOf" srcId="{17A9ECF5-4B31-4447-AD5F-221ED7B7EEC5}" destId="{E3E493E2-8880-429E-92AD-806F0047E464}" srcOrd="10" destOrd="0" presId="urn:microsoft.com/office/officeart/2005/8/layout/radial5"/>
-    <dgm:cxn modelId="{DAF8788C-6C57-490E-83B8-F5BBC96F87F2}" type="presParOf" srcId="{17A9ECF5-4B31-4447-AD5F-221ED7B7EEC5}" destId="{599142CC-738D-4178-82C9-082B827AE91F}" srcOrd="11" destOrd="0" presId="urn:microsoft.com/office/officeart/2005/8/layout/radial5"/>
-    <dgm:cxn modelId="{0485908B-5C53-43A8-8F91-6F76C50E90B3}" type="presParOf" srcId="{599142CC-738D-4178-82C9-082B827AE91F}" destId="{D4BFBCAF-1552-4D4A-8AC8-564D69DBA257}" srcOrd="0" destOrd="0" presId="urn:microsoft.com/office/officeart/2005/8/layout/radial5"/>
-    <dgm:cxn modelId="{87D6E19E-DD5F-4FB5-921E-B1FD438A60AF}" type="presParOf" srcId="{17A9ECF5-4B31-4447-AD5F-221ED7B7EEC5}" destId="{32F2813E-492F-41FF-9F9D-AADB3746368E}" srcOrd="12" destOrd="0" presId="urn:microsoft.com/office/officeart/2005/8/layout/radial5"/>
-    <dgm:cxn modelId="{BF2EDAC1-10A2-4924-899C-6B69BDBC8619}" type="presParOf" srcId="{17A9ECF5-4B31-4447-AD5F-221ED7B7EEC5}" destId="{5D66CAB7-FEDC-4B8B-94CA-3C36B7EA9DCF}" srcOrd="13" destOrd="0" presId="urn:microsoft.com/office/officeart/2005/8/layout/radial5"/>
-    <dgm:cxn modelId="{02597217-8577-4466-BC76-2B7F548DCEFC}" type="presParOf" srcId="{5D66CAB7-FEDC-4B8B-94CA-3C36B7EA9DCF}" destId="{04279EDF-69AC-498A-BC21-C71BF3459B1C}" srcOrd="0" destOrd="0" presId="urn:microsoft.com/office/officeart/2005/8/layout/radial5"/>
-    <dgm:cxn modelId="{5CF4242F-4489-4184-B364-24DB1DDA8D91}" type="presParOf" srcId="{17A9ECF5-4B31-4447-AD5F-221ED7B7EEC5}" destId="{7C51C6C7-B746-48C5-9E8B-64AEE0645CD5}" srcOrd="14" destOrd="0" presId="urn:microsoft.com/office/officeart/2005/8/layout/radial5"/>
-  </dgm:cxnLst>
-  <dgm:bg/>
-  <dgm:whole/>
-  <dgm:extLst>
-    <a:ext uri="http://schemas.microsoft.com/office/drawing/2008/diagram">
-      <dsp:dataModelExt xmlns:dsp="http://schemas.microsoft.com/office/drawing/2008/diagram" relId="rId6" minVer="http://schemas.openxmlformats.org/drawingml/2006/diagram"/>
-    </a:ext>
-  </dgm:extLst>
-</dgm:dataModel>
 </file>
 
 <file path=ppt/diagrams/drawing1.xml><?xml version="1.0" encoding="utf-8"?>
@@ -2498,1279 +1261,6 @@
 </dsp:drawing>
 </file>
 
-<file path=ppt/diagrams/layout1.xml><?xml version="1.0" encoding="utf-8"?>
-<dgm:layoutDef xmlns:dgm="http://schemas.openxmlformats.org/drawingml/2006/diagram" xmlns:a="http://schemas.openxmlformats.org/drawingml/2006/main" uniqueId="urn:microsoft.com/office/officeart/2005/8/layout/radial5">
-  <dgm:title val=""/>
-  <dgm:desc val=""/>
-  <dgm:catLst>
-    <dgm:cat type="relationship" pri="23000"/>
-    <dgm:cat type="cycle" pri="11000"/>
-  </dgm:catLst>
-  <dgm:sampData>
-    <dgm:dataModel>
-      <dgm:ptLst>
-        <dgm:pt modelId="0" type="doc"/>
-        <dgm:pt modelId="1">
-          <dgm:prSet phldr="1"/>
-        </dgm:pt>
-        <dgm:pt modelId="11">
-          <dgm:prSet phldr="1"/>
-        </dgm:pt>
-        <dgm:pt modelId="12">
-          <dgm:prSet phldr="1"/>
-        </dgm:pt>
-        <dgm:pt modelId="13">
-          <dgm:prSet phldr="1"/>
-        </dgm:pt>
-        <dgm:pt modelId="14">
-          <dgm:prSet phldr="1"/>
-        </dgm:pt>
-      </dgm:ptLst>
-      <dgm:cxnLst>
-        <dgm:cxn modelId="2" srcId="0" destId="1" srcOrd="0" destOrd="0"/>
-        <dgm:cxn modelId="3" srcId="1" destId="11" srcOrd="0" destOrd="0"/>
-        <dgm:cxn modelId="4" srcId="1" destId="12" srcOrd="1" destOrd="0"/>
-        <dgm:cxn modelId="5" srcId="1" destId="13" srcOrd="2" destOrd="0"/>
-        <dgm:cxn modelId="6" srcId="1" destId="14" srcOrd="3" destOrd="0"/>
-      </dgm:cxnLst>
-      <dgm:bg/>
-      <dgm:whole/>
-    </dgm:dataModel>
-  </dgm:sampData>
-  <dgm:styleData>
-    <dgm:dataModel>
-      <dgm:ptLst>
-        <dgm:pt modelId="0" type="doc"/>
-        <dgm:pt modelId="1"/>
-        <dgm:pt modelId="11"/>
-        <dgm:pt modelId="12"/>
-        <dgm:pt modelId="13"/>
-      </dgm:ptLst>
-      <dgm:cxnLst>
-        <dgm:cxn modelId="2" srcId="0" destId="1" srcOrd="0" destOrd="0"/>
-        <dgm:cxn modelId="15" srcId="1" destId="11" srcOrd="0" destOrd="0"/>
-        <dgm:cxn modelId="16" srcId="1" destId="12" srcOrd="1" destOrd="0"/>
-        <dgm:cxn modelId="17" srcId="1" destId="13" srcOrd="2" destOrd="0"/>
-      </dgm:cxnLst>
-      <dgm:bg/>
-      <dgm:whole/>
-    </dgm:dataModel>
-  </dgm:styleData>
-  <dgm:clrData>
-    <dgm:dataModel>
-      <dgm:ptLst>
-        <dgm:pt modelId="0" type="doc"/>
-        <dgm:pt modelId="1"/>
-        <dgm:pt modelId="11"/>
-        <dgm:pt modelId="12"/>
-        <dgm:pt modelId="13"/>
-        <dgm:pt modelId="14"/>
-        <dgm:pt modelId="15"/>
-        <dgm:pt modelId="16"/>
-      </dgm:ptLst>
-      <dgm:cxnLst>
-        <dgm:cxn modelId="2" srcId="0" destId="1" srcOrd="0" destOrd="0"/>
-        <dgm:cxn modelId="16" srcId="1" destId="11" srcOrd="0" destOrd="0"/>
-        <dgm:cxn modelId="17" srcId="1" destId="12" srcOrd="1" destOrd="0"/>
-        <dgm:cxn modelId="18" srcId="1" destId="13" srcOrd="2" destOrd="0"/>
-        <dgm:cxn modelId="19" srcId="1" destId="14" srcOrd="3" destOrd="0"/>
-        <dgm:cxn modelId="20" srcId="1" destId="15" srcOrd="4" destOrd="0"/>
-        <dgm:cxn modelId="21" srcId="1" destId="16" srcOrd="5" destOrd="0"/>
-      </dgm:cxnLst>
-      <dgm:bg/>
-      <dgm:whole/>
-    </dgm:dataModel>
-  </dgm:clrData>
-  <dgm:layoutNode name="Name0">
-    <dgm:varLst>
-      <dgm:chMax val="1"/>
-      <dgm:dir/>
-      <dgm:animLvl val="ctr"/>
-      <dgm:resizeHandles val="exact"/>
-    </dgm:varLst>
-    <dgm:choose name="Name1">
-      <dgm:if name="Name2" func="var" arg="dir" op="equ" val="norm">
-        <dgm:alg type="cycle">
-          <dgm:param type="stAng" val="0"/>
-          <dgm:param type="spanAng" val="360"/>
-          <dgm:param type="ctrShpMap" val="fNode"/>
-        </dgm:alg>
-      </dgm:if>
-      <dgm:else name="Name3">
-        <dgm:alg type="cycle">
-          <dgm:param type="stAng" val="0"/>
-          <dgm:param type="spanAng" val="-360"/>
-          <dgm:param type="ctrShpMap" val="fNode"/>
-        </dgm:alg>
-      </dgm:else>
-    </dgm:choose>
-    <dgm:shape xmlns:r="http://schemas.openxmlformats.org/officeDocument/2006/relationships" r:blip="">
-      <dgm:adjLst/>
-    </dgm:shape>
-    <dgm:presOf/>
-    <dgm:constrLst>
-      <dgm:constr type="w" for="ch" forName="centerShape" refType="w"/>
-      <dgm:constr type="w" for="ch" forName="parTrans" refType="w" refFor="ch" refForName="centerShape" fact="0.4"/>
-      <dgm:constr type="w" for="ch" forName="node" refType="w" refFor="ch" refForName="centerShape" op="equ" fact="1.25"/>
-      <dgm:constr type="sp" refType="w" refFor="ch" refForName="centerShape" op="equ" fact="0.4"/>
-      <dgm:constr type="sibSp" refType="w" refFor="ch" refForName="node" fact="0.3"/>
-      <dgm:constr type="primFontSz" for="ch" forName="centerShape" val="65"/>
-      <dgm:constr type="primFontSz" for="des" forName="node" op="equ" val="65"/>
-      <dgm:constr type="primFontSz" for="des" forName="node" refType="primFontSz" refFor="ch" refForName="centerShape" op="lte"/>
-      <dgm:constr type="primFontSz" for="des" forName="connectorText" op="equ" val="55"/>
-      <dgm:constr type="primFontSz" for="des" forName="connectorText" refType="primFontSz" refFor="ch" refForName="centerShape" op="lte" fact="0.8"/>
-      <dgm:constr type="primFontSz" for="des" forName="connectorText" refType="primFontSz" refFor="des" refForName="node" op="lte"/>
-    </dgm:constrLst>
-    <dgm:choose name="Name4">
-      <dgm:if name="Name5" axis="ch ch" ptType="node node" st="1 1" cnt="1 0" func="cnt" op="lte" val="6">
-        <dgm:ruleLst>
-          <dgm:rule type="w" for="ch" forName="node" val="NaN" fact="1" max="NaN"/>
-        </dgm:ruleLst>
-      </dgm:if>
-      <dgm:if name="Name6" axis="ch ch" ptType="node node" st="1 1" cnt="1 0" func="cnt" op="lte" val="8">
-        <dgm:ruleLst>
-          <dgm:rule type="w" for="ch" forName="node" val="NaN" fact="0.9" max="NaN"/>
-        </dgm:ruleLst>
-      </dgm:if>
-      <dgm:if name="Name7" axis="ch ch" ptType="node node" st="1 1" cnt="1 0" func="cnt" op="lte" val="10">
-        <dgm:ruleLst>
-          <dgm:rule type="w" for="ch" forName="node" val="NaN" fact="0.8" max="NaN"/>
-        </dgm:ruleLst>
-      </dgm:if>
-      <dgm:if name="Name8" axis="ch ch" ptType="node node" st="1 1" cnt="1 0" func="cnt" op="lte" val="12">
-        <dgm:ruleLst>
-          <dgm:rule type="w" for="ch" forName="node" val="NaN" fact="0.7" max="NaN"/>
-        </dgm:ruleLst>
-      </dgm:if>
-      <dgm:if name="Name9" axis="ch ch" ptType="node node" st="1 1" cnt="1 0" func="cnt" op="lte" val="14">
-        <dgm:ruleLst>
-          <dgm:rule type="w" for="ch" forName="node" val="NaN" fact="0.6" max="NaN"/>
-        </dgm:ruleLst>
-      </dgm:if>
-      <dgm:else name="Name10">
-        <dgm:ruleLst>
-          <dgm:rule type="w" for="ch" forName="node" val="NaN" fact="0.5" max="NaN"/>
-        </dgm:ruleLst>
-      </dgm:else>
-    </dgm:choose>
-    <dgm:forEach name="Name11" axis="ch" ptType="node" cnt="1">
-      <dgm:layoutNode name="centerShape" styleLbl="node0">
-        <dgm:alg type="tx"/>
-        <dgm:shape xmlns:r="http://schemas.openxmlformats.org/officeDocument/2006/relationships" type="ellipse" r:blip="">
-          <dgm:adjLst/>
-        </dgm:shape>
-        <dgm:presOf axis="self"/>
-        <dgm:constrLst>
-          <dgm:constr type="h" refType="w"/>
-          <dgm:constr type="tMarg" refType="primFontSz" fact="0.1"/>
-          <dgm:constr type="bMarg" refType="primFontSz" fact="0.1"/>
-          <dgm:constr type="lMarg" refType="primFontSz" fact="0.1"/>
-          <dgm:constr type="rMarg" refType="primFontSz" fact="0.1"/>
-        </dgm:constrLst>
-        <dgm:ruleLst>
-          <dgm:rule type="primFontSz" val="5" fact="NaN" max="NaN"/>
-        </dgm:ruleLst>
-      </dgm:layoutNode>
-      <dgm:forEach name="Name12" axis="ch">
-        <dgm:forEach name="Name13" axis="self" ptType="parTrans">
-          <dgm:layoutNode name="parTrans" styleLbl="sibTrans2D1">
-            <dgm:alg type="conn">
-              <dgm:param type="begPts" val="auto"/>
-              <dgm:param type="endPts" val="auto"/>
-            </dgm:alg>
-            <dgm:shape xmlns:r="http://schemas.openxmlformats.org/officeDocument/2006/relationships" type="conn" r:blip="">
-              <dgm:adjLst/>
-            </dgm:shape>
-            <dgm:presOf axis="self"/>
-            <dgm:constrLst>
-              <dgm:constr type="h" refType="w" fact="0.85"/>
-            </dgm:constrLst>
-            <dgm:ruleLst/>
-            <dgm:layoutNode name="connectorText">
-              <dgm:alg type="tx">
-                <dgm:param type="autoTxRot" val="grav"/>
-              </dgm:alg>
-              <dgm:shape xmlns:r="http://schemas.openxmlformats.org/officeDocument/2006/relationships" type="conn" r:blip="" hideGeom="1">
-                <dgm:adjLst/>
-              </dgm:shape>
-              <dgm:presOf axis="self"/>
-              <dgm:constrLst>
-                <dgm:constr type="lMarg"/>
-                <dgm:constr type="rMarg"/>
-                <dgm:constr type="tMarg"/>
-                <dgm:constr type="bMarg"/>
-              </dgm:constrLst>
-              <dgm:ruleLst>
-                <dgm:rule type="primFontSz" val="5" fact="NaN" max="NaN"/>
-              </dgm:ruleLst>
-            </dgm:layoutNode>
-          </dgm:layoutNode>
-        </dgm:forEach>
-        <dgm:forEach name="Name14" axis="self" ptType="node">
-          <dgm:layoutNode name="node" styleLbl="node1">
-            <dgm:varLst>
-              <dgm:bulletEnabled val="1"/>
-            </dgm:varLst>
-            <dgm:alg type="tx">
-              <dgm:param type="txAnchorVertCh" val="mid"/>
-            </dgm:alg>
-            <dgm:shape xmlns:r="http://schemas.openxmlformats.org/officeDocument/2006/relationships" type="ellipse" r:blip="">
-              <dgm:adjLst/>
-            </dgm:shape>
-            <dgm:presOf axis="desOrSelf" ptType="node"/>
-            <dgm:constrLst>
-              <dgm:constr type="h" refType="w"/>
-              <dgm:constr type="tMarg" refType="primFontSz" fact="0.1"/>
-              <dgm:constr type="bMarg" refType="primFontSz" fact="0.1"/>
-              <dgm:constr type="lMarg" refType="primFontSz" fact="0.1"/>
-              <dgm:constr type="rMarg" refType="primFontSz" fact="0.1"/>
-            </dgm:constrLst>
-            <dgm:ruleLst>
-              <dgm:rule type="w" val="INF" fact="NaN" max="NaN"/>
-              <dgm:rule type="primFontSz" val="5" fact="NaN" max="NaN"/>
-            </dgm:ruleLst>
-          </dgm:layoutNode>
-        </dgm:forEach>
-      </dgm:forEach>
-    </dgm:forEach>
-  </dgm:layoutNode>
-</dgm:layoutDef>
-</file>
-
-<file path=ppt/diagrams/quickStyle1.xml><?xml version="1.0" encoding="utf-8"?>
-<dgm:styleDef xmlns:dgm="http://schemas.openxmlformats.org/drawingml/2006/diagram" xmlns:a="http://schemas.openxmlformats.org/drawingml/2006/main" uniqueId="urn:microsoft.com/office/officeart/2005/8/quickstyle/simple1">
-  <dgm:title val=""/>
-  <dgm:desc val=""/>
-  <dgm:catLst>
-    <dgm:cat type="simple" pri="10100"/>
-  </dgm:catLst>
-  <dgm:scene3d>
-    <a:camera prst="orthographicFront"/>
-    <a:lightRig rig="threePt" dir="t"/>
-  </dgm:scene3d>
-  <dgm:styleLbl name="node0">
-    <dgm:scene3d>
-      <a:camera prst="orthographicFront"/>
-      <a:lightRig rig="threePt" dir="t"/>
-    </dgm:scene3d>
-    <dgm:sp3d/>
-    <dgm:txPr/>
-    <dgm:style>
-      <a:lnRef idx="2">
-        <a:scrgbClr r="0" g="0" b="0"/>
-      </a:lnRef>
-      <a:fillRef idx="1">
-        <a:scrgbClr r="0" g="0" b="0"/>
-      </a:fillRef>
-      <a:effectRef idx="0">
-        <a:scrgbClr r="0" g="0" b="0"/>
-      </a:effectRef>
-      <a:fontRef idx="minor">
-        <a:schemeClr val="lt1"/>
-      </a:fontRef>
-    </dgm:style>
-  </dgm:styleLbl>
-  <dgm:styleLbl name="lnNode1">
-    <dgm:scene3d>
-      <a:camera prst="orthographicFront"/>
-      <a:lightRig rig="threePt" dir="t"/>
-    </dgm:scene3d>
-    <dgm:sp3d/>
-    <dgm:txPr/>
-    <dgm:style>
-      <a:lnRef idx="2">
-        <a:scrgbClr r="0" g="0" b="0"/>
-      </a:lnRef>
-      <a:fillRef idx="1">
-        <a:scrgbClr r="0" g="0" b="0"/>
-      </a:fillRef>
-      <a:effectRef idx="0">
-        <a:scrgbClr r="0" g="0" b="0"/>
-      </a:effectRef>
-      <a:fontRef idx="minor">
-        <a:schemeClr val="lt1"/>
-      </a:fontRef>
-    </dgm:style>
-  </dgm:styleLbl>
-  <dgm:styleLbl name="vennNode1">
-    <dgm:scene3d>
-      <a:camera prst="orthographicFront"/>
-      <a:lightRig rig="threePt" dir="t"/>
-    </dgm:scene3d>
-    <dgm:sp3d/>
-    <dgm:txPr/>
-    <dgm:style>
-      <a:lnRef idx="2">
-        <a:scrgbClr r="0" g="0" b="0"/>
-      </a:lnRef>
-      <a:fillRef idx="1">
-        <a:scrgbClr r="0" g="0" b="0"/>
-      </a:fillRef>
-      <a:effectRef idx="0">
-        <a:scrgbClr r="0" g="0" b="0"/>
-      </a:effectRef>
-      <a:fontRef idx="minor">
-        <a:schemeClr val="tx1"/>
-      </a:fontRef>
-    </dgm:style>
-  </dgm:styleLbl>
-  <dgm:styleLbl name="alignNode1">
-    <dgm:scene3d>
-      <a:camera prst="orthographicFront"/>
-      <a:lightRig rig="threePt" dir="t"/>
-    </dgm:scene3d>
-    <dgm:sp3d/>
-    <dgm:txPr/>
-    <dgm:style>
-      <a:lnRef idx="2">
-        <a:scrgbClr r="0" g="0" b="0"/>
-      </a:lnRef>
-      <a:fillRef idx="1">
-        <a:scrgbClr r="0" g="0" b="0"/>
-      </a:fillRef>
-      <a:effectRef idx="0">
-        <a:scrgbClr r="0" g="0" b="0"/>
-      </a:effectRef>
-      <a:fontRef idx="minor">
-        <a:schemeClr val="lt1"/>
-      </a:fontRef>
-    </dgm:style>
-  </dgm:styleLbl>
-  <dgm:styleLbl name="node1">
-    <dgm:scene3d>
-      <a:camera prst="orthographicFront"/>
-      <a:lightRig rig="threePt" dir="t"/>
-    </dgm:scene3d>
-    <dgm:sp3d/>
-    <dgm:txPr/>
-    <dgm:style>
-      <a:lnRef idx="2">
-        <a:scrgbClr r="0" g="0" b="0"/>
-      </a:lnRef>
-      <a:fillRef idx="1">
-        <a:scrgbClr r="0" g="0" b="0"/>
-      </a:fillRef>
-      <a:effectRef idx="0">
-        <a:scrgbClr r="0" g="0" b="0"/>
-      </a:effectRef>
-      <a:fontRef idx="minor">
-        <a:schemeClr val="lt1"/>
-      </a:fontRef>
-    </dgm:style>
-  </dgm:styleLbl>
-  <dgm:styleLbl name="node2">
-    <dgm:scene3d>
-      <a:camera prst="orthographicFront"/>
-      <a:lightRig rig="threePt" dir="t"/>
-    </dgm:scene3d>
-    <dgm:sp3d/>
-    <dgm:txPr/>
-    <dgm:style>
-      <a:lnRef idx="2">
-        <a:scrgbClr r="0" g="0" b="0"/>
-      </a:lnRef>
-      <a:fillRef idx="1">
-        <a:scrgbClr r="0" g="0" b="0"/>
-      </a:fillRef>
-      <a:effectRef idx="0">
-        <a:scrgbClr r="0" g="0" b="0"/>
-      </a:effectRef>
-      <a:fontRef idx="minor">
-        <a:schemeClr val="lt1"/>
-      </a:fontRef>
-    </dgm:style>
-  </dgm:styleLbl>
-  <dgm:styleLbl name="node3">
-    <dgm:scene3d>
-      <a:camera prst="orthographicFront"/>
-      <a:lightRig rig="threePt" dir="t"/>
-    </dgm:scene3d>
-    <dgm:sp3d/>
-    <dgm:txPr/>
-    <dgm:style>
-      <a:lnRef idx="2">
-        <a:scrgbClr r="0" g="0" b="0"/>
-      </a:lnRef>
-      <a:fillRef idx="1">
-        <a:scrgbClr r="0" g="0" b="0"/>
-      </a:fillRef>
-      <a:effectRef idx="0">
-        <a:scrgbClr r="0" g="0" b="0"/>
-      </a:effectRef>
-      <a:fontRef idx="minor">
-        <a:schemeClr val="lt1"/>
-      </a:fontRef>
-    </dgm:style>
-  </dgm:styleLbl>
-  <dgm:styleLbl name="node4">
-    <dgm:scene3d>
-      <a:camera prst="orthographicFront"/>
-      <a:lightRig rig="threePt" dir="t"/>
-    </dgm:scene3d>
-    <dgm:sp3d/>
-    <dgm:txPr/>
-    <dgm:style>
-      <a:lnRef idx="2">
-        <a:scrgbClr r="0" g="0" b="0"/>
-      </a:lnRef>
-      <a:fillRef idx="1">
-        <a:scrgbClr r="0" g="0" b="0"/>
-      </a:fillRef>
-      <a:effectRef idx="0">
-        <a:scrgbClr r="0" g="0" b="0"/>
-      </a:effectRef>
-      <a:fontRef idx="minor">
-        <a:schemeClr val="lt1"/>
-      </a:fontRef>
-    </dgm:style>
-  </dgm:styleLbl>
-  <dgm:styleLbl name="fgImgPlace1">
-    <dgm:scene3d>
-      <a:camera prst="orthographicFront"/>
-      <a:lightRig rig="threePt" dir="t"/>
-    </dgm:scene3d>
-    <dgm:sp3d/>
-    <dgm:txPr/>
-    <dgm:style>
-      <a:lnRef idx="2">
-        <a:scrgbClr r="0" g="0" b="0"/>
-      </a:lnRef>
-      <a:fillRef idx="1">
-        <a:scrgbClr r="0" g="0" b="0"/>
-      </a:fillRef>
-      <a:effectRef idx="0">
-        <a:scrgbClr r="0" g="0" b="0"/>
-      </a:effectRef>
-      <a:fontRef idx="minor"/>
-    </dgm:style>
-  </dgm:styleLbl>
-  <dgm:styleLbl name="alignImgPlace1">
-    <dgm:scene3d>
-      <a:camera prst="orthographicFront"/>
-      <a:lightRig rig="threePt" dir="t"/>
-    </dgm:scene3d>
-    <dgm:sp3d/>
-    <dgm:txPr/>
-    <dgm:style>
-      <a:lnRef idx="2">
-        <a:scrgbClr r="0" g="0" b="0"/>
-      </a:lnRef>
-      <a:fillRef idx="1">
-        <a:scrgbClr r="0" g="0" b="0"/>
-      </a:fillRef>
-      <a:effectRef idx="0">
-        <a:scrgbClr r="0" g="0" b="0"/>
-      </a:effectRef>
-      <a:fontRef idx="minor"/>
-    </dgm:style>
-  </dgm:styleLbl>
-  <dgm:styleLbl name="bgImgPlace1">
-    <dgm:scene3d>
-      <a:camera prst="orthographicFront"/>
-      <a:lightRig rig="threePt" dir="t"/>
-    </dgm:scene3d>
-    <dgm:sp3d/>
-    <dgm:txPr/>
-    <dgm:style>
-      <a:lnRef idx="2">
-        <a:scrgbClr r="0" g="0" b="0"/>
-      </a:lnRef>
-      <a:fillRef idx="1">
-        <a:scrgbClr r="0" g="0" b="0"/>
-      </a:fillRef>
-      <a:effectRef idx="0">
-        <a:scrgbClr r="0" g="0" b="0"/>
-      </a:effectRef>
-      <a:fontRef idx="minor"/>
-    </dgm:style>
-  </dgm:styleLbl>
-  <dgm:styleLbl name="sibTrans2D1">
-    <dgm:scene3d>
-      <a:camera prst="orthographicFront"/>
-      <a:lightRig rig="threePt" dir="t"/>
-    </dgm:scene3d>
-    <dgm:sp3d/>
-    <dgm:txPr/>
-    <dgm:style>
-      <a:lnRef idx="0">
-        <a:scrgbClr r="0" g="0" b="0"/>
-      </a:lnRef>
-      <a:fillRef idx="1">
-        <a:scrgbClr r="0" g="0" b="0"/>
-      </a:fillRef>
-      <a:effectRef idx="0">
-        <a:scrgbClr r="0" g="0" b="0"/>
-      </a:effectRef>
-      <a:fontRef idx="minor">
-        <a:schemeClr val="lt1"/>
-      </a:fontRef>
-    </dgm:style>
-  </dgm:styleLbl>
-  <dgm:styleLbl name="fgSibTrans2D1">
-    <dgm:scene3d>
-      <a:camera prst="orthographicFront"/>
-      <a:lightRig rig="threePt" dir="t"/>
-    </dgm:scene3d>
-    <dgm:sp3d/>
-    <dgm:txPr/>
-    <dgm:style>
-      <a:lnRef idx="0">
-        <a:scrgbClr r="0" g="0" b="0"/>
-      </a:lnRef>
-      <a:fillRef idx="1">
-        <a:scrgbClr r="0" g="0" b="0"/>
-      </a:fillRef>
-      <a:effectRef idx="0">
-        <a:scrgbClr r="0" g="0" b="0"/>
-      </a:effectRef>
-      <a:fontRef idx="minor">
-        <a:schemeClr val="lt1"/>
-      </a:fontRef>
-    </dgm:style>
-  </dgm:styleLbl>
-  <dgm:styleLbl name="bgSibTrans2D1">
-    <dgm:scene3d>
-      <a:camera prst="orthographicFront"/>
-      <a:lightRig rig="threePt" dir="t"/>
-    </dgm:scene3d>
-    <dgm:sp3d/>
-    <dgm:txPr/>
-    <dgm:style>
-      <a:lnRef idx="0">
-        <a:scrgbClr r="0" g="0" b="0"/>
-      </a:lnRef>
-      <a:fillRef idx="1">
-        <a:scrgbClr r="0" g="0" b="0"/>
-      </a:fillRef>
-      <a:effectRef idx="0">
-        <a:scrgbClr r="0" g="0" b="0"/>
-      </a:effectRef>
-      <a:fontRef idx="minor">
-        <a:schemeClr val="lt1"/>
-      </a:fontRef>
-    </dgm:style>
-  </dgm:styleLbl>
-  <dgm:styleLbl name="sibTrans1D1">
-    <dgm:scene3d>
-      <a:camera prst="orthographicFront"/>
-      <a:lightRig rig="threePt" dir="t"/>
-    </dgm:scene3d>
-    <dgm:sp3d/>
-    <dgm:txPr/>
-    <dgm:style>
-      <a:lnRef idx="1">
-        <a:scrgbClr r="0" g="0" b="0"/>
-      </a:lnRef>
-      <a:fillRef idx="0">
-        <a:scrgbClr r="0" g="0" b="0"/>
-      </a:fillRef>
-      <a:effectRef idx="0">
-        <a:scrgbClr r="0" g="0" b="0"/>
-      </a:effectRef>
-      <a:fontRef idx="minor"/>
-    </dgm:style>
-  </dgm:styleLbl>
-  <dgm:styleLbl name="callout">
-    <dgm:scene3d>
-      <a:camera prst="orthographicFront"/>
-      <a:lightRig rig="threePt" dir="t"/>
-    </dgm:scene3d>
-    <dgm:sp3d/>
-    <dgm:txPr/>
-    <dgm:style>
-      <a:lnRef idx="2">
-        <a:scrgbClr r="0" g="0" b="0"/>
-      </a:lnRef>
-      <a:fillRef idx="1">
-        <a:scrgbClr r="0" g="0" b="0"/>
-      </a:fillRef>
-      <a:effectRef idx="0">
-        <a:scrgbClr r="0" g="0" b="0"/>
-      </a:effectRef>
-      <a:fontRef idx="minor"/>
-    </dgm:style>
-  </dgm:styleLbl>
-  <dgm:styleLbl name="asst0">
-    <dgm:scene3d>
-      <a:camera prst="orthographicFront"/>
-      <a:lightRig rig="threePt" dir="t"/>
-    </dgm:scene3d>
-    <dgm:sp3d/>
-    <dgm:txPr/>
-    <dgm:style>
-      <a:lnRef idx="2">
-        <a:scrgbClr r="0" g="0" b="0"/>
-      </a:lnRef>
-      <a:fillRef idx="1">
-        <a:scrgbClr r="0" g="0" b="0"/>
-      </a:fillRef>
-      <a:effectRef idx="0">
-        <a:scrgbClr r="0" g="0" b="0"/>
-      </a:effectRef>
-      <a:fontRef idx="minor">
-        <a:schemeClr val="lt1"/>
-      </a:fontRef>
-    </dgm:style>
-  </dgm:styleLbl>
-  <dgm:styleLbl name="asst1">
-    <dgm:scene3d>
-      <a:camera prst="orthographicFront"/>
-      <a:lightRig rig="threePt" dir="t"/>
-    </dgm:scene3d>
-    <dgm:sp3d/>
-    <dgm:txPr/>
-    <dgm:style>
-      <a:lnRef idx="2">
-        <a:scrgbClr r="0" g="0" b="0"/>
-      </a:lnRef>
-      <a:fillRef idx="1">
-        <a:scrgbClr r="0" g="0" b="0"/>
-      </a:fillRef>
-      <a:effectRef idx="0">
-        <a:scrgbClr r="0" g="0" b="0"/>
-      </a:effectRef>
-      <a:fontRef idx="minor">
-        <a:schemeClr val="lt1"/>
-      </a:fontRef>
-    </dgm:style>
-  </dgm:styleLbl>
-  <dgm:styleLbl name="asst2">
-    <dgm:scene3d>
-      <a:camera prst="orthographicFront"/>
-      <a:lightRig rig="threePt" dir="t"/>
-    </dgm:scene3d>
-    <dgm:sp3d/>
-    <dgm:txPr/>
-    <dgm:style>
-      <a:lnRef idx="2">
-        <a:scrgbClr r="0" g="0" b="0"/>
-      </a:lnRef>
-      <a:fillRef idx="1">
-        <a:scrgbClr r="0" g="0" b="0"/>
-      </a:fillRef>
-      <a:effectRef idx="0">
-        <a:scrgbClr r="0" g="0" b="0"/>
-      </a:effectRef>
-      <a:fontRef idx="minor">
-        <a:schemeClr val="lt1"/>
-      </a:fontRef>
-    </dgm:style>
-  </dgm:styleLbl>
-  <dgm:styleLbl name="asst3">
-    <dgm:scene3d>
-      <a:camera prst="orthographicFront"/>
-      <a:lightRig rig="threePt" dir="t"/>
-    </dgm:scene3d>
-    <dgm:sp3d/>
-    <dgm:txPr/>
-    <dgm:style>
-      <a:lnRef idx="2">
-        <a:scrgbClr r="0" g="0" b="0"/>
-      </a:lnRef>
-      <a:fillRef idx="1">
-        <a:scrgbClr r="0" g="0" b="0"/>
-      </a:fillRef>
-      <a:effectRef idx="0">
-        <a:scrgbClr r="0" g="0" b="0"/>
-      </a:effectRef>
-      <a:fontRef idx="minor">
-        <a:schemeClr val="lt1"/>
-      </a:fontRef>
-    </dgm:style>
-  </dgm:styleLbl>
-  <dgm:styleLbl name="asst4">
-    <dgm:scene3d>
-      <a:camera prst="orthographicFront"/>
-      <a:lightRig rig="threePt" dir="t"/>
-    </dgm:scene3d>
-    <dgm:sp3d/>
-    <dgm:txPr/>
-    <dgm:style>
-      <a:lnRef idx="2">
-        <a:scrgbClr r="0" g="0" b="0"/>
-      </a:lnRef>
-      <a:fillRef idx="1">
-        <a:scrgbClr r="0" g="0" b="0"/>
-      </a:fillRef>
-      <a:effectRef idx="0">
-        <a:scrgbClr r="0" g="0" b="0"/>
-      </a:effectRef>
-      <a:fontRef idx="minor">
-        <a:schemeClr val="lt1"/>
-      </a:fontRef>
-    </dgm:style>
-  </dgm:styleLbl>
-  <dgm:styleLbl name="parChTrans2D1">
-    <dgm:scene3d>
-      <a:camera prst="orthographicFront"/>
-      <a:lightRig rig="threePt" dir="t"/>
-    </dgm:scene3d>
-    <dgm:sp3d/>
-    <dgm:txPr/>
-    <dgm:style>
-      <a:lnRef idx="2">
-        <a:scrgbClr r="0" g="0" b="0"/>
-      </a:lnRef>
-      <a:fillRef idx="1">
-        <a:scrgbClr r="0" g="0" b="0"/>
-      </a:fillRef>
-      <a:effectRef idx="0">
-        <a:scrgbClr r="0" g="0" b="0"/>
-      </a:effectRef>
-      <a:fontRef idx="minor">
-        <a:schemeClr val="lt1"/>
-      </a:fontRef>
-    </dgm:style>
-  </dgm:styleLbl>
-  <dgm:styleLbl name="parChTrans2D2">
-    <dgm:scene3d>
-      <a:camera prst="orthographicFront"/>
-      <a:lightRig rig="threePt" dir="t"/>
-    </dgm:scene3d>
-    <dgm:sp3d/>
-    <dgm:txPr/>
-    <dgm:style>
-      <a:lnRef idx="2">
-        <a:scrgbClr r="0" g="0" b="0"/>
-      </a:lnRef>
-      <a:fillRef idx="1">
-        <a:scrgbClr r="0" g="0" b="0"/>
-      </a:fillRef>
-      <a:effectRef idx="0">
-        <a:scrgbClr r="0" g="0" b="0"/>
-      </a:effectRef>
-      <a:fontRef idx="minor">
-        <a:schemeClr val="lt1"/>
-      </a:fontRef>
-    </dgm:style>
-  </dgm:styleLbl>
-  <dgm:styleLbl name="parChTrans2D3">
-    <dgm:scene3d>
-      <a:camera prst="orthographicFront"/>
-      <a:lightRig rig="threePt" dir="t"/>
-    </dgm:scene3d>
-    <dgm:sp3d/>
-    <dgm:txPr/>
-    <dgm:style>
-      <a:lnRef idx="2">
-        <a:scrgbClr r="0" g="0" b="0"/>
-      </a:lnRef>
-      <a:fillRef idx="1">
-        <a:scrgbClr r="0" g="0" b="0"/>
-      </a:fillRef>
-      <a:effectRef idx="0">
-        <a:scrgbClr r="0" g="0" b="0"/>
-      </a:effectRef>
-      <a:fontRef idx="minor">
-        <a:schemeClr val="lt1"/>
-      </a:fontRef>
-    </dgm:style>
-  </dgm:styleLbl>
-  <dgm:styleLbl name="parChTrans2D4">
-    <dgm:scene3d>
-      <a:camera prst="orthographicFront"/>
-      <a:lightRig rig="threePt" dir="t"/>
-    </dgm:scene3d>
-    <dgm:sp3d/>
-    <dgm:txPr/>
-    <dgm:style>
-      <a:lnRef idx="2">
-        <a:scrgbClr r="0" g="0" b="0"/>
-      </a:lnRef>
-      <a:fillRef idx="1">
-        <a:scrgbClr r="0" g="0" b="0"/>
-      </a:fillRef>
-      <a:effectRef idx="0">
-        <a:scrgbClr r="0" g="0" b="0"/>
-      </a:effectRef>
-      <a:fontRef idx="minor">
-        <a:schemeClr val="lt1"/>
-      </a:fontRef>
-    </dgm:style>
-  </dgm:styleLbl>
-  <dgm:styleLbl name="parChTrans1D1">
-    <dgm:scene3d>
-      <a:camera prst="orthographicFront"/>
-      <a:lightRig rig="threePt" dir="t"/>
-    </dgm:scene3d>
-    <dgm:sp3d/>
-    <dgm:txPr/>
-    <dgm:style>
-      <a:lnRef idx="2">
-        <a:scrgbClr r="0" g="0" b="0"/>
-      </a:lnRef>
-      <a:fillRef idx="0">
-        <a:scrgbClr r="0" g="0" b="0"/>
-      </a:fillRef>
-      <a:effectRef idx="0">
-        <a:scrgbClr r="0" g="0" b="0"/>
-      </a:effectRef>
-      <a:fontRef idx="minor"/>
-    </dgm:style>
-  </dgm:styleLbl>
-  <dgm:styleLbl name="parChTrans1D2">
-    <dgm:scene3d>
-      <a:camera prst="orthographicFront"/>
-      <a:lightRig rig="threePt" dir="t"/>
-    </dgm:scene3d>
-    <dgm:sp3d/>
-    <dgm:txPr/>
-    <dgm:style>
-      <a:lnRef idx="2">
-        <a:scrgbClr r="0" g="0" b="0"/>
-      </a:lnRef>
-      <a:fillRef idx="0">
-        <a:scrgbClr r="0" g="0" b="0"/>
-      </a:fillRef>
-      <a:effectRef idx="0">
-        <a:scrgbClr r="0" g="0" b="0"/>
-      </a:effectRef>
-      <a:fontRef idx="minor"/>
-    </dgm:style>
-  </dgm:styleLbl>
-  <dgm:styleLbl name="parChTrans1D3">
-    <dgm:scene3d>
-      <a:camera prst="orthographicFront"/>
-      <a:lightRig rig="threePt" dir="t"/>
-    </dgm:scene3d>
-    <dgm:sp3d/>
-    <dgm:txPr/>
-    <dgm:style>
-      <a:lnRef idx="2">
-        <a:scrgbClr r="0" g="0" b="0"/>
-      </a:lnRef>
-      <a:fillRef idx="0">
-        <a:scrgbClr r="0" g="0" b="0"/>
-      </a:fillRef>
-      <a:effectRef idx="0">
-        <a:scrgbClr r="0" g="0" b="0"/>
-      </a:effectRef>
-      <a:fontRef idx="minor"/>
-    </dgm:style>
-  </dgm:styleLbl>
-  <dgm:styleLbl name="parChTrans1D4">
-    <dgm:scene3d>
-      <a:camera prst="orthographicFront"/>
-      <a:lightRig rig="threePt" dir="t"/>
-    </dgm:scene3d>
-    <dgm:sp3d/>
-    <dgm:txPr/>
-    <dgm:style>
-      <a:lnRef idx="2">
-        <a:scrgbClr r="0" g="0" b="0"/>
-      </a:lnRef>
-      <a:fillRef idx="0">
-        <a:scrgbClr r="0" g="0" b="0"/>
-      </a:fillRef>
-      <a:effectRef idx="0">
-        <a:scrgbClr r="0" g="0" b="0"/>
-      </a:effectRef>
-      <a:fontRef idx="minor"/>
-    </dgm:style>
-  </dgm:styleLbl>
-  <dgm:styleLbl name="fgAcc1">
-    <dgm:scene3d>
-      <a:camera prst="orthographicFront"/>
-      <a:lightRig rig="threePt" dir="t"/>
-    </dgm:scene3d>
-    <dgm:sp3d/>
-    <dgm:txPr/>
-    <dgm:style>
-      <a:lnRef idx="2">
-        <a:scrgbClr r="0" g="0" b="0"/>
-      </a:lnRef>
-      <a:fillRef idx="1">
-        <a:scrgbClr r="0" g="0" b="0"/>
-      </a:fillRef>
-      <a:effectRef idx="0">
-        <a:scrgbClr r="0" g="0" b="0"/>
-      </a:effectRef>
-      <a:fontRef idx="minor"/>
-    </dgm:style>
-  </dgm:styleLbl>
-  <dgm:styleLbl name="conFgAcc1">
-    <dgm:scene3d>
-      <a:camera prst="orthographicFront"/>
-      <a:lightRig rig="threePt" dir="t"/>
-    </dgm:scene3d>
-    <dgm:sp3d/>
-    <dgm:txPr/>
-    <dgm:style>
-      <a:lnRef idx="2">
-        <a:scrgbClr r="0" g="0" b="0"/>
-      </a:lnRef>
-      <a:fillRef idx="1">
-        <a:scrgbClr r="0" g="0" b="0"/>
-      </a:fillRef>
-      <a:effectRef idx="0">
-        <a:scrgbClr r="0" g="0" b="0"/>
-      </a:effectRef>
-      <a:fontRef idx="minor"/>
-    </dgm:style>
-  </dgm:styleLbl>
-  <dgm:styleLbl name="alignAcc1">
-    <dgm:scene3d>
-      <a:camera prst="orthographicFront"/>
-      <a:lightRig rig="threePt" dir="t"/>
-    </dgm:scene3d>
-    <dgm:sp3d/>
-    <dgm:txPr/>
-    <dgm:style>
-      <a:lnRef idx="2">
-        <a:scrgbClr r="0" g="0" b="0"/>
-      </a:lnRef>
-      <a:fillRef idx="1">
-        <a:scrgbClr r="0" g="0" b="0"/>
-      </a:fillRef>
-      <a:effectRef idx="0">
-        <a:scrgbClr r="0" g="0" b="0"/>
-      </a:effectRef>
-      <a:fontRef idx="minor"/>
-    </dgm:style>
-  </dgm:styleLbl>
-  <dgm:styleLbl name="trAlignAcc1">
-    <dgm:scene3d>
-      <a:camera prst="orthographicFront"/>
-      <a:lightRig rig="threePt" dir="t"/>
-    </dgm:scene3d>
-    <dgm:sp3d/>
-    <dgm:txPr/>
-    <dgm:style>
-      <a:lnRef idx="1">
-        <a:scrgbClr r="0" g="0" b="0"/>
-      </a:lnRef>
-      <a:fillRef idx="1">
-        <a:scrgbClr r="0" g="0" b="0"/>
-      </a:fillRef>
-      <a:effectRef idx="0">
-        <a:scrgbClr r="0" g="0" b="0"/>
-      </a:effectRef>
-      <a:fontRef idx="minor"/>
-    </dgm:style>
-  </dgm:styleLbl>
-  <dgm:styleLbl name="bgAcc1">
-    <dgm:scene3d>
-      <a:camera prst="orthographicFront"/>
-      <a:lightRig rig="threePt" dir="t"/>
-    </dgm:scene3d>
-    <dgm:sp3d/>
-    <dgm:txPr/>
-    <dgm:style>
-      <a:lnRef idx="2">
-        <a:scrgbClr r="0" g="0" b="0"/>
-      </a:lnRef>
-      <a:fillRef idx="1">
-        <a:scrgbClr r="0" g="0" b="0"/>
-      </a:fillRef>
-      <a:effectRef idx="0">
-        <a:scrgbClr r="0" g="0" b="0"/>
-      </a:effectRef>
-      <a:fontRef idx="minor"/>
-    </dgm:style>
-  </dgm:styleLbl>
-  <dgm:styleLbl name="solidFgAcc1">
-    <dgm:scene3d>
-      <a:camera prst="orthographicFront"/>
-      <a:lightRig rig="threePt" dir="t"/>
-    </dgm:scene3d>
-    <dgm:sp3d/>
-    <dgm:txPr/>
-    <dgm:style>
-      <a:lnRef idx="2">
-        <a:scrgbClr r="0" g="0" b="0"/>
-      </a:lnRef>
-      <a:fillRef idx="1">
-        <a:scrgbClr r="0" g="0" b="0"/>
-      </a:fillRef>
-      <a:effectRef idx="0">
-        <a:scrgbClr r="0" g="0" b="0"/>
-      </a:effectRef>
-      <a:fontRef idx="minor"/>
-    </dgm:style>
-  </dgm:styleLbl>
-  <dgm:styleLbl name="solidAlignAcc1">
-    <dgm:scene3d>
-      <a:camera prst="orthographicFront"/>
-      <a:lightRig rig="threePt" dir="t"/>
-    </dgm:scene3d>
-    <dgm:sp3d/>
-    <dgm:txPr/>
-    <dgm:style>
-      <a:lnRef idx="2">
-        <a:scrgbClr r="0" g="0" b="0"/>
-      </a:lnRef>
-      <a:fillRef idx="1">
-        <a:scrgbClr r="0" g="0" b="0"/>
-      </a:fillRef>
-      <a:effectRef idx="0">
-        <a:scrgbClr r="0" g="0" b="0"/>
-      </a:effectRef>
-      <a:fontRef idx="minor"/>
-    </dgm:style>
-  </dgm:styleLbl>
-  <dgm:styleLbl name="solidBgAcc1">
-    <dgm:scene3d>
-      <a:camera prst="orthographicFront"/>
-      <a:lightRig rig="threePt" dir="t"/>
-    </dgm:scene3d>
-    <dgm:sp3d/>
-    <dgm:txPr/>
-    <dgm:style>
-      <a:lnRef idx="2">
-        <a:scrgbClr r="0" g="0" b="0"/>
-      </a:lnRef>
-      <a:fillRef idx="1">
-        <a:scrgbClr r="0" g="0" b="0"/>
-      </a:fillRef>
-      <a:effectRef idx="0">
-        <a:scrgbClr r="0" g="0" b="0"/>
-      </a:effectRef>
-      <a:fontRef idx="minor"/>
-    </dgm:style>
-  </dgm:styleLbl>
-  <dgm:styleLbl name="fgAccFollowNode1">
-    <dgm:scene3d>
-      <a:camera prst="orthographicFront"/>
-      <a:lightRig rig="threePt" dir="t"/>
-    </dgm:scene3d>
-    <dgm:sp3d/>
-    <dgm:txPr/>
-    <dgm:style>
-      <a:lnRef idx="2">
-        <a:scrgbClr r="0" g="0" b="0"/>
-      </a:lnRef>
-      <a:fillRef idx="1">
-        <a:scrgbClr r="0" g="0" b="0"/>
-      </a:fillRef>
-      <a:effectRef idx="0">
-        <a:scrgbClr r="0" g="0" b="0"/>
-      </a:effectRef>
-      <a:fontRef idx="minor"/>
-    </dgm:style>
-  </dgm:styleLbl>
-  <dgm:styleLbl name="alignAccFollowNode1">
-    <dgm:scene3d>
-      <a:camera prst="orthographicFront"/>
-      <a:lightRig rig="threePt" dir="t"/>
-    </dgm:scene3d>
-    <dgm:sp3d/>
-    <dgm:txPr/>
-    <dgm:style>
-      <a:lnRef idx="2">
-        <a:scrgbClr r="0" g="0" b="0"/>
-      </a:lnRef>
-      <a:fillRef idx="1">
-        <a:scrgbClr r="0" g="0" b="0"/>
-      </a:fillRef>
-      <a:effectRef idx="0">
-        <a:scrgbClr r="0" g="0" b="0"/>
-      </a:effectRef>
-      <a:fontRef idx="minor"/>
-    </dgm:style>
-  </dgm:styleLbl>
-  <dgm:styleLbl name="bgAccFollowNode1">
-    <dgm:scene3d>
-      <a:camera prst="orthographicFront"/>
-      <a:lightRig rig="threePt" dir="t"/>
-    </dgm:scene3d>
-    <dgm:sp3d/>
-    <dgm:txPr/>
-    <dgm:style>
-      <a:lnRef idx="2">
-        <a:scrgbClr r="0" g="0" b="0"/>
-      </a:lnRef>
-      <a:fillRef idx="1">
-        <a:scrgbClr r="0" g="0" b="0"/>
-      </a:fillRef>
-      <a:effectRef idx="0">
-        <a:scrgbClr r="0" g="0" b="0"/>
-      </a:effectRef>
-      <a:fontRef idx="minor"/>
-    </dgm:style>
-  </dgm:styleLbl>
-  <dgm:styleLbl name="fgAcc0">
-    <dgm:scene3d>
-      <a:camera prst="orthographicFront"/>
-      <a:lightRig rig="threePt" dir="t"/>
-    </dgm:scene3d>
-    <dgm:sp3d/>
-    <dgm:txPr/>
-    <dgm:style>
-      <a:lnRef idx="2">
-        <a:scrgbClr r="0" g="0" b="0"/>
-      </a:lnRef>
-      <a:fillRef idx="1">
-        <a:scrgbClr r="0" g="0" b="0"/>
-      </a:fillRef>
-      <a:effectRef idx="0">
-        <a:scrgbClr r="0" g="0" b="0"/>
-      </a:effectRef>
-      <a:fontRef idx="minor"/>
-    </dgm:style>
-  </dgm:styleLbl>
-  <dgm:styleLbl name="fgAcc2">
-    <dgm:scene3d>
-      <a:camera prst="orthographicFront"/>
-      <a:lightRig rig="threePt" dir="t"/>
-    </dgm:scene3d>
-    <dgm:sp3d/>
-    <dgm:txPr/>
-    <dgm:style>
-      <a:lnRef idx="2">
-        <a:scrgbClr r="0" g="0" b="0"/>
-      </a:lnRef>
-      <a:fillRef idx="1">
-        <a:scrgbClr r="0" g="0" b="0"/>
-      </a:fillRef>
-      <a:effectRef idx="0">
-        <a:scrgbClr r="0" g="0" b="0"/>
-      </a:effectRef>
-      <a:fontRef idx="minor"/>
-    </dgm:style>
-  </dgm:styleLbl>
-  <dgm:styleLbl name="fgAcc3">
-    <dgm:scene3d>
-      <a:camera prst="orthographicFront"/>
-      <a:lightRig rig="threePt" dir="t"/>
-    </dgm:scene3d>
-    <dgm:sp3d/>
-    <dgm:txPr/>
-    <dgm:style>
-      <a:lnRef idx="2">
-        <a:scrgbClr r="0" g="0" b="0"/>
-      </a:lnRef>
-      <a:fillRef idx="1">
-        <a:scrgbClr r="0" g="0" b="0"/>
-      </a:fillRef>
-      <a:effectRef idx="0">
-        <a:scrgbClr r="0" g="0" b="0"/>
-      </a:effectRef>
-      <a:fontRef idx="minor"/>
-    </dgm:style>
-  </dgm:styleLbl>
-  <dgm:styleLbl name="fgAcc4">
-    <dgm:scene3d>
-      <a:camera prst="orthographicFront"/>
-      <a:lightRig rig="threePt" dir="t"/>
-    </dgm:scene3d>
-    <dgm:sp3d/>
-    <dgm:txPr/>
-    <dgm:style>
-      <a:lnRef idx="2">
-        <a:scrgbClr r="0" g="0" b="0"/>
-      </a:lnRef>
-      <a:fillRef idx="1">
-        <a:scrgbClr r="0" g="0" b="0"/>
-      </a:fillRef>
-      <a:effectRef idx="0">
-        <a:scrgbClr r="0" g="0" b="0"/>
-      </a:effectRef>
-      <a:fontRef idx="minor"/>
-    </dgm:style>
-  </dgm:styleLbl>
-  <dgm:styleLbl name="bgShp">
-    <dgm:scene3d>
-      <a:camera prst="orthographicFront"/>
-      <a:lightRig rig="threePt" dir="t"/>
-    </dgm:scene3d>
-    <dgm:sp3d/>
-    <dgm:txPr/>
-    <dgm:style>
-      <a:lnRef idx="0">
-        <a:scrgbClr r="0" g="0" b="0"/>
-      </a:lnRef>
-      <a:fillRef idx="1">
-        <a:scrgbClr r="0" g="0" b="0"/>
-      </a:fillRef>
-      <a:effectRef idx="0">
-        <a:scrgbClr r="0" g="0" b="0"/>
-      </a:effectRef>
-      <a:fontRef idx="minor"/>
-    </dgm:style>
-  </dgm:styleLbl>
-  <dgm:styleLbl name="dkBgShp">
-    <dgm:scene3d>
-      <a:camera prst="orthographicFront"/>
-      <a:lightRig rig="threePt" dir="t"/>
-    </dgm:scene3d>
-    <dgm:sp3d/>
-    <dgm:txPr/>
-    <dgm:style>
-      <a:lnRef idx="0">
-        <a:scrgbClr r="0" g="0" b="0"/>
-      </a:lnRef>
-      <a:fillRef idx="1">
-        <a:scrgbClr r="0" g="0" b="0"/>
-      </a:fillRef>
-      <a:effectRef idx="0">
-        <a:scrgbClr r="0" g="0" b="0"/>
-      </a:effectRef>
-      <a:fontRef idx="minor"/>
-    </dgm:style>
-  </dgm:styleLbl>
-  <dgm:styleLbl name="trBgShp">
-    <dgm:scene3d>
-      <a:camera prst="orthographicFront"/>
-      <a:lightRig rig="threePt" dir="t"/>
-    </dgm:scene3d>
-    <dgm:sp3d/>
-    <dgm:txPr/>
-    <dgm:style>
-      <a:lnRef idx="0">
-        <a:scrgbClr r="0" g="0" b="0"/>
-      </a:lnRef>
-      <a:fillRef idx="1">
-        <a:scrgbClr r="0" g="0" b="0"/>
-      </a:fillRef>
-      <a:effectRef idx="0">
-        <a:scrgbClr r="0" g="0" b="0"/>
-      </a:effectRef>
-      <a:fontRef idx="minor"/>
-    </dgm:style>
-  </dgm:styleLbl>
-  <dgm:styleLbl name="fgShp">
-    <dgm:scene3d>
-      <a:camera prst="orthographicFront"/>
-      <a:lightRig rig="threePt" dir="t"/>
-    </dgm:scene3d>
-    <dgm:sp3d/>
-    <dgm:txPr/>
-    <dgm:style>
-      <a:lnRef idx="2">
-        <a:scrgbClr r="0" g="0" b="0"/>
-      </a:lnRef>
-      <a:fillRef idx="1">
-        <a:scrgbClr r="0" g="0" b="0"/>
-      </a:fillRef>
-      <a:effectRef idx="0">
-        <a:scrgbClr r="0" g="0" b="0"/>
-      </a:effectRef>
-      <a:fontRef idx="minor"/>
-    </dgm:style>
-  </dgm:styleLbl>
-  <dgm:styleLbl name="revTx">
-    <dgm:scene3d>
-      <a:camera prst="orthographicFront"/>
-      <a:lightRig rig="threePt" dir="t"/>
-    </dgm:scene3d>
-    <dgm:sp3d/>
-    <dgm:txPr/>
-    <dgm:style>
-      <a:lnRef idx="0">
-        <a:scrgbClr r="0" g="0" b="0"/>
-      </a:lnRef>
-      <a:fillRef idx="0">
-        <a:scrgbClr r="0" g="0" b="0"/>
-      </a:fillRef>
-      <a:effectRef idx="0">
-        <a:scrgbClr r="0" g="0" b="0"/>
-      </a:effectRef>
-      <a:fontRef idx="minor"/>
-    </dgm:style>
-  </dgm:styleLbl>
-</dgm:styleDef>
-</file>
-
 <file path=ppt/notesMasters/notesMaster1.xml><?xml version="1.0" encoding="utf-8"?>
 <p:notesMaster xmlns:a="http://schemas.openxmlformats.org/drawingml/2006/main" xmlns:r="http://schemas.openxmlformats.org/officeDocument/2006/relationships" xmlns:p="http://schemas.openxmlformats.org/presentationml/2006/main">
   <p:cSld>
@@ -3853,6 +1343,7 @@
           <a:p>
             <a:fld id="{20F0B5AB-B8B2-4037-8291-C106D3283E64}" type="datetimeFigureOut">
               <a:rPr lang="en-US" smtClean="0"/>
+              <a:pPr/>
               <a:t>11/23/2021</a:t>
             </a:fld>
             <a:endParaRPr lang="en-US"/>
@@ -4011,6 +1502,7 @@
           <a:p>
             <a:fld id="{DE781C75-54E2-4253-8445-B9761A01B45D}" type="slidenum">
               <a:rPr lang="en-US" smtClean="0"/>
+              <a:pPr/>
               <a:t>‹#›</a:t>
             </a:fld>
             <a:endParaRPr lang="en-US"/>
@@ -4020,7 +1512,7 @@
     </p:spTree>
     <p:extLst>
       <p:ext uri="{BB962C8B-B14F-4D97-AF65-F5344CB8AC3E}">
-        <p14:creationId xmlns:p14="http://schemas.microsoft.com/office/powerpoint/2010/main" val="2742511969"/>
+        <p14:creationId xmlns="" xmlns:p14="http://schemas.microsoft.com/office/powerpoint/2010/main" val="2742511969"/>
       </p:ext>
     </p:extLst>
   </p:cSld>
@@ -4185,7 +1677,8 @@
           <a:p>
             <a:fld id="{DE781C75-54E2-4253-8445-B9761A01B45D}" type="slidenum">
               <a:rPr lang="en-US" smtClean="0"/>
-              <a:t>6</a:t>
+              <a:pPr/>
+              <a:t>7</a:t>
             </a:fld>
             <a:endParaRPr lang="en-US"/>
           </a:p>
@@ -4194,7 +1687,7 @@
     </p:spTree>
     <p:extLst>
       <p:ext uri="{BB962C8B-B14F-4D97-AF65-F5344CB8AC3E}">
-        <p14:creationId xmlns:p14="http://schemas.microsoft.com/office/powerpoint/2010/main" val="2635701566"/>
+        <p14:creationId xmlns="" xmlns:p14="http://schemas.microsoft.com/office/powerpoint/2010/main" val="2635701566"/>
       </p:ext>
     </p:extLst>
   </p:cSld>
@@ -7860,6 +5353,13 @@
   <p:transition>
     <p:fade thruBlk="1"/>
   </p:transition>
+  <p:timing>
+    <p:tnLst>
+      <p:par>
+        <p:cTn id="1" dur="indefinite" restart="never" nodeType="tmRoot"/>
+      </p:par>
+    </p:tnLst>
+  </p:timing>
 </p:sld>
 </file>
 
@@ -7892,7 +5392,7 @@
         </p:nvSpPr>
         <p:spPr>
           <a:xfrm>
-            <a:off x="990600" y="666750"/>
+            <a:off x="1143000" y="38100"/>
             <a:ext cx="6858000" cy="857250"/>
           </a:xfrm>
         </p:spPr>
@@ -7903,104 +5403,43 @@
           <a:lstStyle/>
           <a:p>
             <a:r>
-              <a:rPr lang="en-US" dirty="0">
-                <a:solidFill>
-                  <a:schemeClr val="tx1"/>
-                </a:solidFill>
-              </a:rPr>
-              <a:t>Advantage of Data Science ?</a:t>
-            </a:r>
-          </a:p>
-        </p:txBody>
-      </p:sp>
-      <p:sp>
-        <p:nvSpPr>
-          <p:cNvPr id="4" name="TextBox 3"/>
-          <p:cNvSpPr txBox="1"/>
+              <a:rPr lang="en-US" dirty="0" smtClean="0"/>
+              <a:t>Working Procedure of </a:t>
+            </a:r>
+            <a:r>
+              <a:rPr lang="en-US" dirty="0" err="1" smtClean="0"/>
+              <a:t>Alexa</a:t>
+            </a:r>
+            <a:endParaRPr lang="en-US" dirty="0"/>
+          </a:p>
+        </p:txBody>
+      </p:sp>
+      <p:pic>
+        <p:nvPicPr>
+          <p:cNvPr id="1026" name="Picture 2" descr="C:\Users\sheto\Desktop\Alexa\0_HvvY9eVDqwv_ElvF.png"/>
+          <p:cNvPicPr>
+            <a:picLocks noChangeAspect="1" noChangeArrowheads="1"/>
+          </p:cNvPicPr>
           <p:nvPr/>
-        </p:nvSpPr>
-        <p:spPr>
-          <a:xfrm>
-            <a:off x="1143000" y="2038350"/>
-            <a:ext cx="7620000" cy="2169825"/>
+        </p:nvPicPr>
+        <p:blipFill>
+          <a:blip r:embed="rId2"/>
+          <a:srcRect/>
+          <a:stretch>
+            <a:fillRect/>
+          </a:stretch>
+        </p:blipFill>
+        <p:spPr bwMode="auto">
+          <a:xfrm>
+            <a:off x="1981200" y="1200150"/>
+            <a:ext cx="5181600" cy="3763371"/>
           </a:xfrm>
           <a:prstGeom prst="rect">
             <a:avLst/>
           </a:prstGeom>
           <a:noFill/>
         </p:spPr>
-        <p:txBody>
-          <a:bodyPr wrap="square" rtlCol="0">
-            <a:spAutoFit/>
-          </a:bodyPr>
-          <a:lstStyle/>
-          <a:p>
-            <a:pPr marL="400050" indent="-400050">
-              <a:lnSpc>
-                <a:spcPct val="150000"/>
-              </a:lnSpc>
-              <a:buFont typeface="+mj-lt"/>
-              <a:buAutoNum type="romanLcPeriod"/>
-            </a:pPr>
-            <a:r>
-              <a:rPr lang="en-US" dirty="0"/>
-              <a:t>It’s in Demand</a:t>
-            </a:r>
-          </a:p>
-          <a:p>
-            <a:pPr marL="400050" indent="-400050">
-              <a:lnSpc>
-                <a:spcPct val="150000"/>
-              </a:lnSpc>
-              <a:buFont typeface="+mj-lt"/>
-              <a:buAutoNum type="romanLcPeriod"/>
-            </a:pPr>
-            <a:r>
-              <a:rPr lang="en-US" dirty="0"/>
-              <a:t>A Highly Paid Career</a:t>
-            </a:r>
-          </a:p>
-          <a:p>
-            <a:pPr marL="400050" indent="-400050">
-              <a:lnSpc>
-                <a:spcPct val="150000"/>
-              </a:lnSpc>
-              <a:buFont typeface="+mj-lt"/>
-              <a:buAutoNum type="romanLcPeriod"/>
-            </a:pPr>
-            <a:r>
-              <a:rPr lang="en-US" dirty="0"/>
-              <a:t>Data Science is Versatile</a:t>
-            </a:r>
-          </a:p>
-          <a:p>
-            <a:pPr marL="400050" indent="-400050">
-              <a:lnSpc>
-                <a:spcPct val="150000"/>
-              </a:lnSpc>
-              <a:buFont typeface="+mj-lt"/>
-              <a:buAutoNum type="romanLcPeriod"/>
-            </a:pPr>
-            <a:r>
-              <a:rPr lang="en-US" dirty="0"/>
-              <a:t>Data Science Makes Data Better</a:t>
-            </a:r>
-          </a:p>
-          <a:p>
-            <a:pPr marL="400050" indent="-400050">
-              <a:lnSpc>
-                <a:spcPct val="150000"/>
-              </a:lnSpc>
-              <a:buFont typeface="+mj-lt"/>
-              <a:buAutoNum type="romanLcPeriod"/>
-            </a:pPr>
-            <a:r>
-              <a:rPr lang="en-US" dirty="0"/>
-              <a:t>Computer Science</a:t>
-            </a:r>
-          </a:p>
-        </p:txBody>
-      </p:sp>
+      </p:pic>
     </p:spTree>
   </p:cSld>
   <p:clrMapOvr>
@@ -8012,605 +5451,7 @@
   <p:timing>
     <p:tnLst>
       <p:par>
-        <p:cTn id="1" dur="indefinite" restart="never" nodeType="tmRoot">
-          <p:childTnLst>
-            <p:seq concurrent="1" nextAc="seek">
-              <p:cTn id="2" dur="indefinite" nodeType="mainSeq">
-                <p:childTnLst>
-                  <p:par>
-                    <p:cTn id="3" fill="hold">
-                      <p:stCondLst>
-                        <p:cond delay="indefinite"/>
-                      </p:stCondLst>
-                      <p:childTnLst>
-                        <p:par>
-                          <p:cTn id="4" fill="hold">
-                            <p:stCondLst>
-                              <p:cond delay="0"/>
-                            </p:stCondLst>
-                            <p:childTnLst>
-                              <p:par>
-                                <p:cTn id="5" presetID="53" presetClass="entr" presetSubtype="0" fill="hold" nodeType="clickEffect">
-                                  <p:stCondLst>
-                                    <p:cond delay="0"/>
-                                  </p:stCondLst>
-                                  <p:childTnLst>
-                                    <p:set>
-                                      <p:cBhvr>
-                                        <p:cTn id="6" dur="1" fill="hold">
-                                          <p:stCondLst>
-                                            <p:cond delay="0"/>
-                                          </p:stCondLst>
-                                        </p:cTn>
-                                        <p:tgtEl>
-                                          <p:spTgt spid="4">
-                                            <p:txEl>
-                                              <p:pRg st="0" end="0"/>
-                                            </p:txEl>
-                                          </p:spTgt>
-                                        </p:tgtEl>
-                                        <p:attrNameLst>
-                                          <p:attrName>style.visibility</p:attrName>
-                                        </p:attrNameLst>
-                                      </p:cBhvr>
-                                      <p:to>
-                                        <p:strVal val="visible"/>
-                                      </p:to>
-                                    </p:set>
-                                    <p:anim calcmode="lin" valueType="num">
-                                      <p:cBhvr>
-                                        <p:cTn id="7" dur="500" fill="hold"/>
-                                        <p:tgtEl>
-                                          <p:spTgt spid="4">
-                                            <p:txEl>
-                                              <p:pRg st="0" end="0"/>
-                                            </p:txEl>
-                                          </p:spTgt>
-                                        </p:tgtEl>
-                                        <p:attrNameLst>
-                                          <p:attrName>ppt_w</p:attrName>
-                                        </p:attrNameLst>
-                                      </p:cBhvr>
-                                      <p:tavLst>
-                                        <p:tav tm="0">
-                                          <p:val>
-                                            <p:fltVal val="0"/>
-                                          </p:val>
-                                        </p:tav>
-                                        <p:tav tm="100000">
-                                          <p:val>
-                                            <p:strVal val="#ppt_w"/>
-                                          </p:val>
-                                        </p:tav>
-                                      </p:tavLst>
-                                    </p:anim>
-                                    <p:anim calcmode="lin" valueType="num">
-                                      <p:cBhvr>
-                                        <p:cTn id="8" dur="500" fill="hold"/>
-                                        <p:tgtEl>
-                                          <p:spTgt spid="4">
-                                            <p:txEl>
-                                              <p:pRg st="0" end="0"/>
-                                            </p:txEl>
-                                          </p:spTgt>
-                                        </p:tgtEl>
-                                        <p:attrNameLst>
-                                          <p:attrName>ppt_h</p:attrName>
-                                        </p:attrNameLst>
-                                      </p:cBhvr>
-                                      <p:tavLst>
-                                        <p:tav tm="0">
-                                          <p:val>
-                                            <p:fltVal val="0"/>
-                                          </p:val>
-                                        </p:tav>
-                                        <p:tav tm="100000">
-                                          <p:val>
-                                            <p:strVal val="#ppt_h"/>
-                                          </p:val>
-                                        </p:tav>
-                                      </p:tavLst>
-                                    </p:anim>
-                                    <p:animEffect transition="in" filter="fade">
-                                      <p:cBhvr>
-                                        <p:cTn id="9" dur="500"/>
-                                        <p:tgtEl>
-                                          <p:spTgt spid="4">
-                                            <p:txEl>
-                                              <p:pRg st="0" end="0"/>
-                                            </p:txEl>
-                                          </p:spTgt>
-                                        </p:tgtEl>
-                                      </p:cBhvr>
-                                    </p:animEffect>
-                                  </p:childTnLst>
-                                </p:cTn>
-                              </p:par>
-                            </p:childTnLst>
-                          </p:cTn>
-                        </p:par>
-                      </p:childTnLst>
-                    </p:cTn>
-                  </p:par>
-                  <p:par>
-                    <p:cTn id="10" fill="hold">
-                      <p:stCondLst>
-                        <p:cond delay="indefinite"/>
-                      </p:stCondLst>
-                      <p:childTnLst>
-                        <p:par>
-                          <p:cTn id="11" fill="hold">
-                            <p:stCondLst>
-                              <p:cond delay="0"/>
-                            </p:stCondLst>
-                            <p:childTnLst>
-                              <p:par>
-                                <p:cTn id="12" presetID="53" presetClass="entr" presetSubtype="0" fill="hold" nodeType="clickEffect">
-                                  <p:stCondLst>
-                                    <p:cond delay="0"/>
-                                  </p:stCondLst>
-                                  <p:childTnLst>
-                                    <p:set>
-                                      <p:cBhvr>
-                                        <p:cTn id="13" dur="1" fill="hold">
-                                          <p:stCondLst>
-                                            <p:cond delay="0"/>
-                                          </p:stCondLst>
-                                        </p:cTn>
-                                        <p:tgtEl>
-                                          <p:spTgt spid="4">
-                                            <p:txEl>
-                                              <p:pRg st="1" end="1"/>
-                                            </p:txEl>
-                                          </p:spTgt>
-                                        </p:tgtEl>
-                                        <p:attrNameLst>
-                                          <p:attrName>style.visibility</p:attrName>
-                                        </p:attrNameLst>
-                                      </p:cBhvr>
-                                      <p:to>
-                                        <p:strVal val="visible"/>
-                                      </p:to>
-                                    </p:set>
-                                    <p:anim calcmode="lin" valueType="num">
-                                      <p:cBhvr>
-                                        <p:cTn id="14" dur="500" fill="hold"/>
-                                        <p:tgtEl>
-                                          <p:spTgt spid="4">
-                                            <p:txEl>
-                                              <p:pRg st="1" end="1"/>
-                                            </p:txEl>
-                                          </p:spTgt>
-                                        </p:tgtEl>
-                                        <p:attrNameLst>
-                                          <p:attrName>ppt_w</p:attrName>
-                                        </p:attrNameLst>
-                                      </p:cBhvr>
-                                      <p:tavLst>
-                                        <p:tav tm="0">
-                                          <p:val>
-                                            <p:fltVal val="0"/>
-                                          </p:val>
-                                        </p:tav>
-                                        <p:tav tm="100000">
-                                          <p:val>
-                                            <p:strVal val="#ppt_w"/>
-                                          </p:val>
-                                        </p:tav>
-                                      </p:tavLst>
-                                    </p:anim>
-                                    <p:anim calcmode="lin" valueType="num">
-                                      <p:cBhvr>
-                                        <p:cTn id="15" dur="500" fill="hold"/>
-                                        <p:tgtEl>
-                                          <p:spTgt spid="4">
-                                            <p:txEl>
-                                              <p:pRg st="1" end="1"/>
-                                            </p:txEl>
-                                          </p:spTgt>
-                                        </p:tgtEl>
-                                        <p:attrNameLst>
-                                          <p:attrName>ppt_h</p:attrName>
-                                        </p:attrNameLst>
-                                      </p:cBhvr>
-                                      <p:tavLst>
-                                        <p:tav tm="0">
-                                          <p:val>
-                                            <p:fltVal val="0"/>
-                                          </p:val>
-                                        </p:tav>
-                                        <p:tav tm="100000">
-                                          <p:val>
-                                            <p:strVal val="#ppt_h"/>
-                                          </p:val>
-                                        </p:tav>
-                                      </p:tavLst>
-                                    </p:anim>
-                                    <p:animEffect transition="in" filter="fade">
-                                      <p:cBhvr>
-                                        <p:cTn id="16" dur="500"/>
-                                        <p:tgtEl>
-                                          <p:spTgt spid="4">
-                                            <p:txEl>
-                                              <p:pRg st="1" end="1"/>
-                                            </p:txEl>
-                                          </p:spTgt>
-                                        </p:tgtEl>
-                                      </p:cBhvr>
-                                    </p:animEffect>
-                                  </p:childTnLst>
-                                </p:cTn>
-                              </p:par>
-                            </p:childTnLst>
-                          </p:cTn>
-                        </p:par>
-                      </p:childTnLst>
-                    </p:cTn>
-                  </p:par>
-                  <p:par>
-                    <p:cTn id="17" fill="hold">
-                      <p:stCondLst>
-                        <p:cond delay="indefinite"/>
-                      </p:stCondLst>
-                      <p:childTnLst>
-                        <p:par>
-                          <p:cTn id="18" fill="hold">
-                            <p:stCondLst>
-                              <p:cond delay="0"/>
-                            </p:stCondLst>
-                            <p:childTnLst>
-                              <p:par>
-                                <p:cTn id="19" presetID="53" presetClass="entr" presetSubtype="0" fill="hold" nodeType="clickEffect">
-                                  <p:stCondLst>
-                                    <p:cond delay="0"/>
-                                  </p:stCondLst>
-                                  <p:childTnLst>
-                                    <p:set>
-                                      <p:cBhvr>
-                                        <p:cTn id="20" dur="1" fill="hold">
-                                          <p:stCondLst>
-                                            <p:cond delay="0"/>
-                                          </p:stCondLst>
-                                        </p:cTn>
-                                        <p:tgtEl>
-                                          <p:spTgt spid="4">
-                                            <p:txEl>
-                                              <p:pRg st="2" end="2"/>
-                                            </p:txEl>
-                                          </p:spTgt>
-                                        </p:tgtEl>
-                                        <p:attrNameLst>
-                                          <p:attrName>style.visibility</p:attrName>
-                                        </p:attrNameLst>
-                                      </p:cBhvr>
-                                      <p:to>
-                                        <p:strVal val="visible"/>
-                                      </p:to>
-                                    </p:set>
-                                    <p:anim calcmode="lin" valueType="num">
-                                      <p:cBhvr>
-                                        <p:cTn id="21" dur="500" fill="hold"/>
-                                        <p:tgtEl>
-                                          <p:spTgt spid="4">
-                                            <p:txEl>
-                                              <p:pRg st="2" end="2"/>
-                                            </p:txEl>
-                                          </p:spTgt>
-                                        </p:tgtEl>
-                                        <p:attrNameLst>
-                                          <p:attrName>ppt_w</p:attrName>
-                                        </p:attrNameLst>
-                                      </p:cBhvr>
-                                      <p:tavLst>
-                                        <p:tav tm="0">
-                                          <p:val>
-                                            <p:fltVal val="0"/>
-                                          </p:val>
-                                        </p:tav>
-                                        <p:tav tm="100000">
-                                          <p:val>
-                                            <p:strVal val="#ppt_w"/>
-                                          </p:val>
-                                        </p:tav>
-                                      </p:tavLst>
-                                    </p:anim>
-                                    <p:anim calcmode="lin" valueType="num">
-                                      <p:cBhvr>
-                                        <p:cTn id="22" dur="500" fill="hold"/>
-                                        <p:tgtEl>
-                                          <p:spTgt spid="4">
-                                            <p:txEl>
-                                              <p:pRg st="2" end="2"/>
-                                            </p:txEl>
-                                          </p:spTgt>
-                                        </p:tgtEl>
-                                        <p:attrNameLst>
-                                          <p:attrName>ppt_h</p:attrName>
-                                        </p:attrNameLst>
-                                      </p:cBhvr>
-                                      <p:tavLst>
-                                        <p:tav tm="0">
-                                          <p:val>
-                                            <p:fltVal val="0"/>
-                                          </p:val>
-                                        </p:tav>
-                                        <p:tav tm="100000">
-                                          <p:val>
-                                            <p:strVal val="#ppt_h"/>
-                                          </p:val>
-                                        </p:tav>
-                                      </p:tavLst>
-                                    </p:anim>
-                                    <p:animEffect transition="in" filter="fade">
-                                      <p:cBhvr>
-                                        <p:cTn id="23" dur="500"/>
-                                        <p:tgtEl>
-                                          <p:spTgt spid="4">
-                                            <p:txEl>
-                                              <p:pRg st="2" end="2"/>
-                                            </p:txEl>
-                                          </p:spTgt>
-                                        </p:tgtEl>
-                                      </p:cBhvr>
-                                    </p:animEffect>
-                                  </p:childTnLst>
-                                </p:cTn>
-                              </p:par>
-                            </p:childTnLst>
-                          </p:cTn>
-                        </p:par>
-                      </p:childTnLst>
-                    </p:cTn>
-                  </p:par>
-                  <p:par>
-                    <p:cTn id="24" fill="hold">
-                      <p:stCondLst>
-                        <p:cond delay="indefinite"/>
-                      </p:stCondLst>
-                      <p:childTnLst>
-                        <p:par>
-                          <p:cTn id="25" fill="hold">
-                            <p:stCondLst>
-                              <p:cond delay="0"/>
-                            </p:stCondLst>
-                            <p:childTnLst>
-                              <p:par>
-                                <p:cTn id="26" presetID="53" presetClass="entr" presetSubtype="0" fill="hold" nodeType="clickEffect">
-                                  <p:stCondLst>
-                                    <p:cond delay="0"/>
-                                  </p:stCondLst>
-                                  <p:childTnLst>
-                                    <p:set>
-                                      <p:cBhvr>
-                                        <p:cTn id="27" dur="1" fill="hold">
-                                          <p:stCondLst>
-                                            <p:cond delay="0"/>
-                                          </p:stCondLst>
-                                        </p:cTn>
-                                        <p:tgtEl>
-                                          <p:spTgt spid="4">
-                                            <p:txEl>
-                                              <p:pRg st="3" end="3"/>
-                                            </p:txEl>
-                                          </p:spTgt>
-                                        </p:tgtEl>
-                                        <p:attrNameLst>
-                                          <p:attrName>style.visibility</p:attrName>
-                                        </p:attrNameLst>
-                                      </p:cBhvr>
-                                      <p:to>
-                                        <p:strVal val="visible"/>
-                                      </p:to>
-                                    </p:set>
-                                    <p:anim calcmode="lin" valueType="num">
-                                      <p:cBhvr>
-                                        <p:cTn id="28" dur="500" fill="hold"/>
-                                        <p:tgtEl>
-                                          <p:spTgt spid="4">
-                                            <p:txEl>
-                                              <p:pRg st="3" end="3"/>
-                                            </p:txEl>
-                                          </p:spTgt>
-                                        </p:tgtEl>
-                                        <p:attrNameLst>
-                                          <p:attrName>ppt_w</p:attrName>
-                                        </p:attrNameLst>
-                                      </p:cBhvr>
-                                      <p:tavLst>
-                                        <p:tav tm="0">
-                                          <p:val>
-                                            <p:fltVal val="0"/>
-                                          </p:val>
-                                        </p:tav>
-                                        <p:tav tm="100000">
-                                          <p:val>
-                                            <p:strVal val="#ppt_w"/>
-                                          </p:val>
-                                        </p:tav>
-                                      </p:tavLst>
-                                    </p:anim>
-                                    <p:anim calcmode="lin" valueType="num">
-                                      <p:cBhvr>
-                                        <p:cTn id="29" dur="500" fill="hold"/>
-                                        <p:tgtEl>
-                                          <p:spTgt spid="4">
-                                            <p:txEl>
-                                              <p:pRg st="3" end="3"/>
-                                            </p:txEl>
-                                          </p:spTgt>
-                                        </p:tgtEl>
-                                        <p:attrNameLst>
-                                          <p:attrName>ppt_h</p:attrName>
-                                        </p:attrNameLst>
-                                      </p:cBhvr>
-                                      <p:tavLst>
-                                        <p:tav tm="0">
-                                          <p:val>
-                                            <p:fltVal val="0"/>
-                                          </p:val>
-                                        </p:tav>
-                                        <p:tav tm="100000">
-                                          <p:val>
-                                            <p:strVal val="#ppt_h"/>
-                                          </p:val>
-                                        </p:tav>
-                                      </p:tavLst>
-                                    </p:anim>
-                                    <p:animEffect transition="in" filter="fade">
-                                      <p:cBhvr>
-                                        <p:cTn id="30" dur="500"/>
-                                        <p:tgtEl>
-                                          <p:spTgt spid="4">
-                                            <p:txEl>
-                                              <p:pRg st="3" end="3"/>
-                                            </p:txEl>
-                                          </p:spTgt>
-                                        </p:tgtEl>
-                                      </p:cBhvr>
-                                    </p:animEffect>
-                                  </p:childTnLst>
-                                </p:cTn>
-                              </p:par>
-                            </p:childTnLst>
-                          </p:cTn>
-                        </p:par>
-                      </p:childTnLst>
-                    </p:cTn>
-                  </p:par>
-                  <p:par>
-                    <p:cTn id="31" fill="hold">
-                      <p:stCondLst>
-                        <p:cond delay="indefinite"/>
-                      </p:stCondLst>
-                      <p:childTnLst>
-                        <p:par>
-                          <p:cTn id="32" fill="hold">
-                            <p:stCondLst>
-                              <p:cond delay="0"/>
-                            </p:stCondLst>
-                            <p:childTnLst>
-                              <p:par>
-                                <p:cTn id="33" presetID="53" presetClass="entr" presetSubtype="0" fill="hold" nodeType="clickEffect">
-                                  <p:stCondLst>
-                                    <p:cond delay="0"/>
-                                  </p:stCondLst>
-                                  <p:childTnLst>
-                                    <p:set>
-                                      <p:cBhvr>
-                                        <p:cTn id="34" dur="1" fill="hold">
-                                          <p:stCondLst>
-                                            <p:cond delay="0"/>
-                                          </p:stCondLst>
-                                        </p:cTn>
-                                        <p:tgtEl>
-                                          <p:spTgt spid="4">
-                                            <p:txEl>
-                                              <p:pRg st="4" end="4"/>
-                                            </p:txEl>
-                                          </p:spTgt>
-                                        </p:tgtEl>
-                                        <p:attrNameLst>
-                                          <p:attrName>style.visibility</p:attrName>
-                                        </p:attrNameLst>
-                                      </p:cBhvr>
-                                      <p:to>
-                                        <p:strVal val="visible"/>
-                                      </p:to>
-                                    </p:set>
-                                    <p:anim calcmode="lin" valueType="num">
-                                      <p:cBhvr>
-                                        <p:cTn id="35" dur="500" fill="hold"/>
-                                        <p:tgtEl>
-                                          <p:spTgt spid="4">
-                                            <p:txEl>
-                                              <p:pRg st="4" end="4"/>
-                                            </p:txEl>
-                                          </p:spTgt>
-                                        </p:tgtEl>
-                                        <p:attrNameLst>
-                                          <p:attrName>ppt_w</p:attrName>
-                                        </p:attrNameLst>
-                                      </p:cBhvr>
-                                      <p:tavLst>
-                                        <p:tav tm="0">
-                                          <p:val>
-                                            <p:fltVal val="0"/>
-                                          </p:val>
-                                        </p:tav>
-                                        <p:tav tm="100000">
-                                          <p:val>
-                                            <p:strVal val="#ppt_w"/>
-                                          </p:val>
-                                        </p:tav>
-                                      </p:tavLst>
-                                    </p:anim>
-                                    <p:anim calcmode="lin" valueType="num">
-                                      <p:cBhvr>
-                                        <p:cTn id="36" dur="500" fill="hold"/>
-                                        <p:tgtEl>
-                                          <p:spTgt spid="4">
-                                            <p:txEl>
-                                              <p:pRg st="4" end="4"/>
-                                            </p:txEl>
-                                          </p:spTgt>
-                                        </p:tgtEl>
-                                        <p:attrNameLst>
-                                          <p:attrName>ppt_h</p:attrName>
-                                        </p:attrNameLst>
-                                      </p:cBhvr>
-                                      <p:tavLst>
-                                        <p:tav tm="0">
-                                          <p:val>
-                                            <p:fltVal val="0"/>
-                                          </p:val>
-                                        </p:tav>
-                                        <p:tav tm="100000">
-                                          <p:val>
-                                            <p:strVal val="#ppt_h"/>
-                                          </p:val>
-                                        </p:tav>
-                                      </p:tavLst>
-                                    </p:anim>
-                                    <p:animEffect transition="in" filter="fade">
-                                      <p:cBhvr>
-                                        <p:cTn id="37" dur="500"/>
-                                        <p:tgtEl>
-                                          <p:spTgt spid="4">
-                                            <p:txEl>
-                                              <p:pRg st="4" end="4"/>
-                                            </p:txEl>
-                                          </p:spTgt>
-                                        </p:tgtEl>
-                                      </p:cBhvr>
-                                    </p:animEffect>
-                                  </p:childTnLst>
-                                </p:cTn>
-                              </p:par>
-                            </p:childTnLst>
-                          </p:cTn>
-                        </p:par>
-                      </p:childTnLst>
-                    </p:cTn>
-                  </p:par>
-                </p:childTnLst>
-              </p:cTn>
-              <p:prevCondLst>
-                <p:cond evt="onPrev" delay="0">
-                  <p:tgtEl>
-                    <p:sldTgt/>
-                  </p:tgtEl>
-                </p:cond>
-              </p:prevCondLst>
-              <p:nextCondLst>
-                <p:cond evt="onNext" delay="0">
-                  <p:tgtEl>
-                    <p:sldTgt/>
-                  </p:tgtEl>
-                </p:cond>
-              </p:nextCondLst>
-            </p:seq>
-          </p:childTnLst>
-        </p:cTn>
+        <p:cTn id="1" dur="indefinite" restart="never" nodeType="tmRoot"/>
       </p:par>
     </p:tnLst>
   </p:timing>
@@ -8646,24 +5487,142 @@
         </p:nvSpPr>
         <p:spPr>
           <a:xfrm>
-            <a:off x="990600" y="666750"/>
-            <a:ext cx="6858000" cy="857250"/>
+            <a:off x="1066800" y="-19050"/>
+            <a:ext cx="6477000" cy="857250"/>
           </a:xfrm>
         </p:spPr>
         <p:txBody>
           <a:bodyPr>
-            <a:normAutofit fontScale="90000"/>
+            <a:normAutofit/>
           </a:bodyPr>
           <a:lstStyle/>
           <a:p>
             <a:r>
-              <a:rPr lang="en-US" dirty="0">
+              <a:rPr lang="en-US" dirty="0" smtClean="0">
                 <a:solidFill>
                   <a:schemeClr val="tx1"/>
                 </a:solidFill>
               </a:rPr>
-              <a:t>Disadvantage of Data Science ?</a:t>
-            </a:r>
+              <a:t>Text to Speech Conversation</a:t>
+            </a:r>
+            <a:endParaRPr lang="en-US" dirty="0">
+              <a:solidFill>
+                <a:schemeClr val="tx1"/>
+              </a:solidFill>
+            </a:endParaRPr>
+          </a:p>
+        </p:txBody>
+      </p:sp>
+      <p:pic>
+        <p:nvPicPr>
+          <p:cNvPr id="7" name="Picture 6" descr="Screenshot 2021-11-22 132100.png"/>
+          <p:cNvPicPr>
+            <a:picLocks noChangeAspect="1"/>
+          </p:cNvPicPr>
+          <p:nvPr/>
+        </p:nvPicPr>
+        <p:blipFill>
+          <a:blip r:embed="rId2"/>
+          <a:stretch>
+            <a:fillRect/>
+          </a:stretch>
+        </p:blipFill>
+        <p:spPr>
+          <a:xfrm>
+            <a:off x="1752600" y="1428750"/>
+            <a:ext cx="5468114" cy="2857899"/>
+          </a:xfrm>
+          <a:prstGeom prst="rect">
+            <a:avLst/>
+          </a:prstGeom>
+        </p:spPr>
+      </p:pic>
+    </p:spTree>
+  </p:cSld>
+  <p:clrMapOvr>
+    <a:masterClrMapping/>
+  </p:clrMapOvr>
+  <p:transition>
+    <p:fade thruBlk="1"/>
+  </p:transition>
+  <p:timing>
+    <p:tnLst>
+      <p:par>
+        <p:cTn id="1" dur="indefinite" restart="never" nodeType="tmRoot"/>
+      </p:par>
+    </p:tnLst>
+  </p:timing>
+</p:sld>
+</file>
+
+<file path=ppt/slides/slide12.xml><?xml version="1.0" encoding="utf-8"?>
+<p:sld xmlns:a="http://schemas.openxmlformats.org/drawingml/2006/main" xmlns:r="http://schemas.openxmlformats.org/officeDocument/2006/relationships" xmlns:p="http://schemas.openxmlformats.org/presentationml/2006/main">
+  <p:cSld>
+    <p:spTree>
+      <p:nvGrpSpPr>
+        <p:cNvPr id="1" name=""/>
+        <p:cNvGrpSpPr/>
+        <p:nvPr/>
+      </p:nvGrpSpPr>
+      <p:grpSpPr>
+        <a:xfrm>
+          <a:off x="0" y="0"/>
+          <a:ext cx="0" cy="0"/>
+          <a:chOff x="0" y="0"/>
+          <a:chExt cx="0" cy="0"/>
+        </a:xfrm>
+      </p:grpSpPr>
+      <p:sp>
+        <p:nvSpPr>
+          <p:cNvPr id="3" name="Title 2"/>
+          <p:cNvSpPr>
+            <a:spLocks noGrp="1"/>
+          </p:cNvSpPr>
+          <p:nvPr>
+            <p:ph type="title"/>
+          </p:nvPr>
+        </p:nvSpPr>
+        <p:spPr>
+          <a:xfrm>
+            <a:off x="3200400" y="0"/>
+            <a:ext cx="2819400" cy="857250"/>
+          </a:xfrm>
+        </p:spPr>
+        <p:txBody>
+          <a:bodyPr>
+            <a:normAutofit/>
+          </a:bodyPr>
+          <a:lstStyle/>
+          <a:p>
+            <a:r>
+              <a:rPr lang="en-US" dirty="0" smtClean="0">
+                <a:solidFill>
+                  <a:schemeClr val="tx1"/>
+                </a:solidFill>
+              </a:rPr>
+              <a:t> </a:t>
+            </a:r>
+            <a:r>
+              <a:rPr lang="en-US" dirty="0" err="1" smtClean="0">
+                <a:solidFill>
+                  <a:schemeClr val="tx1"/>
+                </a:solidFill>
+              </a:rPr>
+              <a:t>Alexa</a:t>
+            </a:r>
+            <a:r>
+              <a:rPr lang="en-US" dirty="0" smtClean="0">
+                <a:solidFill>
+                  <a:schemeClr val="tx1"/>
+                </a:solidFill>
+              </a:rPr>
+              <a:t> Skill</a:t>
+            </a:r>
+            <a:endParaRPr lang="en-US" dirty="0">
+              <a:solidFill>
+                <a:schemeClr val="tx1"/>
+              </a:solidFill>
+            </a:endParaRPr>
           </a:p>
         </p:txBody>
       </p:sp>
@@ -8675,8 +5634,8 @@
         </p:nvSpPr>
         <p:spPr>
           <a:xfrm>
-            <a:off x="1143000" y="2038350"/>
-            <a:ext cx="7620000" cy="1338828"/>
+            <a:off x="2819400" y="1962150"/>
+            <a:ext cx="3429000" cy="1338828"/>
           </a:xfrm>
           <a:prstGeom prst="rect">
             <a:avLst/>
@@ -8697,9 +5656,10 @@
               <a:buAutoNum type="romanLcPeriod"/>
             </a:pPr>
             <a:r>
-              <a:rPr lang="en-US" dirty="0"/>
-              <a:t>Mastering Data Science is near to impossible</a:t>
-            </a:r>
+              <a:rPr lang="en-US" dirty="0" smtClean="0"/>
+              <a:t>Smart Home Skill</a:t>
+            </a:r>
+            <a:endParaRPr lang="en-US" dirty="0"/>
           </a:p>
           <a:p>
             <a:pPr marL="400050" indent="-400050">
@@ -8710,9 +5670,10 @@
               <a:buAutoNum type="romanLcPeriod"/>
             </a:pPr>
             <a:r>
-              <a:rPr lang="en-US" dirty="0"/>
-              <a:t>Large Amount of Domain Knowledge Required</a:t>
-            </a:r>
+              <a:rPr lang="en-US" dirty="0" smtClean="0"/>
+              <a:t>Flash Briefing Skill</a:t>
+            </a:r>
+            <a:endParaRPr lang="en-US" dirty="0"/>
           </a:p>
           <a:p>
             <a:pPr marL="400050" indent="-400050">
@@ -8723,9 +5684,44 @@
               <a:buAutoNum type="romanLcPeriod"/>
             </a:pPr>
             <a:r>
-              <a:rPr lang="en-US" dirty="0"/>
-              <a:t>Problem of Data Privacy</a:t>
-            </a:r>
+              <a:rPr lang="en-US" dirty="0" smtClean="0"/>
+              <a:t>Custom Skill</a:t>
+            </a:r>
+            <a:endParaRPr lang="en-US" dirty="0"/>
+          </a:p>
+        </p:txBody>
+      </p:sp>
+      <p:sp>
+        <p:nvSpPr>
+          <p:cNvPr id="5" name="TextBox 4"/>
+          <p:cNvSpPr txBox="1"/>
+          <p:nvPr/>
+        </p:nvSpPr>
+        <p:spPr>
+          <a:xfrm>
+            <a:off x="1219200" y="1352550"/>
+            <a:ext cx="4343400" cy="461665"/>
+          </a:xfrm>
+          <a:prstGeom prst="rect">
+            <a:avLst/>
+          </a:prstGeom>
+          <a:noFill/>
+        </p:spPr>
+        <p:txBody>
+          <a:bodyPr wrap="square" rtlCol="0">
+            <a:spAutoFit/>
+          </a:bodyPr>
+          <a:lstStyle/>
+          <a:p>
+            <a:r>
+              <a:rPr lang="en-US" sz="2400" b="1" dirty="0" err="1" smtClean="0"/>
+              <a:t>Alexa</a:t>
+            </a:r>
+            <a:r>
+              <a:rPr lang="en-US" sz="2400" b="1" dirty="0" smtClean="0"/>
+              <a:t> has three types of skill :</a:t>
+            </a:r>
+            <a:endParaRPr lang="en-US" sz="2400" b="1" dirty="0"/>
           </a:p>
         </p:txBody>
       </p:sp>
@@ -9115,71 +6111,6 @@
 </p:sld>
 </file>
 
-<file path=ppt/slides/slide12.xml><?xml version="1.0" encoding="utf-8"?>
-<p:sld xmlns:a="http://schemas.openxmlformats.org/drawingml/2006/main" xmlns:r="http://schemas.openxmlformats.org/officeDocument/2006/relationships" xmlns:p="http://schemas.openxmlformats.org/presentationml/2006/main">
-  <p:cSld>
-    <p:spTree>
-      <p:nvGrpSpPr>
-        <p:cNvPr id="1" name=""/>
-        <p:cNvGrpSpPr/>
-        <p:nvPr/>
-      </p:nvGrpSpPr>
-      <p:grpSpPr>
-        <a:xfrm>
-          <a:off x="0" y="0"/>
-          <a:ext cx="0" cy="0"/>
-          <a:chOff x="0" y="0"/>
-          <a:chExt cx="0" cy="0"/>
-        </a:xfrm>
-      </p:grpSpPr>
-      <p:sp>
-        <p:nvSpPr>
-          <p:cNvPr id="2" name="TextBox 1"/>
-          <p:cNvSpPr txBox="1"/>
-          <p:nvPr/>
-        </p:nvSpPr>
-        <p:spPr>
-          <a:xfrm>
-            <a:off x="1524000" y="1885950"/>
-            <a:ext cx="6019800" cy="769441"/>
-          </a:xfrm>
-          <a:prstGeom prst="rect">
-            <a:avLst/>
-          </a:prstGeom>
-          <a:noFill/>
-        </p:spPr>
-        <p:txBody>
-          <a:bodyPr wrap="square" rtlCol="0">
-            <a:spAutoFit/>
-          </a:bodyPr>
-          <a:lstStyle/>
-          <a:p>
-            <a:r>
-              <a:rPr lang="en-US" sz="4400" b="1" dirty="0">
-                <a:effectLst>
-                  <a:outerShdw blurRad="38100" dist="38100" dir="2700000" algn="tl">
-                    <a:srgbClr val="000000">
-                      <a:alpha val="43137"/>
-                    </a:srgbClr>
-                  </a:outerShdw>
-                </a:effectLst>
-              </a:rPr>
-              <a:t>Have Any Question ?</a:t>
-            </a:r>
-          </a:p>
-        </p:txBody>
-      </p:sp>
-    </p:spTree>
-  </p:cSld>
-  <p:clrMapOvr>
-    <a:masterClrMapping/>
-  </p:clrMapOvr>
-  <p:transition>
-    <p:fade thruBlk="1"/>
-  </p:transition>
-</p:sld>
-</file>
-
 <file path=ppt/slides/slide13.xml><?xml version="1.0" encoding="utf-8"?>
 <p:sld xmlns:a="http://schemas.openxmlformats.org/drawingml/2006/main" xmlns:r="http://schemas.openxmlformats.org/officeDocument/2006/relationships" xmlns:p="http://schemas.openxmlformats.org/presentationml/2006/main">
   <p:cSld>
@@ -9199,14 +6130,704 @@
       </p:grpSpPr>
       <p:sp>
         <p:nvSpPr>
+          <p:cNvPr id="3" name="Title 2"/>
+          <p:cNvSpPr>
+            <a:spLocks noGrp="1"/>
+          </p:cNvSpPr>
+          <p:nvPr>
+            <p:ph type="title"/>
+          </p:nvPr>
+        </p:nvSpPr>
+        <p:spPr>
+          <a:xfrm>
+            <a:off x="3200400" y="0"/>
+            <a:ext cx="2819400" cy="857250"/>
+          </a:xfrm>
+        </p:spPr>
+        <p:txBody>
+          <a:bodyPr>
+            <a:normAutofit/>
+          </a:bodyPr>
+          <a:lstStyle/>
+          <a:p>
+            <a:r>
+              <a:rPr lang="en-US" dirty="0" smtClean="0">
+                <a:solidFill>
+                  <a:schemeClr val="tx1"/>
+                </a:solidFill>
+              </a:rPr>
+              <a:t> </a:t>
+            </a:r>
+            <a:r>
+              <a:rPr lang="en-US" dirty="0" err="1" smtClean="0">
+                <a:solidFill>
+                  <a:schemeClr val="tx1"/>
+                </a:solidFill>
+              </a:rPr>
+              <a:t>Alexa</a:t>
+            </a:r>
+            <a:r>
+              <a:rPr lang="en-US" dirty="0" smtClean="0">
+                <a:solidFill>
+                  <a:schemeClr val="tx1"/>
+                </a:solidFill>
+              </a:rPr>
+              <a:t> Skill</a:t>
+            </a:r>
+            <a:endParaRPr lang="en-US" dirty="0">
+              <a:solidFill>
+                <a:schemeClr val="tx1"/>
+              </a:solidFill>
+            </a:endParaRPr>
+          </a:p>
+        </p:txBody>
+      </p:sp>
+      <p:pic>
+        <p:nvPicPr>
+          <p:cNvPr id="6" name="Picture 5" descr="full_pnCeFAWt6L.jpg"/>
+          <p:cNvPicPr>
+            <a:picLocks noChangeAspect="1"/>
+          </p:cNvPicPr>
+          <p:nvPr/>
+        </p:nvPicPr>
+        <p:blipFill>
+          <a:blip r:embed="rId2"/>
+          <a:stretch>
+            <a:fillRect/>
+          </a:stretch>
+        </p:blipFill>
+        <p:spPr>
+          <a:xfrm>
+            <a:off x="3124200" y="1352550"/>
+            <a:ext cx="4648200" cy="3486150"/>
+          </a:xfrm>
+          <a:prstGeom prst="rect">
+            <a:avLst/>
+          </a:prstGeom>
+          <a:ln>
+            <a:solidFill>
+              <a:schemeClr val="tx1"/>
+            </a:solidFill>
+          </a:ln>
+        </p:spPr>
+      </p:pic>
+      <p:sp>
+        <p:nvSpPr>
+          <p:cNvPr id="8" name="Rectangle 7"/>
+          <p:cNvSpPr/>
+          <p:nvPr/>
+        </p:nvSpPr>
+        <p:spPr>
+          <a:xfrm>
+            <a:off x="304800" y="2781240"/>
+            <a:ext cx="2153090" cy="400110"/>
+          </a:xfrm>
+          <a:prstGeom prst="rect">
+            <a:avLst/>
+          </a:prstGeom>
+        </p:spPr>
+        <p:txBody>
+          <a:bodyPr wrap="none">
+            <a:spAutoFit/>
+          </a:bodyPr>
+          <a:lstStyle/>
+          <a:p>
+            <a:pPr marL="400050" indent="-400050" algn="ctr"/>
+            <a:r>
+              <a:rPr lang="en-US" sz="2000" b="1" dirty="0" smtClean="0">
+                <a:effectLst>
+                  <a:outerShdw blurRad="38100" dist="38100" dir="2700000" algn="tl">
+                    <a:srgbClr val="000000">
+                      <a:alpha val="43137"/>
+                    </a:srgbClr>
+                  </a:outerShdw>
+                </a:effectLst>
+              </a:rPr>
+              <a:t>Smart Home Skill :</a:t>
+            </a:r>
+            <a:endParaRPr lang="en-US" sz="2000" b="1" dirty="0">
+              <a:effectLst>
+                <a:outerShdw blurRad="38100" dist="38100" dir="2700000" algn="tl">
+                  <a:srgbClr val="000000">
+                    <a:alpha val="43137"/>
+                  </a:srgbClr>
+                </a:outerShdw>
+              </a:effectLst>
+            </a:endParaRPr>
+          </a:p>
+        </p:txBody>
+      </p:sp>
+    </p:spTree>
+  </p:cSld>
+  <p:clrMapOvr>
+    <a:masterClrMapping/>
+  </p:clrMapOvr>
+  <p:transition>
+    <p:fade thruBlk="1"/>
+  </p:transition>
+  <p:timing>
+    <p:tnLst>
+      <p:par>
+        <p:cTn id="1" dur="indefinite" restart="never" nodeType="tmRoot"/>
+      </p:par>
+    </p:tnLst>
+  </p:timing>
+</p:sld>
+</file>
+
+<file path=ppt/slides/slide14.xml><?xml version="1.0" encoding="utf-8"?>
+<p:sld xmlns:a="http://schemas.openxmlformats.org/drawingml/2006/main" xmlns:r="http://schemas.openxmlformats.org/officeDocument/2006/relationships" xmlns:p="http://schemas.openxmlformats.org/presentationml/2006/main">
+  <p:cSld>
+    <p:spTree>
+      <p:nvGrpSpPr>
+        <p:cNvPr id="1" name=""/>
+        <p:cNvGrpSpPr/>
+        <p:nvPr/>
+      </p:nvGrpSpPr>
+      <p:grpSpPr>
+        <a:xfrm>
+          <a:off x="0" y="0"/>
+          <a:ext cx="0" cy="0"/>
+          <a:chOff x="0" y="0"/>
+          <a:chExt cx="0" cy="0"/>
+        </a:xfrm>
+      </p:grpSpPr>
+      <p:sp>
+        <p:nvSpPr>
+          <p:cNvPr id="3" name="Title 2"/>
+          <p:cNvSpPr>
+            <a:spLocks noGrp="1"/>
+          </p:cNvSpPr>
+          <p:nvPr>
+            <p:ph type="title"/>
+          </p:nvPr>
+        </p:nvSpPr>
+        <p:spPr>
+          <a:xfrm>
+            <a:off x="3124200" y="0"/>
+            <a:ext cx="2819400" cy="857250"/>
+          </a:xfrm>
+        </p:spPr>
+        <p:txBody>
+          <a:bodyPr>
+            <a:normAutofit/>
+          </a:bodyPr>
+          <a:lstStyle/>
+          <a:p>
+            <a:r>
+              <a:rPr lang="en-US" dirty="0" smtClean="0">
+                <a:solidFill>
+                  <a:schemeClr val="tx1"/>
+                </a:solidFill>
+              </a:rPr>
+              <a:t> </a:t>
+            </a:r>
+            <a:r>
+              <a:rPr lang="en-US" dirty="0" err="1" smtClean="0">
+                <a:solidFill>
+                  <a:schemeClr val="tx1"/>
+                </a:solidFill>
+              </a:rPr>
+              <a:t>Alexa</a:t>
+            </a:r>
+            <a:r>
+              <a:rPr lang="en-US" dirty="0" smtClean="0">
+                <a:solidFill>
+                  <a:schemeClr val="tx1"/>
+                </a:solidFill>
+              </a:rPr>
+              <a:t> Skill</a:t>
+            </a:r>
+            <a:endParaRPr lang="en-US" dirty="0">
+              <a:solidFill>
+                <a:schemeClr val="tx1"/>
+              </a:solidFill>
+            </a:endParaRPr>
+          </a:p>
+        </p:txBody>
+      </p:sp>
+      <p:pic>
+        <p:nvPicPr>
+          <p:cNvPr id="4" name="Picture 3" descr="0_68N5ec32INvSFCq9.png"/>
+          <p:cNvPicPr>
+            <a:picLocks noChangeAspect="1"/>
+          </p:cNvPicPr>
+          <p:nvPr/>
+        </p:nvPicPr>
+        <p:blipFill>
+          <a:blip r:embed="rId2"/>
+          <a:stretch>
+            <a:fillRect/>
+          </a:stretch>
+        </p:blipFill>
+        <p:spPr>
+          <a:xfrm>
+            <a:off x="3324225" y="1581150"/>
+            <a:ext cx="4371975" cy="3200400"/>
+          </a:xfrm>
+          <a:prstGeom prst="rect">
+            <a:avLst/>
+          </a:prstGeom>
+          <a:ln>
+            <a:noFill/>
+          </a:ln>
+        </p:spPr>
+      </p:pic>
+      <p:sp>
+        <p:nvSpPr>
+          <p:cNvPr id="5" name="Rectangle 4"/>
+          <p:cNvSpPr/>
+          <p:nvPr/>
+        </p:nvSpPr>
+        <p:spPr>
+          <a:xfrm>
+            <a:off x="381000" y="2800350"/>
+            <a:ext cx="2303836" cy="400110"/>
+          </a:xfrm>
+          <a:prstGeom prst="rect">
+            <a:avLst/>
+          </a:prstGeom>
+        </p:spPr>
+        <p:txBody>
+          <a:bodyPr wrap="none">
+            <a:spAutoFit/>
+          </a:bodyPr>
+          <a:lstStyle/>
+          <a:p>
+            <a:pPr marL="400050" indent="-400050" algn="ctr"/>
+            <a:r>
+              <a:rPr lang="en-US" sz="2000" b="1" dirty="0" smtClean="0">
+                <a:effectLst>
+                  <a:outerShdw blurRad="38100" dist="38100" dir="2700000" algn="tl">
+                    <a:srgbClr val="000000">
+                      <a:alpha val="43137"/>
+                    </a:srgbClr>
+                  </a:outerShdw>
+                </a:effectLst>
+              </a:rPr>
+              <a:t>Flash briefing Skill :</a:t>
+            </a:r>
+            <a:endParaRPr lang="en-US" sz="2000" b="1" dirty="0">
+              <a:effectLst>
+                <a:outerShdw blurRad="38100" dist="38100" dir="2700000" algn="tl">
+                  <a:srgbClr val="000000">
+                    <a:alpha val="43137"/>
+                  </a:srgbClr>
+                </a:outerShdw>
+              </a:effectLst>
+            </a:endParaRPr>
+          </a:p>
+        </p:txBody>
+      </p:sp>
+    </p:spTree>
+  </p:cSld>
+  <p:clrMapOvr>
+    <a:masterClrMapping/>
+  </p:clrMapOvr>
+  <p:transition>
+    <p:fade thruBlk="1"/>
+  </p:transition>
+  <p:timing>
+    <p:tnLst>
+      <p:par>
+        <p:cTn id="1" dur="indefinite" restart="never" nodeType="tmRoot"/>
+      </p:par>
+    </p:tnLst>
+  </p:timing>
+</p:sld>
+</file>
+
+<file path=ppt/slides/slide15.xml><?xml version="1.0" encoding="utf-8"?>
+<p:sld xmlns:a="http://schemas.openxmlformats.org/drawingml/2006/main" xmlns:r="http://schemas.openxmlformats.org/officeDocument/2006/relationships" xmlns:p="http://schemas.openxmlformats.org/presentationml/2006/main">
+  <p:cSld>
+    <p:spTree>
+      <p:nvGrpSpPr>
+        <p:cNvPr id="1" name=""/>
+        <p:cNvGrpSpPr/>
+        <p:nvPr/>
+      </p:nvGrpSpPr>
+      <p:grpSpPr>
+        <a:xfrm>
+          <a:off x="0" y="0"/>
+          <a:ext cx="0" cy="0"/>
+          <a:chOff x="0" y="0"/>
+          <a:chExt cx="0" cy="0"/>
+        </a:xfrm>
+      </p:grpSpPr>
+      <p:sp>
+        <p:nvSpPr>
+          <p:cNvPr id="3" name="Title 2"/>
+          <p:cNvSpPr>
+            <a:spLocks noGrp="1"/>
+          </p:cNvSpPr>
+          <p:nvPr>
+            <p:ph type="title"/>
+          </p:nvPr>
+        </p:nvSpPr>
+        <p:spPr>
+          <a:xfrm>
+            <a:off x="2971800" y="57150"/>
+            <a:ext cx="2819400" cy="857250"/>
+          </a:xfrm>
+        </p:spPr>
+        <p:txBody>
+          <a:bodyPr>
+            <a:normAutofit/>
+          </a:bodyPr>
+          <a:lstStyle/>
+          <a:p>
+            <a:r>
+              <a:rPr lang="en-US" dirty="0" err="1" smtClean="0">
+                <a:solidFill>
+                  <a:schemeClr val="tx1"/>
+                </a:solidFill>
+              </a:rPr>
+              <a:t>Alexa</a:t>
+            </a:r>
+            <a:r>
+              <a:rPr lang="en-US" dirty="0" smtClean="0">
+                <a:solidFill>
+                  <a:schemeClr val="tx1"/>
+                </a:solidFill>
+              </a:rPr>
+              <a:t> Skill</a:t>
+            </a:r>
+            <a:endParaRPr lang="en-US" dirty="0">
+              <a:solidFill>
+                <a:schemeClr val="tx1"/>
+              </a:solidFill>
+            </a:endParaRPr>
+          </a:p>
+        </p:txBody>
+      </p:sp>
+      <p:pic>
+        <p:nvPicPr>
+          <p:cNvPr id="9" name="Picture 8" descr="595d3a16a3630f1a008b78b5.jpg"/>
+          <p:cNvPicPr>
+            <a:picLocks noChangeAspect="1"/>
+          </p:cNvPicPr>
+          <p:nvPr/>
+        </p:nvPicPr>
+        <p:blipFill>
+          <a:blip r:embed="rId2"/>
+          <a:stretch>
+            <a:fillRect/>
+          </a:stretch>
+        </p:blipFill>
+        <p:spPr>
+          <a:xfrm>
+            <a:off x="3352800" y="1305253"/>
+            <a:ext cx="5086350" cy="3507828"/>
+          </a:xfrm>
+          <a:prstGeom prst="rect">
+            <a:avLst/>
+          </a:prstGeom>
+        </p:spPr>
+      </p:pic>
+      <p:sp>
+        <p:nvSpPr>
+          <p:cNvPr id="10" name="Rectangle 9"/>
+          <p:cNvSpPr/>
+          <p:nvPr/>
+        </p:nvSpPr>
+        <p:spPr>
+          <a:xfrm>
+            <a:off x="304800" y="2812018"/>
+            <a:ext cx="2111668" cy="369332"/>
+          </a:xfrm>
+          <a:prstGeom prst="rect">
+            <a:avLst/>
+          </a:prstGeom>
+        </p:spPr>
+        <p:txBody>
+          <a:bodyPr wrap="none">
+            <a:spAutoFit/>
+          </a:bodyPr>
+          <a:lstStyle/>
+          <a:p>
+            <a:pPr marL="400050" indent="-400050" algn="ctr"/>
+            <a:r>
+              <a:rPr lang="en-US" b="1" dirty="0" err="1" smtClean="0">
+                <a:effectLst>
+                  <a:outerShdw blurRad="38100" dist="38100" dir="2700000" algn="tl">
+                    <a:srgbClr val="000000">
+                      <a:alpha val="43137"/>
+                    </a:srgbClr>
+                  </a:outerShdw>
+                </a:effectLst>
+              </a:rPr>
+              <a:t>Alexa</a:t>
+            </a:r>
+            <a:r>
+              <a:rPr lang="en-US" b="1" dirty="0" smtClean="0">
+                <a:effectLst>
+                  <a:outerShdw blurRad="38100" dist="38100" dir="2700000" algn="tl">
+                    <a:srgbClr val="000000">
+                      <a:alpha val="43137"/>
+                    </a:srgbClr>
+                  </a:outerShdw>
+                </a:effectLst>
+              </a:rPr>
+              <a:t> Custom Skill :</a:t>
+            </a:r>
+            <a:endParaRPr lang="en-US" b="1" dirty="0">
+              <a:effectLst>
+                <a:outerShdw blurRad="38100" dist="38100" dir="2700000" algn="tl">
+                  <a:srgbClr val="000000">
+                    <a:alpha val="43137"/>
+                  </a:srgbClr>
+                </a:outerShdw>
+              </a:effectLst>
+            </a:endParaRPr>
+          </a:p>
+        </p:txBody>
+      </p:sp>
+    </p:spTree>
+  </p:cSld>
+  <p:clrMapOvr>
+    <a:masterClrMapping/>
+  </p:clrMapOvr>
+  <p:transition>
+    <p:fade thruBlk="1"/>
+  </p:transition>
+  <p:timing>
+    <p:tnLst>
+      <p:par>
+        <p:cTn id="1" dur="indefinite" restart="never" nodeType="tmRoot"/>
+      </p:par>
+    </p:tnLst>
+  </p:timing>
+</p:sld>
+</file>
+
+<file path=ppt/slides/slide16.xml><?xml version="1.0" encoding="utf-8"?>
+<p:sld xmlns:a="http://schemas.openxmlformats.org/drawingml/2006/main" xmlns:r="http://schemas.openxmlformats.org/officeDocument/2006/relationships" xmlns:p="http://schemas.openxmlformats.org/presentationml/2006/main">
+  <p:cSld>
+    <p:spTree>
+      <p:nvGrpSpPr>
+        <p:cNvPr id="1" name=""/>
+        <p:cNvGrpSpPr/>
+        <p:nvPr/>
+      </p:nvGrpSpPr>
+      <p:grpSpPr>
+        <a:xfrm>
+          <a:off x="0" y="0"/>
+          <a:ext cx="0" cy="0"/>
+          <a:chOff x="0" y="0"/>
+          <a:chExt cx="0" cy="0"/>
+        </a:xfrm>
+      </p:grpSpPr>
+      <p:sp>
+        <p:nvSpPr>
+          <p:cNvPr id="3" name="Title 2"/>
+          <p:cNvSpPr>
+            <a:spLocks noGrp="1"/>
+          </p:cNvSpPr>
+          <p:nvPr>
+            <p:ph type="title"/>
+          </p:nvPr>
+        </p:nvSpPr>
+        <p:spPr>
+          <a:xfrm>
+            <a:off x="2362200" y="57150"/>
+            <a:ext cx="3429000" cy="857250"/>
+          </a:xfrm>
+        </p:spPr>
+        <p:txBody>
+          <a:bodyPr>
+            <a:normAutofit/>
+          </a:bodyPr>
+          <a:lstStyle/>
+          <a:p>
+            <a:r>
+              <a:rPr lang="en-US" dirty="0" err="1" smtClean="0">
+                <a:solidFill>
+                  <a:schemeClr val="tx1"/>
+                </a:solidFill>
+              </a:rPr>
+              <a:t>Alexa</a:t>
+            </a:r>
+            <a:r>
+              <a:rPr lang="en-US" dirty="0" smtClean="0">
+                <a:solidFill>
+                  <a:schemeClr val="tx1"/>
+                </a:solidFill>
+              </a:rPr>
+              <a:t> Security</a:t>
+            </a:r>
+            <a:endParaRPr lang="en-US" dirty="0">
+              <a:solidFill>
+                <a:schemeClr val="tx1"/>
+              </a:solidFill>
+            </a:endParaRPr>
+          </a:p>
+        </p:txBody>
+      </p:sp>
+    </p:spTree>
+  </p:cSld>
+  <p:clrMapOvr>
+    <a:masterClrMapping/>
+  </p:clrMapOvr>
+  <p:transition>
+    <p:fade thruBlk="1"/>
+  </p:transition>
+  <p:timing>
+    <p:tnLst>
+      <p:par>
+        <p:cTn id="1" dur="indefinite" restart="never" nodeType="tmRoot"/>
+      </p:par>
+    </p:tnLst>
+  </p:timing>
+</p:sld>
+</file>
+
+<file path=ppt/slides/slide17.xml><?xml version="1.0" encoding="utf-8"?>
+<p:sld xmlns:a="http://schemas.openxmlformats.org/drawingml/2006/main" xmlns:r="http://schemas.openxmlformats.org/officeDocument/2006/relationships" xmlns:p="http://schemas.openxmlformats.org/presentationml/2006/main">
+  <p:cSld>
+    <p:spTree>
+      <p:nvGrpSpPr>
+        <p:cNvPr id="1" name=""/>
+        <p:cNvGrpSpPr/>
+        <p:nvPr/>
+      </p:nvGrpSpPr>
+      <p:grpSpPr>
+        <a:xfrm>
+          <a:off x="0" y="0"/>
+          <a:ext cx="0" cy="0"/>
+          <a:chOff x="0" y="0"/>
+          <a:chExt cx="0" cy="0"/>
+        </a:xfrm>
+      </p:grpSpPr>
+      <p:sp>
+        <p:nvSpPr>
+          <p:cNvPr id="3" name="Title 2"/>
+          <p:cNvSpPr>
+            <a:spLocks noGrp="1"/>
+          </p:cNvSpPr>
+          <p:nvPr>
+            <p:ph type="title"/>
+          </p:nvPr>
+        </p:nvSpPr>
+        <p:spPr>
+          <a:xfrm>
+            <a:off x="1066800" y="57150"/>
+            <a:ext cx="6705600" cy="857250"/>
+          </a:xfrm>
+        </p:spPr>
+        <p:txBody>
+          <a:bodyPr>
+            <a:normAutofit/>
+          </a:bodyPr>
+          <a:lstStyle/>
+          <a:p>
+            <a:r>
+              <a:rPr lang="en-US" dirty="0" err="1" smtClean="0">
+                <a:solidFill>
+                  <a:schemeClr val="tx1"/>
+                </a:solidFill>
+              </a:rPr>
+              <a:t>Alexa</a:t>
+            </a:r>
+            <a:r>
+              <a:rPr lang="en-US" dirty="0" smtClean="0">
+                <a:solidFill>
+                  <a:schemeClr val="tx1"/>
+                </a:solidFill>
+              </a:rPr>
+              <a:t> Library for Developers</a:t>
+            </a:r>
+            <a:endParaRPr lang="en-US" dirty="0">
+              <a:solidFill>
+                <a:schemeClr val="tx1"/>
+              </a:solidFill>
+            </a:endParaRPr>
+          </a:p>
+        </p:txBody>
+      </p:sp>
+      <p:pic>
+        <p:nvPicPr>
+          <p:cNvPr id="2050" name="Picture 2" descr="C:\Users\sheto\Desktop\Alexa\Screenshot 2021-11-22 133223.png"/>
+          <p:cNvPicPr>
+            <a:picLocks noChangeAspect="1" noChangeArrowheads="1"/>
+          </p:cNvPicPr>
+          <p:nvPr/>
+        </p:nvPicPr>
+        <p:blipFill>
+          <a:blip r:embed="rId2"/>
+          <a:srcRect/>
+          <a:stretch>
+            <a:fillRect/>
+          </a:stretch>
+        </p:blipFill>
+        <p:spPr bwMode="auto">
+          <a:xfrm>
+            <a:off x="1862137" y="1352550"/>
+            <a:ext cx="5529263" cy="3450136"/>
+          </a:xfrm>
+          <a:prstGeom prst="rect">
+            <a:avLst/>
+          </a:prstGeom>
+        </p:spPr>
+        <p:style>
+          <a:lnRef idx="2">
+            <a:schemeClr val="accent1"/>
+          </a:lnRef>
+          <a:fillRef idx="1">
+            <a:schemeClr val="lt1"/>
+          </a:fillRef>
+          <a:effectRef idx="0">
+            <a:schemeClr val="accent1"/>
+          </a:effectRef>
+          <a:fontRef idx="minor">
+            <a:schemeClr val="dk1"/>
+          </a:fontRef>
+        </p:style>
+      </p:pic>
+    </p:spTree>
+  </p:cSld>
+  <p:clrMapOvr>
+    <a:masterClrMapping/>
+  </p:clrMapOvr>
+  <p:transition>
+    <p:fade thruBlk="1"/>
+  </p:transition>
+  <p:timing>
+    <p:tnLst>
+      <p:par>
+        <p:cTn id="1" dur="indefinite" restart="never" nodeType="tmRoot"/>
+      </p:par>
+    </p:tnLst>
+  </p:timing>
+</p:sld>
+</file>
+
+<file path=ppt/slides/slide18.xml><?xml version="1.0" encoding="utf-8"?>
+<p:sld xmlns:a="http://schemas.openxmlformats.org/drawingml/2006/main" xmlns:r="http://schemas.openxmlformats.org/officeDocument/2006/relationships" xmlns:p="http://schemas.openxmlformats.org/presentationml/2006/main">
+  <p:cSld>
+    <p:spTree>
+      <p:nvGrpSpPr>
+        <p:cNvPr id="1" name=""/>
+        <p:cNvGrpSpPr/>
+        <p:nvPr/>
+      </p:nvGrpSpPr>
+      <p:grpSpPr>
+        <a:xfrm>
+          <a:off x="0" y="0"/>
+          <a:ext cx="0" cy="0"/>
+          <a:chOff x="0" y="0"/>
+          <a:chExt cx="0" cy="0"/>
+        </a:xfrm>
+      </p:grpSpPr>
+      <p:sp>
+        <p:nvSpPr>
           <p:cNvPr id="2" name="TextBox 1"/>
           <p:cNvSpPr txBox="1"/>
           <p:nvPr/>
         </p:nvSpPr>
         <p:spPr>
           <a:xfrm>
-            <a:off x="2819400" y="1962150"/>
-            <a:ext cx="3200400" cy="769441"/>
+            <a:off x="1066800" y="1809750"/>
+            <a:ext cx="7010400" cy="1446550"/>
           </a:xfrm>
           <a:prstGeom prst="rect">
             <a:avLst/>
@@ -9219,6 +6840,7 @@
           </a:bodyPr>
           <a:lstStyle/>
           <a:p>
+            <a:pPr algn="ctr"/>
             <a:r>
               <a:rPr lang="en-US" sz="4400" b="1" dirty="0">
                 <a:effectLst>
@@ -9229,8 +6851,44 @@
                   </a:outerShdw>
                 </a:effectLst>
               </a:rPr>
-              <a:t>Thank You</a:t>
-            </a:r>
+              <a:t>Thank </a:t>
+            </a:r>
+            <a:r>
+              <a:rPr lang="en-US" sz="4400" b="1" dirty="0" smtClean="0">
+                <a:effectLst>
+                  <a:outerShdw blurRad="38100" dist="38100" dir="2700000" algn="tl">
+                    <a:srgbClr val="000000">
+                      <a:alpha val="43137"/>
+                    </a:srgbClr>
+                  </a:outerShdw>
+                </a:effectLst>
+              </a:rPr>
+              <a:t>You</a:t>
+            </a:r>
+          </a:p>
+          <a:p>
+            <a:pPr algn="ctr"/>
+            <a:r>
+              <a:rPr lang="en-US" sz="4400" b="1" dirty="0" smtClean="0">
+                <a:effectLst>
+                  <a:outerShdw blurRad="38100" dist="38100" dir="2700000" algn="tl">
+                    <a:srgbClr val="000000">
+                      <a:alpha val="43137"/>
+                    </a:srgbClr>
+                  </a:outerShdw>
+                </a:effectLst>
+              </a:rPr>
+              <a:t>for your attention.</a:t>
+            </a:r>
+            <a:endParaRPr lang="en-US" sz="4400" b="1" dirty="0">
+              <a:effectLst>
+                <a:outerShdw blurRad="38100" dist="38100" dir="2700000" algn="tl">
+                  <a:srgbClr val="000000">
+                    <a:alpha val="43137"/>
+                  </a:srgbClr>
+                </a:outerShdw>
+              </a:effectLst>
+            </a:endParaRPr>
           </a:p>
         </p:txBody>
       </p:sp>
@@ -9242,6 +6900,13 @@
   <p:transition>
     <p:fade thruBlk="1"/>
   </p:transition>
+  <p:timing>
+    <p:tnLst>
+      <p:par>
+        <p:cTn id="1" dur="indefinite" restart="never" nodeType="tmRoot"/>
+      </p:par>
+    </p:tnLst>
+  </p:timing>
 </p:sld>
 </file>
 
@@ -9455,6 +7120,13 @@
   <p:transition>
     <p:fade thruBlk="1"/>
   </p:transition>
+  <p:timing>
+    <p:tnLst>
+      <p:par>
+        <p:cTn id="1" dur="indefinite" restart="never" nodeType="tmRoot"/>
+      </p:par>
+    </p:tnLst>
+  </p:timing>
 </p:sld>
 </file>
 
@@ -9576,6 +7248,44 @@
           </a:xfrm>
         </p:spPr>
       </p:pic>
+      <p:sp>
+        <p:nvSpPr>
+          <p:cNvPr id="6" name="Rectangle 5"/>
+          <p:cNvSpPr/>
+          <p:nvPr/>
+        </p:nvSpPr>
+        <p:spPr>
+          <a:xfrm>
+            <a:off x="2209800" y="1885950"/>
+            <a:ext cx="4648200" cy="1219200"/>
+          </a:xfrm>
+          <a:prstGeom prst="rect">
+            <a:avLst/>
+          </a:prstGeom>
+        </p:spPr>
+        <p:style>
+          <a:lnRef idx="2">
+            <a:schemeClr val="accent1"/>
+          </a:lnRef>
+          <a:fillRef idx="1">
+            <a:schemeClr val="lt1"/>
+          </a:fillRef>
+          <a:effectRef idx="0">
+            <a:schemeClr val="accent1"/>
+          </a:effectRef>
+          <a:fontRef idx="minor">
+            <a:schemeClr val="dk1"/>
+          </a:fontRef>
+        </p:style>
+        <p:txBody>
+          <a:bodyPr rtlCol="0" anchor="ctr"/>
+          <a:lstStyle/>
+          <a:p>
+            <a:pPr algn="ctr"/>
+            <a:endParaRPr lang="en-US"/>
+          </a:p>
+        </p:txBody>
+      </p:sp>
       <p:pic>
         <p:nvPicPr>
           <p:cNvPr id="4" name="Picture 3" descr="png-transparent-amazon-echo-amazon-alexa-amazon-com-voice-command-device-amazon-echo-blue-text-logo-removebg-preview.png"/>
@@ -9608,6 +7318,13 @@
   <p:transition>
     <p:fade thruBlk="1"/>
   </p:transition>
+  <p:timing>
+    <p:tnLst>
+      <p:par>
+        <p:cTn id="1" dur="indefinite" restart="never" nodeType="tmRoot"/>
+      </p:par>
+    </p:tnLst>
+  </p:timing>
 </p:sld>
 </file>
 
@@ -9698,8 +7415,8 @@
         </p:nvSpPr>
         <p:spPr>
           <a:xfrm>
-            <a:off x="1143000" y="2038350"/>
-            <a:ext cx="7543800" cy="1200329"/>
+            <a:off x="1066800" y="2038350"/>
+            <a:ext cx="7620000" cy="1569660"/>
           </a:xfrm>
           <a:prstGeom prst="rect">
             <a:avLst/>
@@ -9718,47 +7435,29 @@
               </a:lnSpc>
             </a:pPr>
             <a:r>
-              <a:rPr lang="en-US" sz="1600" dirty="0"/>
+              <a:rPr lang="en-US" sz="1600" dirty="0" smtClean="0"/>
               <a:t>“Amazon </a:t>
             </a:r>
             <a:r>
-              <a:rPr lang="en-US" sz="1600" dirty="0" err="1"/>
+              <a:rPr lang="en-US" sz="1600" dirty="0" err="1" smtClean="0"/>
               <a:t>Alexa</a:t>
             </a:r>
             <a:r>
-              <a:rPr lang="en-US" sz="1600" dirty="0"/>
-              <a:t> is an intelligent personal assistant developed by Amazon,</a:t>
-            </a:r>
+              <a:rPr lang="en-US" sz="1600" dirty="0" smtClean="0"/>
+              <a:t>, also known simply as </a:t>
+            </a:r>
+            <a:r>
+              <a:rPr lang="en-US" sz="1600" dirty="0" err="1" smtClean="0"/>
+              <a:t>Alexa</a:t>
+            </a:r>
+            <a:r>
+              <a:rPr lang="en-US" sz="1600" dirty="0" smtClean="0"/>
+              <a:t>, is a virtual assistant technology developed by Amazon, first used in the Amazon Echo smart speaker and the Echo Dot, Echo Studio and Amazon Tap speakers developed by Amazon Lab126.”</a:t>
+            </a:r>
+            <a:endParaRPr lang="en-US" sz="1600" dirty="0"/>
           </a:p>
           <a:p>
             <a:pPr marL="400050" indent="-400050" algn="just">
-              <a:lnSpc>
-                <a:spcPct val="150000"/>
-              </a:lnSpc>
-            </a:pPr>
-            <a:r>
-              <a:rPr lang="en-US" sz="1600" dirty="0"/>
-              <a:t>Which made popular by the </a:t>
-            </a:r>
-            <a:r>
-              <a:rPr lang="en-US" sz="1600" dirty="0" err="1"/>
-              <a:t>amazon</a:t>
-            </a:r>
-            <a:r>
-              <a:rPr lang="en-US" sz="1600" dirty="0"/>
-              <a:t> echo and echo dot devices developed by </a:t>
-            </a:r>
-            <a:r>
-              <a:rPr lang="en-US" sz="1600" dirty="0" err="1"/>
-              <a:t>amazon</a:t>
-            </a:r>
-            <a:r>
-              <a:rPr lang="en-US" sz="1600" dirty="0"/>
-              <a:t>”</a:t>
-            </a:r>
-          </a:p>
-          <a:p>
-            <a:pPr marL="400050" indent="-400050" algn="ctr">
               <a:lnSpc>
                 <a:spcPct val="150000"/>
               </a:lnSpc>
@@ -9885,6 +7584,13 @@
   <p:transition>
     <p:fade thruBlk="1"/>
   </p:transition>
+  <p:timing>
+    <p:tnLst>
+      <p:par>
+        <p:cTn id="1" dur="indefinite" restart="never" nodeType="tmRoot"/>
+      </p:par>
+    </p:tnLst>
+  </p:timing>
 </p:sld>
 </file>
 
@@ -9917,43 +7623,69 @@
         </p:nvSpPr>
         <p:spPr>
           <a:xfrm>
-            <a:off x="914400" y="1123950"/>
-            <a:ext cx="6858000" cy="857250"/>
+            <a:off x="2209800" y="0"/>
+            <a:ext cx="4724400" cy="857250"/>
           </a:xfrm>
         </p:spPr>
         <p:txBody>
           <a:bodyPr>
-            <a:normAutofit/>
+            <a:normAutofit fontScale="90000"/>
           </a:bodyPr>
           <a:lstStyle/>
           <a:p>
             <a:r>
-              <a:rPr lang="en-US" dirty="0">
+              <a:rPr lang="en-US" dirty="0" smtClean="0">
                 <a:solidFill>
                   <a:schemeClr val="tx1"/>
                 </a:solidFill>
               </a:rPr>
-              <a:t>Capable of -</a:t>
-            </a:r>
-          </a:p>
-        </p:txBody>
-      </p:sp>
-      <p:sp>
-        <p:nvSpPr>
-          <p:cNvPr id="6" name="TextBox 5"/>
+              <a:t>Meet Amazon </a:t>
+            </a:r>
+            <a:r>
+              <a:rPr lang="en-US" dirty="0" err="1" smtClean="0">
+                <a:solidFill>
+                  <a:schemeClr val="tx1"/>
+                </a:solidFill>
+              </a:rPr>
+              <a:t>Alexa</a:t>
+            </a:r>
+            <a:endParaRPr lang="en-US" dirty="0">
+              <a:solidFill>
+                <a:schemeClr val="tx1"/>
+              </a:solidFill>
+            </a:endParaRPr>
+          </a:p>
+        </p:txBody>
+      </p:sp>
+      <p:sp>
+        <p:nvSpPr>
+          <p:cNvPr id="4" name="TextBox 3"/>
           <p:cNvSpPr txBox="1"/>
           <p:nvPr/>
         </p:nvSpPr>
         <p:spPr>
           <a:xfrm>
-            <a:off x="1905000" y="2038350"/>
-            <a:ext cx="3962400" cy="1477328"/>
+            <a:off x="838200" y="1200151"/>
+            <a:ext cx="7391400" cy="3416320"/>
           </a:xfrm>
           <a:prstGeom prst="rect">
             <a:avLst/>
           </a:prstGeom>
-          <a:noFill/>
-        </p:spPr>
+        </p:spPr>
+        <p:style>
+          <a:lnRef idx="2">
+            <a:schemeClr val="accent2"/>
+          </a:lnRef>
+          <a:fillRef idx="1">
+            <a:schemeClr val="lt1"/>
+          </a:fillRef>
+          <a:effectRef idx="0">
+            <a:schemeClr val="accent2"/>
+          </a:effectRef>
+          <a:fontRef idx="minor">
+            <a:schemeClr val="dk1"/>
+          </a:fontRef>
+        </p:style>
         <p:txBody>
           <a:bodyPr wrap="square" rtlCol="0">
             <a:spAutoFit/>
@@ -9961,42 +7693,89 @@
           <a:lstStyle/>
           <a:p>
             <a:pPr>
-              <a:buFont typeface="Wingdings" pitchFamily="2" charset="2"/>
-              <a:buChar char="q"/>
+              <a:lnSpc>
+                <a:spcPct val="150000"/>
+              </a:lnSpc>
             </a:pPr>
             <a:r>
-              <a:rPr lang="en-US" dirty="0"/>
-              <a:t>  Voice interaction</a:t>
+              <a:rPr lang="en-US" dirty="0" smtClean="0"/>
+              <a:t>Developer(s)	: Amazon</a:t>
             </a:r>
           </a:p>
           <a:p>
             <a:pPr>
-              <a:buFont typeface="Wingdings" pitchFamily="2" charset="2"/>
-              <a:buChar char="q"/>
+              <a:lnSpc>
+                <a:spcPct val="150000"/>
+              </a:lnSpc>
             </a:pPr>
             <a:r>
-              <a:rPr lang="en-US" dirty="0"/>
-              <a:t>  Music playback</a:t>
+              <a:rPr lang="en-US" dirty="0" smtClean="0"/>
+              <a:t>Initial release	: March 19, 2013; 8 years ago</a:t>
             </a:r>
           </a:p>
           <a:p>
             <a:pPr>
-              <a:buFont typeface="Wingdings" pitchFamily="2" charset="2"/>
-              <a:buChar char="q"/>
+              <a:lnSpc>
+                <a:spcPct val="150000"/>
+              </a:lnSpc>
             </a:pPr>
             <a:r>
-              <a:rPr lang="en-US" dirty="0"/>
-              <a:t>  Providing real time information</a:t>
+              <a:rPr lang="en-US" dirty="0" smtClean="0"/>
+              <a:t>Platform		: Amazon echo, Fire OS, </a:t>
+            </a:r>
+            <a:r>
+              <a:rPr lang="en-US" dirty="0" err="1" smtClean="0"/>
+              <a:t>iOS</a:t>
+            </a:r>
+            <a:r>
+              <a:rPr lang="en-US" dirty="0" smtClean="0"/>
+              <a:t>, Android, Linux, Windows.</a:t>
             </a:r>
           </a:p>
           <a:p>
             <a:pPr>
-              <a:buFont typeface="Wingdings" pitchFamily="2" charset="2"/>
-              <a:buChar char="q"/>
+              <a:lnSpc>
+                <a:spcPct val="150000"/>
+              </a:lnSpc>
             </a:pPr>
             <a:r>
-              <a:rPr lang="en-US" dirty="0"/>
-              <a:t>  Controls several smart devices such as home automation system </a:t>
+              <a:rPr lang="en-US" dirty="0" smtClean="0"/>
+              <a:t>Type		: Intelligent personal assistant, cloud-based voice service.</a:t>
+            </a:r>
+          </a:p>
+          <a:p>
+            <a:pPr>
+              <a:lnSpc>
+                <a:spcPct val="150000"/>
+              </a:lnSpc>
+            </a:pPr>
+            <a:r>
+              <a:rPr lang="en-US" dirty="0" smtClean="0"/>
+              <a:t>Website		: </a:t>
+            </a:r>
+            <a:r>
+              <a:rPr lang="en-US" dirty="0" smtClean="0">
+                <a:hlinkClick r:id="rId2"/>
+              </a:rPr>
+              <a:t>developer.amazon.com/</a:t>
+            </a:r>
+            <a:r>
+              <a:rPr lang="en-US" dirty="0" err="1" smtClean="0">
+                <a:hlinkClick r:id="rId2"/>
+              </a:rPr>
+              <a:t>alexa</a:t>
+            </a:r>
+            <a:endParaRPr lang="en-US" dirty="0" smtClean="0"/>
+          </a:p>
+          <a:p>
+            <a:pPr>
+              <a:lnSpc>
+                <a:spcPct val="150000"/>
+              </a:lnSpc>
+            </a:pPr>
+            <a:r>
+              <a:rPr lang="en-US" dirty="0" smtClean="0"/>
+              <a:t>Available in	: English, France, German, Japanese, Korean, Italian, 		Spanish, Portuguese, Hindi, Tamil, Kannada, Telugu, 		Malayalam, Marathi, Gujarati, Chinese.</a:t>
             </a:r>
           </a:p>
         </p:txBody>
@@ -10009,6 +7788,13 @@
   <p:transition>
     <p:fade thruBlk="1"/>
   </p:transition>
+  <p:timing>
+    <p:tnLst>
+      <p:par>
+        <p:cTn id="1" dur="indefinite" restart="never" nodeType="tmRoot"/>
+      </p:par>
+    </p:tnLst>
+  </p:timing>
 </p:sld>
 </file>
 
@@ -10041,8 +7827,8 @@
         </p:nvSpPr>
         <p:spPr>
           <a:xfrm>
-            <a:off x="2133600" y="38100"/>
-            <a:ext cx="4800600" cy="857250"/>
+            <a:off x="914400" y="1123950"/>
+            <a:ext cx="6858000" cy="857250"/>
           </a:xfrm>
         </p:spPr>
         <p:txBody>
@@ -10057,364 +7843,70 @@
                   <a:schemeClr val="tx1"/>
                 </a:solidFill>
               </a:rPr>
-              <a:t>Command for </a:t>
-            </a:r>
-            <a:r>
-              <a:rPr lang="en-US" dirty="0" err="1">
-                <a:solidFill>
-                  <a:schemeClr val="tx1"/>
-                </a:solidFill>
-              </a:rPr>
-              <a:t>Alexa</a:t>
-            </a:r>
-            <a:endParaRPr lang="en-US" dirty="0">
-              <a:solidFill>
-                <a:schemeClr val="tx1"/>
-              </a:solidFill>
-            </a:endParaRPr>
-          </a:p>
-        </p:txBody>
-      </p:sp>
-      <p:pic>
-        <p:nvPicPr>
-          <p:cNvPr id="2050" name="Picture 2" descr="C:\Users\sheto\Desktop\Alexa\8882505613342.png"/>
-          <p:cNvPicPr>
-            <a:picLocks noChangeAspect="1" noChangeArrowheads="1"/>
-          </p:cNvPicPr>
+              <a:t>Capable of -</a:t>
+            </a:r>
+          </a:p>
+        </p:txBody>
+      </p:sp>
+      <p:sp>
+        <p:nvSpPr>
+          <p:cNvPr id="6" name="TextBox 5"/>
+          <p:cNvSpPr txBox="1"/>
           <p:nvPr/>
-        </p:nvPicPr>
-        <p:blipFill>
-          <a:blip r:embed="rId3" cstate="print"/>
-          <a:srcRect/>
-          <a:stretch>
-            <a:fillRect/>
-          </a:stretch>
-        </p:blipFill>
-        <p:spPr bwMode="auto">
-          <a:xfrm>
-            <a:off x="3371850" y="1962150"/>
-            <a:ext cx="2190750" cy="2190750"/>
+        </p:nvSpPr>
+        <p:spPr>
+          <a:xfrm>
+            <a:off x="1905000" y="2038350"/>
+            <a:ext cx="3962400" cy="1477328"/>
           </a:xfrm>
           <a:prstGeom prst="rect">
             <a:avLst/>
           </a:prstGeom>
           <a:noFill/>
         </p:spPr>
-      </p:pic>
-      <p:sp>
-        <p:nvSpPr>
-          <p:cNvPr id="7" name="Oval Callout 6"/>
-          <p:cNvSpPr/>
-          <p:nvPr/>
-        </p:nvSpPr>
-        <p:spPr>
-          <a:xfrm flipH="1">
-            <a:off x="1447800" y="1276350"/>
-            <a:ext cx="2667000" cy="838200"/>
-          </a:xfrm>
-          <a:prstGeom prst="wedgeEllipseCallout">
-            <a:avLst>
-              <a:gd name="adj1" fmla="val -36677"/>
-              <a:gd name="adj2" fmla="val 62500"/>
-            </a:avLst>
-          </a:prstGeom>
-        </p:spPr>
-        <p:style>
-          <a:lnRef idx="2">
-            <a:schemeClr val="dk1"/>
-          </a:lnRef>
-          <a:fillRef idx="1">
-            <a:schemeClr val="lt1"/>
-          </a:fillRef>
-          <a:effectRef idx="0">
-            <a:schemeClr val="dk1"/>
-          </a:effectRef>
-          <a:fontRef idx="minor">
-            <a:schemeClr val="dk1"/>
-          </a:fontRef>
-        </p:style>
-        <p:txBody>
-          <a:bodyPr rtlCol="0" anchor="ctr"/>
-          <a:lstStyle/>
-          <a:p>
-            <a:pPr algn="ctr"/>
-            <a:r>
-              <a:rPr lang="en-US" sz="1400" dirty="0"/>
-              <a:t>“</a:t>
-            </a:r>
-            <a:r>
-              <a:rPr lang="en-US" sz="1400" dirty="0" err="1"/>
-              <a:t>Alexa</a:t>
-            </a:r>
-            <a:r>
-              <a:rPr lang="en-US" sz="1400" dirty="0"/>
-              <a:t>, What is my Credit card Balance”</a:t>
-            </a:r>
-          </a:p>
-        </p:txBody>
-      </p:sp>
-      <p:sp>
-        <p:nvSpPr>
-          <p:cNvPr id="8" name="Oval Callout 7"/>
-          <p:cNvSpPr/>
-          <p:nvPr/>
-        </p:nvSpPr>
-        <p:spPr>
-          <a:xfrm flipH="1">
-            <a:off x="1068532" y="2219325"/>
-            <a:ext cx="2667000" cy="838200"/>
-          </a:xfrm>
-          <a:prstGeom prst="wedgeEllipseCallout">
-            <a:avLst>
-              <a:gd name="adj1" fmla="val -49145"/>
-              <a:gd name="adj2" fmla="val 48450"/>
-            </a:avLst>
-          </a:prstGeom>
-        </p:spPr>
-        <p:style>
-          <a:lnRef idx="2">
-            <a:schemeClr val="dk1"/>
-          </a:lnRef>
-          <a:fillRef idx="1">
-            <a:schemeClr val="lt1"/>
-          </a:fillRef>
-          <a:effectRef idx="0">
-            <a:schemeClr val="dk1"/>
-          </a:effectRef>
-          <a:fontRef idx="minor">
-            <a:schemeClr val="dk1"/>
-          </a:fontRef>
-        </p:style>
-        <p:txBody>
-          <a:bodyPr rtlCol="0" anchor="ctr"/>
-          <a:lstStyle/>
-          <a:p>
-            <a:pPr algn="ctr"/>
-            <a:r>
-              <a:rPr lang="en-US" sz="1400" dirty="0"/>
-              <a:t>“</a:t>
-            </a:r>
-            <a:r>
-              <a:rPr lang="en-US" sz="1400" dirty="0" err="1"/>
-              <a:t>Alexa</a:t>
-            </a:r>
-            <a:r>
-              <a:rPr lang="en-US" sz="1400" dirty="0"/>
-              <a:t>, Play a music”</a:t>
-            </a:r>
-          </a:p>
-        </p:txBody>
-      </p:sp>
-      <p:sp>
-        <p:nvSpPr>
-          <p:cNvPr id="9" name="Oval Callout 8"/>
-          <p:cNvSpPr/>
-          <p:nvPr/>
-        </p:nvSpPr>
-        <p:spPr>
-          <a:xfrm>
-            <a:off x="4724400" y="1276350"/>
-            <a:ext cx="2286000" cy="838200"/>
-          </a:xfrm>
-          <a:prstGeom prst="wedgeEllipseCallout">
-            <a:avLst>
-              <a:gd name="adj1" fmla="val -33863"/>
-              <a:gd name="adj2" fmla="val 70764"/>
-            </a:avLst>
-          </a:prstGeom>
-        </p:spPr>
-        <p:style>
-          <a:lnRef idx="2">
-            <a:schemeClr val="dk1"/>
-          </a:lnRef>
-          <a:fillRef idx="1">
-            <a:schemeClr val="lt1"/>
-          </a:fillRef>
-          <a:effectRef idx="0">
-            <a:schemeClr val="dk1"/>
-          </a:effectRef>
-          <a:fontRef idx="minor">
-            <a:schemeClr val="dk1"/>
-          </a:fontRef>
-        </p:style>
-        <p:txBody>
-          <a:bodyPr rtlCol="0" anchor="ctr"/>
-          <a:lstStyle/>
-          <a:p>
-            <a:pPr algn="ctr"/>
-            <a:r>
-              <a:rPr lang="en-US" sz="1400" dirty="0"/>
-              <a:t>“</a:t>
-            </a:r>
-            <a:r>
-              <a:rPr lang="en-US" sz="1400" dirty="0" err="1"/>
-              <a:t>Alexa</a:t>
-            </a:r>
-            <a:r>
-              <a:rPr lang="en-US" sz="1400" dirty="0"/>
-              <a:t>, Turn Off Light”</a:t>
-            </a:r>
-          </a:p>
-        </p:txBody>
-      </p:sp>
-      <p:sp>
-        <p:nvSpPr>
-          <p:cNvPr id="10" name="Oval Callout 9"/>
-          <p:cNvSpPr/>
-          <p:nvPr/>
-        </p:nvSpPr>
-        <p:spPr>
-          <a:xfrm>
-            <a:off x="5105400" y="2234911"/>
-            <a:ext cx="2286000" cy="838200"/>
-          </a:xfrm>
-          <a:prstGeom prst="wedgeEllipseCallout">
-            <a:avLst>
-              <a:gd name="adj1" fmla="val -49924"/>
-              <a:gd name="adj2" fmla="val 58368"/>
-            </a:avLst>
-          </a:prstGeom>
-        </p:spPr>
-        <p:style>
-          <a:lnRef idx="2">
-            <a:schemeClr val="dk1"/>
-          </a:lnRef>
-          <a:fillRef idx="1">
-            <a:schemeClr val="lt1"/>
-          </a:fillRef>
-          <a:effectRef idx="0">
-            <a:schemeClr val="dk1"/>
-          </a:effectRef>
-          <a:fontRef idx="minor">
-            <a:schemeClr val="dk1"/>
-          </a:fontRef>
-        </p:style>
-        <p:txBody>
-          <a:bodyPr rtlCol="0" anchor="ctr"/>
-          <a:lstStyle/>
-          <a:p>
-            <a:pPr algn="ctr"/>
-            <a:r>
-              <a:rPr lang="en-US" sz="1400" dirty="0"/>
-              <a:t>“Alexa, call Alex”</a:t>
-            </a:r>
-          </a:p>
-        </p:txBody>
-      </p:sp>
-      <p:sp>
-        <p:nvSpPr>
-          <p:cNvPr id="11" name="Oval Callout 7">
-            <a:extLst>
-              <a:ext uri="{FF2B5EF4-FFF2-40B4-BE49-F238E27FC236}">
-                <a16:creationId xmlns:a16="http://schemas.microsoft.com/office/drawing/2014/main" id="{BF73BA47-221F-41C4-AEAB-D97AC88F020E}"/>
-              </a:ext>
-            </a:extLst>
-          </p:cNvPr>
-          <p:cNvSpPr/>
-          <p:nvPr/>
-        </p:nvSpPr>
-        <p:spPr>
-          <a:xfrm flipH="1">
-            <a:off x="1143000" y="3286125"/>
-            <a:ext cx="2592532" cy="838200"/>
-          </a:xfrm>
-          <a:prstGeom prst="wedgeEllipseCallout">
-            <a:avLst>
-              <a:gd name="adj1" fmla="val -52651"/>
-              <a:gd name="adj2" fmla="val -47417"/>
-            </a:avLst>
-          </a:prstGeom>
-        </p:spPr>
-        <p:style>
-          <a:lnRef idx="2">
-            <a:schemeClr val="dk1"/>
-          </a:lnRef>
-          <a:fillRef idx="1">
-            <a:schemeClr val="lt1"/>
-          </a:fillRef>
-          <a:effectRef idx="0">
-            <a:schemeClr val="dk1"/>
-          </a:effectRef>
-          <a:fontRef idx="minor">
-            <a:schemeClr val="dk1"/>
-          </a:fontRef>
-        </p:style>
-        <p:txBody>
-          <a:bodyPr rtlCol="0" anchor="ctr"/>
-          <a:lstStyle/>
-          <a:p>
-            <a:pPr algn="ctr"/>
-            <a:r>
-              <a:rPr lang="en-US" sz="1400" dirty="0">
-                <a:latin typeface="+mj-lt"/>
-              </a:rPr>
-              <a:t>“</a:t>
-            </a:r>
-            <a:r>
-              <a:rPr lang="en-US" sz="1400" b="0" i="0" dirty="0">
-                <a:solidFill>
-                  <a:srgbClr val="000000"/>
-                </a:solidFill>
-                <a:effectLst/>
-                <a:latin typeface="+mj-lt"/>
-              </a:rPr>
-              <a:t>Alexa, what time is it</a:t>
-            </a:r>
-            <a:r>
-              <a:rPr lang="en-US" sz="1400" dirty="0">
-                <a:latin typeface="+mj-lt"/>
-              </a:rPr>
-              <a:t>”</a:t>
-            </a:r>
-          </a:p>
-        </p:txBody>
-      </p:sp>
-      <p:sp>
-        <p:nvSpPr>
-          <p:cNvPr id="12" name="Oval Callout 9">
-            <a:extLst>
-              <a:ext uri="{FF2B5EF4-FFF2-40B4-BE49-F238E27FC236}">
-                <a16:creationId xmlns:a16="http://schemas.microsoft.com/office/drawing/2014/main" id="{67AA0075-43D9-4F92-AEEC-E1A0BC589C93}"/>
-              </a:ext>
-            </a:extLst>
-          </p:cNvPr>
-          <p:cNvSpPr/>
-          <p:nvPr/>
-        </p:nvSpPr>
-        <p:spPr>
-          <a:xfrm>
-            <a:off x="5124450" y="3195204"/>
-            <a:ext cx="2190750" cy="838200"/>
-          </a:xfrm>
-          <a:prstGeom prst="wedgeEllipseCallout">
-            <a:avLst>
-              <a:gd name="adj1" fmla="val -52770"/>
-              <a:gd name="adj2" fmla="val -42458"/>
-            </a:avLst>
-          </a:prstGeom>
-        </p:spPr>
-        <p:style>
-          <a:lnRef idx="2">
-            <a:schemeClr val="dk1"/>
-          </a:lnRef>
-          <a:fillRef idx="1">
-            <a:schemeClr val="lt1"/>
-          </a:fillRef>
-          <a:effectRef idx="0">
-            <a:schemeClr val="dk1"/>
-          </a:effectRef>
-          <a:fontRef idx="minor">
-            <a:schemeClr val="dk1"/>
-          </a:fontRef>
-        </p:style>
-        <p:txBody>
-          <a:bodyPr rtlCol="0" anchor="ctr"/>
-          <a:lstStyle/>
-          <a:p>
-            <a:pPr algn="ctr"/>
-            <a:r>
-              <a:rPr lang="en-US" sz="1400" dirty="0"/>
-              <a:t>“Alexa,  What’s in the news”</a:t>
+        <p:txBody>
+          <a:bodyPr wrap="square" rtlCol="0">
+            <a:spAutoFit/>
+          </a:bodyPr>
+          <a:lstStyle/>
+          <a:p>
+            <a:pPr>
+              <a:buFont typeface="Wingdings" pitchFamily="2" charset="2"/>
+              <a:buChar char="q"/>
+            </a:pPr>
+            <a:r>
+              <a:rPr lang="en-US" dirty="0"/>
+              <a:t>  Voice interaction</a:t>
+            </a:r>
+          </a:p>
+          <a:p>
+            <a:pPr>
+              <a:buFont typeface="Wingdings" pitchFamily="2" charset="2"/>
+              <a:buChar char="q"/>
+            </a:pPr>
+            <a:r>
+              <a:rPr lang="en-US" dirty="0"/>
+              <a:t>  Music playback</a:t>
+            </a:r>
+          </a:p>
+          <a:p>
+            <a:pPr>
+              <a:buFont typeface="Wingdings" pitchFamily="2" charset="2"/>
+              <a:buChar char="q"/>
+            </a:pPr>
+            <a:r>
+              <a:rPr lang="en-US" dirty="0"/>
+              <a:t>  Providing real time information</a:t>
+            </a:r>
+          </a:p>
+          <a:p>
+            <a:pPr>
+              <a:buFont typeface="Wingdings" pitchFamily="2" charset="2"/>
+              <a:buChar char="q"/>
+            </a:pPr>
+            <a:r>
+              <a:rPr lang="en-US" dirty="0"/>
+              <a:t>  Controls several smart devices such as home automation system </a:t>
             </a:r>
           </a:p>
         </p:txBody>
@@ -10427,6 +7919,13 @@
   <p:transition>
     <p:fade thruBlk="1"/>
   </p:transition>
+  <p:timing>
+    <p:tnLst>
+      <p:par>
+        <p:cTn id="1" dur="indefinite" restart="never" nodeType="tmRoot"/>
+      </p:par>
+    </p:tnLst>
+  </p:timing>
 </p:sld>
 </file>
 
@@ -10459,13 +7958,13 @@
         </p:nvSpPr>
         <p:spPr>
           <a:xfrm>
-            <a:off x="990600" y="666750"/>
-            <a:ext cx="6858000" cy="857250"/>
+            <a:off x="2133600" y="38100"/>
+            <a:ext cx="4800600" cy="857250"/>
           </a:xfrm>
         </p:spPr>
         <p:txBody>
           <a:bodyPr>
-            <a:normAutofit fontScale="90000"/>
+            <a:normAutofit/>
           </a:bodyPr>
           <a:lstStyle/>
           <a:p>
@@ -10475,27 +7974,368 @@
                   <a:schemeClr val="tx1"/>
                 </a:solidFill>
               </a:rPr>
-              <a:t>What is needed to learn Data Science ?</a:t>
-            </a:r>
-          </a:p>
-        </p:txBody>
-      </p:sp>
-      <p:graphicFrame>
-        <p:nvGraphicFramePr>
-          <p:cNvPr id="5" name="Diagram 4"/>
-          <p:cNvGraphicFramePr/>
+              <a:t>Command for </a:t>
+            </a:r>
+            <a:r>
+              <a:rPr lang="en-US" dirty="0" err="1">
+                <a:solidFill>
+                  <a:schemeClr val="tx1"/>
+                </a:solidFill>
+              </a:rPr>
+              <a:t>Alexa</a:t>
+            </a:r>
+            <a:endParaRPr lang="en-US" dirty="0">
+              <a:solidFill>
+                <a:schemeClr val="tx1"/>
+              </a:solidFill>
+            </a:endParaRPr>
+          </a:p>
+        </p:txBody>
+      </p:sp>
+      <p:pic>
+        <p:nvPicPr>
+          <p:cNvPr id="2050" name="Picture 2" descr="C:\Users\sheto\Desktop\Alexa\8882505613342.png"/>
+          <p:cNvPicPr>
+            <a:picLocks noChangeAspect="1" noChangeArrowheads="1"/>
+          </p:cNvPicPr>
           <p:nvPr/>
-        </p:nvGraphicFramePr>
-        <p:xfrm>
-          <a:off x="1600200" y="1758950"/>
-          <a:ext cx="5334000" cy="3098800"/>
-        </p:xfrm>
-        <a:graphic>
-          <a:graphicData uri="http://schemas.openxmlformats.org/drawingml/2006/diagram">
-            <dgm:relIds xmlns:dgm="http://schemas.openxmlformats.org/drawingml/2006/diagram" xmlns:r="http://schemas.openxmlformats.org/officeDocument/2006/relationships" r:dm="rId2" r:lo="rId3" r:qs="rId4" r:cs="rId5"/>
-          </a:graphicData>
-        </a:graphic>
-      </p:graphicFrame>
+        </p:nvPicPr>
+        <p:blipFill>
+          <a:blip r:embed="rId3" cstate="print"/>
+          <a:srcRect/>
+          <a:stretch>
+            <a:fillRect/>
+          </a:stretch>
+        </p:blipFill>
+        <p:spPr bwMode="auto">
+          <a:xfrm>
+            <a:off x="3371850" y="1962150"/>
+            <a:ext cx="2190750" cy="2190750"/>
+          </a:xfrm>
+          <a:prstGeom prst="rect">
+            <a:avLst/>
+          </a:prstGeom>
+          <a:noFill/>
+        </p:spPr>
+      </p:pic>
+      <p:sp>
+        <p:nvSpPr>
+          <p:cNvPr id="7" name="Oval Callout 6"/>
+          <p:cNvSpPr/>
+          <p:nvPr/>
+        </p:nvSpPr>
+        <p:spPr>
+          <a:xfrm flipH="1">
+            <a:off x="1447800" y="1276350"/>
+            <a:ext cx="2667000" cy="838200"/>
+          </a:xfrm>
+          <a:prstGeom prst="wedgeEllipseCallout">
+            <a:avLst>
+              <a:gd name="adj1" fmla="val -36677"/>
+              <a:gd name="adj2" fmla="val 62500"/>
+            </a:avLst>
+          </a:prstGeom>
+        </p:spPr>
+        <p:style>
+          <a:lnRef idx="2">
+            <a:schemeClr val="dk1"/>
+          </a:lnRef>
+          <a:fillRef idx="1">
+            <a:schemeClr val="lt1"/>
+          </a:fillRef>
+          <a:effectRef idx="0">
+            <a:schemeClr val="dk1"/>
+          </a:effectRef>
+          <a:fontRef idx="minor">
+            <a:schemeClr val="dk1"/>
+          </a:fontRef>
+        </p:style>
+        <p:txBody>
+          <a:bodyPr rtlCol="0" anchor="ctr"/>
+          <a:lstStyle/>
+          <a:p>
+            <a:pPr algn="ctr"/>
+            <a:r>
+              <a:rPr lang="en-US" sz="1400" dirty="0"/>
+              <a:t>“</a:t>
+            </a:r>
+            <a:r>
+              <a:rPr lang="en-US" sz="1400" dirty="0" err="1"/>
+              <a:t>Alexa</a:t>
+            </a:r>
+            <a:r>
+              <a:rPr lang="en-US" sz="1400" dirty="0"/>
+              <a:t>, What is my Credit card Balance”</a:t>
+            </a:r>
+          </a:p>
+        </p:txBody>
+      </p:sp>
+      <p:sp>
+        <p:nvSpPr>
+          <p:cNvPr id="8" name="Oval Callout 7"/>
+          <p:cNvSpPr/>
+          <p:nvPr/>
+        </p:nvSpPr>
+        <p:spPr>
+          <a:xfrm flipH="1">
+            <a:off x="1068532" y="2219325"/>
+            <a:ext cx="2667000" cy="838200"/>
+          </a:xfrm>
+          <a:prstGeom prst="wedgeEllipseCallout">
+            <a:avLst>
+              <a:gd name="adj1" fmla="val -49145"/>
+              <a:gd name="adj2" fmla="val 48450"/>
+            </a:avLst>
+          </a:prstGeom>
+        </p:spPr>
+        <p:style>
+          <a:lnRef idx="2">
+            <a:schemeClr val="dk1"/>
+          </a:lnRef>
+          <a:fillRef idx="1">
+            <a:schemeClr val="lt1"/>
+          </a:fillRef>
+          <a:effectRef idx="0">
+            <a:schemeClr val="dk1"/>
+          </a:effectRef>
+          <a:fontRef idx="minor">
+            <a:schemeClr val="dk1"/>
+          </a:fontRef>
+        </p:style>
+        <p:txBody>
+          <a:bodyPr rtlCol="0" anchor="ctr"/>
+          <a:lstStyle/>
+          <a:p>
+            <a:pPr algn="ctr"/>
+            <a:r>
+              <a:rPr lang="en-US" sz="1400" dirty="0"/>
+              <a:t>“</a:t>
+            </a:r>
+            <a:r>
+              <a:rPr lang="en-US" sz="1400" dirty="0" err="1"/>
+              <a:t>Alexa</a:t>
+            </a:r>
+            <a:r>
+              <a:rPr lang="en-US" sz="1400" dirty="0"/>
+              <a:t>, Play a music”</a:t>
+            </a:r>
+          </a:p>
+        </p:txBody>
+      </p:sp>
+      <p:sp>
+        <p:nvSpPr>
+          <p:cNvPr id="9" name="Oval Callout 8"/>
+          <p:cNvSpPr/>
+          <p:nvPr/>
+        </p:nvSpPr>
+        <p:spPr>
+          <a:xfrm>
+            <a:off x="4724400" y="1276350"/>
+            <a:ext cx="2286000" cy="838200"/>
+          </a:xfrm>
+          <a:prstGeom prst="wedgeEllipseCallout">
+            <a:avLst>
+              <a:gd name="adj1" fmla="val -33863"/>
+              <a:gd name="adj2" fmla="val 70764"/>
+            </a:avLst>
+          </a:prstGeom>
+        </p:spPr>
+        <p:style>
+          <a:lnRef idx="2">
+            <a:schemeClr val="dk1"/>
+          </a:lnRef>
+          <a:fillRef idx="1">
+            <a:schemeClr val="lt1"/>
+          </a:fillRef>
+          <a:effectRef idx="0">
+            <a:schemeClr val="dk1"/>
+          </a:effectRef>
+          <a:fontRef idx="minor">
+            <a:schemeClr val="dk1"/>
+          </a:fontRef>
+        </p:style>
+        <p:txBody>
+          <a:bodyPr rtlCol="0" anchor="ctr"/>
+          <a:lstStyle/>
+          <a:p>
+            <a:pPr algn="ctr"/>
+            <a:r>
+              <a:rPr lang="en-US" sz="1400" dirty="0"/>
+              <a:t>“</a:t>
+            </a:r>
+            <a:r>
+              <a:rPr lang="en-US" sz="1400" dirty="0" err="1"/>
+              <a:t>Alexa</a:t>
+            </a:r>
+            <a:r>
+              <a:rPr lang="en-US" sz="1400" dirty="0"/>
+              <a:t>, Turn Off Light”</a:t>
+            </a:r>
+          </a:p>
+        </p:txBody>
+      </p:sp>
+      <p:sp>
+        <p:nvSpPr>
+          <p:cNvPr id="10" name="Oval Callout 9"/>
+          <p:cNvSpPr/>
+          <p:nvPr/>
+        </p:nvSpPr>
+        <p:spPr>
+          <a:xfrm>
+            <a:off x="5105400" y="2234911"/>
+            <a:ext cx="2286000" cy="838200"/>
+          </a:xfrm>
+          <a:prstGeom prst="wedgeEllipseCallout">
+            <a:avLst>
+              <a:gd name="adj1" fmla="val -49924"/>
+              <a:gd name="adj2" fmla="val 58368"/>
+            </a:avLst>
+          </a:prstGeom>
+        </p:spPr>
+        <p:style>
+          <a:lnRef idx="2">
+            <a:schemeClr val="dk1"/>
+          </a:lnRef>
+          <a:fillRef idx="1">
+            <a:schemeClr val="lt1"/>
+          </a:fillRef>
+          <a:effectRef idx="0">
+            <a:schemeClr val="dk1"/>
+          </a:effectRef>
+          <a:fontRef idx="minor">
+            <a:schemeClr val="dk1"/>
+          </a:fontRef>
+        </p:style>
+        <p:txBody>
+          <a:bodyPr rtlCol="0" anchor="ctr"/>
+          <a:lstStyle/>
+          <a:p>
+            <a:pPr algn="ctr"/>
+            <a:r>
+              <a:rPr lang="en-US" sz="1400" dirty="0"/>
+              <a:t>“Alexa, call Alex”</a:t>
+            </a:r>
+          </a:p>
+        </p:txBody>
+      </p:sp>
+      <p:sp>
+        <p:nvSpPr>
+          <p:cNvPr id="11" name="Oval Callout 7">
+            <a:extLst>
+              <a:ext uri="{FF2B5EF4-FFF2-40B4-BE49-F238E27FC236}">
+                <a16:creationId xmlns="" xmlns:a16="http://schemas.microsoft.com/office/drawing/2014/main" id="{BF73BA47-221F-41C4-AEAB-D97AC88F020E}"/>
+              </a:ext>
+            </a:extLst>
+          </p:cNvPr>
+          <p:cNvSpPr/>
+          <p:nvPr/>
+        </p:nvSpPr>
+        <p:spPr>
+          <a:xfrm flipH="1">
+            <a:off x="1143000" y="3286125"/>
+            <a:ext cx="2592532" cy="838200"/>
+          </a:xfrm>
+          <a:prstGeom prst="wedgeEllipseCallout">
+            <a:avLst>
+              <a:gd name="adj1" fmla="val -52651"/>
+              <a:gd name="adj2" fmla="val -47417"/>
+            </a:avLst>
+          </a:prstGeom>
+        </p:spPr>
+        <p:style>
+          <a:lnRef idx="2">
+            <a:schemeClr val="dk1"/>
+          </a:lnRef>
+          <a:fillRef idx="1">
+            <a:schemeClr val="lt1"/>
+          </a:fillRef>
+          <a:effectRef idx="0">
+            <a:schemeClr val="dk1"/>
+          </a:effectRef>
+          <a:fontRef idx="minor">
+            <a:schemeClr val="dk1"/>
+          </a:fontRef>
+        </p:style>
+        <p:txBody>
+          <a:bodyPr rtlCol="0" anchor="ctr"/>
+          <a:lstStyle/>
+          <a:p>
+            <a:pPr algn="ctr"/>
+            <a:r>
+              <a:rPr lang="en-US" sz="1400" dirty="0">
+                <a:latin typeface="+mj-lt"/>
+              </a:rPr>
+              <a:t>“</a:t>
+            </a:r>
+            <a:r>
+              <a:rPr lang="en-US" sz="1400" b="0" i="0" dirty="0">
+                <a:solidFill>
+                  <a:srgbClr val="000000"/>
+                </a:solidFill>
+                <a:effectLst/>
+                <a:latin typeface="+mj-lt"/>
+              </a:rPr>
+              <a:t>Alexa, what time is it</a:t>
+            </a:r>
+            <a:r>
+              <a:rPr lang="en-US" sz="1400" dirty="0">
+                <a:latin typeface="+mj-lt"/>
+              </a:rPr>
+              <a:t>”</a:t>
+            </a:r>
+          </a:p>
+        </p:txBody>
+      </p:sp>
+      <p:sp>
+        <p:nvSpPr>
+          <p:cNvPr id="12" name="Oval Callout 9">
+            <a:extLst>
+              <a:ext uri="{FF2B5EF4-FFF2-40B4-BE49-F238E27FC236}">
+                <a16:creationId xmlns="" xmlns:a16="http://schemas.microsoft.com/office/drawing/2014/main" id="{67AA0075-43D9-4F92-AEEC-E1A0BC589C93}"/>
+              </a:ext>
+            </a:extLst>
+          </p:cNvPr>
+          <p:cNvSpPr/>
+          <p:nvPr/>
+        </p:nvSpPr>
+        <p:spPr>
+          <a:xfrm>
+            <a:off x="5124450" y="3195204"/>
+            <a:ext cx="2190750" cy="838200"/>
+          </a:xfrm>
+          <a:prstGeom prst="wedgeEllipseCallout">
+            <a:avLst>
+              <a:gd name="adj1" fmla="val -52770"/>
+              <a:gd name="adj2" fmla="val -42458"/>
+            </a:avLst>
+          </a:prstGeom>
+        </p:spPr>
+        <p:style>
+          <a:lnRef idx="2">
+            <a:schemeClr val="dk1"/>
+          </a:lnRef>
+          <a:fillRef idx="1">
+            <a:schemeClr val="lt1"/>
+          </a:fillRef>
+          <a:effectRef idx="0">
+            <a:schemeClr val="dk1"/>
+          </a:effectRef>
+          <a:fontRef idx="minor">
+            <a:schemeClr val="dk1"/>
+          </a:fontRef>
+        </p:style>
+        <p:txBody>
+          <a:bodyPr rtlCol="0" anchor="ctr"/>
+          <a:lstStyle/>
+          <a:p>
+            <a:pPr algn="ctr"/>
+            <a:r>
+              <a:rPr lang="en-US" sz="1400" dirty="0"/>
+              <a:t>“Alexa,  What’s in the news”</a:t>
+            </a:r>
+          </a:p>
+        </p:txBody>
+      </p:sp>
     </p:spTree>
   </p:cSld>
   <p:clrMapOvr>
@@ -10504,6 +8344,13 @@
   <p:transition>
     <p:fade thruBlk="1"/>
   </p:transition>
+  <p:timing>
+    <p:tnLst>
+      <p:par>
+        <p:cTn id="1" dur="indefinite" restart="never" nodeType="tmRoot"/>
+      </p:par>
+    </p:tnLst>
+  </p:timing>
 </p:sld>
 </file>
 
@@ -10536,8 +8383,8 @@
         </p:nvSpPr>
         <p:spPr>
           <a:xfrm>
-            <a:off x="990600" y="666750"/>
-            <a:ext cx="7239000" cy="857250"/>
+            <a:off x="1143000" y="38100"/>
+            <a:ext cx="6858000" cy="857250"/>
           </a:xfrm>
         </p:spPr>
         <p:txBody>
@@ -10547,13 +8394,109 @@
           <a:lstStyle/>
           <a:p>
             <a:r>
-              <a:rPr lang="en-US" dirty="0">
-                <a:solidFill>
-                  <a:schemeClr val="tx1"/>
-                </a:solidFill>
-              </a:rPr>
-              <a:t>Applications of Data Science ?</a:t>
-            </a:r>
+              <a:rPr lang="en-US" dirty="0" smtClean="0"/>
+              <a:t>Working Procedure of </a:t>
+            </a:r>
+            <a:r>
+              <a:rPr lang="en-US" dirty="0" err="1" smtClean="0"/>
+              <a:t>Alexa</a:t>
+            </a:r>
+            <a:endParaRPr lang="en-US" dirty="0"/>
+          </a:p>
+        </p:txBody>
+      </p:sp>
+      <p:sp>
+        <p:nvSpPr>
+          <p:cNvPr id="4" name="TextBox 3"/>
+          <p:cNvSpPr txBox="1"/>
+          <p:nvPr/>
+        </p:nvSpPr>
+        <p:spPr>
+          <a:xfrm>
+            <a:off x="685800" y="1531025"/>
+            <a:ext cx="7696200" cy="2031325"/>
+          </a:xfrm>
+          <a:prstGeom prst="rect">
+            <a:avLst/>
+          </a:prstGeom>
+          <a:noFill/>
+        </p:spPr>
+        <p:txBody>
+          <a:bodyPr wrap="square" rtlCol="0">
+            <a:spAutoFit/>
+          </a:bodyPr>
+          <a:lstStyle/>
+          <a:p>
+            <a:r>
+              <a:rPr lang="en-US" dirty="0" err="1" smtClean="0"/>
+              <a:t>Alexa</a:t>
+            </a:r>
+            <a:r>
+              <a:rPr lang="en-US" dirty="0" smtClean="0"/>
+              <a:t> is always ready to help, When someone want to talk to </a:t>
+            </a:r>
+            <a:r>
+              <a:rPr lang="en-US" dirty="0" err="1" smtClean="0"/>
+              <a:t>Alexa</a:t>
+            </a:r>
+            <a:r>
+              <a:rPr lang="en-US" dirty="0" smtClean="0"/>
+              <a:t> on </a:t>
+            </a:r>
+            <a:r>
+              <a:rPr lang="en-US" dirty="0" smtClean="0"/>
+              <a:t>there </a:t>
+            </a:r>
+            <a:r>
+              <a:rPr lang="en-US" dirty="0" smtClean="0"/>
+              <a:t>Echo device, Then they have to first say the wake word, which by default is “</a:t>
+            </a:r>
+            <a:r>
+              <a:rPr lang="en-US" dirty="0" err="1" smtClean="0"/>
+              <a:t>Alexa</a:t>
+            </a:r>
+            <a:r>
+              <a:rPr lang="en-US" dirty="0" smtClean="0"/>
+              <a:t>,” </a:t>
+            </a:r>
+          </a:p>
+          <a:p>
+            <a:endParaRPr lang="en-US" dirty="0" smtClean="0"/>
+          </a:p>
+          <a:p>
+            <a:r>
+              <a:rPr lang="en-US" dirty="0" smtClean="0"/>
+              <a:t> When the device detects the wake word, it </a:t>
+            </a:r>
+            <a:r>
+              <a:rPr lang="en-US" dirty="0" smtClean="0"/>
+              <a:t>sends request </a:t>
+            </a:r>
+            <a:r>
+              <a:rPr lang="en-US" dirty="0" smtClean="0"/>
+              <a:t>to Amazon’s secure cloud, where the cloud’s more powerful capabilities verify the wake word as </a:t>
+            </a:r>
+            <a:r>
+              <a:rPr lang="en-US" dirty="0" smtClean="0"/>
+              <a:t>a request </a:t>
+            </a:r>
+            <a:r>
+              <a:rPr lang="en-US" dirty="0" smtClean="0"/>
+              <a:t>is being processed. After confirmation, an answer </a:t>
+            </a:r>
+            <a:r>
+              <a:rPr lang="en-US" dirty="0" smtClean="0"/>
+              <a:t>according to the request </a:t>
+            </a:r>
+            <a:r>
+              <a:rPr lang="en-US" dirty="0" smtClean="0"/>
+              <a:t>is sent </a:t>
+            </a:r>
+            <a:r>
+              <a:rPr lang="en-US" dirty="0" smtClean="0"/>
+              <a:t>back.</a:t>
+            </a:r>
+            <a:endParaRPr lang="en-US" dirty="0" smtClean="0"/>
           </a:p>
         </p:txBody>
       </p:sp>
@@ -10565,6 +8508,13 @@
   <p:transition>
     <p:fade thruBlk="1"/>
   </p:transition>
+  <p:timing>
+    <p:tnLst>
+      <p:par>
+        <p:cTn id="1" dur="indefinite" restart="never" nodeType="tmRoot"/>
+      </p:par>
+    </p:tnLst>
+  </p:timing>
 </p:sld>
 </file>
 
@@ -10597,129 +8547,307 @@
         </p:nvSpPr>
         <p:spPr>
           <a:xfrm>
-            <a:off x="990600" y="666750"/>
-            <a:ext cx="7239000" cy="857250"/>
+            <a:off x="1143000" y="38100"/>
+            <a:ext cx="6858000" cy="857250"/>
           </a:xfrm>
         </p:spPr>
         <p:txBody>
           <a:bodyPr>
-            <a:normAutofit fontScale="90000"/>
+            <a:normAutofit/>
           </a:bodyPr>
           <a:lstStyle/>
           <a:p>
             <a:r>
-              <a:rPr lang="en-US" dirty="0">
-                <a:solidFill>
-                  <a:schemeClr val="tx1"/>
-                </a:solidFill>
-              </a:rPr>
-              <a:t>Real World Example of Data Science..</a:t>
-            </a:r>
-          </a:p>
-        </p:txBody>
-      </p:sp>
-      <p:pic>
-        <p:nvPicPr>
-          <p:cNvPr id="4" name="Picture 3" descr="Screenshot 2021-11-13 113307.png"/>
-          <p:cNvPicPr>
-            <a:picLocks noChangeAspect="1"/>
-          </p:cNvPicPr>
+              <a:rPr lang="en-US" dirty="0" smtClean="0"/>
+              <a:t>Working Procedure of </a:t>
+            </a:r>
+            <a:r>
+              <a:rPr lang="en-US" dirty="0" err="1" smtClean="0"/>
+              <a:t>Alexa</a:t>
+            </a:r>
+            <a:endParaRPr lang="en-US" dirty="0"/>
+          </a:p>
+        </p:txBody>
+      </p:sp>
+      <p:sp>
+        <p:nvSpPr>
+          <p:cNvPr id="4" name="TextBox 3"/>
+          <p:cNvSpPr txBox="1"/>
           <p:nvPr/>
-        </p:nvPicPr>
-        <p:blipFill>
-          <a:blip r:embed="rId2"/>
-          <a:stretch>
-            <a:fillRect/>
-          </a:stretch>
-        </p:blipFill>
-        <p:spPr>
-          <a:xfrm>
-            <a:off x="533400" y="2038350"/>
-            <a:ext cx="3352800" cy="2057400"/>
+        </p:nvSpPr>
+        <p:spPr>
+          <a:xfrm>
+            <a:off x="609600" y="1352550"/>
+            <a:ext cx="3048000" cy="400110"/>
           </a:xfrm>
           <a:prstGeom prst="rect">
             <a:avLst/>
           </a:prstGeom>
-          <a:ln>
-            <a:noFill/>
-          </a:ln>
-          <a:effectLst>
-            <a:outerShdw blurRad="190500" algn="tl" rotWithShape="0">
-              <a:srgbClr val="000000">
-                <a:alpha val="70000"/>
-              </a:srgbClr>
-            </a:outerShdw>
-          </a:effectLst>
-        </p:spPr>
-      </p:pic>
-      <p:pic>
-        <p:nvPicPr>
-          <p:cNvPr id="5" name="Picture 4" descr="Amazon_Alexa_App_Logo.png"/>
-          <p:cNvPicPr>
-            <a:picLocks noChangeAspect="1"/>
-          </p:cNvPicPr>
+          <a:noFill/>
+        </p:spPr>
+        <p:txBody>
+          <a:bodyPr wrap="square" rtlCol="0">
+            <a:spAutoFit/>
+          </a:bodyPr>
+          <a:lstStyle/>
+          <a:p>
+            <a:r>
+              <a:rPr lang="en-US" sz="2000" b="1" dirty="0" smtClean="0"/>
+              <a:t>Anchored speech detection</a:t>
+            </a:r>
+            <a:endParaRPr lang="en-US" sz="2000" b="1" dirty="0" smtClean="0"/>
+          </a:p>
+        </p:txBody>
+      </p:sp>
+      <p:sp>
+        <p:nvSpPr>
+          <p:cNvPr id="5" name="TextBox 4"/>
+          <p:cNvSpPr txBox="1"/>
           <p:nvPr/>
-        </p:nvPicPr>
-        <p:blipFill>
-          <a:blip r:embed="rId3" cstate="print"/>
-          <a:stretch>
-            <a:fillRect/>
-          </a:stretch>
-        </p:blipFill>
-        <p:spPr>
-          <a:xfrm>
-            <a:off x="4169979" y="2362200"/>
-            <a:ext cx="1316421" cy="1352550"/>
+        </p:nvSpPr>
+        <p:spPr>
+          <a:xfrm>
+            <a:off x="1905000" y="2114550"/>
+            <a:ext cx="1295400" cy="523220"/>
           </a:xfrm>
           <a:prstGeom prst="rect">
             <a:avLst/>
           </a:prstGeom>
-          <a:ln>
-            <a:noFill/>
-          </a:ln>
-          <a:effectLst>
-            <a:outerShdw blurRad="292100" dist="139700" dir="2700000" algn="tl" rotWithShape="0">
-              <a:srgbClr val="333333">
-                <a:alpha val="65000"/>
-              </a:srgbClr>
-            </a:outerShdw>
-          </a:effectLst>
-        </p:spPr>
-      </p:pic>
-      <p:pic>
-        <p:nvPicPr>
-          <p:cNvPr id="6" name="Picture 5" descr="self-driving-car-liability-kanner-and-pintaluga-scaled.jpeg"/>
-          <p:cNvPicPr>
-            <a:picLocks noChangeAspect="1"/>
-          </p:cNvPicPr>
+          <a:noFill/>
+        </p:spPr>
+        <p:txBody>
+          <a:bodyPr wrap="square" rtlCol="0">
+            <a:spAutoFit/>
+          </a:bodyPr>
+          <a:lstStyle/>
+          <a:p>
+            <a:r>
+              <a:rPr lang="en-US" sz="2800" dirty="0" smtClean="0">
+                <a:solidFill>
+                  <a:srgbClr val="0070C0"/>
+                </a:solidFill>
+              </a:rPr>
+              <a:t>“</a:t>
+            </a:r>
+            <a:r>
+              <a:rPr lang="en-US" sz="2800" dirty="0" err="1" smtClean="0">
+                <a:solidFill>
+                  <a:srgbClr val="0070C0"/>
+                </a:solidFill>
+              </a:rPr>
+              <a:t>Alexa</a:t>
+            </a:r>
+            <a:r>
+              <a:rPr lang="en-US" sz="2800" dirty="0" smtClean="0">
+                <a:solidFill>
+                  <a:srgbClr val="0070C0"/>
+                </a:solidFill>
+              </a:rPr>
+              <a:t>,</a:t>
+            </a:r>
+            <a:endParaRPr lang="en-US" sz="2800" dirty="0">
+              <a:solidFill>
+                <a:srgbClr val="0070C0"/>
+              </a:solidFill>
+            </a:endParaRPr>
+          </a:p>
+        </p:txBody>
+      </p:sp>
+      <p:sp>
+        <p:nvSpPr>
+          <p:cNvPr id="6" name="TextBox 5"/>
+          <p:cNvSpPr txBox="1"/>
           <p:nvPr/>
-        </p:nvPicPr>
-        <p:blipFill>
-          <a:blip r:embed="rId4" cstate="print"/>
-          <a:stretch>
-            <a:fillRect/>
-          </a:stretch>
-        </p:blipFill>
-        <p:spPr>
-          <a:xfrm>
-            <a:off x="5791200" y="2057400"/>
-            <a:ext cx="3058272" cy="2038350"/>
+        </p:nvSpPr>
+        <p:spPr>
+          <a:xfrm>
+            <a:off x="3429000" y="2114550"/>
+            <a:ext cx="3962400" cy="523220"/>
           </a:xfrm>
           <a:prstGeom prst="rect">
             <a:avLst/>
           </a:prstGeom>
-          <a:ln>
-            <a:noFill/>
-          </a:ln>
-          <a:effectLst>
-            <a:outerShdw blurRad="190500" algn="tl" rotWithShape="0">
-              <a:srgbClr val="000000">
-                <a:alpha val="70000"/>
-              </a:srgbClr>
-            </a:outerShdw>
-          </a:effectLst>
-        </p:spPr>
-      </p:pic>
+          <a:noFill/>
+        </p:spPr>
+        <p:txBody>
+          <a:bodyPr wrap="square" rtlCol="0">
+            <a:spAutoFit/>
+          </a:bodyPr>
+          <a:lstStyle/>
+          <a:p>
+            <a:r>
+              <a:rPr lang="en-US" sz="2800" dirty="0" smtClean="0">
+                <a:solidFill>
+                  <a:srgbClr val="0070C0"/>
+                </a:solidFill>
+              </a:rPr>
+              <a:t>Turn on the kitchen light !”</a:t>
+            </a:r>
+            <a:endParaRPr lang="en-US" sz="2800" dirty="0">
+              <a:solidFill>
+                <a:srgbClr val="0070C0"/>
+              </a:solidFill>
+            </a:endParaRPr>
+          </a:p>
+        </p:txBody>
+      </p:sp>
+      <p:sp>
+        <p:nvSpPr>
+          <p:cNvPr id="7" name="Right Brace 6"/>
+          <p:cNvSpPr/>
+          <p:nvPr/>
+        </p:nvSpPr>
+        <p:spPr>
+          <a:xfrm rot="5400000">
+            <a:off x="5067300" y="933450"/>
+            <a:ext cx="457200" cy="3581400"/>
+          </a:xfrm>
+          <a:prstGeom prst="rightBrace">
+            <a:avLst/>
+          </a:prstGeom>
+        </p:spPr>
+        <p:style>
+          <a:lnRef idx="1">
+            <a:schemeClr val="accent1"/>
+          </a:lnRef>
+          <a:fillRef idx="0">
+            <a:schemeClr val="accent1"/>
+          </a:fillRef>
+          <a:effectRef idx="0">
+            <a:schemeClr val="accent1"/>
+          </a:effectRef>
+          <a:fontRef idx="minor">
+            <a:schemeClr val="tx1"/>
+          </a:fontRef>
+        </p:style>
+        <p:txBody>
+          <a:bodyPr rtlCol="0" anchor="ctr"/>
+          <a:lstStyle/>
+          <a:p>
+            <a:pPr algn="ctr"/>
+            <a:endParaRPr lang="en-US"/>
+          </a:p>
+        </p:txBody>
+      </p:sp>
+      <p:sp>
+        <p:nvSpPr>
+          <p:cNvPr id="8" name="Right Brace 7"/>
+          <p:cNvSpPr/>
+          <p:nvPr/>
+        </p:nvSpPr>
+        <p:spPr>
+          <a:xfrm rot="5400000">
+            <a:off x="2324100" y="2152650"/>
+            <a:ext cx="457200" cy="1143000"/>
+          </a:xfrm>
+          <a:prstGeom prst="rightBrace">
+            <a:avLst/>
+          </a:prstGeom>
+        </p:spPr>
+        <p:style>
+          <a:lnRef idx="1">
+            <a:schemeClr val="accent1"/>
+          </a:lnRef>
+          <a:fillRef idx="0">
+            <a:schemeClr val="accent1"/>
+          </a:fillRef>
+          <a:effectRef idx="0">
+            <a:schemeClr val="accent1"/>
+          </a:effectRef>
+          <a:fontRef idx="minor">
+            <a:schemeClr val="tx1"/>
+          </a:fontRef>
+        </p:style>
+        <p:txBody>
+          <a:bodyPr rtlCol="0" anchor="ctr"/>
+          <a:lstStyle/>
+          <a:p>
+            <a:pPr algn="ctr"/>
+            <a:endParaRPr lang="en-US"/>
+          </a:p>
+        </p:txBody>
+      </p:sp>
+      <p:sp>
+        <p:nvSpPr>
+          <p:cNvPr id="9" name="TextBox 8"/>
+          <p:cNvSpPr txBox="1"/>
+          <p:nvPr/>
+        </p:nvSpPr>
+        <p:spPr>
+          <a:xfrm>
+            <a:off x="1981200" y="3105150"/>
+            <a:ext cx="1295400" cy="923330"/>
+          </a:xfrm>
+          <a:prstGeom prst="rect">
+            <a:avLst/>
+          </a:prstGeom>
+          <a:noFill/>
+        </p:spPr>
+        <p:txBody>
+          <a:bodyPr wrap="square" rtlCol="0">
+            <a:spAutoFit/>
+          </a:bodyPr>
+          <a:lstStyle/>
+          <a:p>
+            <a:r>
+              <a:rPr lang="en-US" dirty="0" smtClean="0"/>
+              <a:t>Wake word</a:t>
+            </a:r>
+          </a:p>
+          <a:p>
+            <a:endParaRPr lang="en-US" dirty="0" smtClean="0"/>
+          </a:p>
+          <a:p>
+            <a:r>
+              <a:rPr lang="en-US" dirty="0" smtClean="0"/>
+              <a:t>“Anchor”</a:t>
+            </a:r>
+            <a:endParaRPr lang="en-US" dirty="0"/>
+          </a:p>
+        </p:txBody>
+      </p:sp>
+      <p:sp>
+        <p:nvSpPr>
+          <p:cNvPr id="10" name="TextBox 9"/>
+          <p:cNvSpPr txBox="1"/>
+          <p:nvPr/>
+        </p:nvSpPr>
+        <p:spPr>
+          <a:xfrm>
+            <a:off x="3810000" y="3105150"/>
+            <a:ext cx="2971800" cy="923330"/>
+          </a:xfrm>
+          <a:prstGeom prst="rect">
+            <a:avLst/>
+          </a:prstGeom>
+          <a:noFill/>
+        </p:spPr>
+        <p:txBody>
+          <a:bodyPr wrap="square" rtlCol="0">
+            <a:spAutoFit/>
+          </a:bodyPr>
+          <a:lstStyle/>
+          <a:p>
+            <a:pPr algn="ctr"/>
+            <a:r>
+              <a:rPr lang="en-US" dirty="0" smtClean="0"/>
+              <a:t>Request</a:t>
+            </a:r>
+          </a:p>
+          <a:p>
+            <a:pPr algn="ctr"/>
+            <a:endParaRPr lang="en-US" dirty="0" smtClean="0"/>
+          </a:p>
+          <a:p>
+            <a:pPr algn="ctr"/>
+            <a:r>
+              <a:rPr lang="en-US" dirty="0" smtClean="0"/>
+              <a:t>Speech consistent with anchor</a:t>
+            </a:r>
+            <a:endParaRPr lang="en-US" dirty="0"/>
+          </a:p>
+        </p:txBody>
+      </p:sp>
     </p:spTree>
   </p:cSld>
   <p:clrMapOvr>
@@ -10731,303 +8859,7 @@
   <p:timing>
     <p:tnLst>
       <p:par>
-        <p:cTn id="1" dur="indefinite" restart="never" nodeType="tmRoot">
-          <p:childTnLst>
-            <p:seq concurrent="1" nextAc="seek">
-              <p:cTn id="2" dur="indefinite" nodeType="mainSeq">
-                <p:childTnLst>
-                  <p:par>
-                    <p:cTn id="3" fill="hold">
-                      <p:stCondLst>
-                        <p:cond delay="indefinite"/>
-                      </p:stCondLst>
-                      <p:childTnLst>
-                        <p:par>
-                          <p:cTn id="4" fill="hold">
-                            <p:stCondLst>
-                              <p:cond delay="0"/>
-                            </p:stCondLst>
-                            <p:childTnLst>
-                              <p:par>
-                                <p:cTn id="5" presetID="23" presetClass="entr" presetSubtype="16" fill="hold" nodeType="clickEffect">
-                                  <p:stCondLst>
-                                    <p:cond delay="0"/>
-                                  </p:stCondLst>
-                                  <p:childTnLst>
-                                    <p:set>
-                                      <p:cBhvr>
-                                        <p:cTn id="6" dur="1" fill="hold">
-                                          <p:stCondLst>
-                                            <p:cond delay="0"/>
-                                          </p:stCondLst>
-                                        </p:cTn>
-                                        <p:tgtEl>
-                                          <p:spTgt spid="4"/>
-                                        </p:tgtEl>
-                                        <p:attrNameLst>
-                                          <p:attrName>style.visibility</p:attrName>
-                                        </p:attrNameLst>
-                                      </p:cBhvr>
-                                      <p:to>
-                                        <p:strVal val="visible"/>
-                                      </p:to>
-                                    </p:set>
-                                    <p:anim calcmode="lin" valueType="num">
-                                      <p:cBhvr>
-                                        <p:cTn id="7" dur="500" fill="hold"/>
-                                        <p:tgtEl>
-                                          <p:spTgt spid="4"/>
-                                        </p:tgtEl>
-                                        <p:attrNameLst>
-                                          <p:attrName>ppt_w</p:attrName>
-                                        </p:attrNameLst>
-                                      </p:cBhvr>
-                                      <p:tavLst>
-                                        <p:tav tm="0">
-                                          <p:val>
-                                            <p:fltVal val="0"/>
-                                          </p:val>
-                                        </p:tav>
-                                        <p:tav tm="100000">
-                                          <p:val>
-                                            <p:strVal val="#ppt_w"/>
-                                          </p:val>
-                                        </p:tav>
-                                      </p:tavLst>
-                                    </p:anim>
-                                    <p:anim calcmode="lin" valueType="num">
-                                      <p:cBhvr>
-                                        <p:cTn id="8" dur="500" fill="hold"/>
-                                        <p:tgtEl>
-                                          <p:spTgt spid="4"/>
-                                        </p:tgtEl>
-                                        <p:attrNameLst>
-                                          <p:attrName>ppt_h</p:attrName>
-                                        </p:attrNameLst>
-                                      </p:cBhvr>
-                                      <p:tavLst>
-                                        <p:tav tm="0">
-                                          <p:val>
-                                            <p:fltVal val="0"/>
-                                          </p:val>
-                                        </p:tav>
-                                        <p:tav tm="100000">
-                                          <p:val>
-                                            <p:strVal val="#ppt_h"/>
-                                          </p:val>
-                                        </p:tav>
-                                      </p:tavLst>
-                                    </p:anim>
-                                  </p:childTnLst>
-                                </p:cTn>
-                              </p:par>
-                            </p:childTnLst>
-                          </p:cTn>
-                        </p:par>
-                      </p:childTnLst>
-                    </p:cTn>
-                  </p:par>
-                  <p:par>
-                    <p:cTn id="9" fill="hold">
-                      <p:stCondLst>
-                        <p:cond delay="indefinite"/>
-                      </p:stCondLst>
-                      <p:childTnLst>
-                        <p:par>
-                          <p:cTn id="10" fill="hold">
-                            <p:stCondLst>
-                              <p:cond delay="0"/>
-                            </p:stCondLst>
-                            <p:childTnLst>
-                              <p:par>
-                                <p:cTn id="11" presetID="23" presetClass="entr" presetSubtype="16" fill="hold" nodeType="clickEffect">
-                                  <p:stCondLst>
-                                    <p:cond delay="0"/>
-                                  </p:stCondLst>
-                                  <p:childTnLst>
-                                    <p:set>
-                                      <p:cBhvr>
-                                        <p:cTn id="12" dur="1" fill="hold">
-                                          <p:stCondLst>
-                                            <p:cond delay="0"/>
-                                          </p:stCondLst>
-                                        </p:cTn>
-                                        <p:tgtEl>
-                                          <p:spTgt spid="5"/>
-                                        </p:tgtEl>
-                                        <p:attrNameLst>
-                                          <p:attrName>style.visibility</p:attrName>
-                                        </p:attrNameLst>
-                                      </p:cBhvr>
-                                      <p:to>
-                                        <p:strVal val="visible"/>
-                                      </p:to>
-                                    </p:set>
-                                    <p:anim calcmode="lin" valueType="num">
-                                      <p:cBhvr>
-                                        <p:cTn id="13" dur="500" fill="hold"/>
-                                        <p:tgtEl>
-                                          <p:spTgt spid="5"/>
-                                        </p:tgtEl>
-                                        <p:attrNameLst>
-                                          <p:attrName>ppt_w</p:attrName>
-                                        </p:attrNameLst>
-                                      </p:cBhvr>
-                                      <p:tavLst>
-                                        <p:tav tm="0">
-                                          <p:val>
-                                            <p:fltVal val="0"/>
-                                          </p:val>
-                                        </p:tav>
-                                        <p:tav tm="100000">
-                                          <p:val>
-                                            <p:strVal val="#ppt_w"/>
-                                          </p:val>
-                                        </p:tav>
-                                      </p:tavLst>
-                                    </p:anim>
-                                    <p:anim calcmode="lin" valueType="num">
-                                      <p:cBhvr>
-                                        <p:cTn id="14" dur="500" fill="hold"/>
-                                        <p:tgtEl>
-                                          <p:spTgt spid="5"/>
-                                        </p:tgtEl>
-                                        <p:attrNameLst>
-                                          <p:attrName>ppt_h</p:attrName>
-                                        </p:attrNameLst>
-                                      </p:cBhvr>
-                                      <p:tavLst>
-                                        <p:tav tm="0">
-                                          <p:val>
-                                            <p:fltVal val="0"/>
-                                          </p:val>
-                                        </p:tav>
-                                        <p:tav tm="100000">
-                                          <p:val>
-                                            <p:strVal val="#ppt_h"/>
-                                          </p:val>
-                                        </p:tav>
-                                      </p:tavLst>
-                                    </p:anim>
-                                  </p:childTnLst>
-                                </p:cTn>
-                              </p:par>
-                            </p:childTnLst>
-                          </p:cTn>
-                        </p:par>
-                      </p:childTnLst>
-                    </p:cTn>
-                  </p:par>
-                  <p:par>
-                    <p:cTn id="15" fill="hold">
-                      <p:stCondLst>
-                        <p:cond delay="indefinite"/>
-                      </p:stCondLst>
-                      <p:childTnLst>
-                        <p:par>
-                          <p:cTn id="16" fill="hold">
-                            <p:stCondLst>
-                              <p:cond delay="0"/>
-                            </p:stCondLst>
-                            <p:childTnLst>
-                              <p:par>
-                                <p:cTn id="17" presetID="23" presetClass="entr" presetSubtype="16" fill="hold" nodeType="clickEffect">
-                                  <p:stCondLst>
-                                    <p:cond delay="0"/>
-                                  </p:stCondLst>
-                                  <p:childTnLst>
-                                    <p:set>
-                                      <p:cBhvr>
-                                        <p:cTn id="18" dur="1" fill="hold">
-                                          <p:stCondLst>
-                                            <p:cond delay="0"/>
-                                          </p:stCondLst>
-                                        </p:cTn>
-                                        <p:tgtEl>
-                                          <p:spTgt spid="6"/>
-                                        </p:tgtEl>
-                                        <p:attrNameLst>
-                                          <p:attrName>style.visibility</p:attrName>
-                                        </p:attrNameLst>
-                                      </p:cBhvr>
-                                      <p:to>
-                                        <p:strVal val="visible"/>
-                                      </p:to>
-                                    </p:set>
-                                    <p:anim calcmode="lin" valueType="num">
-                                      <p:cBhvr>
-                                        <p:cTn id="19" dur="500" fill="hold"/>
-                                        <p:tgtEl>
-                                          <p:spTgt spid="6"/>
-                                        </p:tgtEl>
-                                        <p:attrNameLst>
-                                          <p:attrName>ppt_w</p:attrName>
-                                        </p:attrNameLst>
-                                      </p:cBhvr>
-                                      <p:tavLst>
-                                        <p:tav tm="0">
-                                          <p:val>
-                                            <p:fltVal val="0"/>
-                                          </p:val>
-                                        </p:tav>
-                                        <p:tav tm="100000">
-                                          <p:val>
-                                            <p:strVal val="#ppt_w"/>
-                                          </p:val>
-                                        </p:tav>
-                                      </p:tavLst>
-                                    </p:anim>
-                                    <p:anim calcmode="lin" valueType="num">
-                                      <p:cBhvr>
-                                        <p:cTn id="20" dur="500" fill="hold"/>
-                                        <p:tgtEl>
-                                          <p:spTgt spid="6"/>
-                                        </p:tgtEl>
-                                        <p:attrNameLst>
-                                          <p:attrName>ppt_h</p:attrName>
-                                        </p:attrNameLst>
-                                      </p:cBhvr>
-                                      <p:tavLst>
-                                        <p:tav tm="0">
-                                          <p:val>
-                                            <p:fltVal val="0"/>
-                                          </p:val>
-                                        </p:tav>
-                                        <p:tav tm="100000">
-                                          <p:val>
-                                            <p:strVal val="#ppt_h"/>
-                                          </p:val>
-                                        </p:tav>
-                                      </p:tavLst>
-                                    </p:anim>
-                                  </p:childTnLst>
-                                </p:cTn>
-                              </p:par>
-                            </p:childTnLst>
-                          </p:cTn>
-                        </p:par>
-                      </p:childTnLst>
-                    </p:cTn>
-                  </p:par>
-                </p:childTnLst>
-              </p:cTn>
-              <p:prevCondLst>
-                <p:cond evt="onPrev" delay="0">
-                  <p:tgtEl>
-                    <p:sldTgt/>
-                  </p:tgtEl>
-                </p:cond>
-              </p:prevCondLst>
-              <p:nextCondLst>
-                <p:cond evt="onNext" delay="0">
-                  <p:tgtEl>
-                    <p:sldTgt/>
-                  </p:tgtEl>
-                </p:cond>
-              </p:nextCondLst>
-            </p:seq>
-          </p:childTnLst>
-        </p:cTn>
+        <p:cTn id="1" dur="indefinite" restart="never" nodeType="tmRoot"/>
       </p:par>
     </p:tnLst>
   </p:timing>
@@ -11309,7 +9141,7 @@
     </a:clrScheme>
     <a:fontScheme name="Office">
       <a:majorFont>
-        <a:latin typeface="Calibri Light" panose="020F0302020204030204"/>
+        <a:latin typeface="Calibri Light"/>
         <a:ea typeface=""/>
         <a:cs typeface=""/>
         <a:font script="Jpan" typeface="游ゴシック Light"/>
@@ -11361,7 +9193,7 @@
         <a:font script="Tfng" typeface="Ebrima"/>
       </a:majorFont>
       <a:minorFont>
-        <a:latin typeface="Calibri" panose="020F0502020204030204"/>
+        <a:latin typeface="Calibri"/>
         <a:ea typeface=""/>
         <a:cs typeface=""/>
         <a:font script="Jpan" typeface="游ゴシック"/>
@@ -11555,7 +9387,7 @@
   <a:extraClrSchemeLst/>
   <a:extLst>
     <a:ext uri="{05A4C25C-085E-4340-85A3-A5531E510DB2}">
-      <thm15:themeFamily xmlns:thm15="http://schemas.microsoft.com/office/thememl/2012/main" name="Office Theme" id="{62F939B6-93AF-4DB8-9C6B-D6C7DFDC589F}" vid="{4A3C46E8-61CC-4603-A589-7422A47A8E4A}"/>
+      <thm15:themeFamily xmlns="" xmlns:thm15="http://schemas.microsoft.com/office/thememl/2012/main" name="Office Theme" id="{62F939B6-93AF-4DB8-9C6B-D6C7DFDC589F}" vid="{4A3C46E8-61CC-4603-A589-7422A47A8E4A}"/>
     </a:ext>
   </a:extLst>
 </a:theme>
